--- a/Science Fair Poster .pptx
+++ b/Science Fair Poster .pptx
@@ -110,7 +110,7 @@
   </p:defaultTextStyle>
   <p:extLst>
     <p:ext uri="{EFAFB233-063F-42B5-8137-9DF3F51BA10A}">
-      <p15:sldGuideLst xmlns:p15="http://schemas.microsoft.com/office/powerpoint/2012/main" xmlns="">
+      <p15:sldGuideLst xmlns="" xmlns:p15="http://schemas.microsoft.com/office/powerpoint/2012/main">
         <p15:guide id="1" orient="horz" pos="6912" userDrawn="1">
           <p15:clr>
             <a:srgbClr val="A4A3A4"/>
@@ -124,7 +124,7 @@
       </p15:sldGuideLst>
     </p:ext>
     <p:ext uri="{2D200454-40CA-4A62-9FC3-DE9A4176ACB9}">
-      <p15:notesGuideLst xmlns:p15="http://schemas.microsoft.com/office/powerpoint/2012/main" xmlns="">
+      <p15:notesGuideLst xmlns="" xmlns:p15="http://schemas.microsoft.com/office/powerpoint/2012/main">
         <p15:guide id="1" orient="horz" pos="2880" userDrawn="1">
           <p15:clr>
             <a:srgbClr val="A4A3A4"/>
@@ -240,22 +240,22 @@
                   <c:v>100.0</c:v>
                 </c:pt>
                 <c:pt idx="3">
-                  <c:v>46.66666666666666</c:v>
+                  <c:v>46.66666666666664</c:v>
                 </c:pt>
                 <c:pt idx="4">
-                  <c:v>46.66666666666666</c:v>
+                  <c:v>46.66666666666664</c:v>
                 </c:pt>
                 <c:pt idx="5">
-                  <c:v>46.66666666666666</c:v>
+                  <c:v>46.66666666666664</c:v>
                 </c:pt>
                 <c:pt idx="6">
-                  <c:v>46.66666666666666</c:v>
+                  <c:v>46.66666666666664</c:v>
                 </c:pt>
                 <c:pt idx="7">
-                  <c:v>46.66666666666666</c:v>
+                  <c:v>46.66666666666664</c:v>
                 </c:pt>
                 <c:pt idx="8">
-                  <c:v>46.66666666666666</c:v>
+                  <c:v>46.66666666666664</c:v>
                 </c:pt>
                 <c:pt idx="9">
                   <c:v>5.0</c:v>
@@ -288,8 +288,8 @@
           <c:showPercent val="0"/>
           <c:showBubbleSize val="0"/>
         </c:dLbls>
-        <c:axId val="-2133739944"/>
-        <c:axId val="-2131922616"/>
+        <c:axId val="2116193144"/>
+        <c:axId val="2116195784"/>
       </c:scatterChart>
       <c:scatterChart>
         <c:scatterStyle val="smoothMarker"/>
@@ -421,11 +421,11 @@
           <c:showPercent val="0"/>
           <c:showBubbleSize val="0"/>
         </c:dLbls>
-        <c:axId val="2132995048"/>
-        <c:axId val="-2132565048"/>
+        <c:axId val="2116191368"/>
+        <c:axId val="2116188344"/>
       </c:scatterChart>
       <c:valAx>
-        <c:axId val="-2133739944"/>
+        <c:axId val="2116193144"/>
         <c:scaling>
           <c:orientation val="minMax"/>
         </c:scaling>
@@ -471,12 +471,12 @@
             <a:endParaRPr lang="en-US"/>
           </a:p>
         </c:txPr>
-        <c:crossAx val="-2131922616"/>
+        <c:crossAx val="2116195784"/>
         <c:crosses val="autoZero"/>
         <c:crossBetween val="midCat"/>
       </c:valAx>
       <c:valAx>
-        <c:axId val="-2131922616"/>
+        <c:axId val="2116195784"/>
         <c:scaling>
           <c:orientation val="minMax"/>
         </c:scaling>
@@ -511,12 +511,12 @@
         <c:majorTickMark val="out"/>
         <c:minorTickMark val="none"/>
         <c:tickLblPos val="nextTo"/>
-        <c:crossAx val="-2133739944"/>
+        <c:crossAx val="2116193144"/>
         <c:crosses val="autoZero"/>
         <c:crossBetween val="midCat"/>
       </c:valAx>
       <c:valAx>
-        <c:axId val="2132995048"/>
+        <c:axId val="2116191368"/>
         <c:scaling>
           <c:orientation val="minMax"/>
         </c:scaling>
@@ -526,12 +526,12 @@
         <c:majorTickMark val="out"/>
         <c:minorTickMark val="none"/>
         <c:tickLblPos val="nextTo"/>
-        <c:crossAx val="-2132565048"/>
+        <c:crossAx val="2116188344"/>
         <c:crosses val="autoZero"/>
         <c:crossBetween val="midCat"/>
       </c:valAx>
       <c:valAx>
-        <c:axId val="-2132565048"/>
+        <c:axId val="2116188344"/>
         <c:scaling>
           <c:orientation val="minMax"/>
         </c:scaling>
@@ -565,7 +565,7 @@
         <c:majorTickMark val="out"/>
         <c:minorTickMark val="none"/>
         <c:tickLblPos val="nextTo"/>
-        <c:crossAx val="2132995048"/>
+        <c:crossAx val="2116191368"/>
         <c:crosses val="max"/>
         <c:crossBetween val="midCat"/>
       </c:valAx>
@@ -875,11 +875,11 @@
           <c:showPercent val="0"/>
           <c:showBubbleSize val="0"/>
         </c:dLbls>
-        <c:axId val="2138193496"/>
-        <c:axId val="2138179544"/>
+        <c:axId val="2116141224"/>
+        <c:axId val="2116135640"/>
       </c:scatterChart>
       <c:valAx>
-        <c:axId val="2138193496"/>
+        <c:axId val="2116141224"/>
         <c:scaling>
           <c:orientation val="minMax"/>
         </c:scaling>
@@ -925,12 +925,12 @@
             <a:endParaRPr lang="en-US"/>
           </a:p>
         </c:txPr>
-        <c:crossAx val="2138179544"/>
+        <c:crossAx val="2116135640"/>
         <c:crosses val="autoZero"/>
         <c:crossBetween val="midCat"/>
       </c:valAx>
       <c:valAx>
-        <c:axId val="2138179544"/>
+        <c:axId val="2116135640"/>
         <c:scaling>
           <c:orientation val="minMax"/>
           <c:min val="0.0"/>
@@ -966,7 +966,7 @@
         <c:majorTickMark val="out"/>
         <c:minorTickMark val="none"/>
         <c:tickLblPos val="nextTo"/>
-        <c:crossAx val="2138193496"/>
+        <c:crossAx val="2116141224"/>
         <c:crosses val="autoZero"/>
         <c:crossBetween val="midCat"/>
       </c:valAx>
@@ -1109,22 +1109,22 @@
                   <c:v>100.0</c:v>
                 </c:pt>
                 <c:pt idx="3">
-                  <c:v>46.66666666666666</c:v>
+                  <c:v>46.66666666666664</c:v>
                 </c:pt>
                 <c:pt idx="4">
-                  <c:v>46.66666666666666</c:v>
+                  <c:v>46.66666666666664</c:v>
                 </c:pt>
                 <c:pt idx="5">
-                  <c:v>46.66666666666666</c:v>
+                  <c:v>46.66666666666664</c:v>
                 </c:pt>
                 <c:pt idx="6">
-                  <c:v>46.66666666666666</c:v>
+                  <c:v>46.66666666666664</c:v>
                 </c:pt>
                 <c:pt idx="7">
-                  <c:v>46.66666666666666</c:v>
+                  <c:v>46.66666666666664</c:v>
                 </c:pt>
                 <c:pt idx="8">
-                  <c:v>46.66666666666666</c:v>
+                  <c:v>46.66666666666664</c:v>
                 </c:pt>
                 <c:pt idx="9">
                   <c:v>5.0</c:v>
@@ -1276,11 +1276,11 @@
           <c:showPercent val="0"/>
           <c:showBubbleSize val="0"/>
         </c:dLbls>
-        <c:axId val="-2131929320"/>
-        <c:axId val="-2133605432"/>
+        <c:axId val="2116102584"/>
+        <c:axId val="2116097096"/>
       </c:scatterChart>
       <c:valAx>
-        <c:axId val="-2131929320"/>
+        <c:axId val="2116102584"/>
         <c:scaling>
           <c:orientation val="minMax"/>
         </c:scaling>
@@ -1326,12 +1326,12 @@
             <a:endParaRPr lang="en-US"/>
           </a:p>
         </c:txPr>
-        <c:crossAx val="-2133605432"/>
+        <c:crossAx val="2116097096"/>
         <c:crosses val="autoZero"/>
         <c:crossBetween val="midCat"/>
       </c:valAx>
       <c:valAx>
-        <c:axId val="-2133605432"/>
+        <c:axId val="2116097096"/>
         <c:scaling>
           <c:orientation val="minMax"/>
         </c:scaling>
@@ -1366,7 +1366,2118 @@
         <c:majorTickMark val="out"/>
         <c:minorTickMark val="none"/>
         <c:tickLblPos val="nextTo"/>
-        <c:crossAx val="-2131929320"/>
+        <c:crossAx val="2116102584"/>
+        <c:crosses val="autoZero"/>
+        <c:crossBetween val="midCat"/>
+      </c:valAx>
+    </c:plotArea>
+    <c:legend>
+      <c:legendPos val="r"/>
+      <c:layout/>
+      <c:overlay val="0"/>
+    </c:legend>
+    <c:plotVisOnly val="1"/>
+    <c:dispBlanksAs val="gap"/>
+    <c:showDLblsOverMax val="0"/>
+  </c:chart>
+  <c:externalData r:id="rId1">
+    <c:autoUpdate val="0"/>
+  </c:externalData>
+</c:chartSpace>
+</file>
+
+<file path=ppt/charts/chart4.xml><?xml version="1.0" encoding="utf-8"?>
+<c:chartSpace xmlns:c="http://schemas.openxmlformats.org/drawingml/2006/chart" xmlns:a="http://schemas.openxmlformats.org/drawingml/2006/main" xmlns:r="http://schemas.openxmlformats.org/officeDocument/2006/relationships">
+  <c:date1904 val="0"/>
+  <c:lang val="en-US"/>
+  <c:roundedCorners val="0"/>
+  <mc:AlternateContent xmlns:mc="http://schemas.openxmlformats.org/markup-compatibility/2006">
+    <mc:Choice xmlns:c14="http://schemas.microsoft.com/office/drawing/2007/8/2/chart" Requires="c14">
+      <c14:style val="118"/>
+    </mc:Choice>
+    <mc:Fallback>
+      <c:style val="18"/>
+    </mc:Fallback>
+  </mc:AlternateContent>
+  <c:chart>
+    <c:title>
+      <c:tx>
+        <c:rich>
+          <a:bodyPr/>
+          <a:lstStyle/>
+          <a:p>
+            <a:pPr>
+              <a:defRPr/>
+            </a:pPr>
+            <a:r>
+              <a:rPr lang="en-US"/>
+              <a:t>Body</a:t>
+            </a:r>
+            <a:r>
+              <a:rPr lang="en-US" baseline="0"/>
+              <a:t> Cell Death With and Without Immune System</a:t>
+            </a:r>
+            <a:endParaRPr lang="en-US"/>
+          </a:p>
+        </c:rich>
+      </c:tx>
+      <c:layout/>
+      <c:overlay val="0"/>
+    </c:title>
+    <c:autoTitleDeleted val="0"/>
+    <c:plotArea>
+      <c:layout/>
+      <c:scatterChart>
+        <c:scatterStyle val="smoothMarker"/>
+        <c:varyColors val="0"/>
+        <c:ser>
+          <c:idx val="0"/>
+          <c:order val="0"/>
+          <c:tx>
+            <c:v>Without Immune System</c:v>
+          </c:tx>
+          <c:marker>
+            <c:symbol val="none"/>
+          </c:marker>
+          <c:xVal>
+            <c:numRef>
+              <c:f>'With Immune system'!$G$3:$G$36</c:f>
+              <c:numCache>
+                <c:formatCode>General</c:formatCode>
+                <c:ptCount val="34"/>
+                <c:pt idx="0">
+                  <c:v>1.0</c:v>
+                </c:pt>
+                <c:pt idx="1">
+                  <c:v>2.0</c:v>
+                </c:pt>
+                <c:pt idx="2">
+                  <c:v>3.0</c:v>
+                </c:pt>
+                <c:pt idx="3">
+                  <c:v>4.0</c:v>
+                </c:pt>
+                <c:pt idx="4">
+                  <c:v>5.0</c:v>
+                </c:pt>
+                <c:pt idx="5">
+                  <c:v>6.0</c:v>
+                </c:pt>
+                <c:pt idx="6">
+                  <c:v>7.0</c:v>
+                </c:pt>
+                <c:pt idx="7">
+                  <c:v>8.0</c:v>
+                </c:pt>
+                <c:pt idx="8">
+                  <c:v>9.0</c:v>
+                </c:pt>
+                <c:pt idx="9">
+                  <c:v>10.0</c:v>
+                </c:pt>
+                <c:pt idx="10">
+                  <c:v>11.0</c:v>
+                </c:pt>
+                <c:pt idx="11">
+                  <c:v>12.0</c:v>
+                </c:pt>
+                <c:pt idx="12">
+                  <c:v>13.0</c:v>
+                </c:pt>
+                <c:pt idx="13">
+                  <c:v>14.0</c:v>
+                </c:pt>
+                <c:pt idx="14">
+                  <c:v>15.0</c:v>
+                </c:pt>
+                <c:pt idx="15">
+                  <c:v>16.0</c:v>
+                </c:pt>
+                <c:pt idx="16">
+                  <c:v>17.0</c:v>
+                </c:pt>
+                <c:pt idx="17">
+                  <c:v>18.0</c:v>
+                </c:pt>
+                <c:pt idx="18">
+                  <c:v>19.0</c:v>
+                </c:pt>
+                <c:pt idx="19">
+                  <c:v>20.0</c:v>
+                </c:pt>
+                <c:pt idx="20">
+                  <c:v>21.0</c:v>
+                </c:pt>
+                <c:pt idx="21">
+                  <c:v>22.0</c:v>
+                </c:pt>
+                <c:pt idx="22">
+                  <c:v>23.0</c:v>
+                </c:pt>
+                <c:pt idx="23">
+                  <c:v>24.0</c:v>
+                </c:pt>
+                <c:pt idx="24">
+                  <c:v>25.0</c:v>
+                </c:pt>
+                <c:pt idx="25">
+                  <c:v>26.0</c:v>
+                </c:pt>
+                <c:pt idx="26">
+                  <c:v>27.0</c:v>
+                </c:pt>
+                <c:pt idx="27">
+                  <c:v>28.0</c:v>
+                </c:pt>
+                <c:pt idx="28">
+                  <c:v>29.0</c:v>
+                </c:pt>
+                <c:pt idx="29">
+                  <c:v>30.0</c:v>
+                </c:pt>
+                <c:pt idx="30">
+                  <c:v>31.0</c:v>
+                </c:pt>
+                <c:pt idx="31">
+                  <c:v>32.0</c:v>
+                </c:pt>
+                <c:pt idx="32">
+                  <c:v>33.0</c:v>
+                </c:pt>
+                <c:pt idx="33">
+                  <c:v>34.0</c:v>
+                </c:pt>
+              </c:numCache>
+            </c:numRef>
+          </c:xVal>
+          <c:yVal>
+            <c:numRef>
+              <c:f>'With Immune system'!$H$3:$H$36</c:f>
+              <c:numCache>
+                <c:formatCode>0.00</c:formatCode>
+                <c:ptCount val="34"/>
+                <c:pt idx="0">
+                  <c:v>100.0</c:v>
+                </c:pt>
+                <c:pt idx="1">
+                  <c:v>100.0</c:v>
+                </c:pt>
+                <c:pt idx="2">
+                  <c:v>100.0</c:v>
+                </c:pt>
+                <c:pt idx="3">
+                  <c:v>46.66666666666666</c:v>
+                </c:pt>
+                <c:pt idx="4">
+                  <c:v>46.66666666666666</c:v>
+                </c:pt>
+                <c:pt idx="5">
+                  <c:v>46.66666666666666</c:v>
+                </c:pt>
+                <c:pt idx="6">
+                  <c:v>46.66666666666666</c:v>
+                </c:pt>
+                <c:pt idx="7">
+                  <c:v>46.66666666666666</c:v>
+                </c:pt>
+                <c:pt idx="8">
+                  <c:v>46.66666666666666</c:v>
+                </c:pt>
+                <c:pt idx="9">
+                  <c:v>5.0</c:v>
+                </c:pt>
+                <c:pt idx="10">
+                  <c:v>2.333333333333333</c:v>
+                </c:pt>
+                <c:pt idx="11">
+                  <c:v>2.0</c:v>
+                </c:pt>
+                <c:pt idx="12">
+                  <c:v>1.0</c:v>
+                </c:pt>
+                <c:pt idx="13">
+                  <c:v>0.666666666666667</c:v>
+                </c:pt>
+                <c:pt idx="14">
+                  <c:v>0.666666666666667</c:v>
+                </c:pt>
+                <c:pt idx="15">
+                  <c:v>0.0</c:v>
+                </c:pt>
+                <c:pt idx="16">
+                  <c:v>0.0</c:v>
+                </c:pt>
+                <c:pt idx="17">
+                  <c:v>0.0</c:v>
+                </c:pt>
+                <c:pt idx="18">
+                  <c:v>0.0</c:v>
+                </c:pt>
+                <c:pt idx="19">
+                  <c:v>0.0</c:v>
+                </c:pt>
+                <c:pt idx="20">
+                  <c:v>0.0</c:v>
+                </c:pt>
+                <c:pt idx="21">
+                  <c:v>0.0</c:v>
+                </c:pt>
+                <c:pt idx="22">
+                  <c:v>0.0</c:v>
+                </c:pt>
+                <c:pt idx="23">
+                  <c:v>0.0</c:v>
+                </c:pt>
+                <c:pt idx="24">
+                  <c:v>0.0</c:v>
+                </c:pt>
+                <c:pt idx="25">
+                  <c:v>0.0</c:v>
+                </c:pt>
+                <c:pt idx="26">
+                  <c:v>0.0</c:v>
+                </c:pt>
+                <c:pt idx="27">
+                  <c:v>0.0</c:v>
+                </c:pt>
+                <c:pt idx="28">
+                  <c:v>0.0</c:v>
+                </c:pt>
+                <c:pt idx="29">
+                  <c:v>0.0</c:v>
+                </c:pt>
+                <c:pt idx="30">
+                  <c:v>0.0</c:v>
+                </c:pt>
+                <c:pt idx="31">
+                  <c:v>0.0</c:v>
+                </c:pt>
+                <c:pt idx="32">
+                  <c:v>0.0</c:v>
+                </c:pt>
+                <c:pt idx="33">
+                  <c:v>0.0</c:v>
+                </c:pt>
+              </c:numCache>
+            </c:numRef>
+          </c:yVal>
+          <c:smooth val="1"/>
+        </c:ser>
+        <c:ser>
+          <c:idx val="1"/>
+          <c:order val="1"/>
+          <c:tx>
+            <c:v>With Immune System</c:v>
+          </c:tx>
+          <c:marker>
+            <c:symbol val="none"/>
+          </c:marker>
+          <c:xVal>
+            <c:numRef>
+              <c:f>'With Immune system'!$G$3:$G$36</c:f>
+              <c:numCache>
+                <c:formatCode>General</c:formatCode>
+                <c:ptCount val="34"/>
+                <c:pt idx="0">
+                  <c:v>1.0</c:v>
+                </c:pt>
+                <c:pt idx="1">
+                  <c:v>2.0</c:v>
+                </c:pt>
+                <c:pt idx="2">
+                  <c:v>3.0</c:v>
+                </c:pt>
+                <c:pt idx="3">
+                  <c:v>4.0</c:v>
+                </c:pt>
+                <c:pt idx="4">
+                  <c:v>5.0</c:v>
+                </c:pt>
+                <c:pt idx="5">
+                  <c:v>6.0</c:v>
+                </c:pt>
+                <c:pt idx="6">
+                  <c:v>7.0</c:v>
+                </c:pt>
+                <c:pt idx="7">
+                  <c:v>8.0</c:v>
+                </c:pt>
+                <c:pt idx="8">
+                  <c:v>9.0</c:v>
+                </c:pt>
+                <c:pt idx="9">
+                  <c:v>10.0</c:v>
+                </c:pt>
+                <c:pt idx="10">
+                  <c:v>11.0</c:v>
+                </c:pt>
+                <c:pt idx="11">
+                  <c:v>12.0</c:v>
+                </c:pt>
+                <c:pt idx="12">
+                  <c:v>13.0</c:v>
+                </c:pt>
+                <c:pt idx="13">
+                  <c:v>14.0</c:v>
+                </c:pt>
+                <c:pt idx="14">
+                  <c:v>15.0</c:v>
+                </c:pt>
+                <c:pt idx="15">
+                  <c:v>16.0</c:v>
+                </c:pt>
+                <c:pt idx="16">
+                  <c:v>17.0</c:v>
+                </c:pt>
+                <c:pt idx="17">
+                  <c:v>18.0</c:v>
+                </c:pt>
+                <c:pt idx="18">
+                  <c:v>19.0</c:v>
+                </c:pt>
+                <c:pt idx="19">
+                  <c:v>20.0</c:v>
+                </c:pt>
+                <c:pt idx="20">
+                  <c:v>21.0</c:v>
+                </c:pt>
+                <c:pt idx="21">
+                  <c:v>22.0</c:v>
+                </c:pt>
+                <c:pt idx="22">
+                  <c:v>23.0</c:v>
+                </c:pt>
+                <c:pt idx="23">
+                  <c:v>24.0</c:v>
+                </c:pt>
+                <c:pt idx="24">
+                  <c:v>25.0</c:v>
+                </c:pt>
+                <c:pt idx="25">
+                  <c:v>26.0</c:v>
+                </c:pt>
+                <c:pt idx="26">
+                  <c:v>27.0</c:v>
+                </c:pt>
+                <c:pt idx="27">
+                  <c:v>28.0</c:v>
+                </c:pt>
+                <c:pt idx="28">
+                  <c:v>29.0</c:v>
+                </c:pt>
+                <c:pt idx="29">
+                  <c:v>30.0</c:v>
+                </c:pt>
+                <c:pt idx="30">
+                  <c:v>31.0</c:v>
+                </c:pt>
+                <c:pt idx="31">
+                  <c:v>32.0</c:v>
+                </c:pt>
+                <c:pt idx="32">
+                  <c:v>33.0</c:v>
+                </c:pt>
+                <c:pt idx="33">
+                  <c:v>34.0</c:v>
+                </c:pt>
+              </c:numCache>
+            </c:numRef>
+          </c:xVal>
+          <c:yVal>
+            <c:numRef>
+              <c:f>'With Immune system'!$I$3:$I$36</c:f>
+              <c:numCache>
+                <c:formatCode>General</c:formatCode>
+                <c:ptCount val="34"/>
+                <c:pt idx="0">
+                  <c:v>100.0</c:v>
+                </c:pt>
+                <c:pt idx="1">
+                  <c:v>100.0</c:v>
+                </c:pt>
+                <c:pt idx="2">
+                  <c:v>99.0</c:v>
+                </c:pt>
+                <c:pt idx="3">
+                  <c:v>98.0</c:v>
+                </c:pt>
+                <c:pt idx="4">
+                  <c:v>96.0</c:v>
+                </c:pt>
+                <c:pt idx="5">
+                  <c:v>95.0</c:v>
+                </c:pt>
+                <c:pt idx="6">
+                  <c:v>92.0</c:v>
+                </c:pt>
+                <c:pt idx="7">
+                  <c:v>90.0</c:v>
+                </c:pt>
+                <c:pt idx="8">
+                  <c:v>87.0</c:v>
+                </c:pt>
+                <c:pt idx="9">
+                  <c:v>85.0</c:v>
+                </c:pt>
+                <c:pt idx="10">
+                  <c:v>82.0</c:v>
+                </c:pt>
+                <c:pt idx="11">
+                  <c:v>80.0</c:v>
+                </c:pt>
+                <c:pt idx="12">
+                  <c:v>74.0</c:v>
+                </c:pt>
+                <c:pt idx="13">
+                  <c:v>73.0</c:v>
+                </c:pt>
+                <c:pt idx="14">
+                  <c:v>61.0</c:v>
+                </c:pt>
+                <c:pt idx="15">
+                  <c:v>59.0</c:v>
+                </c:pt>
+                <c:pt idx="16">
+                  <c:v>54.0</c:v>
+                </c:pt>
+                <c:pt idx="17">
+                  <c:v>43.0</c:v>
+                </c:pt>
+                <c:pt idx="18">
+                  <c:v>29.0</c:v>
+                </c:pt>
+                <c:pt idx="19">
+                  <c:v>22.0</c:v>
+                </c:pt>
+                <c:pt idx="20">
+                  <c:v>18.0</c:v>
+                </c:pt>
+                <c:pt idx="21">
+                  <c:v>16.0</c:v>
+                </c:pt>
+                <c:pt idx="22">
+                  <c:v>8.0</c:v>
+                </c:pt>
+                <c:pt idx="23">
+                  <c:v>7.0</c:v>
+                </c:pt>
+                <c:pt idx="24">
+                  <c:v>4.0</c:v>
+                </c:pt>
+                <c:pt idx="25">
+                  <c:v>4.0</c:v>
+                </c:pt>
+                <c:pt idx="26">
+                  <c:v>3.0</c:v>
+                </c:pt>
+                <c:pt idx="27">
+                  <c:v>3.0</c:v>
+                </c:pt>
+                <c:pt idx="28">
+                  <c:v>2.0</c:v>
+                </c:pt>
+                <c:pt idx="29">
+                  <c:v>1.0</c:v>
+                </c:pt>
+                <c:pt idx="30">
+                  <c:v>1.0</c:v>
+                </c:pt>
+                <c:pt idx="31">
+                  <c:v>1.0</c:v>
+                </c:pt>
+                <c:pt idx="32">
+                  <c:v>1.0</c:v>
+                </c:pt>
+                <c:pt idx="33">
+                  <c:v>1.0</c:v>
+                </c:pt>
+              </c:numCache>
+            </c:numRef>
+          </c:yVal>
+          <c:smooth val="1"/>
+        </c:ser>
+        <c:dLbls>
+          <c:showLegendKey val="0"/>
+          <c:showVal val="0"/>
+          <c:showCatName val="0"/>
+          <c:showSerName val="0"/>
+          <c:showPercent val="0"/>
+          <c:showBubbleSize val="0"/>
+        </c:dLbls>
+        <c:axId val="-2131651048"/>
+        <c:axId val="-2131696584"/>
+      </c:scatterChart>
+      <c:valAx>
+        <c:axId val="-2131651048"/>
+        <c:scaling>
+          <c:orientation val="minMax"/>
+        </c:scaling>
+        <c:delete val="0"/>
+        <c:axPos val="b"/>
+        <c:title>
+          <c:tx>
+            <c:rich>
+              <a:bodyPr/>
+              <a:lstStyle/>
+              <a:p>
+                <a:pPr>
+                  <a:defRPr/>
+                </a:pPr>
+                <a:r>
+                  <a:rPr lang="en-US"/>
+                  <a:t>Time(seconds)</a:t>
+                </a:r>
+              </a:p>
+            </c:rich>
+          </c:tx>
+          <c:layout/>
+          <c:overlay val="0"/>
+        </c:title>
+        <c:numFmt formatCode="General" sourceLinked="1"/>
+        <c:majorTickMark val="out"/>
+        <c:minorTickMark val="none"/>
+        <c:tickLblPos val="nextTo"/>
+        <c:txPr>
+          <a:bodyPr rot="0" vert="horz"/>
+          <a:lstStyle/>
+          <a:p>
+            <a:pPr>
+              <a:defRPr sz="1000" b="0" i="0" u="none" strike="noStrike" baseline="0">
+                <a:solidFill>
+                  <a:srgbClr val="000000"/>
+                </a:solidFill>
+                <a:latin typeface="Calibri"/>
+                <a:ea typeface="Calibri"/>
+                <a:cs typeface="Calibri"/>
+              </a:defRPr>
+            </a:pPr>
+            <a:endParaRPr lang="en-US"/>
+          </a:p>
+        </c:txPr>
+        <c:crossAx val="-2131696584"/>
+        <c:crosses val="autoZero"/>
+        <c:crossBetween val="midCat"/>
+      </c:valAx>
+      <c:valAx>
+        <c:axId val="-2131696584"/>
+        <c:scaling>
+          <c:orientation val="minMax"/>
+          <c:min val="0.0"/>
+        </c:scaling>
+        <c:delete val="0"/>
+        <c:axPos val="l"/>
+        <c:majorGridlines/>
+        <c:title>
+          <c:tx>
+            <c:rich>
+              <a:bodyPr rot="-5400000" vert="horz"/>
+              <a:lstStyle/>
+              <a:p>
+                <a:pPr>
+                  <a:defRPr/>
+                </a:pPr>
+                <a:r>
+                  <a:rPr lang="en-US"/>
+                  <a:t>Number</a:t>
+                </a:r>
+                <a:r>
+                  <a:rPr lang="en-US" baseline="0"/>
+                  <a:t> of Viruses</a:t>
+                </a:r>
+                <a:endParaRPr lang="en-US"/>
+              </a:p>
+            </c:rich>
+          </c:tx>
+          <c:layout/>
+          <c:overlay val="0"/>
+        </c:title>
+        <c:numFmt formatCode="0.00" sourceLinked="1"/>
+        <c:majorTickMark val="out"/>
+        <c:minorTickMark val="none"/>
+        <c:tickLblPos val="nextTo"/>
+        <c:crossAx val="-2131651048"/>
+        <c:crosses val="autoZero"/>
+        <c:crossBetween val="midCat"/>
+      </c:valAx>
+    </c:plotArea>
+    <c:legend>
+      <c:legendPos val="r"/>
+      <c:layout/>
+      <c:overlay val="0"/>
+    </c:legend>
+    <c:plotVisOnly val="1"/>
+    <c:dispBlanksAs val="gap"/>
+    <c:showDLblsOverMax val="0"/>
+  </c:chart>
+  <c:externalData r:id="rId1">
+    <c:autoUpdate val="0"/>
+  </c:externalData>
+</c:chartSpace>
+</file>
+
+<file path=ppt/charts/chart5.xml><?xml version="1.0" encoding="utf-8"?>
+<c:chartSpace xmlns:c="http://schemas.openxmlformats.org/drawingml/2006/chart" xmlns:a="http://schemas.openxmlformats.org/drawingml/2006/main" xmlns:r="http://schemas.openxmlformats.org/officeDocument/2006/relationships">
+  <c:date1904 val="0"/>
+  <c:lang val="en-US"/>
+  <c:roundedCorners val="0"/>
+  <mc:AlternateContent xmlns:mc="http://schemas.openxmlformats.org/markup-compatibility/2006">
+    <mc:Choice xmlns:c14="http://schemas.microsoft.com/office/drawing/2007/8/2/chart" Requires="c14">
+      <c14:style val="118"/>
+    </mc:Choice>
+    <mc:Fallback>
+      <c:style val="18"/>
+    </mc:Fallback>
+  </mc:AlternateContent>
+  <c:chart>
+    <c:title>
+      <c:tx>
+        <c:rich>
+          <a:bodyPr/>
+          <a:lstStyle/>
+          <a:p>
+            <a:pPr>
+              <a:defRPr/>
+            </a:pPr>
+            <a:r>
+              <a:rPr lang="en-US"/>
+              <a:t>Virus</a:t>
+            </a:r>
+            <a:r>
+              <a:rPr lang="en-US" baseline="0"/>
+              <a:t> Reproduction</a:t>
+            </a:r>
+            <a:endParaRPr lang="en-US"/>
+          </a:p>
+        </c:rich>
+      </c:tx>
+      <c:layout/>
+      <c:overlay val="0"/>
+    </c:title>
+    <c:autoTitleDeleted val="0"/>
+    <c:plotArea>
+      <c:layout/>
+      <c:scatterChart>
+        <c:scatterStyle val="smoothMarker"/>
+        <c:varyColors val="0"/>
+        <c:ser>
+          <c:idx val="0"/>
+          <c:order val="0"/>
+          <c:tx>
+            <c:v>Without the Immune System</c:v>
+          </c:tx>
+          <c:marker>
+            <c:symbol val="none"/>
+          </c:marker>
+          <c:xVal>
+            <c:numRef>
+              <c:f>'With Immune system'!$A$37:$A$70</c:f>
+              <c:numCache>
+                <c:formatCode>General</c:formatCode>
+                <c:ptCount val="34"/>
+                <c:pt idx="0">
+                  <c:v>1.0</c:v>
+                </c:pt>
+                <c:pt idx="1">
+                  <c:v>2.0</c:v>
+                </c:pt>
+                <c:pt idx="2">
+                  <c:v>3.0</c:v>
+                </c:pt>
+                <c:pt idx="3">
+                  <c:v>4.0</c:v>
+                </c:pt>
+                <c:pt idx="4">
+                  <c:v>5.0</c:v>
+                </c:pt>
+                <c:pt idx="5">
+                  <c:v>6.0</c:v>
+                </c:pt>
+                <c:pt idx="6">
+                  <c:v>7.0</c:v>
+                </c:pt>
+                <c:pt idx="7">
+                  <c:v>8.0</c:v>
+                </c:pt>
+                <c:pt idx="8">
+                  <c:v>9.0</c:v>
+                </c:pt>
+                <c:pt idx="9">
+                  <c:v>10.0</c:v>
+                </c:pt>
+                <c:pt idx="10">
+                  <c:v>11.0</c:v>
+                </c:pt>
+                <c:pt idx="11">
+                  <c:v>12.0</c:v>
+                </c:pt>
+                <c:pt idx="12">
+                  <c:v>13.0</c:v>
+                </c:pt>
+                <c:pt idx="13">
+                  <c:v>14.0</c:v>
+                </c:pt>
+                <c:pt idx="14">
+                  <c:v>15.0</c:v>
+                </c:pt>
+                <c:pt idx="15">
+                  <c:v>16.0</c:v>
+                </c:pt>
+                <c:pt idx="16">
+                  <c:v>17.0</c:v>
+                </c:pt>
+                <c:pt idx="17">
+                  <c:v>18.0</c:v>
+                </c:pt>
+                <c:pt idx="18">
+                  <c:v>19.0</c:v>
+                </c:pt>
+                <c:pt idx="19">
+                  <c:v>20.0</c:v>
+                </c:pt>
+                <c:pt idx="20">
+                  <c:v>21.0</c:v>
+                </c:pt>
+                <c:pt idx="21">
+                  <c:v>22.0</c:v>
+                </c:pt>
+                <c:pt idx="22">
+                  <c:v>23.0</c:v>
+                </c:pt>
+                <c:pt idx="23">
+                  <c:v>24.0</c:v>
+                </c:pt>
+                <c:pt idx="24">
+                  <c:v>25.0</c:v>
+                </c:pt>
+                <c:pt idx="25">
+                  <c:v>26.0</c:v>
+                </c:pt>
+                <c:pt idx="26">
+                  <c:v>27.0</c:v>
+                </c:pt>
+                <c:pt idx="27">
+                  <c:v>28.0</c:v>
+                </c:pt>
+                <c:pt idx="28">
+                  <c:v>29.0</c:v>
+                </c:pt>
+                <c:pt idx="29">
+                  <c:v>30.0</c:v>
+                </c:pt>
+                <c:pt idx="30">
+                  <c:v>31.0</c:v>
+                </c:pt>
+                <c:pt idx="31">
+                  <c:v>32.0</c:v>
+                </c:pt>
+                <c:pt idx="32">
+                  <c:v>33.0</c:v>
+                </c:pt>
+                <c:pt idx="33">
+                  <c:v>34.0</c:v>
+                </c:pt>
+              </c:numCache>
+            </c:numRef>
+          </c:xVal>
+          <c:yVal>
+            <c:numRef>
+              <c:f>'With Immune system'!$B$37:$B$70</c:f>
+              <c:numCache>
+                <c:formatCode>General</c:formatCode>
+                <c:ptCount val="34"/>
+                <c:pt idx="0">
+                  <c:v>1.0</c:v>
+                </c:pt>
+                <c:pt idx="1">
+                  <c:v>1.0</c:v>
+                </c:pt>
+                <c:pt idx="2">
+                  <c:v>1.0</c:v>
+                </c:pt>
+                <c:pt idx="3">
+                  <c:v>850.0</c:v>
+                </c:pt>
+                <c:pt idx="4">
+                  <c:v>849.0</c:v>
+                </c:pt>
+                <c:pt idx="5">
+                  <c:v>848.0</c:v>
+                </c:pt>
+                <c:pt idx="6">
+                  <c:v>848.0</c:v>
+                </c:pt>
+                <c:pt idx="7">
+                  <c:v>848.0</c:v>
+                </c:pt>
+                <c:pt idx="8">
+                  <c:v>1828.0</c:v>
+                </c:pt>
+                <c:pt idx="9">
+                  <c:v>1928.0</c:v>
+                </c:pt>
+                <c:pt idx="10">
+                  <c:v>1928.0</c:v>
+                </c:pt>
+                <c:pt idx="11">
+                  <c:v>1948.0</c:v>
+                </c:pt>
+                <c:pt idx="12">
+                  <c:v>1948.0</c:v>
+                </c:pt>
+                <c:pt idx="13">
+                  <c:v>1948.0</c:v>
+                </c:pt>
+                <c:pt idx="14">
+                  <c:v>1948.0</c:v>
+                </c:pt>
+                <c:pt idx="15">
+                  <c:v>1948.0</c:v>
+                </c:pt>
+                <c:pt idx="16">
+                  <c:v>1948.0</c:v>
+                </c:pt>
+                <c:pt idx="17">
+                  <c:v>1948.0</c:v>
+                </c:pt>
+                <c:pt idx="18">
+                  <c:v>1948.0</c:v>
+                </c:pt>
+                <c:pt idx="19">
+                  <c:v>1948.0</c:v>
+                </c:pt>
+                <c:pt idx="20">
+                  <c:v>1948.0</c:v>
+                </c:pt>
+                <c:pt idx="21">
+                  <c:v>1948.0</c:v>
+                </c:pt>
+                <c:pt idx="22">
+                  <c:v>1948.0</c:v>
+                </c:pt>
+                <c:pt idx="23">
+                  <c:v>1948.0</c:v>
+                </c:pt>
+                <c:pt idx="24">
+                  <c:v>1948.0</c:v>
+                </c:pt>
+                <c:pt idx="25">
+                  <c:v>1948.0</c:v>
+                </c:pt>
+                <c:pt idx="26">
+                  <c:v>1948.0</c:v>
+                </c:pt>
+                <c:pt idx="27">
+                  <c:v>1948.0</c:v>
+                </c:pt>
+                <c:pt idx="28">
+                  <c:v>1948.0</c:v>
+                </c:pt>
+                <c:pt idx="29">
+                  <c:v>1948.0</c:v>
+                </c:pt>
+                <c:pt idx="30">
+                  <c:v>1948.0</c:v>
+                </c:pt>
+                <c:pt idx="31">
+                  <c:v>1948.0</c:v>
+                </c:pt>
+                <c:pt idx="32">
+                  <c:v>1948.0</c:v>
+                </c:pt>
+                <c:pt idx="33">
+                  <c:v>1948.0</c:v>
+                </c:pt>
+              </c:numCache>
+            </c:numRef>
+          </c:yVal>
+          <c:smooth val="1"/>
+        </c:ser>
+        <c:ser>
+          <c:idx val="1"/>
+          <c:order val="1"/>
+          <c:tx>
+            <c:v>With the Immune System</c:v>
+          </c:tx>
+          <c:marker>
+            <c:symbol val="none"/>
+          </c:marker>
+          <c:xVal>
+            <c:numRef>
+              <c:f>'With Immune system'!$A$37:$A$70</c:f>
+              <c:numCache>
+                <c:formatCode>General</c:formatCode>
+                <c:ptCount val="34"/>
+                <c:pt idx="0">
+                  <c:v>1.0</c:v>
+                </c:pt>
+                <c:pt idx="1">
+                  <c:v>2.0</c:v>
+                </c:pt>
+                <c:pt idx="2">
+                  <c:v>3.0</c:v>
+                </c:pt>
+                <c:pt idx="3">
+                  <c:v>4.0</c:v>
+                </c:pt>
+                <c:pt idx="4">
+                  <c:v>5.0</c:v>
+                </c:pt>
+                <c:pt idx="5">
+                  <c:v>6.0</c:v>
+                </c:pt>
+                <c:pt idx="6">
+                  <c:v>7.0</c:v>
+                </c:pt>
+                <c:pt idx="7">
+                  <c:v>8.0</c:v>
+                </c:pt>
+                <c:pt idx="8">
+                  <c:v>9.0</c:v>
+                </c:pt>
+                <c:pt idx="9">
+                  <c:v>10.0</c:v>
+                </c:pt>
+                <c:pt idx="10">
+                  <c:v>11.0</c:v>
+                </c:pt>
+                <c:pt idx="11">
+                  <c:v>12.0</c:v>
+                </c:pt>
+                <c:pt idx="12">
+                  <c:v>13.0</c:v>
+                </c:pt>
+                <c:pt idx="13">
+                  <c:v>14.0</c:v>
+                </c:pt>
+                <c:pt idx="14">
+                  <c:v>15.0</c:v>
+                </c:pt>
+                <c:pt idx="15">
+                  <c:v>16.0</c:v>
+                </c:pt>
+                <c:pt idx="16">
+                  <c:v>17.0</c:v>
+                </c:pt>
+                <c:pt idx="17">
+                  <c:v>18.0</c:v>
+                </c:pt>
+                <c:pt idx="18">
+                  <c:v>19.0</c:v>
+                </c:pt>
+                <c:pt idx="19">
+                  <c:v>20.0</c:v>
+                </c:pt>
+                <c:pt idx="20">
+                  <c:v>21.0</c:v>
+                </c:pt>
+                <c:pt idx="21">
+                  <c:v>22.0</c:v>
+                </c:pt>
+                <c:pt idx="22">
+                  <c:v>23.0</c:v>
+                </c:pt>
+                <c:pt idx="23">
+                  <c:v>24.0</c:v>
+                </c:pt>
+                <c:pt idx="24">
+                  <c:v>25.0</c:v>
+                </c:pt>
+                <c:pt idx="25">
+                  <c:v>26.0</c:v>
+                </c:pt>
+                <c:pt idx="26">
+                  <c:v>27.0</c:v>
+                </c:pt>
+                <c:pt idx="27">
+                  <c:v>28.0</c:v>
+                </c:pt>
+                <c:pt idx="28">
+                  <c:v>29.0</c:v>
+                </c:pt>
+                <c:pt idx="29">
+                  <c:v>30.0</c:v>
+                </c:pt>
+                <c:pt idx="30">
+                  <c:v>31.0</c:v>
+                </c:pt>
+                <c:pt idx="31">
+                  <c:v>32.0</c:v>
+                </c:pt>
+                <c:pt idx="32">
+                  <c:v>33.0</c:v>
+                </c:pt>
+                <c:pt idx="33">
+                  <c:v>34.0</c:v>
+                </c:pt>
+              </c:numCache>
+            </c:numRef>
+          </c:xVal>
+          <c:yVal>
+            <c:numRef>
+              <c:f>'With Immune system'!$C$37:$C$70</c:f>
+              <c:numCache>
+                <c:formatCode>General</c:formatCode>
+                <c:ptCount val="34"/>
+                <c:pt idx="0">
+                  <c:v>1.0</c:v>
+                </c:pt>
+                <c:pt idx="1">
+                  <c:v>1.0</c:v>
+                </c:pt>
+                <c:pt idx="2">
+                  <c:v>1.0</c:v>
+                </c:pt>
+                <c:pt idx="3">
+                  <c:v>17.0</c:v>
+                </c:pt>
+                <c:pt idx="4">
+                  <c:v>6.0</c:v>
+                </c:pt>
+                <c:pt idx="5">
+                  <c:v>1.0</c:v>
+                </c:pt>
+                <c:pt idx="6">
+                  <c:v>1.0</c:v>
+                </c:pt>
+                <c:pt idx="7">
+                  <c:v>1.0</c:v>
+                </c:pt>
+                <c:pt idx="8">
+                  <c:v>59.0</c:v>
+                </c:pt>
+                <c:pt idx="9">
+                  <c:v>53.0</c:v>
+                </c:pt>
+                <c:pt idx="10">
+                  <c:v>103.0</c:v>
+                </c:pt>
+                <c:pt idx="11">
+                  <c:v>25.0</c:v>
+                </c:pt>
+                <c:pt idx="12">
+                  <c:v>59.0</c:v>
+                </c:pt>
+                <c:pt idx="13">
+                  <c:v>20.0</c:v>
+                </c:pt>
+                <c:pt idx="14">
+                  <c:v>202.0</c:v>
+                </c:pt>
+                <c:pt idx="15">
+                  <c:v>66.0</c:v>
+                </c:pt>
+                <c:pt idx="16">
+                  <c:v>58.0</c:v>
+                </c:pt>
+                <c:pt idx="17">
+                  <c:v>182.0</c:v>
+                </c:pt>
+                <c:pt idx="18">
+                  <c:v>325.0</c:v>
+                </c:pt>
+                <c:pt idx="19">
+                  <c:v>357.0</c:v>
+                </c:pt>
+                <c:pt idx="20">
+                  <c:v>337.0</c:v>
+                </c:pt>
+                <c:pt idx="21">
+                  <c:v>249.0</c:v>
+                </c:pt>
+                <c:pt idx="22">
+                  <c:v>328.0</c:v>
+                </c:pt>
+                <c:pt idx="23">
+                  <c:v>197.0</c:v>
+                </c:pt>
+                <c:pt idx="24">
+                  <c:v>122.0</c:v>
+                </c:pt>
+                <c:pt idx="25">
+                  <c:v>55.0</c:v>
+                </c:pt>
+                <c:pt idx="26">
+                  <c:v>33.0</c:v>
+                </c:pt>
+                <c:pt idx="27">
+                  <c:v>17.0</c:v>
+                </c:pt>
+                <c:pt idx="28">
+                  <c:v>26.0</c:v>
+                </c:pt>
+                <c:pt idx="29">
+                  <c:v>27.0</c:v>
+                </c:pt>
+                <c:pt idx="30">
+                  <c:v>10.0</c:v>
+                </c:pt>
+                <c:pt idx="31">
+                  <c:v>2.0</c:v>
+                </c:pt>
+                <c:pt idx="32">
+                  <c:v>1.0</c:v>
+                </c:pt>
+                <c:pt idx="33">
+                  <c:v>1.0</c:v>
+                </c:pt>
+              </c:numCache>
+            </c:numRef>
+          </c:yVal>
+          <c:smooth val="1"/>
+        </c:ser>
+        <c:dLbls>
+          <c:showLegendKey val="0"/>
+          <c:showVal val="0"/>
+          <c:showCatName val="0"/>
+          <c:showSerName val="0"/>
+          <c:showPercent val="0"/>
+          <c:showBubbleSize val="0"/>
+        </c:dLbls>
+        <c:axId val="-2121099640"/>
+        <c:axId val="-2122451672"/>
+      </c:scatterChart>
+      <c:valAx>
+        <c:axId val="-2121099640"/>
+        <c:scaling>
+          <c:orientation val="minMax"/>
+        </c:scaling>
+        <c:delete val="0"/>
+        <c:axPos val="b"/>
+        <c:title>
+          <c:tx>
+            <c:rich>
+              <a:bodyPr/>
+              <a:lstStyle/>
+              <a:p>
+                <a:pPr>
+                  <a:defRPr/>
+                </a:pPr>
+                <a:r>
+                  <a:rPr lang="en-US"/>
+                  <a:t>Time(seconds)</a:t>
+                </a:r>
+              </a:p>
+            </c:rich>
+          </c:tx>
+          <c:layout/>
+          <c:overlay val="0"/>
+        </c:title>
+        <c:numFmt formatCode="General" sourceLinked="1"/>
+        <c:majorTickMark val="out"/>
+        <c:minorTickMark val="none"/>
+        <c:tickLblPos val="nextTo"/>
+        <c:txPr>
+          <a:bodyPr rot="0" vert="horz"/>
+          <a:lstStyle/>
+          <a:p>
+            <a:pPr>
+              <a:defRPr sz="1000" b="0" i="0" u="none" strike="noStrike" baseline="0">
+                <a:solidFill>
+                  <a:srgbClr val="000000"/>
+                </a:solidFill>
+                <a:latin typeface="Calibri"/>
+                <a:ea typeface="Calibri"/>
+                <a:cs typeface="Calibri"/>
+              </a:defRPr>
+            </a:pPr>
+            <a:endParaRPr lang="en-US"/>
+          </a:p>
+        </c:txPr>
+        <c:crossAx val="-2122451672"/>
+        <c:crosses val="autoZero"/>
+        <c:crossBetween val="midCat"/>
+      </c:valAx>
+      <c:valAx>
+        <c:axId val="-2122451672"/>
+        <c:scaling>
+          <c:orientation val="minMax"/>
+        </c:scaling>
+        <c:delete val="0"/>
+        <c:axPos val="l"/>
+        <c:majorGridlines/>
+        <c:title>
+          <c:tx>
+            <c:rich>
+              <a:bodyPr rot="-5400000" vert="horz"/>
+              <a:lstStyle/>
+              <a:p>
+                <a:pPr>
+                  <a:defRPr/>
+                </a:pPr>
+                <a:r>
+                  <a:rPr lang="en-US"/>
+                  <a:t> Number</a:t>
+                </a:r>
+                <a:r>
+                  <a:rPr lang="en-US" baseline="0"/>
+                  <a:t> of Viruses</a:t>
+                </a:r>
+                <a:endParaRPr lang="en-US"/>
+              </a:p>
+            </c:rich>
+          </c:tx>
+          <c:layout/>
+          <c:overlay val="0"/>
+        </c:title>
+        <c:numFmt formatCode="General" sourceLinked="1"/>
+        <c:majorTickMark val="out"/>
+        <c:minorTickMark val="none"/>
+        <c:tickLblPos val="nextTo"/>
+        <c:crossAx val="-2121099640"/>
+        <c:crosses val="autoZero"/>
+        <c:crossBetween val="midCat"/>
+      </c:valAx>
+    </c:plotArea>
+    <c:legend>
+      <c:legendPos val="r"/>
+      <c:layout/>
+      <c:overlay val="0"/>
+    </c:legend>
+    <c:plotVisOnly val="1"/>
+    <c:dispBlanksAs val="gap"/>
+    <c:showDLblsOverMax val="0"/>
+  </c:chart>
+  <c:externalData r:id="rId1">
+    <c:autoUpdate val="0"/>
+  </c:externalData>
+</c:chartSpace>
+</file>
+
+<file path=ppt/charts/chart6.xml><?xml version="1.0" encoding="utf-8"?>
+<c:chartSpace xmlns:c="http://schemas.openxmlformats.org/drawingml/2006/chart" xmlns:a="http://schemas.openxmlformats.org/drawingml/2006/main" xmlns:r="http://schemas.openxmlformats.org/officeDocument/2006/relationships">
+  <c:date1904 val="0"/>
+  <c:lang val="en-US"/>
+  <c:roundedCorners val="0"/>
+  <mc:AlternateContent xmlns:mc="http://schemas.openxmlformats.org/markup-compatibility/2006">
+    <mc:Choice xmlns:c14="http://schemas.microsoft.com/office/drawing/2007/8/2/chart" Requires="c14">
+      <c14:style val="118"/>
+    </mc:Choice>
+    <mc:Fallback>
+      <c:style val="18"/>
+    </mc:Fallback>
+  </mc:AlternateContent>
+  <c:chart>
+    <c:title>
+      <c:tx>
+        <c:rich>
+          <a:bodyPr/>
+          <a:lstStyle/>
+          <a:p>
+            <a:pPr>
+              <a:defRPr/>
+            </a:pPr>
+            <a:r>
+              <a:rPr lang="en-US"/>
+              <a:t>Number</a:t>
+            </a:r>
+            <a:r>
+              <a:rPr lang="en-US" baseline="0"/>
+              <a:t> of Body Cells Dying With Bacteria </a:t>
+            </a:r>
+            <a:endParaRPr lang="en-US"/>
+          </a:p>
+        </c:rich>
+      </c:tx>
+      <c:layout>
+        <c:manualLayout>
+          <c:xMode val="edge"/>
+          <c:yMode val="edge"/>
+          <c:x val="0.13794750656168"/>
+          <c:y val="0.0416666666666667"/>
+        </c:manualLayout>
+      </c:layout>
+      <c:overlay val="0"/>
+    </c:title>
+    <c:autoTitleDeleted val="0"/>
+    <c:plotArea>
+      <c:layout/>
+      <c:scatterChart>
+        <c:scatterStyle val="smoothMarker"/>
+        <c:varyColors val="0"/>
+        <c:ser>
+          <c:idx val="0"/>
+          <c:order val="0"/>
+          <c:tx>
+            <c:v>Body Cells Dying</c:v>
+          </c:tx>
+          <c:marker>
+            <c:symbol val="none"/>
+          </c:marker>
+          <c:xVal>
+            <c:numRef>
+              <c:f>Sheet1!$A$1:$A$29</c:f>
+              <c:numCache>
+                <c:formatCode>General</c:formatCode>
+                <c:ptCount val="29"/>
+                <c:pt idx="0">
+                  <c:v>1.0</c:v>
+                </c:pt>
+                <c:pt idx="1">
+                  <c:v>2.0</c:v>
+                </c:pt>
+                <c:pt idx="2">
+                  <c:v>3.0</c:v>
+                </c:pt>
+                <c:pt idx="3">
+                  <c:v>4.0</c:v>
+                </c:pt>
+                <c:pt idx="4">
+                  <c:v>5.0</c:v>
+                </c:pt>
+                <c:pt idx="5">
+                  <c:v>6.0</c:v>
+                </c:pt>
+                <c:pt idx="6">
+                  <c:v>7.0</c:v>
+                </c:pt>
+                <c:pt idx="7">
+                  <c:v>8.0</c:v>
+                </c:pt>
+                <c:pt idx="8">
+                  <c:v>9.0</c:v>
+                </c:pt>
+                <c:pt idx="9">
+                  <c:v>10.0</c:v>
+                </c:pt>
+                <c:pt idx="10">
+                  <c:v>11.0</c:v>
+                </c:pt>
+                <c:pt idx="11">
+                  <c:v>12.0</c:v>
+                </c:pt>
+                <c:pt idx="12">
+                  <c:v>13.0</c:v>
+                </c:pt>
+                <c:pt idx="13">
+                  <c:v>14.0</c:v>
+                </c:pt>
+                <c:pt idx="14">
+                  <c:v>15.0</c:v>
+                </c:pt>
+                <c:pt idx="15">
+                  <c:v>16.0</c:v>
+                </c:pt>
+                <c:pt idx="16">
+                  <c:v>17.0</c:v>
+                </c:pt>
+                <c:pt idx="17">
+                  <c:v>18.0</c:v>
+                </c:pt>
+                <c:pt idx="18">
+                  <c:v>19.0</c:v>
+                </c:pt>
+                <c:pt idx="19">
+                  <c:v>20.0</c:v>
+                </c:pt>
+                <c:pt idx="20">
+                  <c:v>21.0</c:v>
+                </c:pt>
+                <c:pt idx="21">
+                  <c:v>22.0</c:v>
+                </c:pt>
+                <c:pt idx="22">
+                  <c:v>23.0</c:v>
+                </c:pt>
+                <c:pt idx="23">
+                  <c:v>24.0</c:v>
+                </c:pt>
+                <c:pt idx="24">
+                  <c:v>25.0</c:v>
+                </c:pt>
+                <c:pt idx="25">
+                  <c:v>26.0</c:v>
+                </c:pt>
+                <c:pt idx="26">
+                  <c:v>27.0</c:v>
+                </c:pt>
+                <c:pt idx="27">
+                  <c:v>28.0</c:v>
+                </c:pt>
+                <c:pt idx="28">
+                  <c:v>29.0</c:v>
+                </c:pt>
+              </c:numCache>
+            </c:numRef>
+          </c:xVal>
+          <c:yVal>
+            <c:numRef>
+              <c:f>Sheet1!$B$1:$B$29</c:f>
+              <c:numCache>
+                <c:formatCode>General</c:formatCode>
+                <c:ptCount val="29"/>
+                <c:pt idx="0">
+                  <c:v>10.0</c:v>
+                </c:pt>
+                <c:pt idx="1">
+                  <c:v>10.0</c:v>
+                </c:pt>
+                <c:pt idx="2">
+                  <c:v>10.0</c:v>
+                </c:pt>
+                <c:pt idx="3">
+                  <c:v>10.0</c:v>
+                </c:pt>
+                <c:pt idx="4">
+                  <c:v>9.0</c:v>
+                </c:pt>
+                <c:pt idx="5">
+                  <c:v>9.0</c:v>
+                </c:pt>
+                <c:pt idx="6">
+                  <c:v>9.0</c:v>
+                </c:pt>
+                <c:pt idx="7">
+                  <c:v>9.0</c:v>
+                </c:pt>
+                <c:pt idx="8">
+                  <c:v>9.0</c:v>
+                </c:pt>
+                <c:pt idx="9">
+                  <c:v>9.0</c:v>
+                </c:pt>
+                <c:pt idx="10">
+                  <c:v>8.0</c:v>
+                </c:pt>
+                <c:pt idx="11">
+                  <c:v>8.0</c:v>
+                </c:pt>
+                <c:pt idx="12">
+                  <c:v>6.0</c:v>
+                </c:pt>
+                <c:pt idx="13">
+                  <c:v>5.0</c:v>
+                </c:pt>
+                <c:pt idx="14">
+                  <c:v>5.0</c:v>
+                </c:pt>
+                <c:pt idx="15">
+                  <c:v>4.0</c:v>
+                </c:pt>
+                <c:pt idx="16">
+                  <c:v>4.0</c:v>
+                </c:pt>
+                <c:pt idx="17">
+                  <c:v>2.0</c:v>
+                </c:pt>
+                <c:pt idx="18">
+                  <c:v>2.0</c:v>
+                </c:pt>
+                <c:pt idx="19">
+                  <c:v>2.0</c:v>
+                </c:pt>
+                <c:pt idx="20">
+                  <c:v>2.0</c:v>
+                </c:pt>
+                <c:pt idx="21">
+                  <c:v>2.0</c:v>
+                </c:pt>
+                <c:pt idx="22">
+                  <c:v>2.0</c:v>
+                </c:pt>
+                <c:pt idx="23">
+                  <c:v>1.0</c:v>
+                </c:pt>
+                <c:pt idx="24">
+                  <c:v>1.0</c:v>
+                </c:pt>
+                <c:pt idx="25">
+                  <c:v>1.0</c:v>
+                </c:pt>
+                <c:pt idx="26">
+                  <c:v>1.0</c:v>
+                </c:pt>
+                <c:pt idx="27">
+                  <c:v>1.0</c:v>
+                </c:pt>
+                <c:pt idx="28">
+                  <c:v>0.0</c:v>
+                </c:pt>
+              </c:numCache>
+            </c:numRef>
+          </c:yVal>
+          <c:smooth val="1"/>
+        </c:ser>
+        <c:dLbls>
+          <c:showLegendKey val="0"/>
+          <c:showVal val="0"/>
+          <c:showCatName val="0"/>
+          <c:showSerName val="0"/>
+          <c:showPercent val="0"/>
+          <c:showBubbleSize val="0"/>
+        </c:dLbls>
+        <c:axId val="-2130698088"/>
+        <c:axId val="-2120166440"/>
+      </c:scatterChart>
+      <c:valAx>
+        <c:axId val="-2130698088"/>
+        <c:scaling>
+          <c:orientation val="minMax"/>
+        </c:scaling>
+        <c:delete val="0"/>
+        <c:axPos val="b"/>
+        <c:numFmt formatCode="General" sourceLinked="1"/>
+        <c:majorTickMark val="out"/>
+        <c:minorTickMark val="none"/>
+        <c:tickLblPos val="nextTo"/>
+        <c:txPr>
+          <a:bodyPr rot="0" vert="horz"/>
+          <a:lstStyle/>
+          <a:p>
+            <a:pPr>
+              <a:defRPr sz="1000" b="0" i="0" u="none" strike="noStrike" baseline="0">
+                <a:solidFill>
+                  <a:srgbClr val="000000"/>
+                </a:solidFill>
+                <a:latin typeface="Calibri"/>
+                <a:ea typeface="Calibri"/>
+                <a:cs typeface="Calibri"/>
+              </a:defRPr>
+            </a:pPr>
+            <a:endParaRPr lang="en-US"/>
+          </a:p>
+        </c:txPr>
+        <c:crossAx val="-2120166440"/>
+        <c:crosses val="autoZero"/>
+        <c:crossBetween val="midCat"/>
+      </c:valAx>
+      <c:valAx>
+        <c:axId val="-2120166440"/>
+        <c:scaling>
+          <c:orientation val="minMax"/>
+        </c:scaling>
+        <c:delete val="0"/>
+        <c:axPos val="l"/>
+        <c:majorGridlines/>
+        <c:numFmt formatCode="General" sourceLinked="1"/>
+        <c:majorTickMark val="out"/>
+        <c:minorTickMark val="none"/>
+        <c:tickLblPos val="nextTo"/>
+        <c:crossAx val="-2130698088"/>
+        <c:crosses val="autoZero"/>
+        <c:crossBetween val="midCat"/>
+      </c:valAx>
+    </c:plotArea>
+    <c:legend>
+      <c:legendPos val="r"/>
+      <c:layout/>
+      <c:overlay val="0"/>
+    </c:legend>
+    <c:plotVisOnly val="1"/>
+    <c:dispBlanksAs val="gap"/>
+    <c:showDLblsOverMax val="0"/>
+  </c:chart>
+  <c:externalData r:id="rId1">
+    <c:autoUpdate val="0"/>
+  </c:externalData>
+</c:chartSpace>
+</file>
+
+<file path=ppt/charts/chart7.xml><?xml version="1.0" encoding="utf-8"?>
+<c:chartSpace xmlns:c="http://schemas.openxmlformats.org/drawingml/2006/chart" xmlns:a="http://schemas.openxmlformats.org/drawingml/2006/main" xmlns:r="http://schemas.openxmlformats.org/officeDocument/2006/relationships">
+  <c:date1904 val="0"/>
+  <c:lang val="en-US"/>
+  <c:roundedCorners val="0"/>
+  <mc:AlternateContent xmlns:mc="http://schemas.openxmlformats.org/markup-compatibility/2006">
+    <mc:Choice xmlns:c14="http://schemas.microsoft.com/office/drawing/2007/8/2/chart" Requires="c14">
+      <c14:style val="118"/>
+    </mc:Choice>
+    <mc:Fallback>
+      <c:style val="18"/>
+    </mc:Fallback>
+  </mc:AlternateContent>
+  <c:chart>
+    <c:title>
+      <c:tx>
+        <c:rich>
+          <a:bodyPr/>
+          <a:lstStyle/>
+          <a:p>
+            <a:pPr>
+              <a:defRPr/>
+            </a:pPr>
+            <a:r>
+              <a:rPr lang="en-US"/>
+              <a:t>Body</a:t>
+            </a:r>
+            <a:r>
+              <a:rPr lang="en-US" baseline="0"/>
+              <a:t> Cell Death with Bacteria and Macrophages</a:t>
+            </a:r>
+            <a:endParaRPr lang="en-US"/>
+          </a:p>
+        </c:rich>
+      </c:tx>
+      <c:layout/>
+      <c:overlay val="0"/>
+    </c:title>
+    <c:autoTitleDeleted val="0"/>
+    <c:plotArea>
+      <c:layout/>
+      <c:scatterChart>
+        <c:scatterStyle val="smoothMarker"/>
+        <c:varyColors val="0"/>
+        <c:ser>
+          <c:idx val="0"/>
+          <c:order val="0"/>
+          <c:tx>
+            <c:v>Number of Body Cells Without Macrophages</c:v>
+          </c:tx>
+          <c:marker>
+            <c:symbol val="none"/>
+          </c:marker>
+          <c:xVal>
+            <c:numRef>
+              <c:f>Sheet1!$A$1:$A$29</c:f>
+              <c:numCache>
+                <c:formatCode>General</c:formatCode>
+                <c:ptCount val="29"/>
+                <c:pt idx="0">
+                  <c:v>1.0</c:v>
+                </c:pt>
+                <c:pt idx="1">
+                  <c:v>2.0</c:v>
+                </c:pt>
+                <c:pt idx="2">
+                  <c:v>3.0</c:v>
+                </c:pt>
+                <c:pt idx="3">
+                  <c:v>4.0</c:v>
+                </c:pt>
+                <c:pt idx="4">
+                  <c:v>5.0</c:v>
+                </c:pt>
+                <c:pt idx="5">
+                  <c:v>6.0</c:v>
+                </c:pt>
+                <c:pt idx="6">
+                  <c:v>7.0</c:v>
+                </c:pt>
+                <c:pt idx="7">
+                  <c:v>8.0</c:v>
+                </c:pt>
+                <c:pt idx="8">
+                  <c:v>9.0</c:v>
+                </c:pt>
+                <c:pt idx="9">
+                  <c:v>10.0</c:v>
+                </c:pt>
+                <c:pt idx="10">
+                  <c:v>11.0</c:v>
+                </c:pt>
+                <c:pt idx="11">
+                  <c:v>12.0</c:v>
+                </c:pt>
+                <c:pt idx="12">
+                  <c:v>13.0</c:v>
+                </c:pt>
+                <c:pt idx="13">
+                  <c:v>14.0</c:v>
+                </c:pt>
+                <c:pt idx="14">
+                  <c:v>15.0</c:v>
+                </c:pt>
+                <c:pt idx="15">
+                  <c:v>16.0</c:v>
+                </c:pt>
+                <c:pt idx="16">
+                  <c:v>17.0</c:v>
+                </c:pt>
+                <c:pt idx="17">
+                  <c:v>18.0</c:v>
+                </c:pt>
+                <c:pt idx="18">
+                  <c:v>19.0</c:v>
+                </c:pt>
+                <c:pt idx="19">
+                  <c:v>20.0</c:v>
+                </c:pt>
+                <c:pt idx="20">
+                  <c:v>21.0</c:v>
+                </c:pt>
+                <c:pt idx="21">
+                  <c:v>22.0</c:v>
+                </c:pt>
+                <c:pt idx="22">
+                  <c:v>23.0</c:v>
+                </c:pt>
+                <c:pt idx="23">
+                  <c:v>24.0</c:v>
+                </c:pt>
+                <c:pt idx="24">
+                  <c:v>25.0</c:v>
+                </c:pt>
+                <c:pt idx="25">
+                  <c:v>26.0</c:v>
+                </c:pt>
+                <c:pt idx="26">
+                  <c:v>27.0</c:v>
+                </c:pt>
+                <c:pt idx="27">
+                  <c:v>28.0</c:v>
+                </c:pt>
+                <c:pt idx="28">
+                  <c:v>29.0</c:v>
+                </c:pt>
+              </c:numCache>
+            </c:numRef>
+          </c:xVal>
+          <c:yVal>
+            <c:numRef>
+              <c:f>Sheet1!$B$1:$B$29</c:f>
+              <c:numCache>
+                <c:formatCode>General</c:formatCode>
+                <c:ptCount val="29"/>
+                <c:pt idx="0">
+                  <c:v>10.0</c:v>
+                </c:pt>
+                <c:pt idx="1">
+                  <c:v>10.0</c:v>
+                </c:pt>
+                <c:pt idx="2">
+                  <c:v>10.0</c:v>
+                </c:pt>
+                <c:pt idx="3">
+                  <c:v>10.0</c:v>
+                </c:pt>
+                <c:pt idx="4">
+                  <c:v>9.0</c:v>
+                </c:pt>
+                <c:pt idx="5">
+                  <c:v>9.0</c:v>
+                </c:pt>
+                <c:pt idx="6">
+                  <c:v>9.0</c:v>
+                </c:pt>
+                <c:pt idx="7">
+                  <c:v>9.0</c:v>
+                </c:pt>
+                <c:pt idx="8">
+                  <c:v>9.0</c:v>
+                </c:pt>
+                <c:pt idx="9">
+                  <c:v>9.0</c:v>
+                </c:pt>
+                <c:pt idx="10">
+                  <c:v>8.0</c:v>
+                </c:pt>
+                <c:pt idx="11">
+                  <c:v>8.0</c:v>
+                </c:pt>
+                <c:pt idx="12">
+                  <c:v>6.0</c:v>
+                </c:pt>
+                <c:pt idx="13">
+                  <c:v>5.0</c:v>
+                </c:pt>
+                <c:pt idx="14">
+                  <c:v>5.0</c:v>
+                </c:pt>
+                <c:pt idx="15">
+                  <c:v>4.0</c:v>
+                </c:pt>
+                <c:pt idx="16">
+                  <c:v>4.0</c:v>
+                </c:pt>
+                <c:pt idx="17">
+                  <c:v>2.0</c:v>
+                </c:pt>
+                <c:pt idx="18">
+                  <c:v>2.0</c:v>
+                </c:pt>
+                <c:pt idx="19">
+                  <c:v>2.0</c:v>
+                </c:pt>
+                <c:pt idx="20">
+                  <c:v>2.0</c:v>
+                </c:pt>
+                <c:pt idx="21">
+                  <c:v>2.0</c:v>
+                </c:pt>
+                <c:pt idx="22">
+                  <c:v>2.0</c:v>
+                </c:pt>
+                <c:pt idx="23">
+                  <c:v>1.0</c:v>
+                </c:pt>
+                <c:pt idx="24">
+                  <c:v>1.0</c:v>
+                </c:pt>
+                <c:pt idx="25">
+                  <c:v>1.0</c:v>
+                </c:pt>
+                <c:pt idx="26">
+                  <c:v>1.0</c:v>
+                </c:pt>
+                <c:pt idx="27">
+                  <c:v>1.0</c:v>
+                </c:pt>
+                <c:pt idx="28">
+                  <c:v>0.0</c:v>
+                </c:pt>
+              </c:numCache>
+            </c:numRef>
+          </c:yVal>
+          <c:smooth val="1"/>
+        </c:ser>
+        <c:ser>
+          <c:idx val="1"/>
+          <c:order val="1"/>
+          <c:tx>
+            <c:v>Number of Body Cells With Macrophages</c:v>
+          </c:tx>
+          <c:marker>
+            <c:symbol val="none"/>
+          </c:marker>
+          <c:xVal>
+            <c:numRef>
+              <c:f>Sheet1!$A$1:$A$29</c:f>
+              <c:numCache>
+                <c:formatCode>General</c:formatCode>
+                <c:ptCount val="29"/>
+                <c:pt idx="0">
+                  <c:v>1.0</c:v>
+                </c:pt>
+                <c:pt idx="1">
+                  <c:v>2.0</c:v>
+                </c:pt>
+                <c:pt idx="2">
+                  <c:v>3.0</c:v>
+                </c:pt>
+                <c:pt idx="3">
+                  <c:v>4.0</c:v>
+                </c:pt>
+                <c:pt idx="4">
+                  <c:v>5.0</c:v>
+                </c:pt>
+                <c:pt idx="5">
+                  <c:v>6.0</c:v>
+                </c:pt>
+                <c:pt idx="6">
+                  <c:v>7.0</c:v>
+                </c:pt>
+                <c:pt idx="7">
+                  <c:v>8.0</c:v>
+                </c:pt>
+                <c:pt idx="8">
+                  <c:v>9.0</c:v>
+                </c:pt>
+                <c:pt idx="9">
+                  <c:v>10.0</c:v>
+                </c:pt>
+                <c:pt idx="10">
+                  <c:v>11.0</c:v>
+                </c:pt>
+                <c:pt idx="11">
+                  <c:v>12.0</c:v>
+                </c:pt>
+                <c:pt idx="12">
+                  <c:v>13.0</c:v>
+                </c:pt>
+                <c:pt idx="13">
+                  <c:v>14.0</c:v>
+                </c:pt>
+                <c:pt idx="14">
+                  <c:v>15.0</c:v>
+                </c:pt>
+                <c:pt idx="15">
+                  <c:v>16.0</c:v>
+                </c:pt>
+                <c:pt idx="16">
+                  <c:v>17.0</c:v>
+                </c:pt>
+                <c:pt idx="17">
+                  <c:v>18.0</c:v>
+                </c:pt>
+                <c:pt idx="18">
+                  <c:v>19.0</c:v>
+                </c:pt>
+                <c:pt idx="19">
+                  <c:v>20.0</c:v>
+                </c:pt>
+                <c:pt idx="20">
+                  <c:v>21.0</c:v>
+                </c:pt>
+                <c:pt idx="21">
+                  <c:v>22.0</c:v>
+                </c:pt>
+                <c:pt idx="22">
+                  <c:v>23.0</c:v>
+                </c:pt>
+                <c:pt idx="23">
+                  <c:v>24.0</c:v>
+                </c:pt>
+                <c:pt idx="24">
+                  <c:v>25.0</c:v>
+                </c:pt>
+                <c:pt idx="25">
+                  <c:v>26.0</c:v>
+                </c:pt>
+                <c:pt idx="26">
+                  <c:v>27.0</c:v>
+                </c:pt>
+                <c:pt idx="27">
+                  <c:v>28.0</c:v>
+                </c:pt>
+                <c:pt idx="28">
+                  <c:v>29.0</c:v>
+                </c:pt>
+              </c:numCache>
+            </c:numRef>
+          </c:xVal>
+          <c:yVal>
+            <c:numRef>
+              <c:f>Sheet1!$C$1:$C$29</c:f>
+              <c:numCache>
+                <c:formatCode>General</c:formatCode>
+                <c:ptCount val="29"/>
+                <c:pt idx="0">
+                  <c:v>10.0</c:v>
+                </c:pt>
+                <c:pt idx="1">
+                  <c:v>10.0</c:v>
+                </c:pt>
+                <c:pt idx="2">
+                  <c:v>10.0</c:v>
+                </c:pt>
+                <c:pt idx="3">
+                  <c:v>10.0</c:v>
+                </c:pt>
+                <c:pt idx="4">
+                  <c:v>10.0</c:v>
+                </c:pt>
+                <c:pt idx="5">
+                  <c:v>9.0</c:v>
+                </c:pt>
+                <c:pt idx="6">
+                  <c:v>8.0</c:v>
+                </c:pt>
+                <c:pt idx="7">
+                  <c:v>8.0</c:v>
+                </c:pt>
+                <c:pt idx="8">
+                  <c:v>8.0</c:v>
+                </c:pt>
+                <c:pt idx="9">
+                  <c:v>8.0</c:v>
+                </c:pt>
+                <c:pt idx="10">
+                  <c:v>8.0</c:v>
+                </c:pt>
+                <c:pt idx="11">
+                  <c:v>8.0</c:v>
+                </c:pt>
+                <c:pt idx="12">
+                  <c:v>8.0</c:v>
+                </c:pt>
+                <c:pt idx="13">
+                  <c:v>8.0</c:v>
+                </c:pt>
+                <c:pt idx="14">
+                  <c:v>8.0</c:v>
+                </c:pt>
+                <c:pt idx="15">
+                  <c:v>8.0</c:v>
+                </c:pt>
+                <c:pt idx="16">
+                  <c:v>8.0</c:v>
+                </c:pt>
+                <c:pt idx="17">
+                  <c:v>8.0</c:v>
+                </c:pt>
+                <c:pt idx="18">
+                  <c:v>8.0</c:v>
+                </c:pt>
+                <c:pt idx="19">
+                  <c:v>8.0</c:v>
+                </c:pt>
+                <c:pt idx="20">
+                  <c:v>8.0</c:v>
+                </c:pt>
+                <c:pt idx="21">
+                  <c:v>7.0</c:v>
+                </c:pt>
+                <c:pt idx="22">
+                  <c:v>7.0</c:v>
+                </c:pt>
+                <c:pt idx="23">
+                  <c:v>7.0</c:v>
+                </c:pt>
+                <c:pt idx="24">
+                  <c:v>7.0</c:v>
+                </c:pt>
+                <c:pt idx="25">
+                  <c:v>7.0</c:v>
+                </c:pt>
+                <c:pt idx="26">
+                  <c:v>7.0</c:v>
+                </c:pt>
+                <c:pt idx="27">
+                  <c:v>7.0</c:v>
+                </c:pt>
+                <c:pt idx="28">
+                  <c:v>7.0</c:v>
+                </c:pt>
+              </c:numCache>
+            </c:numRef>
+          </c:yVal>
+          <c:smooth val="1"/>
+        </c:ser>
+        <c:dLbls>
+          <c:showLegendKey val="0"/>
+          <c:showVal val="0"/>
+          <c:showCatName val="0"/>
+          <c:showSerName val="0"/>
+          <c:showPercent val="0"/>
+          <c:showBubbleSize val="0"/>
+        </c:dLbls>
+        <c:axId val="-2115039256"/>
+        <c:axId val="-2115934216"/>
+      </c:scatterChart>
+      <c:valAx>
+        <c:axId val="-2115039256"/>
+        <c:scaling>
+          <c:orientation val="minMax"/>
+        </c:scaling>
+        <c:delete val="0"/>
+        <c:axPos val="b"/>
+        <c:numFmt formatCode="General" sourceLinked="1"/>
+        <c:majorTickMark val="out"/>
+        <c:minorTickMark val="none"/>
+        <c:tickLblPos val="nextTo"/>
+        <c:txPr>
+          <a:bodyPr rot="0" vert="horz"/>
+          <a:lstStyle/>
+          <a:p>
+            <a:pPr>
+              <a:defRPr sz="1000" b="0" i="0" u="none" strike="noStrike" baseline="0">
+                <a:solidFill>
+                  <a:srgbClr val="000000"/>
+                </a:solidFill>
+                <a:latin typeface="Calibri"/>
+                <a:ea typeface="Calibri"/>
+                <a:cs typeface="Calibri"/>
+              </a:defRPr>
+            </a:pPr>
+            <a:endParaRPr lang="en-US"/>
+          </a:p>
+        </c:txPr>
+        <c:crossAx val="-2115934216"/>
+        <c:crosses val="autoZero"/>
+        <c:crossBetween val="midCat"/>
+      </c:valAx>
+      <c:valAx>
+        <c:axId val="-2115934216"/>
+        <c:scaling>
+          <c:orientation val="minMax"/>
+        </c:scaling>
+        <c:delete val="0"/>
+        <c:axPos val="l"/>
+        <c:majorGridlines/>
+        <c:numFmt formatCode="General" sourceLinked="1"/>
+        <c:majorTickMark val="out"/>
+        <c:minorTickMark val="none"/>
+        <c:tickLblPos val="nextTo"/>
+        <c:crossAx val="-2115039256"/>
         <c:crosses val="autoZero"/>
         <c:crossBetween val="midCat"/>
       </c:valAx>
@@ -4787,7 +6898,7 @@
         </p:nvSpPr>
         <p:spPr>
           <a:xfrm>
-            <a:off x="9144000" y="4876800"/>
+            <a:off x="8991600" y="3708400"/>
             <a:ext cx="14935200" cy="6959600"/>
           </a:xfrm>
           <a:prstGeom prst="roundRect">
@@ -4843,7 +6954,7 @@
         </p:nvSpPr>
         <p:spPr>
           <a:xfrm>
-            <a:off x="1319341" y="611208"/>
+            <a:off x="1674941" y="509608"/>
             <a:ext cx="29447301" cy="3130172"/>
           </a:xfrm>
         </p:spPr>
@@ -4933,14 +7044,7 @@
                 <a:latin typeface="Century Gothic"/>
                 <a:cs typeface="Century Gothic"/>
               </a:rPr>
-              <a:t>A </a:t>
-            </a:r>
-            <a:r>
-              <a:rPr lang="en-US" sz="1800" dirty="0" smtClean="0">
-                <a:latin typeface="Century Gothic"/>
-                <a:cs typeface="Century Gothic"/>
-              </a:rPr>
-              <a:t>realistic immune system simulator </a:t>
+              <a:t>A realistic immune system simulator </a:t>
             </a:r>
             <a:r>
               <a:rPr lang="en-US" sz="1800" dirty="0" err="1" smtClean="0">
@@ -5559,117 +7663,6 @@
           </a:lstStyle>
           <a:p>
             <a:pPr algn="ctr"/>
-            <a:r>
-              <a:rPr lang="en-US" sz="2648" dirty="0">
-                <a:latin typeface="Century Gothic"/>
-                <a:cs typeface="Century Gothic"/>
-              </a:rPr>
-              <a:t>Materials</a:t>
-            </a:r>
-          </a:p>
-          <a:p>
-            <a:pPr fontAlgn="base"/>
-            <a:r>
-              <a:rPr lang="en-US" sz="2648" dirty="0">
-                <a:latin typeface="Century Gothic"/>
-                <a:cs typeface="Century Gothic"/>
-              </a:rPr>
-              <a:t>A </a:t>
-            </a:r>
-            <a:r>
-              <a:rPr lang="en-US" sz="2648" dirty="0" err="1">
-                <a:latin typeface="Century Gothic"/>
-                <a:cs typeface="Century Gothic"/>
-              </a:rPr>
-              <a:t>Mindstorm</a:t>
-            </a:r>
-            <a:r>
-              <a:rPr lang="en-US" sz="2648" dirty="0">
-                <a:latin typeface="Century Gothic"/>
-                <a:cs typeface="Century Gothic"/>
-              </a:rPr>
-              <a:t> Ev3 brick (brain)</a:t>
-            </a:r>
-          </a:p>
-          <a:p>
-            <a:pPr fontAlgn="base"/>
-            <a:r>
-              <a:rPr lang="en-US" sz="2648" dirty="0">
-                <a:latin typeface="Century Gothic"/>
-                <a:cs typeface="Century Gothic"/>
-              </a:rPr>
-              <a:t>An Ev3 color sensor</a:t>
-            </a:r>
-          </a:p>
-          <a:p>
-            <a:pPr fontAlgn="base"/>
-            <a:r>
-              <a:rPr lang="en-US" sz="2648" dirty="0">
-                <a:latin typeface="Century Gothic"/>
-                <a:cs typeface="Century Gothic"/>
-              </a:rPr>
-              <a:t>A Benjamin Moore Color Preview swatch (A color palette)</a:t>
-            </a:r>
-          </a:p>
-          <a:p>
-            <a:pPr fontAlgn="base"/>
-            <a:r>
-              <a:rPr lang="en-US" sz="2648" dirty="0">
-                <a:latin typeface="Century Gothic"/>
-                <a:cs typeface="Century Gothic"/>
-              </a:rPr>
-              <a:t>A computer</a:t>
-            </a:r>
-          </a:p>
-          <a:p>
-            <a:pPr fontAlgn="base"/>
-            <a:r>
-              <a:rPr lang="en-US" sz="2648" dirty="0" err="1">
-                <a:latin typeface="Century Gothic"/>
-                <a:cs typeface="Century Gothic"/>
-              </a:rPr>
-              <a:t>Mindstorm</a:t>
-            </a:r>
-            <a:r>
-              <a:rPr lang="en-US" sz="2648" dirty="0">
-                <a:latin typeface="Century Gothic"/>
-                <a:cs typeface="Century Gothic"/>
-              </a:rPr>
-              <a:t> Software</a:t>
-            </a:r>
-          </a:p>
-          <a:p>
-            <a:pPr fontAlgn="base"/>
-            <a:r>
-              <a:rPr lang="en-US" sz="2648" dirty="0">
-                <a:latin typeface="Century Gothic"/>
-                <a:cs typeface="Century Gothic"/>
-              </a:rPr>
-              <a:t>Light Dimmer (Switch)</a:t>
-            </a:r>
-          </a:p>
-          <a:p>
-            <a:pPr fontAlgn="base"/>
-            <a:r>
-              <a:rPr lang="en-US" sz="2648" dirty="0">
-                <a:latin typeface="Century Gothic"/>
-                <a:cs typeface="Century Gothic"/>
-              </a:rPr>
-              <a:t>Legos</a:t>
-            </a:r>
-          </a:p>
-          <a:p>
-            <a:pPr fontAlgn="base"/>
-            <a:r>
-              <a:rPr lang="en-US" sz="2648" dirty="0">
-                <a:latin typeface="Century Gothic"/>
-                <a:cs typeface="Century Gothic"/>
-              </a:rPr>
-              <a:t>A computer USB</a:t>
-            </a:r>
-          </a:p>
-          <a:p>
-            <a:pPr algn="ctr"/>
             <a:endParaRPr lang="en-US" sz="2648" dirty="0">
               <a:latin typeface="Century Gothic"/>
               <a:cs typeface="Century Gothic"/>
@@ -5687,7 +7680,7 @@
         </p:nvSpPr>
         <p:spPr>
           <a:xfrm>
-            <a:off x="9448801" y="5036774"/>
+            <a:off x="9448801" y="3919174"/>
             <a:ext cx="14325600" cy="7684728"/>
           </a:xfrm>
           <a:prstGeom prst="rect">
@@ -6269,16 +8262,10 @@
           <a:p>
             <a:pPr algn="ctr"/>
             <a:r>
-              <a:rPr lang="en-US" sz="2648" dirty="0"/>
-              <a:t>Conclusion</a:t>
-            </a:r>
-          </a:p>
-          <a:p>
-            <a:pPr algn="ctr"/>
-            <a:r>
-              <a:rPr lang="en-US" sz="2648" dirty="0"/>
-              <a:t>We learned that even though we thought that the colors red and green would be sensed more by the robot, the robot actually sensed all the colors the same. Also, the human eye can sense hues that the robotic sensor could not. </a:t>
-            </a:r>
+              <a:rPr lang="en-US" sz="2648" dirty="0" smtClean="0"/>
+              <a:t> </a:t>
+            </a:r>
+            <a:endParaRPr lang="en-US" sz="2648" dirty="0"/>
           </a:p>
         </p:txBody>
       </p:sp>
@@ -7316,7 +9303,14 @@
                 <a:latin typeface="Century Gothic"/>
                 <a:cs typeface="Century Gothic"/>
               </a:rPr>
-              <a:t>In these results, the effect was huge. The first chart shows the death of body cells without killer-T cells(blue) , and the death of body cells with killer-T cells(red). In this chart, the effect of the killer-T cells was not significant. However, the body cells died quicker than without killer-T cells. The second chart shows the amount of viruses with and without killer-T cells(red and blue). The impact was significant. The results without killer-T cells showed the virus population reaching almost 2000, while the population with killer-T cells reached less than 500. So, the killer-T cells killed a lot of viruses, but did not impact the amount of body cells as much.</a:t>
+              <a:t>       In </a:t>
+            </a:r>
+            <a:r>
+              <a:rPr lang="en-US" dirty="0" smtClean="0">
+                <a:latin typeface="Century Gothic"/>
+                <a:cs typeface="Century Gothic"/>
+              </a:rPr>
+              <a:t>these results, the effect was huge. The first chart shows the death of body cells without killer-T cells(blue) , and the death of body cells with killer-T cells(red). In this chart, the effect of the killer-T cells was not significant. However, the body cells died quicker than without killer-T cells. The second chart shows the amount of viruses with and without killer-T cells(red and blue). The impact was significant. The results without killer-T cells showed the virus population reaching almost 2000, while the population with killer-T cells reached less than 500. So, the killer-T cells killed a lot of viruses, but did not impact the amount of body cells as much.</a:t>
             </a:r>
           </a:p>
           <a:p>
@@ -7352,6 +9346,294 @@
           </a:graphicData>
         </a:graphic>
       </p:graphicFrame>
+      <p:sp>
+        <p:nvSpPr>
+          <p:cNvPr id="6" name="TextBox 5"/>
+          <p:cNvSpPr txBox="1"/>
+          <p:nvPr/>
+        </p:nvSpPr>
+        <p:spPr>
+          <a:xfrm>
+            <a:off x="22120703" y="13762543"/>
+            <a:ext cx="3394304" cy="1200329"/>
+          </a:xfrm>
+          <a:prstGeom prst="rect">
+            <a:avLst/>
+          </a:prstGeom>
+          <a:noFill/>
+        </p:spPr>
+        <p:txBody>
+          <a:bodyPr wrap="square" rtlCol="0">
+            <a:spAutoFit/>
+          </a:bodyPr>
+          <a:lstStyle/>
+          <a:p>
+            <a:r>
+              <a:rPr lang="en-US" dirty="0" smtClean="0">
+                <a:latin typeface="Century Gothic"/>
+                <a:cs typeface="Century Gothic"/>
+              </a:rPr>
+              <a:t>In my third experiment, I did a simulation with on virus and the entire immune system. </a:t>
+            </a:r>
+            <a:endParaRPr lang="en-US" dirty="0">
+              <a:latin typeface="Century Gothic"/>
+              <a:cs typeface="Century Gothic"/>
+            </a:endParaRPr>
+          </a:p>
+        </p:txBody>
+      </p:sp>
+      <p:graphicFrame>
+        <p:nvGraphicFramePr>
+          <p:cNvPr id="24" name="Chart 23"/>
+          <p:cNvGraphicFramePr>
+            <a:graphicFrameLocks/>
+          </p:cNvGraphicFramePr>
+          <p:nvPr>
+            <p:extLst>
+              <p:ext uri="{D42A27DB-BD31-4B8C-83A1-F6EECF244321}">
+                <p14:modId xmlns:p14="http://schemas.microsoft.com/office/powerpoint/2010/main" val="3790889612"/>
+              </p:ext>
+            </p:extLst>
+          </p:nvPr>
+        </p:nvGraphicFramePr>
+        <p:xfrm>
+          <a:off x="22213301" y="15124944"/>
+          <a:ext cx="3994421" cy="3325178"/>
+        </p:xfrm>
+        <a:graphic>
+          <a:graphicData uri="http://schemas.openxmlformats.org/drawingml/2006/chart">
+            <c:chart xmlns:c="http://schemas.openxmlformats.org/drawingml/2006/chart" xmlns:r="http://schemas.openxmlformats.org/officeDocument/2006/relationships" r:id="rId5"/>
+          </a:graphicData>
+        </a:graphic>
+      </p:graphicFrame>
+      <p:graphicFrame>
+        <p:nvGraphicFramePr>
+          <p:cNvPr id="26" name="Chart 25"/>
+          <p:cNvGraphicFramePr>
+            <a:graphicFrameLocks/>
+          </p:cNvGraphicFramePr>
+          <p:nvPr>
+            <p:extLst>
+              <p:ext uri="{D42A27DB-BD31-4B8C-83A1-F6EECF244321}">
+                <p14:modId xmlns:p14="http://schemas.microsoft.com/office/powerpoint/2010/main" val="2381244341"/>
+              </p:ext>
+            </p:extLst>
+          </p:nvPr>
+        </p:nvGraphicFramePr>
+        <p:xfrm>
+          <a:off x="22277967" y="18699258"/>
+          <a:ext cx="4572000" cy="2743200"/>
+        </p:xfrm>
+        <a:graphic>
+          <a:graphicData uri="http://schemas.openxmlformats.org/drawingml/2006/chart">
+            <c:chart xmlns:c="http://schemas.openxmlformats.org/drawingml/2006/chart" xmlns:r="http://schemas.openxmlformats.org/officeDocument/2006/relationships" r:id="rId6"/>
+          </a:graphicData>
+        </a:graphic>
+      </p:graphicFrame>
+      <p:sp>
+        <p:nvSpPr>
+          <p:cNvPr id="13" name="TextBox 12"/>
+          <p:cNvSpPr txBox="1"/>
+          <p:nvPr/>
+        </p:nvSpPr>
+        <p:spPr>
+          <a:xfrm>
+            <a:off x="27477700" y="15263492"/>
+            <a:ext cx="3740662" cy="5632312"/>
+          </a:xfrm>
+          <a:prstGeom prst="rect">
+            <a:avLst/>
+          </a:prstGeom>
+          <a:noFill/>
+        </p:spPr>
+        <p:txBody>
+          <a:bodyPr wrap="square" rtlCol="0">
+            <a:spAutoFit/>
+          </a:bodyPr>
+          <a:lstStyle/>
+          <a:p>
+            <a:r>
+              <a:rPr lang="en-US" dirty="0" smtClean="0">
+                <a:latin typeface="Century Gothic"/>
+                <a:cs typeface="Century Gothic"/>
+              </a:rPr>
+              <a:t>In these results, the effect was the most significant. The first chart shows the death of body cells with (red) and without(blue) the immune system.  The impact of the immune system shows that the cells without the immune system died much before the cells with the immune system did. In the second chart, the effect is also extremely large. The viruses without the immune system replicated much more than the viruses with the immune system. In fact, the viruses with the immune system died after awhile. So, the immune system impacted the body cells and the viruses the most. </a:t>
+            </a:r>
+            <a:endParaRPr lang="en-US" dirty="0">
+              <a:latin typeface="Century Gothic"/>
+              <a:cs typeface="Century Gothic"/>
+            </a:endParaRPr>
+          </a:p>
+        </p:txBody>
+      </p:sp>
+      <p:sp>
+        <p:nvSpPr>
+          <p:cNvPr id="15" name="TextBox 14"/>
+          <p:cNvSpPr txBox="1"/>
+          <p:nvPr/>
+        </p:nvSpPr>
+        <p:spPr>
+          <a:xfrm>
+            <a:off x="25603200" y="3911600"/>
+            <a:ext cx="6146800" cy="646331"/>
+          </a:xfrm>
+          <a:prstGeom prst="rect">
+            <a:avLst/>
+          </a:prstGeom>
+          <a:noFill/>
+        </p:spPr>
+        <p:txBody>
+          <a:bodyPr wrap="square" rtlCol="0">
+            <a:spAutoFit/>
+          </a:bodyPr>
+          <a:lstStyle/>
+          <a:p>
+            <a:r>
+              <a:rPr lang="en-US" dirty="0" smtClean="0"/>
+              <a:t>In my fourth experiment, I simulated a much slower infection with twenty staph bacteria and 10 body cells. </a:t>
+            </a:r>
+            <a:endParaRPr lang="en-US" dirty="0"/>
+          </a:p>
+        </p:txBody>
+      </p:sp>
+      <p:graphicFrame>
+        <p:nvGraphicFramePr>
+          <p:cNvPr id="30" name="Chart 29"/>
+          <p:cNvGraphicFramePr>
+            <a:graphicFrameLocks/>
+          </p:cNvGraphicFramePr>
+          <p:nvPr>
+            <p:extLst>
+              <p:ext uri="{D42A27DB-BD31-4B8C-83A1-F6EECF244321}">
+                <p14:modId xmlns:p14="http://schemas.microsoft.com/office/powerpoint/2010/main" val="1490716748"/>
+              </p:ext>
+            </p:extLst>
+          </p:nvPr>
+        </p:nvGraphicFramePr>
+        <p:xfrm>
+          <a:off x="25695361" y="4798164"/>
+          <a:ext cx="4572000" cy="2743200"/>
+        </p:xfrm>
+        <a:graphic>
+          <a:graphicData uri="http://schemas.openxmlformats.org/drawingml/2006/chart">
+            <c:chart xmlns:c="http://schemas.openxmlformats.org/drawingml/2006/chart" xmlns:r="http://schemas.openxmlformats.org/officeDocument/2006/relationships" r:id="rId7"/>
+          </a:graphicData>
+        </a:graphic>
+      </p:graphicFrame>
+      <p:sp>
+        <p:nvSpPr>
+          <p:cNvPr id="17" name="TextBox 16"/>
+          <p:cNvSpPr txBox="1"/>
+          <p:nvPr/>
+        </p:nvSpPr>
+        <p:spPr>
+          <a:xfrm>
+            <a:off x="25953726" y="7550926"/>
+            <a:ext cx="4687373" cy="646331"/>
+          </a:xfrm>
+          <a:prstGeom prst="rect">
+            <a:avLst/>
+          </a:prstGeom>
+          <a:noFill/>
+        </p:spPr>
+        <p:txBody>
+          <a:bodyPr wrap="square" rtlCol="0">
+            <a:spAutoFit/>
+          </a:bodyPr>
+          <a:lstStyle/>
+          <a:p>
+            <a:r>
+              <a:rPr lang="en-US" dirty="0" smtClean="0"/>
+              <a:t>In this experiment, the body cells died much slower. </a:t>
+            </a:r>
+            <a:endParaRPr lang="en-US" dirty="0"/>
+          </a:p>
+        </p:txBody>
+      </p:sp>
+      <p:sp>
+        <p:nvSpPr>
+          <p:cNvPr id="18" name="TextBox 17"/>
+          <p:cNvSpPr txBox="1"/>
+          <p:nvPr/>
+        </p:nvSpPr>
+        <p:spPr>
+          <a:xfrm>
+            <a:off x="25976817" y="8336038"/>
+            <a:ext cx="4641191" cy="923330"/>
+          </a:xfrm>
+          <a:prstGeom prst="rect">
+            <a:avLst/>
+          </a:prstGeom>
+          <a:noFill/>
+        </p:spPr>
+        <p:txBody>
+          <a:bodyPr wrap="square" rtlCol="0">
+            <a:spAutoFit/>
+          </a:bodyPr>
+          <a:lstStyle/>
+          <a:p>
+            <a:r>
+              <a:rPr lang="en-US" dirty="0" smtClean="0"/>
+              <a:t>In my fifth experiment, I added 10 macrophages with the same number of bacteria and body cells.</a:t>
+            </a:r>
+            <a:endParaRPr lang="en-US" dirty="0"/>
+          </a:p>
+        </p:txBody>
+      </p:sp>
+      <p:graphicFrame>
+        <p:nvGraphicFramePr>
+          <p:cNvPr id="32" name="Chart 31"/>
+          <p:cNvGraphicFramePr>
+            <a:graphicFrameLocks/>
+          </p:cNvGraphicFramePr>
+          <p:nvPr>
+            <p:extLst>
+              <p:ext uri="{D42A27DB-BD31-4B8C-83A1-F6EECF244321}">
+                <p14:modId xmlns:p14="http://schemas.microsoft.com/office/powerpoint/2010/main" val="1513096895"/>
+              </p:ext>
+            </p:extLst>
+          </p:nvPr>
+        </p:nvGraphicFramePr>
+        <p:xfrm>
+          <a:off x="26041720" y="9370285"/>
+          <a:ext cx="4572000" cy="2743200"/>
+        </p:xfrm>
+        <a:graphic>
+          <a:graphicData uri="http://schemas.openxmlformats.org/drawingml/2006/chart">
+            <c:chart xmlns:c="http://schemas.openxmlformats.org/drawingml/2006/chart" xmlns:r="http://schemas.openxmlformats.org/officeDocument/2006/relationships" r:id="rId8"/>
+          </a:graphicData>
+        </a:graphic>
+      </p:graphicFrame>
+      <p:sp>
+        <p:nvSpPr>
+          <p:cNvPr id="20" name="TextBox 19"/>
+          <p:cNvSpPr txBox="1"/>
+          <p:nvPr/>
+        </p:nvSpPr>
+        <p:spPr>
+          <a:xfrm>
+            <a:off x="26392446" y="12330870"/>
+            <a:ext cx="4087019" cy="1477328"/>
+          </a:xfrm>
+          <a:prstGeom prst="rect">
+            <a:avLst/>
+          </a:prstGeom>
+          <a:noFill/>
+        </p:spPr>
+        <p:txBody>
+          <a:bodyPr wrap="square" rtlCol="0">
+            <a:spAutoFit/>
+          </a:bodyPr>
+          <a:lstStyle/>
+          <a:p>
+            <a:r>
+              <a:rPr lang="en-US" dirty="0" smtClean="0"/>
+              <a:t>In this experiment, the impact was also significant. The body cells with the macrophages were saved, and in the test without the macrophages, all the body cells died. </a:t>
+            </a:r>
+            <a:endParaRPr lang="en-US" dirty="0"/>
+          </a:p>
+        </p:txBody>
+      </p:sp>
     </p:spTree>
     <p:extLst>
       <p:ext uri="{BB962C8B-B14F-4D97-AF65-F5344CB8AC3E}">
@@ -7973,7 +10255,7 @@
   <a:extraClrSchemeLst/>
   <a:extLst>
     <a:ext uri="{05A4C25C-085E-4340-85A3-A5531E510DB2}">
-      <thm15:themeFamily xmlns:thm15="http://schemas.microsoft.com/office/thememl/2012/main" xmlns="" name="Office Theme" id="{62F939B6-93AF-4DB8-9C6B-D6C7DFDC589F}" vid="{4A3C46E8-61CC-4603-A589-7422A47A8E4A}"/>
+      <thm15:themeFamily xmlns="" xmlns:thm15="http://schemas.microsoft.com/office/thememl/2012/main" name="Office Theme" id="{62F939B6-93AF-4DB8-9C6B-D6C7DFDC589F}" vid="{4A3C46E8-61CC-4603-A589-7422A47A8E4A}"/>
     </a:ext>
   </a:extLst>
 </a:theme>

--- a/Science Fair Poster .pptx
+++ b/Science Fair Poster .pptx
@@ -110,7 +110,7 @@
   </p:defaultTextStyle>
   <p:extLst>
     <p:ext uri="{EFAFB233-063F-42B5-8137-9DF3F51BA10A}">
-      <p15:sldGuideLst xmlns="" xmlns:p15="http://schemas.microsoft.com/office/powerpoint/2012/main">
+      <p15:sldGuideLst xmlns:p15="http://schemas.microsoft.com/office/powerpoint/2012/main" xmlns="">
         <p15:guide id="1" orient="horz" pos="6912" userDrawn="1">
           <p15:clr>
             <a:srgbClr val="A4A3A4"/>
@@ -124,7 +124,7 @@
       </p15:sldGuideLst>
     </p:ext>
     <p:ext uri="{2D200454-40CA-4A62-9FC3-DE9A4176ACB9}">
-      <p15:notesGuideLst xmlns="" xmlns:p15="http://schemas.microsoft.com/office/powerpoint/2012/main">
+      <p15:notesGuideLst xmlns:p15="http://schemas.microsoft.com/office/powerpoint/2012/main" xmlns="">
         <p15:guide id="1" orient="horz" pos="2880" userDrawn="1">
           <p15:clr>
             <a:srgbClr val="A4A3A4"/>
@@ -240,22 +240,22 @@
                   <c:v>100.0</c:v>
                 </c:pt>
                 <c:pt idx="3">
-                  <c:v>46.66666666666664</c:v>
+                  <c:v>46.66666666666663</c:v>
                 </c:pt>
                 <c:pt idx="4">
-                  <c:v>46.66666666666664</c:v>
+                  <c:v>46.66666666666663</c:v>
                 </c:pt>
                 <c:pt idx="5">
-                  <c:v>46.66666666666664</c:v>
+                  <c:v>46.66666666666663</c:v>
                 </c:pt>
                 <c:pt idx="6">
-                  <c:v>46.66666666666664</c:v>
+                  <c:v>46.66666666666663</c:v>
                 </c:pt>
                 <c:pt idx="7">
-                  <c:v>46.66666666666664</c:v>
+                  <c:v>46.66666666666663</c:v>
                 </c:pt>
                 <c:pt idx="8">
-                  <c:v>46.66666666666664</c:v>
+                  <c:v>46.66666666666663</c:v>
                 </c:pt>
                 <c:pt idx="9">
                   <c:v>5.0</c:v>
@@ -288,8 +288,8 @@
           <c:showPercent val="0"/>
           <c:showBubbleSize val="0"/>
         </c:dLbls>
-        <c:axId val="2116193144"/>
-        <c:axId val="2116195784"/>
+        <c:axId val="2088700408"/>
+        <c:axId val="2088705928"/>
       </c:scatterChart>
       <c:scatterChart>
         <c:scatterStyle val="smoothMarker"/>
@@ -421,11 +421,11 @@
           <c:showPercent val="0"/>
           <c:showBubbleSize val="0"/>
         </c:dLbls>
-        <c:axId val="2116191368"/>
-        <c:axId val="2116188344"/>
+        <c:axId val="2088711816"/>
+        <c:axId val="2088714936"/>
       </c:scatterChart>
       <c:valAx>
-        <c:axId val="2116193144"/>
+        <c:axId val="2088700408"/>
         <c:scaling>
           <c:orientation val="minMax"/>
         </c:scaling>
@@ -471,12 +471,12 @@
             <a:endParaRPr lang="en-US"/>
           </a:p>
         </c:txPr>
-        <c:crossAx val="2116195784"/>
+        <c:crossAx val="2088705928"/>
         <c:crosses val="autoZero"/>
         <c:crossBetween val="midCat"/>
       </c:valAx>
       <c:valAx>
-        <c:axId val="2116195784"/>
+        <c:axId val="2088705928"/>
         <c:scaling>
           <c:orientation val="minMax"/>
         </c:scaling>
@@ -511,12 +511,12 @@
         <c:majorTickMark val="out"/>
         <c:minorTickMark val="none"/>
         <c:tickLblPos val="nextTo"/>
-        <c:crossAx val="2116193144"/>
+        <c:crossAx val="2088700408"/>
         <c:crosses val="autoZero"/>
         <c:crossBetween val="midCat"/>
       </c:valAx>
       <c:valAx>
-        <c:axId val="2116191368"/>
+        <c:axId val="2088711816"/>
         <c:scaling>
           <c:orientation val="minMax"/>
         </c:scaling>
@@ -526,12 +526,12 @@
         <c:majorTickMark val="out"/>
         <c:minorTickMark val="none"/>
         <c:tickLblPos val="nextTo"/>
-        <c:crossAx val="2116188344"/>
+        <c:crossAx val="2088714936"/>
         <c:crosses val="autoZero"/>
         <c:crossBetween val="midCat"/>
       </c:valAx>
       <c:valAx>
-        <c:axId val="2116188344"/>
+        <c:axId val="2088714936"/>
         <c:scaling>
           <c:orientation val="minMax"/>
         </c:scaling>
@@ -565,7 +565,7 @@
         <c:majorTickMark val="out"/>
         <c:minorTickMark val="none"/>
         <c:tickLblPos val="nextTo"/>
-        <c:crossAx val="2116191368"/>
+        <c:crossAx val="2088711816"/>
         <c:crosses val="max"/>
         <c:crossBetween val="midCat"/>
       </c:valAx>
@@ -875,11 +875,11 @@
           <c:showPercent val="0"/>
           <c:showBubbleSize val="0"/>
         </c:dLbls>
-        <c:axId val="2116141224"/>
-        <c:axId val="2116135640"/>
+        <c:axId val="2087957096"/>
+        <c:axId val="2087951512"/>
       </c:scatterChart>
       <c:valAx>
-        <c:axId val="2116141224"/>
+        <c:axId val="2087957096"/>
         <c:scaling>
           <c:orientation val="minMax"/>
         </c:scaling>
@@ -925,12 +925,12 @@
             <a:endParaRPr lang="en-US"/>
           </a:p>
         </c:txPr>
-        <c:crossAx val="2116135640"/>
+        <c:crossAx val="2087951512"/>
         <c:crosses val="autoZero"/>
         <c:crossBetween val="midCat"/>
       </c:valAx>
       <c:valAx>
-        <c:axId val="2116135640"/>
+        <c:axId val="2087951512"/>
         <c:scaling>
           <c:orientation val="minMax"/>
           <c:min val="0.0"/>
@@ -966,7 +966,7 @@
         <c:majorTickMark val="out"/>
         <c:minorTickMark val="none"/>
         <c:tickLblPos val="nextTo"/>
-        <c:crossAx val="2116141224"/>
+        <c:crossAx val="2087957096"/>
         <c:crosses val="autoZero"/>
         <c:crossBetween val="midCat"/>
       </c:valAx>
@@ -1109,22 +1109,22 @@
                   <c:v>100.0</c:v>
                 </c:pt>
                 <c:pt idx="3">
-                  <c:v>46.66666666666664</c:v>
+                  <c:v>46.66666666666663</c:v>
                 </c:pt>
                 <c:pt idx="4">
-                  <c:v>46.66666666666664</c:v>
+                  <c:v>46.66666666666663</c:v>
                 </c:pt>
                 <c:pt idx="5">
-                  <c:v>46.66666666666664</c:v>
+                  <c:v>46.66666666666663</c:v>
                 </c:pt>
                 <c:pt idx="6">
-                  <c:v>46.66666666666664</c:v>
+                  <c:v>46.66666666666663</c:v>
                 </c:pt>
                 <c:pt idx="7">
-                  <c:v>46.66666666666664</c:v>
+                  <c:v>46.66666666666663</c:v>
                 </c:pt>
                 <c:pt idx="8">
-                  <c:v>46.66666666666664</c:v>
+                  <c:v>46.66666666666663</c:v>
                 </c:pt>
                 <c:pt idx="9">
                   <c:v>5.0</c:v>
@@ -1276,11 +1276,11 @@
           <c:showPercent val="0"/>
           <c:showBubbleSize val="0"/>
         </c:dLbls>
-        <c:axId val="2116102584"/>
-        <c:axId val="2116097096"/>
+        <c:axId val="2087918168"/>
+        <c:axId val="2087912696"/>
       </c:scatterChart>
       <c:valAx>
-        <c:axId val="2116102584"/>
+        <c:axId val="2087918168"/>
         <c:scaling>
           <c:orientation val="minMax"/>
         </c:scaling>
@@ -1326,12 +1326,12 @@
             <a:endParaRPr lang="en-US"/>
           </a:p>
         </c:txPr>
-        <c:crossAx val="2116097096"/>
+        <c:crossAx val="2087912696"/>
         <c:crosses val="autoZero"/>
         <c:crossBetween val="midCat"/>
       </c:valAx>
       <c:valAx>
-        <c:axId val="2116097096"/>
+        <c:axId val="2087912696"/>
         <c:scaling>
           <c:orientation val="minMax"/>
         </c:scaling>
@@ -1366,7 +1366,7 @@
         <c:majorTickMark val="out"/>
         <c:minorTickMark val="none"/>
         <c:tickLblPos val="nextTo"/>
-        <c:crossAx val="2116102584"/>
+        <c:crossAx val="2087918168"/>
         <c:crosses val="autoZero"/>
         <c:crossBetween val="midCat"/>
       </c:valAx>
@@ -1566,22 +1566,22 @@
                   <c:v>100.0</c:v>
                 </c:pt>
                 <c:pt idx="3">
-                  <c:v>46.66666666666666</c:v>
+                  <c:v>46.66666666666664</c:v>
                 </c:pt>
                 <c:pt idx="4">
-                  <c:v>46.66666666666666</c:v>
+                  <c:v>46.66666666666664</c:v>
                 </c:pt>
                 <c:pt idx="5">
-                  <c:v>46.66666666666666</c:v>
+                  <c:v>46.66666666666664</c:v>
                 </c:pt>
                 <c:pt idx="6">
-                  <c:v>46.66666666666666</c:v>
+                  <c:v>46.66666666666664</c:v>
                 </c:pt>
                 <c:pt idx="7">
-                  <c:v>46.66666666666666</c:v>
+                  <c:v>46.66666666666664</c:v>
                 </c:pt>
                 <c:pt idx="8">
-                  <c:v>46.66666666666666</c:v>
+                  <c:v>46.66666666666664</c:v>
                 </c:pt>
                 <c:pt idx="9">
                   <c:v>5.0</c:v>
@@ -1904,11 +1904,11 @@
           <c:showPercent val="0"/>
           <c:showBubbleSize val="0"/>
         </c:dLbls>
-        <c:axId val="-2131651048"/>
-        <c:axId val="-2131696584"/>
+        <c:axId val="2087880312"/>
+        <c:axId val="2087874728"/>
       </c:scatterChart>
       <c:valAx>
-        <c:axId val="-2131651048"/>
+        <c:axId val="2087880312"/>
         <c:scaling>
           <c:orientation val="minMax"/>
         </c:scaling>
@@ -1954,12 +1954,12 @@
             <a:endParaRPr lang="en-US"/>
           </a:p>
         </c:txPr>
-        <c:crossAx val="-2131696584"/>
+        <c:crossAx val="2087874728"/>
         <c:crosses val="autoZero"/>
         <c:crossBetween val="midCat"/>
       </c:valAx>
       <c:valAx>
-        <c:axId val="-2131696584"/>
+        <c:axId val="2087874728"/>
         <c:scaling>
           <c:orientation val="minMax"/>
           <c:min val="0.0"/>
@@ -1995,7 +1995,7 @@
         <c:majorTickMark val="out"/>
         <c:minorTickMark val="none"/>
         <c:tickLblPos val="nextTo"/>
-        <c:crossAx val="-2131651048"/>
+        <c:crossAx val="2087880312"/>
         <c:crosses val="autoZero"/>
         <c:crossBetween val="midCat"/>
       </c:valAx>
@@ -2533,11 +2533,11 @@
           <c:showPercent val="0"/>
           <c:showBubbleSize val="0"/>
         </c:dLbls>
-        <c:axId val="-2121099640"/>
-        <c:axId val="-2122451672"/>
+        <c:axId val="2087842824"/>
+        <c:axId val="2087837256"/>
       </c:scatterChart>
       <c:valAx>
-        <c:axId val="-2121099640"/>
+        <c:axId val="2087842824"/>
         <c:scaling>
           <c:orientation val="minMax"/>
         </c:scaling>
@@ -2583,12 +2583,12 @@
             <a:endParaRPr lang="en-US"/>
           </a:p>
         </c:txPr>
-        <c:crossAx val="-2122451672"/>
+        <c:crossAx val="2087837256"/>
         <c:crosses val="autoZero"/>
         <c:crossBetween val="midCat"/>
       </c:valAx>
       <c:valAx>
-        <c:axId val="-2122451672"/>
+        <c:axId val="2087837256"/>
         <c:scaling>
           <c:orientation val="minMax"/>
         </c:scaling>
@@ -2623,7 +2623,7 @@
         <c:majorTickMark val="out"/>
         <c:minorTickMark val="none"/>
         <c:tickLblPos val="nextTo"/>
-        <c:crossAx val="-2121099640"/>
+        <c:crossAx val="2087842824"/>
         <c:crosses val="autoZero"/>
         <c:crossBetween val="midCat"/>
       </c:valAx>
@@ -2905,11 +2905,11 @@
           <c:showPercent val="0"/>
           <c:showBubbleSize val="0"/>
         </c:dLbls>
-        <c:axId val="-2130698088"/>
-        <c:axId val="-2120166440"/>
+        <c:axId val="2087808328"/>
+        <c:axId val="2087805160"/>
       </c:scatterChart>
       <c:valAx>
-        <c:axId val="-2130698088"/>
+        <c:axId val="2087808328"/>
         <c:scaling>
           <c:orientation val="minMax"/>
         </c:scaling>
@@ -2936,12 +2936,12 @@
             <a:endParaRPr lang="en-US"/>
           </a:p>
         </c:txPr>
-        <c:crossAx val="-2120166440"/>
+        <c:crossAx val="2087805160"/>
         <c:crosses val="autoZero"/>
         <c:crossBetween val="midCat"/>
       </c:valAx>
       <c:valAx>
-        <c:axId val="-2120166440"/>
+        <c:axId val="2087805160"/>
         <c:scaling>
           <c:orientation val="minMax"/>
         </c:scaling>
@@ -2952,7 +2952,7 @@
         <c:majorTickMark val="out"/>
         <c:minorTickMark val="none"/>
         <c:tickLblPos val="nextTo"/>
-        <c:crossAx val="-2130698088"/>
+        <c:crossAx val="2087808328"/>
         <c:crosses val="autoZero"/>
         <c:crossBetween val="midCat"/>
       </c:valAx>
@@ -3430,11 +3430,11 @@
           <c:showPercent val="0"/>
           <c:showBubbleSize val="0"/>
         </c:dLbls>
-        <c:axId val="-2115039256"/>
-        <c:axId val="-2115934216"/>
+        <c:axId val="2087770376"/>
+        <c:axId val="2087767176"/>
       </c:scatterChart>
       <c:valAx>
-        <c:axId val="-2115039256"/>
+        <c:axId val="2087770376"/>
         <c:scaling>
           <c:orientation val="minMax"/>
         </c:scaling>
@@ -3461,12 +3461,12 @@
             <a:endParaRPr lang="en-US"/>
           </a:p>
         </c:txPr>
-        <c:crossAx val="-2115934216"/>
+        <c:crossAx val="2087767176"/>
         <c:crosses val="autoZero"/>
         <c:crossBetween val="midCat"/>
       </c:valAx>
       <c:valAx>
-        <c:axId val="-2115934216"/>
+        <c:axId val="2087767176"/>
         <c:scaling>
           <c:orientation val="minMax"/>
         </c:scaling>
@@ -3477,7 +3477,7 @@
         <c:majorTickMark val="out"/>
         <c:minorTickMark val="none"/>
         <c:tickLblPos val="nextTo"/>
-        <c:crossAx val="-2115039256"/>
+        <c:crossAx val="2087770376"/>
         <c:crosses val="autoZero"/>
         <c:crossBetween val="midCat"/>
       </c:valAx>
@@ -3579,7 +3579,7 @@
           <a:p>
             <a:fld id="{C774A270-9CA5-4E17-9448-1389142F63AE}" type="datetimeFigureOut">
               <a:rPr lang="en-US" smtClean="0"/>
-              <a:t>1/3/17</a:t>
+              <a:t>1/4/17</a:t>
             </a:fld>
             <a:endParaRPr lang="en-US"/>
           </a:p>
@@ -3846,6 +3846,90 @@
 </p:notesMaster>
 </file>
 
+<file path=ppt/notesSlides/notesSlide1.xml><?xml version="1.0" encoding="utf-8"?>
+<p:notes xmlns:a="http://schemas.openxmlformats.org/drawingml/2006/main" xmlns:r="http://schemas.openxmlformats.org/officeDocument/2006/relationships" xmlns:p="http://schemas.openxmlformats.org/presentationml/2006/main">
+  <p:cSld>
+    <p:spTree>
+      <p:nvGrpSpPr>
+        <p:cNvPr id="1" name=""/>
+        <p:cNvGrpSpPr/>
+        <p:nvPr/>
+      </p:nvGrpSpPr>
+      <p:grpSpPr>
+        <a:xfrm>
+          <a:off x="0" y="0"/>
+          <a:ext cx="0" cy="0"/>
+          <a:chOff x="0" y="0"/>
+          <a:chExt cx="0" cy="0"/>
+        </a:xfrm>
+      </p:grpSpPr>
+      <p:sp>
+        <p:nvSpPr>
+          <p:cNvPr id="2" name="Slide Image Placeholder 1"/>
+          <p:cNvSpPr>
+            <a:spLocks noGrp="1" noRot="1" noChangeAspect="1"/>
+          </p:cNvSpPr>
+          <p:nvPr>
+            <p:ph type="sldImg"/>
+          </p:nvPr>
+        </p:nvSpPr>
+        <p:spPr/>
+      </p:sp>
+      <p:sp>
+        <p:nvSpPr>
+          <p:cNvPr id="3" name="Notes Placeholder 2"/>
+          <p:cNvSpPr>
+            <a:spLocks noGrp="1"/>
+          </p:cNvSpPr>
+          <p:nvPr>
+            <p:ph type="body" idx="1"/>
+          </p:nvPr>
+        </p:nvSpPr>
+        <p:spPr/>
+        <p:txBody>
+          <a:bodyPr/>
+          <a:lstStyle/>
+          <a:p>
+            <a:endParaRPr lang="en-US" dirty="0"/>
+          </a:p>
+        </p:txBody>
+      </p:sp>
+      <p:sp>
+        <p:nvSpPr>
+          <p:cNvPr id="4" name="Slide Number Placeholder 3"/>
+          <p:cNvSpPr>
+            <a:spLocks noGrp="1"/>
+          </p:cNvSpPr>
+          <p:nvPr>
+            <p:ph type="sldNum" sz="quarter" idx="10"/>
+          </p:nvPr>
+        </p:nvSpPr>
+        <p:spPr/>
+        <p:txBody>
+          <a:bodyPr/>
+          <a:lstStyle/>
+          <a:p>
+            <a:fld id="{A7765C95-C3ED-4ED1-82E0-B99CB630F8E9}" type="slidenum">
+              <a:rPr lang="en-US" smtClean="0"/>
+              <a:t>1</a:t>
+            </a:fld>
+            <a:endParaRPr lang="en-US"/>
+          </a:p>
+        </p:txBody>
+      </p:sp>
+    </p:spTree>
+    <p:extLst>
+      <p:ext uri="{BB962C8B-B14F-4D97-AF65-F5344CB8AC3E}">
+        <p14:creationId xmlns:p14="http://schemas.microsoft.com/office/powerpoint/2010/main" val="4194493779"/>
+      </p:ext>
+    </p:extLst>
+  </p:cSld>
+  <p:clrMapOvr>
+    <a:masterClrMapping/>
+  </p:clrMapOvr>
+</p:notes>
+</file>
+
 <file path=ppt/slideLayouts/slideLayout1.xml><?xml version="1.0" encoding="utf-8"?>
 <p:sldLayout xmlns:a="http://schemas.openxmlformats.org/drawingml/2006/main" xmlns:r="http://schemas.openxmlformats.org/officeDocument/2006/relationships" xmlns:p="http://schemas.openxmlformats.org/presentationml/2006/main" type="title" preserve="1">
   <p:cSld name="Title Slide">
@@ -4027,7 +4111,7 @@
           <a:p>
             <a:fld id="{48A87A34-81AB-432B-8DAE-1953F412C126}" type="datetimeFigureOut">
               <a:rPr lang="en-US" smtClean="0"/>
-              <a:t>1/3/17</a:t>
+              <a:t>1/4/17</a:t>
             </a:fld>
             <a:endParaRPr lang="en-US" dirty="0"/>
           </a:p>
@@ -4198,7 +4282,7 @@
           <a:p>
             <a:fld id="{48A87A34-81AB-432B-8DAE-1953F412C126}" type="datetimeFigureOut">
               <a:rPr lang="en-US" smtClean="0"/>
-              <a:t>1/3/17</a:t>
+              <a:t>1/4/17</a:t>
             </a:fld>
             <a:endParaRPr lang="en-US" dirty="0"/>
           </a:p>
@@ -4379,7 +4463,7 @@
             <a:fld id="{48A87A34-81AB-432B-8DAE-1953F412C126}" type="datetimeFigureOut">
               <a:rPr lang="en-US" smtClean="0"/>
               <a:pPr/>
-              <a:t>1/3/17</a:t>
+              <a:t>1/4/17</a:t>
             </a:fld>
             <a:endParaRPr lang="en-US" dirty="0"/>
           </a:p>
@@ -4549,7 +4633,7 @@
           <a:p>
             <a:fld id="{48A87A34-81AB-432B-8DAE-1953F412C126}" type="datetimeFigureOut">
               <a:rPr lang="en-US" smtClean="0"/>
-              <a:t>1/3/17</a:t>
+              <a:t>1/4/17</a:t>
             </a:fld>
             <a:endParaRPr lang="en-US" dirty="0"/>
           </a:p>
@@ -4796,7 +4880,7 @@
             <a:fld id="{48A87A34-81AB-432B-8DAE-1953F412C126}" type="datetimeFigureOut">
               <a:rPr lang="en-US" smtClean="0"/>
               <a:pPr/>
-              <a:t>1/3/17</a:t>
+              <a:t>1/4/17</a:t>
             </a:fld>
             <a:endParaRPr lang="en-US" dirty="0"/>
           </a:p>
@@ -5084,7 +5168,7 @@
           <a:p>
             <a:fld id="{48A87A34-81AB-432B-8DAE-1953F412C126}" type="datetimeFigureOut">
               <a:rPr lang="en-US" smtClean="0"/>
-              <a:t>1/3/17</a:t>
+              <a:t>1/4/17</a:t>
             </a:fld>
             <a:endParaRPr lang="en-US" dirty="0"/>
           </a:p>
@@ -5506,7 +5590,7 @@
           <a:p>
             <a:fld id="{48A87A34-81AB-432B-8DAE-1953F412C126}" type="datetimeFigureOut">
               <a:rPr lang="en-US" smtClean="0"/>
-              <a:t>1/3/17</a:t>
+              <a:t>1/4/17</a:t>
             </a:fld>
             <a:endParaRPr lang="en-US" dirty="0"/>
           </a:p>
@@ -5624,7 +5708,7 @@
           <a:p>
             <a:fld id="{48A87A34-81AB-432B-8DAE-1953F412C126}" type="datetimeFigureOut">
               <a:rPr lang="en-US" smtClean="0"/>
-              <a:t>1/3/17</a:t>
+              <a:t>1/4/17</a:t>
             </a:fld>
             <a:endParaRPr lang="en-US" dirty="0"/>
           </a:p>
@@ -5719,7 +5803,7 @@
           <a:p>
             <a:fld id="{48A87A34-81AB-432B-8DAE-1953F412C126}" type="datetimeFigureOut">
               <a:rPr lang="en-US" smtClean="0"/>
-              <a:t>1/3/17</a:t>
+              <a:t>1/4/17</a:t>
             </a:fld>
             <a:endParaRPr lang="en-US" dirty="0"/>
           </a:p>
@@ -5996,7 +6080,7 @@
           <a:p>
             <a:fld id="{48A87A34-81AB-432B-8DAE-1953F412C126}" type="datetimeFigureOut">
               <a:rPr lang="en-US" smtClean="0"/>
-              <a:t>1/3/17</a:t>
+              <a:t>1/4/17</a:t>
             </a:fld>
             <a:endParaRPr lang="en-US" dirty="0"/>
           </a:p>
@@ -6254,7 +6338,7 @@
           <a:p>
             <a:fld id="{48A87A34-81AB-432B-8DAE-1953F412C126}" type="datetimeFigureOut">
               <a:rPr lang="en-US" smtClean="0"/>
-              <a:t>1/3/17</a:t>
+              <a:t>1/4/17</a:t>
             </a:fld>
             <a:endParaRPr lang="en-US" dirty="0"/>
           </a:p>
@@ -6468,7 +6552,7 @@
             <a:fld id="{48A87A34-81AB-432B-8DAE-1953F412C126}" type="datetimeFigureOut">
               <a:rPr lang="en-US" smtClean="0"/>
               <a:pPr/>
-              <a:t>1/3/17</a:t>
+              <a:t>1/4/17</a:t>
             </a:fld>
             <a:endParaRPr lang="en-US" dirty="0"/>
           </a:p>
@@ -6898,8 +6982,8 @@
         </p:nvSpPr>
         <p:spPr>
           <a:xfrm>
-            <a:off x="8991600" y="3708400"/>
-            <a:ext cx="14935200" cy="6959600"/>
+            <a:off x="9305472" y="2817164"/>
+            <a:ext cx="15793906" cy="6996731"/>
           </a:xfrm>
           <a:prstGeom prst="roundRect">
             <a:avLst/>
@@ -6954,8 +7038,8 @@
         </p:nvSpPr>
         <p:spPr>
           <a:xfrm>
-            <a:off x="1674941" y="509608"/>
-            <a:ext cx="29447301" cy="3130172"/>
+            <a:off x="2275307" y="0"/>
+            <a:ext cx="29447301" cy="2932623"/>
           </a:xfrm>
         </p:spPr>
         <p:txBody>
@@ -7680,8 +7764,8 @@
         </p:nvSpPr>
         <p:spPr>
           <a:xfrm>
-            <a:off x="9448801" y="3919174"/>
-            <a:ext cx="14325600" cy="7684728"/>
+            <a:off x="9448800" y="2863348"/>
+            <a:ext cx="15465853" cy="8740554"/>
           </a:xfrm>
           <a:prstGeom prst="rect">
             <a:avLst/>
@@ -7866,9 +7950,13 @@
             </a:r>
           </a:p>
           <a:p>
-            <a:pPr algn="ctr"/>
-            <a:r>
-              <a:rPr lang="en-US" sz="1800" dirty="0" smtClean="0">
+            <a:pPr algn="ctr">
+              <a:lnSpc>
+                <a:spcPct val="100000"/>
+              </a:lnSpc>
+            </a:pPr>
+            <a:r>
+              <a:rPr lang="en-US" sz="2000" dirty="0" smtClean="0">
                 <a:latin typeface="Century Gothic"/>
                 <a:cs typeface="Century Gothic"/>
               </a:rPr>
@@ -7877,12 +7965,15 @@
           </a:p>
           <a:p>
             <a:pPr algn="ctr">
+              <a:lnSpc>
+                <a:spcPct val="100000"/>
+              </a:lnSpc>
               <a:spcBef>
                 <a:spcPts val="1000"/>
               </a:spcBef>
             </a:pPr>
             <a:r>
-              <a:rPr lang="en-US" sz="1800" dirty="0" smtClean="0">
+              <a:rPr lang="en-US" sz="2000" dirty="0" smtClean="0">
                 <a:latin typeface="Century Gothic"/>
                 <a:cs typeface="Century Gothic"/>
               </a:rPr>
@@ -7891,26 +7982,29 @@
           </a:p>
           <a:p>
             <a:pPr algn="ctr">
+              <a:lnSpc>
+                <a:spcPct val="100000"/>
+              </a:lnSpc>
               <a:spcBef>
                 <a:spcPts val="1000"/>
               </a:spcBef>
             </a:pPr>
             <a:r>
-              <a:rPr lang="en-US" sz="1800" dirty="0" smtClean="0">
+              <a:rPr lang="en-US" sz="2000" dirty="0" smtClean="0">
                 <a:latin typeface="Century Gothic"/>
                 <a:cs typeface="Century Gothic"/>
               </a:rPr>
               <a:t> </a:t>
             </a:r>
             <a:r>
-              <a:rPr lang="en-US" sz="1800" dirty="0">
+              <a:rPr lang="en-US" sz="2000" dirty="0">
                 <a:latin typeface="Century Gothic"/>
                 <a:cs typeface="Century Gothic"/>
               </a:rPr>
               <a:t>H</a:t>
             </a:r>
             <a:r>
-              <a:rPr lang="en-US" sz="1800" dirty="0" smtClean="0">
+              <a:rPr lang="en-US" sz="2000" dirty="0" smtClean="0">
                 <a:latin typeface="Century Gothic"/>
                 <a:cs typeface="Century Gothic"/>
               </a:rPr>
@@ -7919,118 +8013,128 @@
           </a:p>
           <a:p>
             <a:pPr algn="ctr">
+              <a:lnSpc>
+                <a:spcPct val="100000"/>
+              </a:lnSpc>
               <a:spcBef>
                 <a:spcPts val="1000"/>
               </a:spcBef>
             </a:pPr>
-            <a:endParaRPr lang="en-US" sz="1800" dirty="0" smtClean="0">
-              <a:latin typeface="Century Gothic"/>
-              <a:cs typeface="Century Gothic"/>
-            </a:endParaRPr>
+            <a:r>
+              <a:rPr lang="en-US" sz="2000" dirty="0" smtClean="0">
+                <a:latin typeface="Century Gothic"/>
+                <a:cs typeface="Century Gothic"/>
+              </a:rPr>
+              <a:t>Dendritic </a:t>
+            </a:r>
+            <a:r>
+              <a:rPr lang="en-US" sz="2000" dirty="0" smtClean="0">
+                <a:latin typeface="Century Gothic"/>
+                <a:cs typeface="Century Gothic"/>
+              </a:rPr>
+              <a:t>cells eat a pathogen and deliver digested parts of it to a helper-T cell. They do this so that the immune system can tell what to attack.</a:t>
+            </a:r>
           </a:p>
           <a:p>
             <a:pPr algn="ctr">
+              <a:lnSpc>
+                <a:spcPct val="100000"/>
+              </a:lnSpc>
               <a:spcBef>
                 <a:spcPts val="1000"/>
               </a:spcBef>
             </a:pPr>
             <a:r>
-              <a:rPr lang="en-US" sz="1800" dirty="0" smtClean="0">
+              <a:rPr lang="en-US" sz="2000" dirty="0" smtClean="0">
                 <a:latin typeface="Century Gothic"/>
                 <a:cs typeface="Century Gothic"/>
               </a:rPr>
-              <a:t>Dendritic cells eat a pathogen and deliver digested parts of it to a helper-T cell. They do this so that the immune system can tell what to attack.</a:t>
+              <a:t>Then, the helper-T cells deliver the parts to a b-cell, so the b-cell can target the invading pathogens.</a:t>
             </a:r>
           </a:p>
           <a:p>
             <a:pPr algn="ctr">
+              <a:lnSpc>
+                <a:spcPct val="100000"/>
+              </a:lnSpc>
               <a:spcBef>
                 <a:spcPts val="1000"/>
               </a:spcBef>
             </a:pPr>
             <a:r>
-              <a:rPr lang="en-US" sz="1800" dirty="0" smtClean="0">
+              <a:rPr lang="en-US" sz="2000" dirty="0" smtClean="0">
                 <a:latin typeface="Century Gothic"/>
                 <a:cs typeface="Century Gothic"/>
               </a:rPr>
-              <a:t>Then, the helper-T cells deliver the parts to a b-cell, so the b-cell can target the invading pathogens.</a:t>
+              <a:t>B-cells target pathogens by creating proteins called antibodies, which stick to the specified type of pathogen. This lets other cells know that the pathogen it sticks to is bad.</a:t>
             </a:r>
           </a:p>
           <a:p>
             <a:pPr algn="ctr">
+              <a:lnSpc>
+                <a:spcPct val="100000"/>
+              </a:lnSpc>
               <a:spcBef>
                 <a:spcPts val="1000"/>
               </a:spcBef>
             </a:pPr>
             <a:r>
-              <a:rPr lang="en-US" sz="1800" dirty="0" smtClean="0">
+              <a:rPr lang="en-US" sz="2000" dirty="0" smtClean="0">
                 <a:latin typeface="Century Gothic"/>
                 <a:cs typeface="Century Gothic"/>
               </a:rPr>
-              <a:t>B-cells target pathogens by creating proteins called antibodies, which stick to the specified type of pathogen. This lets other cells know that the pathogen it sticks to is bad.</a:t>
+              <a:t>Macrophages migrate to the pathogens with antibodies and swallow them, killing them instantly. They can only kill viruses flagged with antibodies, but they can kill bacteria without needing an antibody to stick to it. </a:t>
             </a:r>
           </a:p>
           <a:p>
             <a:pPr algn="ctr">
+              <a:lnSpc>
+                <a:spcPct val="100000"/>
+              </a:lnSpc>
               <a:spcBef>
                 <a:spcPts val="1000"/>
               </a:spcBef>
             </a:pPr>
             <a:r>
-              <a:rPr lang="en-US" sz="1800" dirty="0" smtClean="0">
+              <a:rPr lang="en-US" sz="2000" dirty="0" smtClean="0">
                 <a:latin typeface="Century Gothic"/>
                 <a:cs typeface="Century Gothic"/>
               </a:rPr>
-              <a:t>Macrophages migrate to the pathogens with antibodies and swallow them, killing them instantly. They can only kill viruses flagged with antibodies, but they can kill bacteria without needing an antibody to stick to it. </a:t>
+              <a:t>Finally, killer-T cells kill infected cells. Since viruses reproduce inside cells, they can also be killed inside them.</a:t>
             </a:r>
           </a:p>
           <a:p>
             <a:pPr algn="ctr">
+              <a:lnSpc>
+                <a:spcPct val="100000"/>
+              </a:lnSpc>
               <a:spcBef>
                 <a:spcPts val="1000"/>
               </a:spcBef>
             </a:pPr>
             <a:r>
-              <a:rPr lang="en-US" sz="1800" dirty="0" smtClean="0">
+              <a:rPr lang="en-US" sz="2000" dirty="0" smtClean="0">
                 <a:latin typeface="Century Gothic"/>
                 <a:cs typeface="Century Gothic"/>
               </a:rPr>
-              <a:t>Finally, killer-T cells kill infected cells. Since viruses reproduce inside cells, they can also be killed inside them.</a:t>
-            </a:r>
-          </a:p>
-          <a:p>
-            <a:pPr algn="ctr">
-              <a:spcBef>
-                <a:spcPts val="1000"/>
-              </a:spcBef>
-            </a:pPr>
-            <a:endParaRPr lang="en-US" sz="1800" dirty="0" smtClean="0">
-              <a:latin typeface="Century Gothic"/>
-              <a:cs typeface="Century Gothic"/>
-            </a:endParaRPr>
-          </a:p>
-          <a:p>
-            <a:pPr algn="ctr">
-              <a:spcBef>
-                <a:spcPts val="1000"/>
-              </a:spcBef>
-            </a:pPr>
-            <a:r>
-              <a:rPr lang="en-US" sz="1800" dirty="0" smtClean="0">
+              <a:t>So</a:t>
+            </a:r>
+            <a:r>
+              <a:rPr lang="en-US" sz="2000" dirty="0" smtClean="0">
                 <a:latin typeface="Century Gothic"/>
                 <a:cs typeface="Century Gothic"/>
               </a:rPr>
-              <a:t>So, I have programmed a simulation of these cells in code, so I could test various experiments with the simulation from virus infections to bacteria infections. (see code) I simulated two types of pathogens: the cold virus and Staphylococcus </a:t>
-            </a:r>
-            <a:r>
-              <a:rPr lang="en-US" sz="1800" dirty="0" err="1" smtClean="0">
+              <a:t>, I have programmed a simulation of these cells in code, so I could test various experiments with the simulation from virus infections to bacteria infections. (see code) I simulated two types of pathogens: the cold virus and Staphylococcus </a:t>
+            </a:r>
+            <a:r>
+              <a:rPr lang="en-US" sz="2000" dirty="0" err="1" smtClean="0">
                 <a:latin typeface="Century Gothic"/>
                 <a:cs typeface="Century Gothic"/>
               </a:rPr>
               <a:t>aureus</a:t>
             </a:r>
             <a:r>
-              <a:rPr lang="en-US" sz="1800" dirty="0" smtClean="0">
+              <a:rPr lang="en-US" sz="2000" dirty="0" smtClean="0">
                 <a:latin typeface="Century Gothic"/>
                 <a:cs typeface="Century Gothic"/>
               </a:rPr>
@@ -8039,7 +8143,7 @@
           </a:p>
           <a:p>
             <a:pPr algn="ctr"/>
-            <a:endParaRPr lang="en-US" sz="1800" dirty="0">
+            <a:endParaRPr lang="en-US" sz="2000" dirty="0">
               <a:latin typeface="Century Gothic"/>
               <a:cs typeface="Century Gothic"/>
             </a:endParaRPr>
@@ -9203,7 +9307,7 @@
         </p:xfrm>
         <a:graphic>
           <a:graphicData uri="http://schemas.openxmlformats.org/drawingml/2006/chart">
-            <c:chart xmlns:c="http://schemas.openxmlformats.org/drawingml/2006/chart" xmlns:r="http://schemas.openxmlformats.org/officeDocument/2006/relationships" r:id="rId2"/>
+            <c:chart xmlns:c="http://schemas.openxmlformats.org/drawingml/2006/chart" xmlns:r="http://schemas.openxmlformats.org/officeDocument/2006/relationships" r:id="rId3"/>
           </a:graphicData>
         </a:graphic>
       </p:graphicFrame>
@@ -9272,7 +9376,7 @@
         </p:xfrm>
         <a:graphic>
           <a:graphicData uri="http://schemas.openxmlformats.org/drawingml/2006/chart">
-            <c:chart xmlns:c="http://schemas.openxmlformats.org/drawingml/2006/chart" xmlns:r="http://schemas.openxmlformats.org/officeDocument/2006/relationships" r:id="rId3"/>
+            <c:chart xmlns:c="http://schemas.openxmlformats.org/drawingml/2006/chart" xmlns:r="http://schemas.openxmlformats.org/officeDocument/2006/relationships" r:id="rId4"/>
           </a:graphicData>
         </a:graphic>
       </p:graphicFrame>
@@ -9303,14 +9407,7 @@
                 <a:latin typeface="Century Gothic"/>
                 <a:cs typeface="Century Gothic"/>
               </a:rPr>
-              <a:t>       In </a:t>
-            </a:r>
-            <a:r>
-              <a:rPr lang="en-US" dirty="0" smtClean="0">
-                <a:latin typeface="Century Gothic"/>
-                <a:cs typeface="Century Gothic"/>
-              </a:rPr>
-              <a:t>these results, the effect was huge. The first chart shows the death of body cells without killer-T cells(blue) , and the death of body cells with killer-T cells(red). In this chart, the effect of the killer-T cells was not significant. However, the body cells died quicker than without killer-T cells. The second chart shows the amount of viruses with and without killer-T cells(red and blue). The impact was significant. The results without killer-T cells showed the virus population reaching almost 2000, while the population with killer-T cells reached less than 500. So, the killer-T cells killed a lot of viruses, but did not impact the amount of body cells as much.</a:t>
+              <a:t>       In these results, the effect was huge. The first chart shows the death of body cells without killer-T cells(blue) , and the death of body cells with killer-T cells(red). In this chart, the effect of the killer-T cells was not significant. However, the body cells died quicker than without killer-T cells. The second chart shows the amount of viruses with and without killer-T cells(red and blue). The impact was significant. The results without killer-T cells showed the virus population reaching almost 2000, while the population with killer-T cells reached less than 500. So, the killer-T cells killed a lot of viruses, but did not impact the amount of body cells as much.</a:t>
             </a:r>
           </a:p>
           <a:p>
@@ -9342,7 +9439,7 @@
         </p:xfrm>
         <a:graphic>
           <a:graphicData uri="http://schemas.openxmlformats.org/drawingml/2006/chart">
-            <c:chart xmlns:c="http://schemas.openxmlformats.org/drawingml/2006/chart" xmlns:r="http://schemas.openxmlformats.org/officeDocument/2006/relationships" r:id="rId4"/>
+            <c:chart xmlns:c="http://schemas.openxmlformats.org/drawingml/2006/chart" xmlns:r="http://schemas.openxmlformats.org/officeDocument/2006/relationships" r:id="rId5"/>
           </a:graphicData>
         </a:graphic>
       </p:graphicFrame>
@@ -9402,7 +9499,7 @@
         </p:xfrm>
         <a:graphic>
           <a:graphicData uri="http://schemas.openxmlformats.org/drawingml/2006/chart">
-            <c:chart xmlns:c="http://schemas.openxmlformats.org/drawingml/2006/chart" xmlns:r="http://schemas.openxmlformats.org/officeDocument/2006/relationships" r:id="rId5"/>
+            <c:chart xmlns:c="http://schemas.openxmlformats.org/drawingml/2006/chart" xmlns:r="http://schemas.openxmlformats.org/officeDocument/2006/relationships" r:id="rId6"/>
           </a:graphicData>
         </a:graphic>
       </p:graphicFrame>
@@ -9426,7 +9523,7 @@
         </p:xfrm>
         <a:graphic>
           <a:graphicData uri="http://schemas.openxmlformats.org/drawingml/2006/chart">
-            <c:chart xmlns:c="http://schemas.openxmlformats.org/drawingml/2006/chart" xmlns:r="http://schemas.openxmlformats.org/officeDocument/2006/relationships" r:id="rId6"/>
+            <c:chart xmlns:c="http://schemas.openxmlformats.org/drawingml/2006/chart" xmlns:r="http://schemas.openxmlformats.org/officeDocument/2006/relationships" r:id="rId7"/>
           </a:graphicData>
         </a:graphic>
       </p:graphicFrame>
@@ -9516,7 +9613,7 @@
         </p:xfrm>
         <a:graphic>
           <a:graphicData uri="http://schemas.openxmlformats.org/drawingml/2006/chart">
-            <c:chart xmlns:c="http://schemas.openxmlformats.org/drawingml/2006/chart" xmlns:r="http://schemas.openxmlformats.org/officeDocument/2006/relationships" r:id="rId7"/>
+            <c:chart xmlns:c="http://schemas.openxmlformats.org/drawingml/2006/chart" xmlns:r="http://schemas.openxmlformats.org/officeDocument/2006/relationships" r:id="rId8"/>
           </a:graphicData>
         </a:graphic>
       </p:graphicFrame>
@@ -9600,7 +9697,7 @@
         </p:xfrm>
         <a:graphic>
           <a:graphicData uri="http://schemas.openxmlformats.org/drawingml/2006/chart">
-            <c:chart xmlns:c="http://schemas.openxmlformats.org/drawingml/2006/chart" xmlns:r="http://schemas.openxmlformats.org/officeDocument/2006/relationships" r:id="rId8"/>
+            <c:chart xmlns:c="http://schemas.openxmlformats.org/drawingml/2006/chart" xmlns:r="http://schemas.openxmlformats.org/officeDocument/2006/relationships" r:id="rId9"/>
           </a:graphicData>
         </a:graphic>
       </p:graphicFrame>
@@ -9634,6 +9731,96 @@
           </a:p>
         </p:txBody>
       </p:sp>
+      <p:pic>
+        <p:nvPicPr>
+          <p:cNvPr id="21" name="Picture 20" descr="Beginning_infection.tiff"/>
+          <p:cNvPicPr>
+            <a:picLocks noChangeAspect="1"/>
+          </p:cNvPicPr>
+          <p:nvPr/>
+        </p:nvPicPr>
+        <p:blipFill>
+          <a:blip r:embed="rId10">
+            <a:extLst>
+              <a:ext uri="{28A0092B-C50C-407E-A947-70E740481C1C}">
+                <a14:useLocalDpi xmlns:a14="http://schemas.microsoft.com/office/drawing/2010/main" val="0"/>
+              </a:ext>
+            </a:extLst>
+          </a:blip>
+          <a:stretch>
+            <a:fillRect/>
+          </a:stretch>
+        </p:blipFill>
+        <p:spPr>
+          <a:xfrm>
+            <a:off x="8908494" y="10677341"/>
+            <a:ext cx="6034296" cy="4055047"/>
+          </a:xfrm>
+          <a:prstGeom prst="rect">
+            <a:avLst/>
+          </a:prstGeom>
+        </p:spPr>
+      </p:pic>
+      <p:pic>
+        <p:nvPicPr>
+          <p:cNvPr id="22" name="Picture 21" descr="Middle_Infection.tiff"/>
+          <p:cNvPicPr>
+            <a:picLocks noChangeAspect="1"/>
+          </p:cNvPicPr>
+          <p:nvPr/>
+        </p:nvPicPr>
+        <p:blipFill>
+          <a:blip r:embed="rId11">
+            <a:extLst>
+              <a:ext uri="{28A0092B-C50C-407E-A947-70E740481C1C}">
+                <a14:useLocalDpi xmlns:a14="http://schemas.microsoft.com/office/drawing/2010/main" val="0"/>
+              </a:ext>
+            </a:extLst>
+          </a:blip>
+          <a:stretch>
+            <a:fillRect/>
+          </a:stretch>
+        </p:blipFill>
+        <p:spPr>
+          <a:xfrm>
+            <a:off x="14958206" y="10723523"/>
+            <a:ext cx="5140873" cy="3454667"/>
+          </a:xfrm>
+          <a:prstGeom prst="rect">
+            <a:avLst/>
+          </a:prstGeom>
+        </p:spPr>
+      </p:pic>
+      <p:pic>
+        <p:nvPicPr>
+          <p:cNvPr id="23" name="Picture 22" descr="End_Infection.tiff"/>
+          <p:cNvPicPr>
+            <a:picLocks noChangeAspect="1"/>
+          </p:cNvPicPr>
+          <p:nvPr/>
+        </p:nvPicPr>
+        <p:blipFill>
+          <a:blip r:embed="rId12">
+            <a:extLst>
+              <a:ext uri="{28A0092B-C50C-407E-A947-70E740481C1C}">
+                <a14:useLocalDpi xmlns:a14="http://schemas.microsoft.com/office/drawing/2010/main" val="0"/>
+              </a:ext>
+            </a:extLst>
+          </a:blip>
+          <a:stretch>
+            <a:fillRect/>
+          </a:stretch>
+        </p:blipFill>
+        <p:spPr>
+          <a:xfrm>
+            <a:off x="20084298" y="10700432"/>
+            <a:ext cx="4230003" cy="2842562"/>
+          </a:xfrm>
+          <a:prstGeom prst="rect">
+            <a:avLst/>
+          </a:prstGeom>
+        </p:spPr>
+      </p:pic>
     </p:spTree>
     <p:extLst>
       <p:ext uri="{BB962C8B-B14F-4D97-AF65-F5344CB8AC3E}">
@@ -10255,7 +10442,7 @@
   <a:extraClrSchemeLst/>
   <a:extLst>
     <a:ext uri="{05A4C25C-085E-4340-85A3-A5531E510DB2}">
-      <thm15:themeFamily xmlns="" xmlns:thm15="http://schemas.microsoft.com/office/thememl/2012/main" name="Office Theme" id="{62F939B6-93AF-4DB8-9C6B-D6C7DFDC589F}" vid="{4A3C46E8-61CC-4603-A589-7422A47A8E4A}"/>
+      <thm15:themeFamily xmlns:thm15="http://schemas.microsoft.com/office/thememl/2012/main" xmlns="" name="Office Theme" id="{62F939B6-93AF-4DB8-9C6B-D6C7DFDC589F}" vid="{4A3C46E8-61CC-4603-A589-7422A47A8E4A}"/>
     </a:ext>
   </a:extLst>
 </a:theme>

--- a/Science Fair Poster .pptx
+++ b/Science Fair Poster .pptx
@@ -1,15 +1,14 @@
 
 <file path=ppt/presentation.xml><?xml version="1.0" encoding="utf-8"?>
-<p:presentation xmlns:a="http://schemas.openxmlformats.org/drawingml/2006/main" xmlns:r="http://schemas.openxmlformats.org/officeDocument/2006/relationships" xmlns:p="http://schemas.openxmlformats.org/presentationml/2006/main" autoCompressPictures="0">
+<p:presentation xmlns:a="http://schemas.openxmlformats.org/drawingml/2006/main" xmlns:r="http://schemas.openxmlformats.org/officeDocument/2006/relationships" xmlns:p="http://schemas.openxmlformats.org/presentationml/2006/main" saveSubsetFonts="1" autoCompressPictures="0">
   <p:sldMasterIdLst>
     <p:sldMasterId id="2147483852" r:id="rId1"/>
   </p:sldMasterIdLst>
   <p:notesMasterIdLst>
-    <p:notesMasterId r:id="rId4"/>
+    <p:notesMasterId r:id="rId3"/>
   </p:notesMasterIdLst>
   <p:sldIdLst>
     <p:sldId id="256" r:id="rId2"/>
-    <p:sldId id="257" r:id="rId3"/>
   </p:sldIdLst>
   <p:sldSz cx="32918400" cy="21945600"/>
   <p:notesSz cx="6858000" cy="9144000"/>
@@ -110,7 +109,7 @@
   </p:defaultTextStyle>
   <p:extLst>
     <p:ext uri="{EFAFB233-063F-42B5-8137-9DF3F51BA10A}">
-      <p15:sldGuideLst xmlns:p15="http://schemas.microsoft.com/office/powerpoint/2012/main" xmlns="">
+      <p15:sldGuideLst xmlns:p15="http://schemas.microsoft.com/office/powerpoint/2012/main">
         <p15:guide id="1" orient="horz" pos="6912" userDrawn="1">
           <p15:clr>
             <a:srgbClr val="A4A3A4"/>
@@ -124,7 +123,7 @@
       </p15:sldGuideLst>
     </p:ext>
     <p:ext uri="{2D200454-40CA-4A62-9FC3-DE9A4176ACB9}">
-      <p15:notesGuideLst xmlns:p15="http://schemas.microsoft.com/office/powerpoint/2012/main" xmlns="">
+      <p15:notesGuideLst xmlns:p15="http://schemas.microsoft.com/office/powerpoint/2012/main">
         <p15:guide id="1" orient="horz" pos="2880" userDrawn="1">
           <p15:clr>
             <a:srgbClr val="A4A3A4"/>
@@ -155,6 +154,30 @@
     </mc:Fallback>
   </mc:AlternateContent>
   <c:chart>
+    <c:title>
+      <c:tx>
+        <c:rich>
+          <a:bodyPr/>
+          <a:lstStyle/>
+          <a:p>
+            <a:pPr>
+              <a:defRPr sz="2400"/>
+            </a:pPr>
+            <a:r>
+              <a:rPr lang="en-US" sz="2400" b="1"/>
+              <a:t>Cell</a:t>
+            </a:r>
+            <a:r>
+              <a:rPr lang="en-US" sz="2400" b="1" baseline="0"/>
+              <a:t> Death with Viruses</a:t>
+            </a:r>
+            <a:endParaRPr lang="en-US" sz="2400" b="1"/>
+          </a:p>
+        </c:rich>
+      </c:tx>
+      <c:layout/>
+      <c:overlay val="0"/>
+    </c:title>
     <c:autoTitleDeleted val="0"/>
     <c:plotArea>
       <c:layout/>
@@ -240,22 +263,22 @@
                   <c:v>100.0</c:v>
                 </c:pt>
                 <c:pt idx="3">
-                  <c:v>46.66666666666663</c:v>
+                  <c:v>46.66666666666666</c:v>
                 </c:pt>
                 <c:pt idx="4">
-                  <c:v>46.66666666666663</c:v>
+                  <c:v>46.66666666666666</c:v>
                 </c:pt>
                 <c:pt idx="5">
-                  <c:v>46.66666666666663</c:v>
+                  <c:v>46.66666666666666</c:v>
                 </c:pt>
                 <c:pt idx="6">
-                  <c:v>46.66666666666663</c:v>
+                  <c:v>46.66666666666666</c:v>
                 </c:pt>
                 <c:pt idx="7">
-                  <c:v>46.66666666666663</c:v>
+                  <c:v>46.66666666666666</c:v>
                 </c:pt>
                 <c:pt idx="8">
-                  <c:v>46.66666666666663</c:v>
+                  <c:v>46.66666666666666</c:v>
                 </c:pt>
                 <c:pt idx="9">
                   <c:v>5.0</c:v>
@@ -288,8 +311,8 @@
           <c:showPercent val="0"/>
           <c:showBubbleSize val="0"/>
         </c:dLbls>
-        <c:axId val="2088700408"/>
-        <c:axId val="2088705928"/>
+        <c:axId val="1548467680"/>
+        <c:axId val="1591228976"/>
       </c:scatterChart>
       <c:scatterChart>
         <c:scatterStyle val="smoothMarker"/>
@@ -421,11 +444,11 @@
           <c:showPercent val="0"/>
           <c:showBubbleSize val="0"/>
         </c:dLbls>
-        <c:axId val="2088711816"/>
-        <c:axId val="2088714936"/>
+        <c:axId val="1641608288"/>
+        <c:axId val="1591083776"/>
       </c:scatterChart>
       <c:valAx>
-        <c:axId val="2088700408"/>
+        <c:axId val="1548467680"/>
         <c:scaling>
           <c:orientation val="minMax"/>
         </c:scaling>
@@ -438,10 +461,10 @@
               <a:lstStyle/>
               <a:p>
                 <a:pPr>
-                  <a:defRPr/>
+                  <a:defRPr sz="2000"/>
                 </a:pPr>
                 <a:r>
-                  <a:rPr lang="en-US"/>
+                  <a:rPr lang="en-US" sz="2000"/>
                   <a:t>Time(seconds)</a:t>
                 </a:r>
               </a:p>
@@ -459,7 +482,7 @@
           <a:lstStyle/>
           <a:p>
             <a:pPr>
-              <a:defRPr sz="1000" b="0" i="0" u="none" strike="noStrike" baseline="0">
+              <a:defRPr sz="2000" b="0" i="0" u="none" strike="noStrike" baseline="0">
                 <a:solidFill>
                   <a:srgbClr val="000000"/>
                 </a:solidFill>
@@ -471,14 +494,16 @@
             <a:endParaRPr lang="en-US"/>
           </a:p>
         </c:txPr>
-        <c:crossAx val="2088705928"/>
+        <c:crossAx val="1591228976"/>
         <c:crosses val="autoZero"/>
         <c:crossBetween val="midCat"/>
       </c:valAx>
       <c:valAx>
-        <c:axId val="2088705928"/>
+        <c:axId val="1591228976"/>
         <c:scaling>
           <c:orientation val="minMax"/>
+          <c:max val="110.0"/>
+          <c:min val="0.0"/>
         </c:scaling>
         <c:delete val="0"/>
         <c:axPos val="l"/>
@@ -490,50 +515,61 @@
               <a:lstStyle/>
               <a:p>
                 <a:pPr>
-                  <a:defRPr/>
+                  <a:defRPr sz="2000"/>
                 </a:pPr>
                 <a:r>
-                  <a:rPr lang="en-US"/>
+                  <a:rPr lang="en-US" sz="2000"/>
                   <a:t>Number</a:t>
                 </a:r>
                 <a:r>
-                  <a:rPr lang="en-US" baseline="0"/>
+                  <a:rPr lang="en-US" sz="2000" baseline="0"/>
                   <a:t> of Body Cells</a:t>
                 </a:r>
-                <a:endParaRPr lang="en-US"/>
+                <a:endParaRPr lang="en-US" sz="2000"/>
               </a:p>
             </c:rich>
           </c:tx>
           <c:layout/>
           <c:overlay val="0"/>
         </c:title>
-        <c:numFmt formatCode="0.00" sourceLinked="1"/>
+        <c:numFmt formatCode="0" sourceLinked="0"/>
         <c:majorTickMark val="out"/>
         <c:minorTickMark val="none"/>
         <c:tickLblPos val="nextTo"/>
-        <c:crossAx val="2088700408"/>
+        <c:txPr>
+          <a:bodyPr/>
+          <a:lstStyle/>
+          <a:p>
+            <a:pPr>
+              <a:defRPr sz="2000"/>
+            </a:pPr>
+            <a:endParaRPr lang="en-US"/>
+          </a:p>
+        </c:txPr>
+        <c:crossAx val="1548467680"/>
         <c:crosses val="autoZero"/>
         <c:crossBetween val="midCat"/>
       </c:valAx>
       <c:valAx>
-        <c:axId val="2088711816"/>
+        <c:axId val="1641608288"/>
         <c:scaling>
           <c:orientation val="minMax"/>
         </c:scaling>
         <c:delete val="1"/>
         <c:axPos val="b"/>
-        <c:numFmt formatCode="General" sourceLinked="1"/>
         <c:majorTickMark val="out"/>
         <c:minorTickMark val="none"/>
         <c:tickLblPos val="nextTo"/>
-        <c:crossAx val="2088714936"/>
+        <c:crossAx val="1591083776"/>
         <c:crosses val="autoZero"/>
         <c:crossBetween val="midCat"/>
       </c:valAx>
       <c:valAx>
-        <c:axId val="2088714936"/>
+        <c:axId val="1591083776"/>
         <c:scaling>
           <c:orientation val="minMax"/>
+          <c:max val="2400.0"/>
+          <c:min val="0.0"/>
         </c:scaling>
         <c:delete val="0"/>
         <c:axPos val="r"/>
@@ -544,41 +580,85 @@
               <a:lstStyle/>
               <a:p>
                 <a:pPr>
-                  <a:defRPr/>
+                  <a:defRPr sz="2000"/>
                 </a:pPr>
                 <a:r>
-                  <a:rPr lang="en-US"/>
+                  <a:rPr lang="en-US" sz="2000"/>
                   <a:t>Number</a:t>
                 </a:r>
                 <a:r>
-                  <a:rPr lang="en-US" baseline="0"/>
+                  <a:rPr lang="en-US" sz="2000" baseline="0"/>
                   <a:t> of Viruses</a:t>
                 </a:r>
-                <a:endParaRPr lang="en-US"/>
+                <a:endParaRPr lang="en-US" sz="2000"/>
               </a:p>
             </c:rich>
           </c:tx>
-          <c:layout/>
+          <c:layout>
+            <c:manualLayout>
+              <c:xMode val="edge"/>
+              <c:yMode val="edge"/>
+              <c:x val="0.922760869565217"/>
+              <c:y val="0.358765970369406"/>
+            </c:manualLayout>
+          </c:layout>
           <c:overlay val="0"/>
         </c:title>
         <c:numFmt formatCode="General" sourceLinked="1"/>
         <c:majorTickMark val="out"/>
         <c:minorTickMark val="none"/>
         <c:tickLblPos val="nextTo"/>
-        <c:crossAx val="2088711816"/>
+        <c:txPr>
+          <a:bodyPr/>
+          <a:lstStyle/>
+          <a:p>
+            <a:pPr>
+              <a:defRPr sz="2000"/>
+            </a:pPr>
+            <a:endParaRPr lang="en-US"/>
+          </a:p>
+        </c:txPr>
+        <c:crossAx val="1641608288"/>
         <c:crosses val="max"/>
         <c:crossBetween val="midCat"/>
       </c:valAx>
     </c:plotArea>
     <c:legend>
-      <c:legendPos val="r"/>
+      <c:legendPos val="t"/>
       <c:layout/>
       <c:overlay val="0"/>
+      <c:txPr>
+        <a:bodyPr/>
+        <a:lstStyle/>
+        <a:p>
+          <a:pPr>
+            <a:defRPr sz="2000"/>
+          </a:pPr>
+          <a:endParaRPr lang="en-US"/>
+        </a:p>
+      </c:txPr>
     </c:legend>
     <c:plotVisOnly val="1"/>
     <c:dispBlanksAs val="gap"/>
     <c:showDLblsOverMax val="0"/>
   </c:chart>
+  <c:txPr>
+    <a:bodyPr/>
+    <a:lstStyle/>
+    <a:p>
+      <a:pPr>
+        <a:defRPr sz="1000" b="0" i="0" u="none" strike="noStrike" baseline="0">
+          <a:solidFill>
+            <a:srgbClr val="000000"/>
+          </a:solidFill>
+          <a:latin typeface="Calibri"/>
+          <a:ea typeface="Calibri"/>
+          <a:cs typeface="Calibri"/>
+        </a:defRPr>
+      </a:pPr>
+      <a:endParaRPr lang="en-US"/>
+    </a:p>
+  </c:txPr>
   <c:externalData r:id="rId1">
     <c:autoUpdate val="0"/>
   </c:externalData>
@@ -605,18 +685,20 @@
           <a:bodyPr/>
           <a:lstStyle/>
           <a:p>
-            <a:pPr>
-              <a:defRPr/>
+            <a:pPr algn="ctr" rtl="1">
+              <a:defRPr sz="2400" b="1" i="0" u="none" strike="noStrike" baseline="0">
+                <a:solidFill>
+                  <a:srgbClr val="000000"/>
+                </a:solidFill>
+                <a:latin typeface="Calibri"/>
+                <a:ea typeface="Calibri"/>
+                <a:cs typeface="Calibri"/>
+              </a:defRPr>
             </a:pPr>
             <a:r>
-              <a:rPr lang="en-US"/>
-              <a:t>Virus Reproduction</a:t>
+              <a:rPr lang="en-US" sz="2400"/>
+              <a:t>Cell Death With and Without Killer-T Cells</a:t>
             </a:r>
-            <a:r>
-              <a:rPr lang="en-US" baseline="0"/>
-              <a:t> with and without Killer Ts</a:t>
-            </a:r>
-            <a:endParaRPr lang="en-US"/>
           </a:p>
         </c:rich>
       </c:tx>
@@ -633,14 +715,14 @@
           <c:idx val="0"/>
           <c:order val="0"/>
           <c:tx>
-            <c:v>Without Killer T Cells</c:v>
+            <c:v> Without Killer-Ts</c:v>
           </c:tx>
           <c:marker>
             <c:symbol val="none"/>
           </c:marker>
           <c:xVal>
             <c:numRef>
-              <c:f>'Trial 1 data.txt'!$A$39:$A$53</c:f>
+              <c:f>'Trial 1 data.txt'!$J$3:$J$17</c:f>
               <c:numCache>
                 <c:formatCode>General</c:formatCode>
                 <c:ptCount val="15"/>
@@ -694,54 +776,54 @@
           </c:xVal>
           <c:yVal>
             <c:numRef>
-              <c:f>'Trial 1 data.txt'!$B$39:$B$53</c:f>
+              <c:f>'Trial 1 data.txt'!$K$3:$K$17</c:f>
               <c:numCache>
-                <c:formatCode>General</c:formatCode>
+                <c:formatCode>0.00</c:formatCode>
                 <c:ptCount val="15"/>
                 <c:pt idx="0">
+                  <c:v>100.0</c:v>
+                </c:pt>
+                <c:pt idx="1">
+                  <c:v>100.0</c:v>
+                </c:pt>
+                <c:pt idx="2">
+                  <c:v>100.0</c:v>
+                </c:pt>
+                <c:pt idx="3">
+                  <c:v>46.66666666666666</c:v>
+                </c:pt>
+                <c:pt idx="4">
+                  <c:v>46.66666666666666</c:v>
+                </c:pt>
+                <c:pt idx="5">
+                  <c:v>46.66666666666666</c:v>
+                </c:pt>
+                <c:pt idx="6">
+                  <c:v>46.66666666666666</c:v>
+                </c:pt>
+                <c:pt idx="7">
+                  <c:v>46.66666666666666</c:v>
+                </c:pt>
+                <c:pt idx="8">
+                  <c:v>46.66666666666666</c:v>
+                </c:pt>
+                <c:pt idx="9">
+                  <c:v>5.0</c:v>
+                </c:pt>
+                <c:pt idx="10">
+                  <c:v>2.333333333333333</c:v>
+                </c:pt>
+                <c:pt idx="11">
+                  <c:v>2.0</c:v>
+                </c:pt>
+                <c:pt idx="12">
                   <c:v>1.0</c:v>
                 </c:pt>
-                <c:pt idx="1">
-                  <c:v>1.0</c:v>
-                </c:pt>
-                <c:pt idx="2">
-                  <c:v>1.0</c:v>
-                </c:pt>
-                <c:pt idx="3">
-                  <c:v>850.0</c:v>
-                </c:pt>
-                <c:pt idx="4">
-                  <c:v>849.0</c:v>
-                </c:pt>
-                <c:pt idx="5">
-                  <c:v>848.0</c:v>
-                </c:pt>
-                <c:pt idx="6">
-                  <c:v>848.0</c:v>
-                </c:pt>
-                <c:pt idx="7">
-                  <c:v>848.0</c:v>
-                </c:pt>
-                <c:pt idx="8">
-                  <c:v>1828.0</c:v>
-                </c:pt>
-                <c:pt idx="9">
-                  <c:v>1928.0</c:v>
-                </c:pt>
-                <c:pt idx="10">
-                  <c:v>1928.0</c:v>
-                </c:pt>
-                <c:pt idx="11">
-                  <c:v>1948.0</c:v>
-                </c:pt>
-                <c:pt idx="12">
-                  <c:v>1948.0</c:v>
-                </c:pt>
                 <c:pt idx="13">
-                  <c:v>1948.0</c:v>
+                  <c:v>0.666666666666667</c:v>
                 </c:pt>
                 <c:pt idx="14">
-                  <c:v>1948.0</c:v>
+                  <c:v>0.666666666666667</c:v>
                 </c:pt>
               </c:numCache>
             </c:numRef>
@@ -752,14 +834,21 @@
           <c:idx val="1"/>
           <c:order val="1"/>
           <c:tx>
-            <c:v>With Killer T Cells</c:v>
+            <c:v> With Killer-Ts</c:v>
           </c:tx>
+          <c:spPr>
+            <a:ln>
+              <a:solidFill>
+                <a:srgbClr val="92D050"/>
+              </a:solidFill>
+            </a:ln>
+          </c:spPr>
           <c:marker>
             <c:symbol val="none"/>
           </c:marker>
           <c:xVal>
             <c:numRef>
-              <c:f>'Trial 1 data.txt'!$A$39:$A$53</c:f>
+              <c:f>'Trial 1 data.txt'!$J$3:$J$17</c:f>
               <c:numCache>
                 <c:formatCode>General</c:formatCode>
                 <c:ptCount val="15"/>
@@ -813,54 +902,54 @@
           </c:xVal>
           <c:yVal>
             <c:numRef>
-              <c:f>'Trial 1 data.txt'!$C$39:$C$53</c:f>
+              <c:f>'Trial 1 data.txt'!$L$3:$L$17</c:f>
               <c:numCache>
                 <c:formatCode>General</c:formatCode>
                 <c:ptCount val="15"/>
                 <c:pt idx="0">
-                  <c:v>1.0</c:v>
+                  <c:v>97.0</c:v>
                 </c:pt>
                 <c:pt idx="1">
-                  <c:v>1.0</c:v>
+                  <c:v>82.0</c:v>
                 </c:pt>
                 <c:pt idx="2">
-                  <c:v>1.0</c:v>
+                  <c:v>71.0</c:v>
                 </c:pt>
                 <c:pt idx="3">
-                  <c:v>28.0</c:v>
+                  <c:v>60.0</c:v>
                 </c:pt>
                 <c:pt idx="4">
+                  <c:v>43.0</c:v>
+                </c:pt>
+                <c:pt idx="5">
+                  <c:v>32.0</c:v>
+                </c:pt>
+                <c:pt idx="6">
+                  <c:v>22.0</c:v>
+                </c:pt>
+                <c:pt idx="7">
                   <c:v>19.0</c:v>
                 </c:pt>
-                <c:pt idx="5">
-                  <c:v>16.0</c:v>
-                </c:pt>
-                <c:pt idx="6">
-                  <c:v>130.0</c:v>
-                </c:pt>
-                <c:pt idx="7">
-                  <c:v>128.0</c:v>
-                </c:pt>
                 <c:pt idx="8">
-                  <c:v>146.0</c:v>
+                  <c:v>17.0</c:v>
                 </c:pt>
                 <c:pt idx="9">
-                  <c:v>183.0</c:v>
+                  <c:v>12.0</c:v>
                 </c:pt>
                 <c:pt idx="10">
-                  <c:v>202.0</c:v>
+                  <c:v>10.0</c:v>
                 </c:pt>
                 <c:pt idx="11">
-                  <c:v>200.0</c:v>
+                  <c:v>9.0</c:v>
                 </c:pt>
                 <c:pt idx="12">
-                  <c:v>239.0</c:v>
+                  <c:v>7.0</c:v>
                 </c:pt>
                 <c:pt idx="13">
-                  <c:v>259.0</c:v>
+                  <c:v>5.0</c:v>
                 </c:pt>
                 <c:pt idx="14">
-                  <c:v>279.0</c:v>
+                  <c:v>3.0</c:v>
                 </c:pt>
               </c:numCache>
             </c:numRef>
@@ -875,11 +964,11 @@
           <c:showPercent val="0"/>
           <c:showBubbleSize val="0"/>
         </c:dLbls>
-        <c:axId val="2087957096"/>
-        <c:axId val="2087951512"/>
+        <c:axId val="1696961696"/>
+        <c:axId val="1699960016"/>
       </c:scatterChart>
       <c:valAx>
-        <c:axId val="2087957096"/>
+        <c:axId val="1696961696"/>
         <c:scaling>
           <c:orientation val="minMax"/>
         </c:scaling>
@@ -892,11 +981,11 @@
               <a:lstStyle/>
               <a:p>
                 <a:pPr>
-                  <a:defRPr/>
+                  <a:defRPr sz="2000"/>
                 </a:pPr>
                 <a:r>
-                  <a:rPr lang="en-US"/>
-                  <a:t>Time(Seconds)</a:t>
+                  <a:rPr lang="en-US" sz="2000"/>
+                  <a:t>Time(seconds)</a:t>
                 </a:r>
               </a:p>
             </c:rich>
@@ -913,7 +1002,7 @@
           <a:lstStyle/>
           <a:p>
             <a:pPr>
-              <a:defRPr sz="1000" b="0" i="0" u="none" strike="noStrike" baseline="0">
+              <a:defRPr sz="2000" b="0" i="0" u="none" strike="noStrike" baseline="0">
                 <a:solidFill>
                   <a:srgbClr val="000000"/>
                 </a:solidFill>
@@ -925,15 +1014,14 @@
             <a:endParaRPr lang="en-US"/>
           </a:p>
         </c:txPr>
-        <c:crossAx val="2087951512"/>
+        <c:crossAx val="1699960016"/>
         <c:crosses val="autoZero"/>
         <c:crossBetween val="midCat"/>
       </c:valAx>
       <c:valAx>
-        <c:axId val="2087951512"/>
+        <c:axId val="1699960016"/>
         <c:scaling>
           <c:orientation val="minMax"/>
-          <c:min val="0.0"/>
         </c:scaling>
         <c:delete val="0"/>
         <c:axPos val="l"/>
@@ -945,41 +1033,78 @@
               <a:lstStyle/>
               <a:p>
                 <a:pPr>
-                  <a:defRPr/>
+                  <a:defRPr sz="2000"/>
                 </a:pPr>
                 <a:r>
-                  <a:rPr lang="en-US"/>
+                  <a:rPr lang="en-US" sz="2000"/>
                   <a:t>Number</a:t>
                 </a:r>
                 <a:r>
-                  <a:rPr lang="en-US" baseline="0"/>
-                  <a:t> of Viruses</a:t>
+                  <a:rPr lang="en-US" sz="2000" baseline="0"/>
+                  <a:t> of Body Cells</a:t>
                 </a:r>
-                <a:endParaRPr lang="en-US"/>
+                <a:endParaRPr lang="en-US" sz="2000"/>
               </a:p>
             </c:rich>
           </c:tx>
           <c:layout/>
           <c:overlay val="0"/>
         </c:title>
-        <c:numFmt formatCode="General" sourceLinked="1"/>
+        <c:numFmt formatCode="0" sourceLinked="0"/>
         <c:majorTickMark val="out"/>
         <c:minorTickMark val="none"/>
         <c:tickLblPos val="nextTo"/>
-        <c:crossAx val="2087957096"/>
+        <c:txPr>
+          <a:bodyPr/>
+          <a:lstStyle/>
+          <a:p>
+            <a:pPr>
+              <a:defRPr sz="2000"/>
+            </a:pPr>
+            <a:endParaRPr lang="en-US"/>
+          </a:p>
+        </c:txPr>
+        <c:crossAx val="1696961696"/>
         <c:crosses val="autoZero"/>
         <c:crossBetween val="midCat"/>
       </c:valAx>
     </c:plotArea>
     <c:legend>
-      <c:legendPos val="r"/>
+      <c:legendPos val="t"/>
       <c:layout/>
       <c:overlay val="0"/>
+      <c:txPr>
+        <a:bodyPr/>
+        <a:lstStyle/>
+        <a:p>
+          <a:pPr>
+            <a:defRPr sz="2000"/>
+          </a:pPr>
+          <a:endParaRPr lang="en-US"/>
+        </a:p>
+      </c:txPr>
     </c:legend>
     <c:plotVisOnly val="1"/>
     <c:dispBlanksAs val="gap"/>
     <c:showDLblsOverMax val="0"/>
   </c:chart>
+  <c:txPr>
+    <a:bodyPr/>
+    <a:lstStyle/>
+    <a:p>
+      <a:pPr>
+        <a:defRPr sz="1000" b="0" i="0" u="none" strike="noStrike" baseline="0">
+          <a:solidFill>
+            <a:srgbClr val="000000"/>
+          </a:solidFill>
+          <a:latin typeface="Calibri"/>
+          <a:ea typeface="Calibri"/>
+          <a:cs typeface="Calibri"/>
+        </a:defRPr>
+      </a:pPr>
+      <a:endParaRPr lang="en-US"/>
+    </a:p>
+  </c:txPr>
   <c:externalData r:id="rId1">
     <c:autoUpdate val="0"/>
   </c:externalData>
@@ -1006,18 +1131,20 @@
           <a:bodyPr/>
           <a:lstStyle/>
           <a:p>
-            <a:pPr>
-              <a:defRPr/>
+            <a:pPr algn="ctr" rtl="1">
+              <a:defRPr sz="2400" b="1" i="0" u="none" strike="noStrike" baseline="0">
+                <a:solidFill>
+                  <a:srgbClr val="000000"/>
+                </a:solidFill>
+                <a:latin typeface="Calibri"/>
+                <a:ea typeface="Calibri"/>
+                <a:cs typeface="Calibri"/>
+              </a:defRPr>
             </a:pPr>
             <a:r>
-              <a:rPr lang="en-US"/>
-              <a:t>Cell</a:t>
+              <a:rPr lang="en-US" sz="2400"/>
+              <a:t>Virus Reproduction with and without Killer Ts</a:t>
             </a:r>
-            <a:r>
-              <a:rPr lang="en-US" baseline="0"/>
-              <a:t> Death With and Without Killer-T Cells</a:t>
-            </a:r>
-            <a:endParaRPr lang="en-US"/>
           </a:p>
         </c:rich>
       </c:tx>
@@ -1034,14 +1161,21 @@
           <c:idx val="0"/>
           <c:order val="0"/>
           <c:tx>
-            <c:v>Number of Body Cells Without Killer-T cells</c:v>
+            <c:v>Without Killer T Cells</c:v>
           </c:tx>
+          <c:spPr>
+            <a:ln>
+              <a:solidFill>
+                <a:srgbClr val="C00000"/>
+              </a:solidFill>
+            </a:ln>
+          </c:spPr>
           <c:marker>
             <c:symbol val="none"/>
           </c:marker>
           <c:xVal>
             <c:numRef>
-              <c:f>'Trial 1 data.txt'!$J$3:$J$17</c:f>
+              <c:f>'Trial 1 data.txt'!$A$39:$A$53</c:f>
               <c:numCache>
                 <c:formatCode>General</c:formatCode>
                 <c:ptCount val="15"/>
@@ -1095,54 +1229,54 @@
           </c:xVal>
           <c:yVal>
             <c:numRef>
-              <c:f>'Trial 1 data.txt'!$K$3:$K$17</c:f>
+              <c:f>'Trial 1 data.txt'!$B$39:$B$53</c:f>
               <c:numCache>
-                <c:formatCode>0.00</c:formatCode>
+                <c:formatCode>General</c:formatCode>
                 <c:ptCount val="15"/>
                 <c:pt idx="0">
-                  <c:v>100.0</c:v>
+                  <c:v>1.0</c:v>
                 </c:pt>
                 <c:pt idx="1">
-                  <c:v>100.0</c:v>
+                  <c:v>1.0</c:v>
                 </c:pt>
                 <c:pt idx="2">
-                  <c:v>100.0</c:v>
+                  <c:v>1.0</c:v>
                 </c:pt>
                 <c:pt idx="3">
-                  <c:v>46.66666666666663</c:v>
+                  <c:v>850.0</c:v>
                 </c:pt>
                 <c:pt idx="4">
-                  <c:v>46.66666666666663</c:v>
+                  <c:v>849.0</c:v>
                 </c:pt>
                 <c:pt idx="5">
-                  <c:v>46.66666666666663</c:v>
+                  <c:v>848.0</c:v>
                 </c:pt>
                 <c:pt idx="6">
-                  <c:v>46.66666666666663</c:v>
+                  <c:v>848.0</c:v>
                 </c:pt>
                 <c:pt idx="7">
-                  <c:v>46.66666666666663</c:v>
+                  <c:v>848.0</c:v>
                 </c:pt>
                 <c:pt idx="8">
-                  <c:v>46.66666666666663</c:v>
+                  <c:v>1828.0</c:v>
                 </c:pt>
                 <c:pt idx="9">
-                  <c:v>5.0</c:v>
+                  <c:v>1928.0</c:v>
                 </c:pt>
                 <c:pt idx="10">
-                  <c:v>2.333333333333333</c:v>
+                  <c:v>1928.0</c:v>
                 </c:pt>
                 <c:pt idx="11">
-                  <c:v>2.0</c:v>
+                  <c:v>1948.0</c:v>
                 </c:pt>
                 <c:pt idx="12">
-                  <c:v>1.0</c:v>
+                  <c:v>1948.0</c:v>
                 </c:pt>
                 <c:pt idx="13">
-                  <c:v>0.666666666666667</c:v>
+                  <c:v>1948.0</c:v>
                 </c:pt>
                 <c:pt idx="14">
-                  <c:v>0.666666666666667</c:v>
+                  <c:v>1948.0</c:v>
                 </c:pt>
               </c:numCache>
             </c:numRef>
@@ -1153,14 +1287,21 @@
           <c:idx val="1"/>
           <c:order val="1"/>
           <c:tx>
-            <c:v>Number of Body Cells With Killer-Ts</c:v>
+            <c:v>With Killer T Cells</c:v>
           </c:tx>
+          <c:spPr>
+            <a:ln>
+              <a:solidFill>
+                <a:srgbClr val="92D050"/>
+              </a:solidFill>
+            </a:ln>
+          </c:spPr>
           <c:marker>
             <c:symbol val="none"/>
           </c:marker>
           <c:xVal>
             <c:numRef>
-              <c:f>'Trial 1 data.txt'!$J$3:$J$17</c:f>
+              <c:f>'Trial 1 data.txt'!$A$39:$A$53</c:f>
               <c:numCache>
                 <c:formatCode>General</c:formatCode>
                 <c:ptCount val="15"/>
@@ -1214,54 +1355,54 @@
           </c:xVal>
           <c:yVal>
             <c:numRef>
-              <c:f>'Trial 1 data.txt'!$L$3:$L$17</c:f>
+              <c:f>'Trial 1 data.txt'!$C$39:$C$53</c:f>
               <c:numCache>
                 <c:formatCode>General</c:formatCode>
                 <c:ptCount val="15"/>
                 <c:pt idx="0">
-                  <c:v>97.0</c:v>
+                  <c:v>1.0</c:v>
                 </c:pt>
                 <c:pt idx="1">
-                  <c:v>82.0</c:v>
+                  <c:v>1.0</c:v>
                 </c:pt>
                 <c:pt idx="2">
-                  <c:v>71.0</c:v>
+                  <c:v>1.0</c:v>
                 </c:pt>
                 <c:pt idx="3">
-                  <c:v>60.0</c:v>
+                  <c:v>28.0</c:v>
                 </c:pt>
                 <c:pt idx="4">
-                  <c:v>43.0</c:v>
+                  <c:v>19.0</c:v>
                 </c:pt>
                 <c:pt idx="5">
-                  <c:v>32.0</c:v>
+                  <c:v>16.0</c:v>
                 </c:pt>
                 <c:pt idx="6">
-                  <c:v>22.0</c:v>
+                  <c:v>130.0</c:v>
                 </c:pt>
                 <c:pt idx="7">
-                  <c:v>19.0</c:v>
+                  <c:v>128.0</c:v>
                 </c:pt>
                 <c:pt idx="8">
-                  <c:v>17.0</c:v>
+                  <c:v>146.0</c:v>
                 </c:pt>
                 <c:pt idx="9">
-                  <c:v>12.0</c:v>
+                  <c:v>183.0</c:v>
                 </c:pt>
                 <c:pt idx="10">
-                  <c:v>10.0</c:v>
+                  <c:v>202.0</c:v>
                 </c:pt>
                 <c:pt idx="11">
-                  <c:v>9.0</c:v>
+                  <c:v>200.0</c:v>
                 </c:pt>
                 <c:pt idx="12">
-                  <c:v>7.0</c:v>
+                  <c:v>239.0</c:v>
                 </c:pt>
                 <c:pt idx="13">
-                  <c:v>5.0</c:v>
+                  <c:v>259.0</c:v>
                 </c:pt>
                 <c:pt idx="14">
-                  <c:v>3.0</c:v>
+                  <c:v>279.0</c:v>
                 </c:pt>
               </c:numCache>
             </c:numRef>
@@ -1276,11 +1417,11 @@
           <c:showPercent val="0"/>
           <c:showBubbleSize val="0"/>
         </c:dLbls>
-        <c:axId val="2087918168"/>
-        <c:axId val="2087912696"/>
+        <c:axId val="1578212800"/>
+        <c:axId val="1579382176"/>
       </c:scatterChart>
       <c:valAx>
-        <c:axId val="2087918168"/>
+        <c:axId val="1578212800"/>
         <c:scaling>
           <c:orientation val="minMax"/>
         </c:scaling>
@@ -1293,11 +1434,11 @@
               <a:lstStyle/>
               <a:p>
                 <a:pPr>
-                  <a:defRPr/>
+                  <a:defRPr sz="2000"/>
                 </a:pPr>
                 <a:r>
-                  <a:rPr lang="en-US"/>
-                  <a:t>Time(seconds)</a:t>
+                  <a:rPr lang="en-US" sz="2000"/>
+                  <a:t>Time(Seconds)</a:t>
                 </a:r>
               </a:p>
             </c:rich>
@@ -1314,7 +1455,7 @@
           <a:lstStyle/>
           <a:p>
             <a:pPr>
-              <a:defRPr sz="1000" b="0" i="0" u="none" strike="noStrike" baseline="0">
+              <a:defRPr sz="2000" b="0" i="0" u="none" strike="noStrike" baseline="0">
                 <a:solidFill>
                   <a:srgbClr val="000000"/>
                 </a:solidFill>
@@ -1326,14 +1467,15 @@
             <a:endParaRPr lang="en-US"/>
           </a:p>
         </c:txPr>
-        <c:crossAx val="2087912696"/>
+        <c:crossAx val="1579382176"/>
         <c:crosses val="autoZero"/>
         <c:crossBetween val="midCat"/>
       </c:valAx>
       <c:valAx>
-        <c:axId val="2087912696"/>
+        <c:axId val="1579382176"/>
         <c:scaling>
           <c:orientation val="minMax"/>
+          <c:min val="0.0"/>
         </c:scaling>
         <c:delete val="0"/>
         <c:axPos val="l"/>
@@ -1345,41 +1487,78 @@
               <a:lstStyle/>
               <a:p>
                 <a:pPr>
-                  <a:defRPr/>
+                  <a:defRPr sz="2000"/>
                 </a:pPr>
                 <a:r>
-                  <a:rPr lang="en-US"/>
+                  <a:rPr lang="en-US" sz="2000"/>
                   <a:t>Number</a:t>
                 </a:r>
                 <a:r>
-                  <a:rPr lang="en-US" baseline="0"/>
-                  <a:t> of Body Cells</a:t>
+                  <a:rPr lang="en-US" sz="2000" baseline="0"/>
+                  <a:t> of Viruses</a:t>
                 </a:r>
-                <a:endParaRPr lang="en-US"/>
+                <a:endParaRPr lang="en-US" sz="2000"/>
               </a:p>
             </c:rich>
           </c:tx>
           <c:layout/>
           <c:overlay val="0"/>
         </c:title>
-        <c:numFmt formatCode="0.00" sourceLinked="1"/>
+        <c:numFmt formatCode="General" sourceLinked="1"/>
         <c:majorTickMark val="out"/>
         <c:minorTickMark val="none"/>
         <c:tickLblPos val="nextTo"/>
-        <c:crossAx val="2087918168"/>
+        <c:txPr>
+          <a:bodyPr/>
+          <a:lstStyle/>
+          <a:p>
+            <a:pPr>
+              <a:defRPr sz="2000"/>
+            </a:pPr>
+            <a:endParaRPr lang="en-US"/>
+          </a:p>
+        </c:txPr>
+        <c:crossAx val="1578212800"/>
         <c:crosses val="autoZero"/>
         <c:crossBetween val="midCat"/>
       </c:valAx>
     </c:plotArea>
     <c:legend>
-      <c:legendPos val="r"/>
+      <c:legendPos val="t"/>
       <c:layout/>
       <c:overlay val="0"/>
+      <c:txPr>
+        <a:bodyPr/>
+        <a:lstStyle/>
+        <a:p>
+          <a:pPr>
+            <a:defRPr sz="2000"/>
+          </a:pPr>
+          <a:endParaRPr lang="en-US"/>
+        </a:p>
+      </c:txPr>
     </c:legend>
     <c:plotVisOnly val="1"/>
     <c:dispBlanksAs val="gap"/>
     <c:showDLblsOverMax val="0"/>
   </c:chart>
+  <c:txPr>
+    <a:bodyPr/>
+    <a:lstStyle/>
+    <a:p>
+      <a:pPr>
+        <a:defRPr sz="1000" b="0" i="0" u="none" strike="noStrike" baseline="0">
+          <a:solidFill>
+            <a:srgbClr val="000000"/>
+          </a:solidFill>
+          <a:latin typeface="Calibri"/>
+          <a:ea typeface="Calibri"/>
+          <a:cs typeface="Calibri"/>
+        </a:defRPr>
+      </a:pPr>
+      <a:endParaRPr lang="en-US"/>
+    </a:p>
+  </c:txPr>
   <c:externalData r:id="rId1">
     <c:autoUpdate val="0"/>
   </c:externalData>
@@ -1406,18 +1585,702 @@
           <a:bodyPr/>
           <a:lstStyle/>
           <a:p>
-            <a:pPr>
-              <a:defRPr/>
+            <a:pPr algn="ctr" rtl="1">
+              <a:defRPr sz="2400" b="1" i="0" u="none" strike="noStrike" baseline="0">
+                <a:solidFill>
+                  <a:srgbClr val="000000"/>
+                </a:solidFill>
+                <a:latin typeface="Calibri"/>
+                <a:ea typeface="Calibri"/>
+                <a:cs typeface="Calibri"/>
+              </a:defRPr>
             </a:pPr>
             <a:r>
-              <a:rPr lang="en-US"/>
-              <a:t>Body</a:t>
+              <a:rPr lang="en-US" sz="2400"/>
+              <a:t>Virus Reproduction</a:t>
             </a:r>
+          </a:p>
+        </c:rich>
+      </c:tx>
+      <c:layout/>
+      <c:overlay val="0"/>
+    </c:title>
+    <c:autoTitleDeleted val="0"/>
+    <c:plotArea>
+      <c:layout/>
+      <c:scatterChart>
+        <c:scatterStyle val="smoothMarker"/>
+        <c:varyColors val="0"/>
+        <c:ser>
+          <c:idx val="0"/>
+          <c:order val="0"/>
+          <c:tx>
+            <c:v> Without Immune System</c:v>
+          </c:tx>
+          <c:spPr>
+            <a:ln>
+              <a:solidFill>
+                <a:srgbClr val="C00000"/>
+              </a:solidFill>
+            </a:ln>
+          </c:spPr>
+          <c:marker>
+            <c:symbol val="none"/>
+          </c:marker>
+          <c:xVal>
+            <c:numRef>
+              <c:f>'With Immune system'!$A$37:$A$70</c:f>
+              <c:numCache>
+                <c:formatCode>General</c:formatCode>
+                <c:ptCount val="34"/>
+                <c:pt idx="0">
+                  <c:v>1.0</c:v>
+                </c:pt>
+                <c:pt idx="1">
+                  <c:v>2.0</c:v>
+                </c:pt>
+                <c:pt idx="2">
+                  <c:v>3.0</c:v>
+                </c:pt>
+                <c:pt idx="3">
+                  <c:v>4.0</c:v>
+                </c:pt>
+                <c:pt idx="4">
+                  <c:v>5.0</c:v>
+                </c:pt>
+                <c:pt idx="5">
+                  <c:v>6.0</c:v>
+                </c:pt>
+                <c:pt idx="6">
+                  <c:v>7.0</c:v>
+                </c:pt>
+                <c:pt idx="7">
+                  <c:v>8.0</c:v>
+                </c:pt>
+                <c:pt idx="8">
+                  <c:v>9.0</c:v>
+                </c:pt>
+                <c:pt idx="9">
+                  <c:v>10.0</c:v>
+                </c:pt>
+                <c:pt idx="10">
+                  <c:v>11.0</c:v>
+                </c:pt>
+                <c:pt idx="11">
+                  <c:v>12.0</c:v>
+                </c:pt>
+                <c:pt idx="12">
+                  <c:v>13.0</c:v>
+                </c:pt>
+                <c:pt idx="13">
+                  <c:v>14.0</c:v>
+                </c:pt>
+                <c:pt idx="14">
+                  <c:v>15.0</c:v>
+                </c:pt>
+                <c:pt idx="15">
+                  <c:v>16.0</c:v>
+                </c:pt>
+                <c:pt idx="16">
+                  <c:v>17.0</c:v>
+                </c:pt>
+                <c:pt idx="17">
+                  <c:v>18.0</c:v>
+                </c:pt>
+                <c:pt idx="18">
+                  <c:v>19.0</c:v>
+                </c:pt>
+                <c:pt idx="19">
+                  <c:v>20.0</c:v>
+                </c:pt>
+                <c:pt idx="20">
+                  <c:v>21.0</c:v>
+                </c:pt>
+                <c:pt idx="21">
+                  <c:v>22.0</c:v>
+                </c:pt>
+                <c:pt idx="22">
+                  <c:v>23.0</c:v>
+                </c:pt>
+                <c:pt idx="23">
+                  <c:v>24.0</c:v>
+                </c:pt>
+                <c:pt idx="24">
+                  <c:v>25.0</c:v>
+                </c:pt>
+                <c:pt idx="25">
+                  <c:v>26.0</c:v>
+                </c:pt>
+                <c:pt idx="26">
+                  <c:v>27.0</c:v>
+                </c:pt>
+                <c:pt idx="27">
+                  <c:v>28.0</c:v>
+                </c:pt>
+                <c:pt idx="28">
+                  <c:v>29.0</c:v>
+                </c:pt>
+                <c:pt idx="29">
+                  <c:v>30.0</c:v>
+                </c:pt>
+                <c:pt idx="30">
+                  <c:v>31.0</c:v>
+                </c:pt>
+                <c:pt idx="31">
+                  <c:v>32.0</c:v>
+                </c:pt>
+                <c:pt idx="32">
+                  <c:v>33.0</c:v>
+                </c:pt>
+                <c:pt idx="33">
+                  <c:v>34.0</c:v>
+                </c:pt>
+              </c:numCache>
+            </c:numRef>
+          </c:xVal>
+          <c:yVal>
+            <c:numRef>
+              <c:f>'With Immune system'!$B$37:$B$70</c:f>
+              <c:numCache>
+                <c:formatCode>General</c:formatCode>
+                <c:ptCount val="34"/>
+                <c:pt idx="0">
+                  <c:v>1.0</c:v>
+                </c:pt>
+                <c:pt idx="1">
+                  <c:v>1.0</c:v>
+                </c:pt>
+                <c:pt idx="2">
+                  <c:v>1.0</c:v>
+                </c:pt>
+                <c:pt idx="3">
+                  <c:v>850.0</c:v>
+                </c:pt>
+                <c:pt idx="4">
+                  <c:v>849.0</c:v>
+                </c:pt>
+                <c:pt idx="5">
+                  <c:v>848.0</c:v>
+                </c:pt>
+                <c:pt idx="6">
+                  <c:v>848.0</c:v>
+                </c:pt>
+                <c:pt idx="7">
+                  <c:v>848.0</c:v>
+                </c:pt>
+                <c:pt idx="8">
+                  <c:v>1828.0</c:v>
+                </c:pt>
+                <c:pt idx="9">
+                  <c:v>1928.0</c:v>
+                </c:pt>
+                <c:pt idx="10">
+                  <c:v>1928.0</c:v>
+                </c:pt>
+                <c:pt idx="11">
+                  <c:v>1948.0</c:v>
+                </c:pt>
+                <c:pt idx="12">
+                  <c:v>1948.0</c:v>
+                </c:pt>
+                <c:pt idx="13">
+                  <c:v>1948.0</c:v>
+                </c:pt>
+                <c:pt idx="14">
+                  <c:v>1948.0</c:v>
+                </c:pt>
+                <c:pt idx="15">
+                  <c:v>1948.0</c:v>
+                </c:pt>
+                <c:pt idx="16">
+                  <c:v>1948.0</c:v>
+                </c:pt>
+                <c:pt idx="17">
+                  <c:v>1948.0</c:v>
+                </c:pt>
+                <c:pt idx="18">
+                  <c:v>1948.0</c:v>
+                </c:pt>
+                <c:pt idx="19">
+                  <c:v>1948.0</c:v>
+                </c:pt>
+                <c:pt idx="20">
+                  <c:v>1948.0</c:v>
+                </c:pt>
+                <c:pt idx="21">
+                  <c:v>1948.0</c:v>
+                </c:pt>
+                <c:pt idx="22">
+                  <c:v>1948.0</c:v>
+                </c:pt>
+                <c:pt idx="23">
+                  <c:v>1948.0</c:v>
+                </c:pt>
+                <c:pt idx="24">
+                  <c:v>1948.0</c:v>
+                </c:pt>
+                <c:pt idx="25">
+                  <c:v>1948.0</c:v>
+                </c:pt>
+                <c:pt idx="26">
+                  <c:v>1948.0</c:v>
+                </c:pt>
+                <c:pt idx="27">
+                  <c:v>1948.0</c:v>
+                </c:pt>
+                <c:pt idx="28">
+                  <c:v>1948.0</c:v>
+                </c:pt>
+                <c:pt idx="29">
+                  <c:v>1948.0</c:v>
+                </c:pt>
+                <c:pt idx="30">
+                  <c:v>1948.0</c:v>
+                </c:pt>
+                <c:pt idx="31">
+                  <c:v>1948.0</c:v>
+                </c:pt>
+                <c:pt idx="32">
+                  <c:v>1948.0</c:v>
+                </c:pt>
+                <c:pt idx="33">
+                  <c:v>1948.0</c:v>
+                </c:pt>
+              </c:numCache>
+            </c:numRef>
+          </c:yVal>
+          <c:smooth val="1"/>
+        </c:ser>
+        <c:ser>
+          <c:idx val="1"/>
+          <c:order val="1"/>
+          <c:tx>
+            <c:v> With Immune System</c:v>
+          </c:tx>
+          <c:spPr>
+            <a:ln>
+              <a:solidFill>
+                <a:srgbClr val="FFC000"/>
+              </a:solidFill>
+            </a:ln>
+          </c:spPr>
+          <c:marker>
+            <c:symbol val="none"/>
+          </c:marker>
+          <c:xVal>
+            <c:numRef>
+              <c:f>'With Immune system'!$A$37:$A$70</c:f>
+              <c:numCache>
+                <c:formatCode>General</c:formatCode>
+                <c:ptCount val="34"/>
+                <c:pt idx="0">
+                  <c:v>1.0</c:v>
+                </c:pt>
+                <c:pt idx="1">
+                  <c:v>2.0</c:v>
+                </c:pt>
+                <c:pt idx="2">
+                  <c:v>3.0</c:v>
+                </c:pt>
+                <c:pt idx="3">
+                  <c:v>4.0</c:v>
+                </c:pt>
+                <c:pt idx="4">
+                  <c:v>5.0</c:v>
+                </c:pt>
+                <c:pt idx="5">
+                  <c:v>6.0</c:v>
+                </c:pt>
+                <c:pt idx="6">
+                  <c:v>7.0</c:v>
+                </c:pt>
+                <c:pt idx="7">
+                  <c:v>8.0</c:v>
+                </c:pt>
+                <c:pt idx="8">
+                  <c:v>9.0</c:v>
+                </c:pt>
+                <c:pt idx="9">
+                  <c:v>10.0</c:v>
+                </c:pt>
+                <c:pt idx="10">
+                  <c:v>11.0</c:v>
+                </c:pt>
+                <c:pt idx="11">
+                  <c:v>12.0</c:v>
+                </c:pt>
+                <c:pt idx="12">
+                  <c:v>13.0</c:v>
+                </c:pt>
+                <c:pt idx="13">
+                  <c:v>14.0</c:v>
+                </c:pt>
+                <c:pt idx="14">
+                  <c:v>15.0</c:v>
+                </c:pt>
+                <c:pt idx="15">
+                  <c:v>16.0</c:v>
+                </c:pt>
+                <c:pt idx="16">
+                  <c:v>17.0</c:v>
+                </c:pt>
+                <c:pt idx="17">
+                  <c:v>18.0</c:v>
+                </c:pt>
+                <c:pt idx="18">
+                  <c:v>19.0</c:v>
+                </c:pt>
+                <c:pt idx="19">
+                  <c:v>20.0</c:v>
+                </c:pt>
+                <c:pt idx="20">
+                  <c:v>21.0</c:v>
+                </c:pt>
+                <c:pt idx="21">
+                  <c:v>22.0</c:v>
+                </c:pt>
+                <c:pt idx="22">
+                  <c:v>23.0</c:v>
+                </c:pt>
+                <c:pt idx="23">
+                  <c:v>24.0</c:v>
+                </c:pt>
+                <c:pt idx="24">
+                  <c:v>25.0</c:v>
+                </c:pt>
+                <c:pt idx="25">
+                  <c:v>26.0</c:v>
+                </c:pt>
+                <c:pt idx="26">
+                  <c:v>27.0</c:v>
+                </c:pt>
+                <c:pt idx="27">
+                  <c:v>28.0</c:v>
+                </c:pt>
+                <c:pt idx="28">
+                  <c:v>29.0</c:v>
+                </c:pt>
+                <c:pt idx="29">
+                  <c:v>30.0</c:v>
+                </c:pt>
+                <c:pt idx="30">
+                  <c:v>31.0</c:v>
+                </c:pt>
+                <c:pt idx="31">
+                  <c:v>32.0</c:v>
+                </c:pt>
+                <c:pt idx="32">
+                  <c:v>33.0</c:v>
+                </c:pt>
+                <c:pt idx="33">
+                  <c:v>34.0</c:v>
+                </c:pt>
+              </c:numCache>
+            </c:numRef>
+          </c:xVal>
+          <c:yVal>
+            <c:numRef>
+              <c:f>'With Immune system'!$C$37:$C$70</c:f>
+              <c:numCache>
+                <c:formatCode>General</c:formatCode>
+                <c:ptCount val="34"/>
+                <c:pt idx="0">
+                  <c:v>1.0</c:v>
+                </c:pt>
+                <c:pt idx="1">
+                  <c:v>1.0</c:v>
+                </c:pt>
+                <c:pt idx="2">
+                  <c:v>1.0</c:v>
+                </c:pt>
+                <c:pt idx="3">
+                  <c:v>17.0</c:v>
+                </c:pt>
+                <c:pt idx="4">
+                  <c:v>6.0</c:v>
+                </c:pt>
+                <c:pt idx="5">
+                  <c:v>1.0</c:v>
+                </c:pt>
+                <c:pt idx="6">
+                  <c:v>1.0</c:v>
+                </c:pt>
+                <c:pt idx="7">
+                  <c:v>1.0</c:v>
+                </c:pt>
+                <c:pt idx="8">
+                  <c:v>59.0</c:v>
+                </c:pt>
+                <c:pt idx="9">
+                  <c:v>53.0</c:v>
+                </c:pt>
+                <c:pt idx="10">
+                  <c:v>103.0</c:v>
+                </c:pt>
+                <c:pt idx="11">
+                  <c:v>25.0</c:v>
+                </c:pt>
+                <c:pt idx="12">
+                  <c:v>59.0</c:v>
+                </c:pt>
+                <c:pt idx="13">
+                  <c:v>20.0</c:v>
+                </c:pt>
+                <c:pt idx="14">
+                  <c:v>202.0</c:v>
+                </c:pt>
+                <c:pt idx="15">
+                  <c:v>66.0</c:v>
+                </c:pt>
+                <c:pt idx="16">
+                  <c:v>58.0</c:v>
+                </c:pt>
+                <c:pt idx="17">
+                  <c:v>182.0</c:v>
+                </c:pt>
+                <c:pt idx="18">
+                  <c:v>325.0</c:v>
+                </c:pt>
+                <c:pt idx="19">
+                  <c:v>357.0</c:v>
+                </c:pt>
+                <c:pt idx="20">
+                  <c:v>337.0</c:v>
+                </c:pt>
+                <c:pt idx="21">
+                  <c:v>249.0</c:v>
+                </c:pt>
+                <c:pt idx="22">
+                  <c:v>328.0</c:v>
+                </c:pt>
+                <c:pt idx="23">
+                  <c:v>197.0</c:v>
+                </c:pt>
+                <c:pt idx="24">
+                  <c:v>122.0</c:v>
+                </c:pt>
+                <c:pt idx="25">
+                  <c:v>55.0</c:v>
+                </c:pt>
+                <c:pt idx="26">
+                  <c:v>33.0</c:v>
+                </c:pt>
+                <c:pt idx="27">
+                  <c:v>17.0</c:v>
+                </c:pt>
+                <c:pt idx="28">
+                  <c:v>26.0</c:v>
+                </c:pt>
+                <c:pt idx="29">
+                  <c:v>27.0</c:v>
+                </c:pt>
+                <c:pt idx="30">
+                  <c:v>10.0</c:v>
+                </c:pt>
+                <c:pt idx="31">
+                  <c:v>2.0</c:v>
+                </c:pt>
+                <c:pt idx="32">
+                  <c:v>1.0</c:v>
+                </c:pt>
+                <c:pt idx="33">
+                  <c:v>1.0</c:v>
+                </c:pt>
+              </c:numCache>
+            </c:numRef>
+          </c:yVal>
+          <c:smooth val="1"/>
+        </c:ser>
+        <c:dLbls>
+          <c:showLegendKey val="0"/>
+          <c:showVal val="0"/>
+          <c:showCatName val="0"/>
+          <c:showSerName val="0"/>
+          <c:showPercent val="0"/>
+          <c:showBubbleSize val="0"/>
+        </c:dLbls>
+        <c:axId val="1584506736"/>
+        <c:axId val="1722822976"/>
+      </c:scatterChart>
+      <c:valAx>
+        <c:axId val="1584506736"/>
+        <c:scaling>
+          <c:orientation val="minMax"/>
+        </c:scaling>
+        <c:delete val="0"/>
+        <c:axPos val="b"/>
+        <c:title>
+          <c:tx>
+            <c:rich>
+              <a:bodyPr/>
+              <a:lstStyle/>
+              <a:p>
+                <a:pPr>
+                  <a:defRPr sz="2000"/>
+                </a:pPr>
+                <a:r>
+                  <a:rPr lang="en-US" sz="2000"/>
+                  <a:t>Time(seconds)</a:t>
+                </a:r>
+              </a:p>
+            </c:rich>
+          </c:tx>
+          <c:layout/>
+          <c:overlay val="0"/>
+        </c:title>
+        <c:numFmt formatCode="General" sourceLinked="1"/>
+        <c:majorTickMark val="out"/>
+        <c:minorTickMark val="none"/>
+        <c:tickLblPos val="nextTo"/>
+        <c:txPr>
+          <a:bodyPr rot="0" vert="horz"/>
+          <a:lstStyle/>
+          <a:p>
+            <a:pPr>
+              <a:defRPr sz="2000" b="0" i="0" u="none" strike="noStrike" baseline="0">
+                <a:solidFill>
+                  <a:srgbClr val="000000"/>
+                </a:solidFill>
+                <a:latin typeface="Calibri"/>
+                <a:ea typeface="Calibri"/>
+                <a:cs typeface="Calibri"/>
+              </a:defRPr>
+            </a:pPr>
+            <a:endParaRPr lang="en-US"/>
+          </a:p>
+        </c:txPr>
+        <c:crossAx val="1722822976"/>
+        <c:crosses val="autoZero"/>
+        <c:crossBetween val="midCat"/>
+      </c:valAx>
+      <c:valAx>
+        <c:axId val="1722822976"/>
+        <c:scaling>
+          <c:orientation val="minMax"/>
+          <c:min val="0.0"/>
+        </c:scaling>
+        <c:delete val="0"/>
+        <c:axPos val="l"/>
+        <c:majorGridlines/>
+        <c:title>
+          <c:tx>
+            <c:rich>
+              <a:bodyPr rot="-5400000" vert="horz"/>
+              <a:lstStyle/>
+              <a:p>
+                <a:pPr>
+                  <a:defRPr sz="2000"/>
+                </a:pPr>
+                <a:r>
+                  <a:rPr lang="en-US" sz="2000"/>
+                  <a:t> Number</a:t>
+                </a:r>
+                <a:r>
+                  <a:rPr lang="en-US" sz="2000" baseline="0"/>
+                  <a:t> of Viruses</a:t>
+                </a:r>
+                <a:endParaRPr lang="en-US" sz="2000"/>
+              </a:p>
+            </c:rich>
+          </c:tx>
+          <c:layout/>
+          <c:overlay val="0"/>
+        </c:title>
+        <c:numFmt formatCode="General" sourceLinked="1"/>
+        <c:majorTickMark val="out"/>
+        <c:minorTickMark val="none"/>
+        <c:tickLblPos val="nextTo"/>
+        <c:txPr>
+          <a:bodyPr/>
+          <a:lstStyle/>
+          <a:p>
+            <a:pPr>
+              <a:defRPr sz="2000"/>
+            </a:pPr>
+            <a:endParaRPr lang="en-US"/>
+          </a:p>
+        </c:txPr>
+        <c:crossAx val="1584506736"/>
+        <c:crosses val="autoZero"/>
+        <c:crossBetween val="midCat"/>
+      </c:valAx>
+    </c:plotArea>
+    <c:legend>
+      <c:legendPos val="t"/>
+      <c:layout/>
+      <c:overlay val="0"/>
+      <c:txPr>
+        <a:bodyPr/>
+        <a:lstStyle/>
+        <a:p>
+          <a:pPr>
+            <a:defRPr sz="2000"/>
+          </a:pPr>
+          <a:endParaRPr lang="en-US"/>
+        </a:p>
+      </c:txPr>
+    </c:legend>
+    <c:plotVisOnly val="1"/>
+    <c:dispBlanksAs val="gap"/>
+    <c:showDLblsOverMax val="0"/>
+  </c:chart>
+  <c:txPr>
+    <a:bodyPr/>
+    <a:lstStyle/>
+    <a:p>
+      <a:pPr>
+        <a:defRPr sz="1000" b="0" i="0" u="none" strike="noStrike" baseline="0">
+          <a:solidFill>
+            <a:srgbClr val="000000"/>
+          </a:solidFill>
+          <a:latin typeface="Calibri"/>
+          <a:ea typeface="Calibri"/>
+          <a:cs typeface="Calibri"/>
+        </a:defRPr>
+      </a:pPr>
+      <a:endParaRPr lang="en-US"/>
+    </a:p>
+  </c:txPr>
+  <c:externalData r:id="rId1">
+    <c:autoUpdate val="0"/>
+  </c:externalData>
+</c:chartSpace>
+</file>
+
+<file path=ppt/charts/chart5.xml><?xml version="1.0" encoding="utf-8"?>
+<c:chartSpace xmlns:c="http://schemas.openxmlformats.org/drawingml/2006/chart" xmlns:a="http://schemas.openxmlformats.org/drawingml/2006/main" xmlns:r="http://schemas.openxmlformats.org/officeDocument/2006/relationships">
+  <c:date1904 val="0"/>
+  <c:lang val="en-US"/>
+  <c:roundedCorners val="0"/>
+  <mc:AlternateContent xmlns:mc="http://schemas.openxmlformats.org/markup-compatibility/2006">
+    <mc:Choice xmlns:c14="http://schemas.microsoft.com/office/drawing/2007/8/2/chart" Requires="c14">
+      <c14:style val="118"/>
+    </mc:Choice>
+    <mc:Fallback>
+      <c:style val="18"/>
+    </mc:Fallback>
+  </mc:AlternateContent>
+  <c:chart>
+    <c:title>
+      <c:tx>
+        <c:rich>
+          <a:bodyPr/>
+          <a:lstStyle/>
+          <a:p>
+            <a:pPr algn="ctr" rtl="1">
+              <a:defRPr sz="2400" b="1" i="0" u="none" strike="noStrike" baseline="0">
+                <a:solidFill>
+                  <a:srgbClr val="000000"/>
+                </a:solidFill>
+                <a:latin typeface="Calibri"/>
+                <a:ea typeface="Calibri"/>
+                <a:cs typeface="Calibri"/>
+              </a:defRPr>
+            </a:pPr>
             <a:r>
-              <a:rPr lang="en-US" baseline="0"/>
-              <a:t> Cell Death With and Without Immune System</a:t>
+              <a:rPr lang="en-US" sz="2400"/>
+              <a:t>Body Cell Death With and Without Immune System</a:t>
             </a:r>
-            <a:endParaRPr lang="en-US"/>
           </a:p>
         </c:rich>
       </c:tx>
@@ -1566,22 +2429,22 @@
                   <c:v>100.0</c:v>
                 </c:pt>
                 <c:pt idx="3">
-                  <c:v>46.66666666666664</c:v>
+                  <c:v>46.66666666666666</c:v>
                 </c:pt>
                 <c:pt idx="4">
-                  <c:v>46.66666666666664</c:v>
+                  <c:v>46.66666666666666</c:v>
                 </c:pt>
                 <c:pt idx="5">
-                  <c:v>46.66666666666664</c:v>
+                  <c:v>46.66666666666666</c:v>
                 </c:pt>
                 <c:pt idx="6">
-                  <c:v>46.66666666666664</c:v>
+                  <c:v>46.66666666666666</c:v>
                 </c:pt>
                 <c:pt idx="7">
-                  <c:v>46.66666666666664</c:v>
+                  <c:v>46.66666666666666</c:v>
                 </c:pt>
                 <c:pt idx="8">
-                  <c:v>46.66666666666664</c:v>
+                  <c:v>46.66666666666666</c:v>
                 </c:pt>
                 <c:pt idx="9">
                   <c:v>5.0</c:v>
@@ -1669,6 +2532,13 @@
           <c:tx>
             <c:v>With Immune System</c:v>
           </c:tx>
+          <c:spPr>
+            <a:ln>
+              <a:solidFill>
+                <a:srgbClr val="FFC000"/>
+              </a:solidFill>
+            </a:ln>
+          </c:spPr>
           <c:marker>
             <c:symbol val="none"/>
           </c:marker>
@@ -1904,11 +2774,11 @@
           <c:showPercent val="0"/>
           <c:showBubbleSize val="0"/>
         </c:dLbls>
-        <c:axId val="2087880312"/>
-        <c:axId val="2087874728"/>
+        <c:axId val="1641830976"/>
+        <c:axId val="1608023328"/>
       </c:scatterChart>
       <c:valAx>
-        <c:axId val="2087880312"/>
+        <c:axId val="1641830976"/>
         <c:scaling>
           <c:orientation val="minMax"/>
         </c:scaling>
@@ -1921,10 +2791,10 @@
               <a:lstStyle/>
               <a:p>
                 <a:pPr>
-                  <a:defRPr/>
+                  <a:defRPr sz="2000"/>
                 </a:pPr>
                 <a:r>
-                  <a:rPr lang="en-US"/>
+                  <a:rPr lang="en-US" sz="2000"/>
                   <a:t>Time(seconds)</a:t>
                 </a:r>
               </a:p>
@@ -1942,7 +2812,7 @@
           <a:lstStyle/>
           <a:p>
             <a:pPr>
-              <a:defRPr sz="1000" b="0" i="0" u="none" strike="noStrike" baseline="0">
+              <a:defRPr sz="2000" b="0" i="0" u="none" strike="noStrike" baseline="0">
                 <a:solidFill>
                   <a:srgbClr val="000000"/>
                 </a:solidFill>
@@ -1954,12 +2824,12 @@
             <a:endParaRPr lang="en-US"/>
           </a:p>
         </c:txPr>
-        <c:crossAx val="2087874728"/>
+        <c:crossAx val="1608023328"/>
         <c:crosses val="autoZero"/>
         <c:crossBetween val="midCat"/>
       </c:valAx>
       <c:valAx>
-        <c:axId val="2087874728"/>
+        <c:axId val="1608023328"/>
         <c:scaling>
           <c:orientation val="minMax"/>
           <c:min val="0.0"/>
@@ -1974,17 +2844,17 @@
               <a:lstStyle/>
               <a:p>
                 <a:pPr>
-                  <a:defRPr/>
+                  <a:defRPr sz="2000"/>
                 </a:pPr>
                 <a:r>
-                  <a:rPr lang="en-US"/>
+                  <a:rPr lang="en-US" sz="2000"/>
                   <a:t>Number</a:t>
                 </a:r>
                 <a:r>
-                  <a:rPr lang="en-US" baseline="0"/>
+                  <a:rPr lang="en-US" sz="2000" baseline="0"/>
                   <a:t> of Viruses</a:t>
                 </a:r>
-                <a:endParaRPr lang="en-US"/>
+                <a:endParaRPr lang="en-US" sz="2000"/>
               </a:p>
             </c:rich>
           </c:tx>
@@ -1995,648 +2865,57 @@
         <c:majorTickMark val="out"/>
         <c:minorTickMark val="none"/>
         <c:tickLblPos val="nextTo"/>
-        <c:crossAx val="2087880312"/>
+        <c:txPr>
+          <a:bodyPr/>
+          <a:lstStyle/>
+          <a:p>
+            <a:pPr>
+              <a:defRPr sz="2000"/>
+            </a:pPr>
+            <a:endParaRPr lang="en-US"/>
+          </a:p>
+        </c:txPr>
+        <c:crossAx val="1641830976"/>
         <c:crosses val="autoZero"/>
         <c:crossBetween val="midCat"/>
       </c:valAx>
     </c:plotArea>
     <c:legend>
-      <c:legendPos val="r"/>
+      <c:legendPos val="t"/>
       <c:layout/>
       <c:overlay val="0"/>
+      <c:txPr>
+        <a:bodyPr/>
+        <a:lstStyle/>
+        <a:p>
+          <a:pPr>
+            <a:defRPr sz="2000"/>
+          </a:pPr>
+          <a:endParaRPr lang="en-US"/>
+        </a:p>
+      </c:txPr>
     </c:legend>
     <c:plotVisOnly val="1"/>
     <c:dispBlanksAs val="gap"/>
     <c:showDLblsOverMax val="0"/>
   </c:chart>
-  <c:externalData r:id="rId1">
-    <c:autoUpdate val="0"/>
-  </c:externalData>
-</c:chartSpace>
-</file>
-
-<file path=ppt/charts/chart5.xml><?xml version="1.0" encoding="utf-8"?>
-<c:chartSpace xmlns:c="http://schemas.openxmlformats.org/drawingml/2006/chart" xmlns:a="http://schemas.openxmlformats.org/drawingml/2006/main" xmlns:r="http://schemas.openxmlformats.org/officeDocument/2006/relationships">
-  <c:date1904 val="0"/>
-  <c:lang val="en-US"/>
-  <c:roundedCorners val="0"/>
-  <mc:AlternateContent xmlns:mc="http://schemas.openxmlformats.org/markup-compatibility/2006">
-    <mc:Choice xmlns:c14="http://schemas.microsoft.com/office/drawing/2007/8/2/chart" Requires="c14">
-      <c14:style val="118"/>
-    </mc:Choice>
-    <mc:Fallback>
-      <c:style val="18"/>
-    </mc:Fallback>
-  </mc:AlternateContent>
-  <c:chart>
-    <c:title>
-      <c:tx>
-        <c:rich>
-          <a:bodyPr/>
-          <a:lstStyle/>
-          <a:p>
-            <a:pPr>
-              <a:defRPr/>
-            </a:pPr>
-            <a:r>
-              <a:rPr lang="en-US"/>
-              <a:t>Virus</a:t>
-            </a:r>
-            <a:r>
-              <a:rPr lang="en-US" baseline="0"/>
-              <a:t> Reproduction</a:t>
-            </a:r>
-            <a:endParaRPr lang="en-US"/>
-          </a:p>
-        </c:rich>
-      </c:tx>
-      <c:layout/>
-      <c:overlay val="0"/>
-    </c:title>
-    <c:autoTitleDeleted val="0"/>
-    <c:plotArea>
-      <c:layout/>
-      <c:scatterChart>
-        <c:scatterStyle val="smoothMarker"/>
-        <c:varyColors val="0"/>
-        <c:ser>
-          <c:idx val="0"/>
-          <c:order val="0"/>
-          <c:tx>
-            <c:v>Without the Immune System</c:v>
-          </c:tx>
-          <c:marker>
-            <c:symbol val="none"/>
-          </c:marker>
-          <c:xVal>
-            <c:numRef>
-              <c:f>'With Immune system'!$A$37:$A$70</c:f>
-              <c:numCache>
-                <c:formatCode>General</c:formatCode>
-                <c:ptCount val="34"/>
-                <c:pt idx="0">
-                  <c:v>1.0</c:v>
-                </c:pt>
-                <c:pt idx="1">
-                  <c:v>2.0</c:v>
-                </c:pt>
-                <c:pt idx="2">
-                  <c:v>3.0</c:v>
-                </c:pt>
-                <c:pt idx="3">
-                  <c:v>4.0</c:v>
-                </c:pt>
-                <c:pt idx="4">
-                  <c:v>5.0</c:v>
-                </c:pt>
-                <c:pt idx="5">
-                  <c:v>6.0</c:v>
-                </c:pt>
-                <c:pt idx="6">
-                  <c:v>7.0</c:v>
-                </c:pt>
-                <c:pt idx="7">
-                  <c:v>8.0</c:v>
-                </c:pt>
-                <c:pt idx="8">
-                  <c:v>9.0</c:v>
-                </c:pt>
-                <c:pt idx="9">
-                  <c:v>10.0</c:v>
-                </c:pt>
-                <c:pt idx="10">
-                  <c:v>11.0</c:v>
-                </c:pt>
-                <c:pt idx="11">
-                  <c:v>12.0</c:v>
-                </c:pt>
-                <c:pt idx="12">
-                  <c:v>13.0</c:v>
-                </c:pt>
-                <c:pt idx="13">
-                  <c:v>14.0</c:v>
-                </c:pt>
-                <c:pt idx="14">
-                  <c:v>15.0</c:v>
-                </c:pt>
-                <c:pt idx="15">
-                  <c:v>16.0</c:v>
-                </c:pt>
-                <c:pt idx="16">
-                  <c:v>17.0</c:v>
-                </c:pt>
-                <c:pt idx="17">
-                  <c:v>18.0</c:v>
-                </c:pt>
-                <c:pt idx="18">
-                  <c:v>19.0</c:v>
-                </c:pt>
-                <c:pt idx="19">
-                  <c:v>20.0</c:v>
-                </c:pt>
-                <c:pt idx="20">
-                  <c:v>21.0</c:v>
-                </c:pt>
-                <c:pt idx="21">
-                  <c:v>22.0</c:v>
-                </c:pt>
-                <c:pt idx="22">
-                  <c:v>23.0</c:v>
-                </c:pt>
-                <c:pt idx="23">
-                  <c:v>24.0</c:v>
-                </c:pt>
-                <c:pt idx="24">
-                  <c:v>25.0</c:v>
-                </c:pt>
-                <c:pt idx="25">
-                  <c:v>26.0</c:v>
-                </c:pt>
-                <c:pt idx="26">
-                  <c:v>27.0</c:v>
-                </c:pt>
-                <c:pt idx="27">
-                  <c:v>28.0</c:v>
-                </c:pt>
-                <c:pt idx="28">
-                  <c:v>29.0</c:v>
-                </c:pt>
-                <c:pt idx="29">
-                  <c:v>30.0</c:v>
-                </c:pt>
-                <c:pt idx="30">
-                  <c:v>31.0</c:v>
-                </c:pt>
-                <c:pt idx="31">
-                  <c:v>32.0</c:v>
-                </c:pt>
-                <c:pt idx="32">
-                  <c:v>33.0</c:v>
-                </c:pt>
-                <c:pt idx="33">
-                  <c:v>34.0</c:v>
-                </c:pt>
-              </c:numCache>
-            </c:numRef>
-          </c:xVal>
-          <c:yVal>
-            <c:numRef>
-              <c:f>'With Immune system'!$B$37:$B$70</c:f>
-              <c:numCache>
-                <c:formatCode>General</c:formatCode>
-                <c:ptCount val="34"/>
-                <c:pt idx="0">
-                  <c:v>1.0</c:v>
-                </c:pt>
-                <c:pt idx="1">
-                  <c:v>1.0</c:v>
-                </c:pt>
-                <c:pt idx="2">
-                  <c:v>1.0</c:v>
-                </c:pt>
-                <c:pt idx="3">
-                  <c:v>850.0</c:v>
-                </c:pt>
-                <c:pt idx="4">
-                  <c:v>849.0</c:v>
-                </c:pt>
-                <c:pt idx="5">
-                  <c:v>848.0</c:v>
-                </c:pt>
-                <c:pt idx="6">
-                  <c:v>848.0</c:v>
-                </c:pt>
-                <c:pt idx="7">
-                  <c:v>848.0</c:v>
-                </c:pt>
-                <c:pt idx="8">
-                  <c:v>1828.0</c:v>
-                </c:pt>
-                <c:pt idx="9">
-                  <c:v>1928.0</c:v>
-                </c:pt>
-                <c:pt idx="10">
-                  <c:v>1928.0</c:v>
-                </c:pt>
-                <c:pt idx="11">
-                  <c:v>1948.0</c:v>
-                </c:pt>
-                <c:pt idx="12">
-                  <c:v>1948.0</c:v>
-                </c:pt>
-                <c:pt idx="13">
-                  <c:v>1948.0</c:v>
-                </c:pt>
-                <c:pt idx="14">
-                  <c:v>1948.0</c:v>
-                </c:pt>
-                <c:pt idx="15">
-                  <c:v>1948.0</c:v>
-                </c:pt>
-                <c:pt idx="16">
-                  <c:v>1948.0</c:v>
-                </c:pt>
-                <c:pt idx="17">
-                  <c:v>1948.0</c:v>
-                </c:pt>
-                <c:pt idx="18">
-                  <c:v>1948.0</c:v>
-                </c:pt>
-                <c:pt idx="19">
-                  <c:v>1948.0</c:v>
-                </c:pt>
-                <c:pt idx="20">
-                  <c:v>1948.0</c:v>
-                </c:pt>
-                <c:pt idx="21">
-                  <c:v>1948.0</c:v>
-                </c:pt>
-                <c:pt idx="22">
-                  <c:v>1948.0</c:v>
-                </c:pt>
-                <c:pt idx="23">
-                  <c:v>1948.0</c:v>
-                </c:pt>
-                <c:pt idx="24">
-                  <c:v>1948.0</c:v>
-                </c:pt>
-                <c:pt idx="25">
-                  <c:v>1948.0</c:v>
-                </c:pt>
-                <c:pt idx="26">
-                  <c:v>1948.0</c:v>
-                </c:pt>
-                <c:pt idx="27">
-                  <c:v>1948.0</c:v>
-                </c:pt>
-                <c:pt idx="28">
-                  <c:v>1948.0</c:v>
-                </c:pt>
-                <c:pt idx="29">
-                  <c:v>1948.0</c:v>
-                </c:pt>
-                <c:pt idx="30">
-                  <c:v>1948.0</c:v>
-                </c:pt>
-                <c:pt idx="31">
-                  <c:v>1948.0</c:v>
-                </c:pt>
-                <c:pt idx="32">
-                  <c:v>1948.0</c:v>
-                </c:pt>
-                <c:pt idx="33">
-                  <c:v>1948.0</c:v>
-                </c:pt>
-              </c:numCache>
-            </c:numRef>
-          </c:yVal>
-          <c:smooth val="1"/>
-        </c:ser>
-        <c:ser>
-          <c:idx val="1"/>
-          <c:order val="1"/>
-          <c:tx>
-            <c:v>With the Immune System</c:v>
-          </c:tx>
-          <c:marker>
-            <c:symbol val="none"/>
-          </c:marker>
-          <c:xVal>
-            <c:numRef>
-              <c:f>'With Immune system'!$A$37:$A$70</c:f>
-              <c:numCache>
-                <c:formatCode>General</c:formatCode>
-                <c:ptCount val="34"/>
-                <c:pt idx="0">
-                  <c:v>1.0</c:v>
-                </c:pt>
-                <c:pt idx="1">
-                  <c:v>2.0</c:v>
-                </c:pt>
-                <c:pt idx="2">
-                  <c:v>3.0</c:v>
-                </c:pt>
-                <c:pt idx="3">
-                  <c:v>4.0</c:v>
-                </c:pt>
-                <c:pt idx="4">
-                  <c:v>5.0</c:v>
-                </c:pt>
-                <c:pt idx="5">
-                  <c:v>6.0</c:v>
-                </c:pt>
-                <c:pt idx="6">
-                  <c:v>7.0</c:v>
-                </c:pt>
-                <c:pt idx="7">
-                  <c:v>8.0</c:v>
-                </c:pt>
-                <c:pt idx="8">
-                  <c:v>9.0</c:v>
-                </c:pt>
-                <c:pt idx="9">
-                  <c:v>10.0</c:v>
-                </c:pt>
-                <c:pt idx="10">
-                  <c:v>11.0</c:v>
-                </c:pt>
-                <c:pt idx="11">
-                  <c:v>12.0</c:v>
-                </c:pt>
-                <c:pt idx="12">
-                  <c:v>13.0</c:v>
-                </c:pt>
-                <c:pt idx="13">
-                  <c:v>14.0</c:v>
-                </c:pt>
-                <c:pt idx="14">
-                  <c:v>15.0</c:v>
-                </c:pt>
-                <c:pt idx="15">
-                  <c:v>16.0</c:v>
-                </c:pt>
-                <c:pt idx="16">
-                  <c:v>17.0</c:v>
-                </c:pt>
-                <c:pt idx="17">
-                  <c:v>18.0</c:v>
-                </c:pt>
-                <c:pt idx="18">
-                  <c:v>19.0</c:v>
-                </c:pt>
-                <c:pt idx="19">
-                  <c:v>20.0</c:v>
-                </c:pt>
-                <c:pt idx="20">
-                  <c:v>21.0</c:v>
-                </c:pt>
-                <c:pt idx="21">
-                  <c:v>22.0</c:v>
-                </c:pt>
-                <c:pt idx="22">
-                  <c:v>23.0</c:v>
-                </c:pt>
-                <c:pt idx="23">
-                  <c:v>24.0</c:v>
-                </c:pt>
-                <c:pt idx="24">
-                  <c:v>25.0</c:v>
-                </c:pt>
-                <c:pt idx="25">
-                  <c:v>26.0</c:v>
-                </c:pt>
-                <c:pt idx="26">
-                  <c:v>27.0</c:v>
-                </c:pt>
-                <c:pt idx="27">
-                  <c:v>28.0</c:v>
-                </c:pt>
-                <c:pt idx="28">
-                  <c:v>29.0</c:v>
-                </c:pt>
-                <c:pt idx="29">
-                  <c:v>30.0</c:v>
-                </c:pt>
-                <c:pt idx="30">
-                  <c:v>31.0</c:v>
-                </c:pt>
-                <c:pt idx="31">
-                  <c:v>32.0</c:v>
-                </c:pt>
-                <c:pt idx="32">
-                  <c:v>33.0</c:v>
-                </c:pt>
-                <c:pt idx="33">
-                  <c:v>34.0</c:v>
-                </c:pt>
-              </c:numCache>
-            </c:numRef>
-          </c:xVal>
-          <c:yVal>
-            <c:numRef>
-              <c:f>'With Immune system'!$C$37:$C$70</c:f>
-              <c:numCache>
-                <c:formatCode>General</c:formatCode>
-                <c:ptCount val="34"/>
-                <c:pt idx="0">
-                  <c:v>1.0</c:v>
-                </c:pt>
-                <c:pt idx="1">
-                  <c:v>1.0</c:v>
-                </c:pt>
-                <c:pt idx="2">
-                  <c:v>1.0</c:v>
-                </c:pt>
-                <c:pt idx="3">
-                  <c:v>17.0</c:v>
-                </c:pt>
-                <c:pt idx="4">
-                  <c:v>6.0</c:v>
-                </c:pt>
-                <c:pt idx="5">
-                  <c:v>1.0</c:v>
-                </c:pt>
-                <c:pt idx="6">
-                  <c:v>1.0</c:v>
-                </c:pt>
-                <c:pt idx="7">
-                  <c:v>1.0</c:v>
-                </c:pt>
-                <c:pt idx="8">
-                  <c:v>59.0</c:v>
-                </c:pt>
-                <c:pt idx="9">
-                  <c:v>53.0</c:v>
-                </c:pt>
-                <c:pt idx="10">
-                  <c:v>103.0</c:v>
-                </c:pt>
-                <c:pt idx="11">
-                  <c:v>25.0</c:v>
-                </c:pt>
-                <c:pt idx="12">
-                  <c:v>59.0</c:v>
-                </c:pt>
-                <c:pt idx="13">
-                  <c:v>20.0</c:v>
-                </c:pt>
-                <c:pt idx="14">
-                  <c:v>202.0</c:v>
-                </c:pt>
-                <c:pt idx="15">
-                  <c:v>66.0</c:v>
-                </c:pt>
-                <c:pt idx="16">
-                  <c:v>58.0</c:v>
-                </c:pt>
-                <c:pt idx="17">
-                  <c:v>182.0</c:v>
-                </c:pt>
-                <c:pt idx="18">
-                  <c:v>325.0</c:v>
-                </c:pt>
-                <c:pt idx="19">
-                  <c:v>357.0</c:v>
-                </c:pt>
-                <c:pt idx="20">
-                  <c:v>337.0</c:v>
-                </c:pt>
-                <c:pt idx="21">
-                  <c:v>249.0</c:v>
-                </c:pt>
-                <c:pt idx="22">
-                  <c:v>328.0</c:v>
-                </c:pt>
-                <c:pt idx="23">
-                  <c:v>197.0</c:v>
-                </c:pt>
-                <c:pt idx="24">
-                  <c:v>122.0</c:v>
-                </c:pt>
-                <c:pt idx="25">
-                  <c:v>55.0</c:v>
-                </c:pt>
-                <c:pt idx="26">
-                  <c:v>33.0</c:v>
-                </c:pt>
-                <c:pt idx="27">
-                  <c:v>17.0</c:v>
-                </c:pt>
-                <c:pt idx="28">
-                  <c:v>26.0</c:v>
-                </c:pt>
-                <c:pt idx="29">
-                  <c:v>27.0</c:v>
-                </c:pt>
-                <c:pt idx="30">
-                  <c:v>10.0</c:v>
-                </c:pt>
-                <c:pt idx="31">
-                  <c:v>2.0</c:v>
-                </c:pt>
-                <c:pt idx="32">
-                  <c:v>1.0</c:v>
-                </c:pt>
-                <c:pt idx="33">
-                  <c:v>1.0</c:v>
-                </c:pt>
-              </c:numCache>
-            </c:numRef>
-          </c:yVal>
-          <c:smooth val="1"/>
-        </c:ser>
-        <c:dLbls>
-          <c:showLegendKey val="0"/>
-          <c:showVal val="0"/>
-          <c:showCatName val="0"/>
-          <c:showSerName val="0"/>
-          <c:showPercent val="0"/>
-          <c:showBubbleSize val="0"/>
-        </c:dLbls>
-        <c:axId val="2087842824"/>
-        <c:axId val="2087837256"/>
-      </c:scatterChart>
-      <c:valAx>
-        <c:axId val="2087842824"/>
-        <c:scaling>
-          <c:orientation val="minMax"/>
-        </c:scaling>
-        <c:delete val="0"/>
-        <c:axPos val="b"/>
-        <c:title>
-          <c:tx>
-            <c:rich>
-              <a:bodyPr/>
-              <a:lstStyle/>
-              <a:p>
-                <a:pPr>
-                  <a:defRPr/>
-                </a:pPr>
-                <a:r>
-                  <a:rPr lang="en-US"/>
-                  <a:t>Time(seconds)</a:t>
-                </a:r>
-              </a:p>
-            </c:rich>
-          </c:tx>
-          <c:layout/>
-          <c:overlay val="0"/>
-        </c:title>
-        <c:numFmt formatCode="General" sourceLinked="1"/>
-        <c:majorTickMark val="out"/>
-        <c:minorTickMark val="none"/>
-        <c:tickLblPos val="nextTo"/>
-        <c:txPr>
-          <a:bodyPr rot="0" vert="horz"/>
-          <a:lstStyle/>
-          <a:p>
-            <a:pPr>
-              <a:defRPr sz="1000" b="0" i="0" u="none" strike="noStrike" baseline="0">
-                <a:solidFill>
-                  <a:srgbClr val="000000"/>
-                </a:solidFill>
-                <a:latin typeface="Calibri"/>
-                <a:ea typeface="Calibri"/>
-                <a:cs typeface="Calibri"/>
-              </a:defRPr>
-            </a:pPr>
-            <a:endParaRPr lang="en-US"/>
-          </a:p>
-        </c:txPr>
-        <c:crossAx val="2087837256"/>
-        <c:crosses val="autoZero"/>
-        <c:crossBetween val="midCat"/>
-      </c:valAx>
-      <c:valAx>
-        <c:axId val="2087837256"/>
-        <c:scaling>
-          <c:orientation val="minMax"/>
-        </c:scaling>
-        <c:delete val="0"/>
-        <c:axPos val="l"/>
-        <c:majorGridlines/>
-        <c:title>
-          <c:tx>
-            <c:rich>
-              <a:bodyPr rot="-5400000" vert="horz"/>
-              <a:lstStyle/>
-              <a:p>
-                <a:pPr>
-                  <a:defRPr/>
-                </a:pPr>
-                <a:r>
-                  <a:rPr lang="en-US"/>
-                  <a:t> Number</a:t>
-                </a:r>
-                <a:r>
-                  <a:rPr lang="en-US" baseline="0"/>
-                  <a:t> of Viruses</a:t>
-                </a:r>
-                <a:endParaRPr lang="en-US"/>
-              </a:p>
-            </c:rich>
-          </c:tx>
-          <c:layout/>
-          <c:overlay val="0"/>
-        </c:title>
-        <c:numFmt formatCode="General" sourceLinked="1"/>
-        <c:majorTickMark val="out"/>
-        <c:minorTickMark val="none"/>
-        <c:tickLblPos val="nextTo"/>
-        <c:crossAx val="2087842824"/>
-        <c:crosses val="autoZero"/>
-        <c:crossBetween val="midCat"/>
-      </c:valAx>
-    </c:plotArea>
-    <c:legend>
-      <c:legendPos val="r"/>
-      <c:layout/>
-      <c:overlay val="0"/>
-    </c:legend>
-    <c:plotVisOnly val="1"/>
-    <c:dispBlanksAs val="gap"/>
-    <c:showDLblsOverMax val="0"/>
-  </c:chart>
+  <c:txPr>
+    <a:bodyPr/>
+    <a:lstStyle/>
+    <a:p>
+      <a:pPr>
+        <a:defRPr sz="1000" b="0" i="0" u="none" strike="noStrike" baseline="0">
+          <a:solidFill>
+            <a:srgbClr val="000000"/>
+          </a:solidFill>
+          <a:latin typeface="Calibri"/>
+          <a:ea typeface="Calibri"/>
+          <a:cs typeface="Calibri"/>
+        </a:defRPr>
+      </a:pPr>
+      <a:endParaRPr lang="en-US"/>
+    </a:p>
+  </c:txPr>
   <c:externalData r:id="rId1">
     <c:autoUpdate val="0"/>
   </c:externalData>
@@ -2663,18 +2942,20 @@
           <a:bodyPr/>
           <a:lstStyle/>
           <a:p>
-            <a:pPr>
-              <a:defRPr/>
+            <a:pPr algn="ctr" rtl="1">
+              <a:defRPr sz="2400" b="1" i="0" u="none" strike="noStrike" baseline="0">
+                <a:solidFill>
+                  <a:srgbClr val="000000"/>
+                </a:solidFill>
+                <a:latin typeface="Calibri"/>
+                <a:ea typeface="Calibri"/>
+                <a:cs typeface="Calibri"/>
+              </a:defRPr>
             </a:pPr>
             <a:r>
-              <a:rPr lang="en-US"/>
-              <a:t>Number</a:t>
+              <a:rPr lang="en-US" sz="2400"/>
+              <a:t>Number of Body Cells Dying With Bacteria </a:t>
             </a:r>
-            <a:r>
-              <a:rPr lang="en-US" baseline="0"/>
-              <a:t> of Body Cells Dying With Bacteria </a:t>
-            </a:r>
-            <a:endParaRPr lang="en-US"/>
           </a:p>
         </c:rich>
       </c:tx>
@@ -2905,11 +3186,11 @@
           <c:showPercent val="0"/>
           <c:showBubbleSize val="0"/>
         </c:dLbls>
-        <c:axId val="2087808328"/>
-        <c:axId val="2087805160"/>
+        <c:axId val="1727393936"/>
+        <c:axId val="1587649856"/>
       </c:scatterChart>
       <c:valAx>
-        <c:axId val="2087808328"/>
+        <c:axId val="1727393936"/>
         <c:scaling>
           <c:orientation val="minMax"/>
         </c:scaling>
@@ -2924,7 +3205,7 @@
           <a:lstStyle/>
           <a:p>
             <a:pPr>
-              <a:defRPr sz="1000" b="0" i="0" u="none" strike="noStrike" baseline="0">
+              <a:defRPr sz="2000" b="0" i="0" u="none" strike="noStrike" baseline="0">
                 <a:solidFill>
                   <a:srgbClr val="000000"/>
                 </a:solidFill>
@@ -2936,12 +3217,12 @@
             <a:endParaRPr lang="en-US"/>
           </a:p>
         </c:txPr>
-        <c:crossAx val="2087805160"/>
+        <c:crossAx val="1587649856"/>
         <c:crosses val="autoZero"/>
         <c:crossBetween val="midCat"/>
       </c:valAx>
       <c:valAx>
-        <c:axId val="2087805160"/>
+        <c:axId val="1587649856"/>
         <c:scaling>
           <c:orientation val="minMax"/>
         </c:scaling>
@@ -2952,20 +3233,42 @@
         <c:majorTickMark val="out"/>
         <c:minorTickMark val="none"/>
         <c:tickLblPos val="nextTo"/>
-        <c:crossAx val="2087808328"/>
+        <c:txPr>
+          <a:bodyPr/>
+          <a:lstStyle/>
+          <a:p>
+            <a:pPr>
+              <a:defRPr sz="2000"/>
+            </a:pPr>
+            <a:endParaRPr lang="en-US"/>
+          </a:p>
+        </c:txPr>
+        <c:crossAx val="1727393936"/>
         <c:crosses val="autoZero"/>
         <c:crossBetween val="midCat"/>
       </c:valAx>
     </c:plotArea>
-    <c:legend>
-      <c:legendPos val="r"/>
-      <c:layout/>
-      <c:overlay val="0"/>
-    </c:legend>
     <c:plotVisOnly val="1"/>
     <c:dispBlanksAs val="gap"/>
     <c:showDLblsOverMax val="0"/>
   </c:chart>
+  <c:txPr>
+    <a:bodyPr/>
+    <a:lstStyle/>
+    <a:p>
+      <a:pPr>
+        <a:defRPr sz="1000" b="0" i="0" u="none" strike="noStrike" baseline="0">
+          <a:solidFill>
+            <a:srgbClr val="000000"/>
+          </a:solidFill>
+          <a:latin typeface="Calibri"/>
+          <a:ea typeface="Calibri"/>
+          <a:cs typeface="Calibri"/>
+        </a:defRPr>
+      </a:pPr>
+      <a:endParaRPr lang="en-US"/>
+    </a:p>
+  </c:txPr>
   <c:externalData r:id="rId1">
     <c:autoUpdate val="0"/>
   </c:externalData>
@@ -2992,18 +3295,20 @@
           <a:bodyPr/>
           <a:lstStyle/>
           <a:p>
-            <a:pPr>
-              <a:defRPr/>
+            <a:pPr algn="ctr" rtl="1">
+              <a:defRPr sz="2000" b="1" i="0" u="none" strike="noStrike" baseline="0">
+                <a:solidFill>
+                  <a:srgbClr val="000000"/>
+                </a:solidFill>
+                <a:latin typeface="Calibri"/>
+                <a:ea typeface="Calibri"/>
+                <a:cs typeface="Calibri"/>
+              </a:defRPr>
             </a:pPr>
             <a:r>
-              <a:rPr lang="en-US"/>
-              <a:t>Body</a:t>
+              <a:rPr lang="en-US" sz="2000"/>
+              <a:t>Body Cell Death with Bacteria and Macrophages</a:t>
             </a:r>
-            <a:r>
-              <a:rPr lang="en-US" baseline="0"/>
-              <a:t> Cell Death with Bacteria and Macrophages</a:t>
-            </a:r>
-            <a:endParaRPr lang="en-US"/>
           </a:p>
         </c:rich>
       </c:tx>
@@ -3020,7 +3325,7 @@
           <c:idx val="0"/>
           <c:order val="0"/>
           <c:tx>
-            <c:v>Number of Body Cells Without Macrophages</c:v>
+            <c:v> Without Macrophages</c:v>
           </c:tx>
           <c:marker>
             <c:symbol val="none"/>
@@ -3223,8 +3528,15 @@
           <c:idx val="1"/>
           <c:order val="1"/>
           <c:tx>
-            <c:v>Number of Body Cells With Macrophages</c:v>
+            <c:v> With Macrophages</c:v>
           </c:tx>
+          <c:spPr>
+            <a:ln>
+              <a:solidFill>
+                <a:srgbClr val="00E88F"/>
+              </a:solidFill>
+            </a:ln>
+          </c:spPr>
           <c:marker>
             <c:symbol val="none"/>
           </c:marker>
@@ -3430,11 +3742,11 @@
           <c:showPercent val="0"/>
           <c:showBubbleSize val="0"/>
         </c:dLbls>
-        <c:axId val="2087770376"/>
-        <c:axId val="2087767176"/>
+        <c:axId val="1608149840"/>
+        <c:axId val="1591121040"/>
       </c:scatterChart>
       <c:valAx>
-        <c:axId val="2087770376"/>
+        <c:axId val="1608149840"/>
         <c:scaling>
           <c:orientation val="minMax"/>
         </c:scaling>
@@ -3449,7 +3761,7 @@
           <a:lstStyle/>
           <a:p>
             <a:pPr>
-              <a:defRPr sz="1000" b="0" i="0" u="none" strike="noStrike" baseline="0">
+              <a:defRPr sz="2000" b="0" i="0" u="none" strike="noStrike" baseline="0">
                 <a:solidFill>
                   <a:srgbClr val="000000"/>
                 </a:solidFill>
@@ -3461,12 +3773,12 @@
             <a:endParaRPr lang="en-US"/>
           </a:p>
         </c:txPr>
-        <c:crossAx val="2087767176"/>
+        <c:crossAx val="1591121040"/>
         <c:crosses val="autoZero"/>
         <c:crossBetween val="midCat"/>
       </c:valAx>
       <c:valAx>
-        <c:axId val="2087767176"/>
+        <c:axId val="1591121040"/>
         <c:scaling>
           <c:orientation val="minMax"/>
         </c:scaling>
@@ -3477,20 +3789,57 @@
         <c:majorTickMark val="out"/>
         <c:minorTickMark val="none"/>
         <c:tickLblPos val="nextTo"/>
-        <c:crossAx val="2087770376"/>
+        <c:txPr>
+          <a:bodyPr/>
+          <a:lstStyle/>
+          <a:p>
+            <a:pPr>
+              <a:defRPr sz="2000"/>
+            </a:pPr>
+            <a:endParaRPr lang="en-US"/>
+          </a:p>
+        </c:txPr>
+        <c:crossAx val="1608149840"/>
         <c:crosses val="autoZero"/>
         <c:crossBetween val="midCat"/>
       </c:valAx>
     </c:plotArea>
     <c:legend>
-      <c:legendPos val="r"/>
+      <c:legendPos val="t"/>
       <c:layout/>
       <c:overlay val="0"/>
+      <c:txPr>
+        <a:bodyPr/>
+        <a:lstStyle/>
+        <a:p>
+          <a:pPr>
+            <a:defRPr sz="2000"/>
+          </a:pPr>
+          <a:endParaRPr lang="en-US"/>
+        </a:p>
+      </c:txPr>
     </c:legend>
     <c:plotVisOnly val="1"/>
     <c:dispBlanksAs val="gap"/>
     <c:showDLblsOverMax val="0"/>
   </c:chart>
+  <c:txPr>
+    <a:bodyPr/>
+    <a:lstStyle/>
+    <a:p>
+      <a:pPr>
+        <a:defRPr sz="1000" b="0" i="0" u="none" strike="noStrike" baseline="0">
+          <a:solidFill>
+            <a:srgbClr val="000000"/>
+          </a:solidFill>
+          <a:latin typeface="Calibri"/>
+          <a:ea typeface="Calibri"/>
+          <a:cs typeface="Calibri"/>
+        </a:defRPr>
+      </a:pPr>
+      <a:endParaRPr lang="en-US"/>
+    </a:p>
+  </c:txPr>
   <c:externalData r:id="rId1">
     <c:autoUpdate val="0"/>
   </c:externalData>
@@ -3579,7 +3928,7 @@
           <a:p>
             <a:fld id="{C774A270-9CA5-4E17-9448-1389142F63AE}" type="datetimeFigureOut">
               <a:rPr lang="en-US" smtClean="0"/>
-              <a:t>1/4/17</a:t>
+              <a:t>1/14/17</a:t>
             </a:fld>
             <a:endParaRPr lang="en-US"/>
           </a:p>
@@ -3890,6 +4239,259 @@
           <a:bodyPr/>
           <a:lstStyle/>
           <a:p>
+            <a:r>
+              <a:rPr lang="en-US" dirty="0" smtClean="0"/>
+              <a:t>Experiment 1 Discussion</a:t>
+            </a:r>
+          </a:p>
+          <a:p>
+            <a:endParaRPr lang="en-US" dirty="0" smtClean="0"/>
+          </a:p>
+          <a:p>
+            <a:pPr marL="0" marR="0" indent="0" algn="l" defTabSz="914400" rtl="0" eaLnBrk="1" fontAlgn="auto" latinLnBrk="0" hangingPunct="1">
+              <a:lnSpc>
+                <a:spcPct val="100000"/>
+              </a:lnSpc>
+              <a:spcBef>
+                <a:spcPts val="0"/>
+              </a:spcBef>
+              <a:spcAft>
+                <a:spcPts val="0"/>
+              </a:spcAft>
+              <a:buClrTx/>
+              <a:buSzTx/>
+              <a:buFontTx/>
+              <a:buNone/>
+              <a:tabLst/>
+              <a:defRPr/>
+            </a:pPr>
+            <a:r>
+              <a:rPr lang="en-US" dirty="0" smtClean="0">
+                <a:latin typeface="Century Gothic"/>
+                <a:cs typeface="Century Gothic"/>
+              </a:rPr>
+              <a:t>In these results, the number of body cells  decreased rapidly and were all killed after 15 seconds, but the number of viruses increased by hundreds, since the virus reproduced by 20 each time it infected a cell. (Viruses actually reproduce by thousands, but the program would glitch so I lowered it to 20)</a:t>
+            </a:r>
+          </a:p>
+          <a:p>
+            <a:endParaRPr lang="en-US" dirty="0" smtClean="0"/>
+          </a:p>
+          <a:p>
+            <a:r>
+              <a:rPr lang="en-US" dirty="0" smtClean="0"/>
+              <a:t>Experiment 2 Discussion</a:t>
+            </a:r>
+          </a:p>
+          <a:p>
+            <a:r>
+              <a:rPr lang="en-US" dirty="0" smtClean="0">
+                <a:latin typeface="Century Gothic"/>
+                <a:cs typeface="Century Gothic"/>
+              </a:rPr>
+              <a:t>In these results, the effect was huge. The first chart shows the death of body cells without killer-T cells(blue) , and the death of body cells with killer-T cells(red). In this chart, the effect of the killer-T cells was not significant. However, the body cells died quicker than without killer-T cells. The second chart shows the amount of viruses with and without killer-T cells(red and blue). The impact was significant. The results without killer-T cells showed the virus population reaching almost 2000, while the population with killer-T cells reached less than 500. So, the killer-T cells killed a lot of viruses, but did not impact the amount of body cells as much.</a:t>
+            </a:r>
+          </a:p>
+          <a:p>
+            <a:endParaRPr lang="en-US" dirty="0" smtClean="0">
+              <a:latin typeface="Century Gothic"/>
+              <a:cs typeface="Century Gothic"/>
+            </a:endParaRPr>
+          </a:p>
+          <a:p>
+            <a:r>
+              <a:rPr lang="en-US" dirty="0" smtClean="0">
+                <a:latin typeface="Century Gothic"/>
+                <a:cs typeface="Century Gothic"/>
+              </a:rPr>
+              <a:t>Experiment 3 Discussion</a:t>
+            </a:r>
+          </a:p>
+          <a:p>
+            <a:pPr marL="0" marR="0" indent="0" algn="l" defTabSz="914400" rtl="0" eaLnBrk="1" fontAlgn="auto" latinLnBrk="0" hangingPunct="1">
+              <a:lnSpc>
+                <a:spcPct val="100000"/>
+              </a:lnSpc>
+              <a:spcBef>
+                <a:spcPts val="0"/>
+              </a:spcBef>
+              <a:spcAft>
+                <a:spcPts val="0"/>
+              </a:spcAft>
+              <a:buClrTx/>
+              <a:buSzTx/>
+              <a:buFontTx/>
+              <a:buNone/>
+              <a:tabLst/>
+              <a:defRPr/>
+            </a:pPr>
+            <a:r>
+              <a:rPr lang="en-US" dirty="0" smtClean="0">
+                <a:latin typeface="Century Gothic"/>
+                <a:cs typeface="Century Gothic"/>
+              </a:rPr>
+              <a:t>In these results, the effect was the most significant. The first chart shows the death of body cells with (red) and without(blue) the immune system.  The impact of the immune system shows that the cells without the immune system died much before the cells with the immune system did. In the second chart, the effect is also extremely large. The viruses without the immune system replicated much more than the viruses with the immune system. In fact, the viruses with the immune system died after awhile. So, the immune system impacted the body cells and the viruses the most. </a:t>
+            </a:r>
+          </a:p>
+          <a:p>
+            <a:pPr marL="0" marR="0" indent="0" algn="l" defTabSz="914400" rtl="0" eaLnBrk="1" fontAlgn="auto" latinLnBrk="0" hangingPunct="1">
+              <a:lnSpc>
+                <a:spcPct val="100000"/>
+              </a:lnSpc>
+              <a:spcBef>
+                <a:spcPts val="0"/>
+              </a:spcBef>
+              <a:spcAft>
+                <a:spcPts val="0"/>
+              </a:spcAft>
+              <a:buClrTx/>
+              <a:buSzTx/>
+              <a:buFontTx/>
+              <a:buNone/>
+              <a:tabLst/>
+              <a:defRPr/>
+            </a:pPr>
+            <a:endParaRPr lang="en-US" dirty="0" smtClean="0">
+              <a:latin typeface="Century Gothic"/>
+              <a:cs typeface="Century Gothic"/>
+            </a:endParaRPr>
+          </a:p>
+          <a:p>
+            <a:pPr marL="0" marR="0" indent="0" algn="l" defTabSz="914400" rtl="0" eaLnBrk="1" fontAlgn="auto" latinLnBrk="0" hangingPunct="1">
+              <a:lnSpc>
+                <a:spcPct val="100000"/>
+              </a:lnSpc>
+              <a:spcBef>
+                <a:spcPts val="0"/>
+              </a:spcBef>
+              <a:spcAft>
+                <a:spcPts val="0"/>
+              </a:spcAft>
+              <a:buClrTx/>
+              <a:buSzTx/>
+              <a:buFontTx/>
+              <a:buNone/>
+              <a:tabLst/>
+              <a:defRPr/>
+            </a:pPr>
+            <a:r>
+              <a:rPr lang="en-US" dirty="0" smtClean="0">
+                <a:latin typeface="Century Gothic"/>
+                <a:cs typeface="Century Gothic"/>
+              </a:rPr>
+              <a:t>Experiment</a:t>
+            </a:r>
+            <a:r>
+              <a:rPr lang="en-US" baseline="0" dirty="0" smtClean="0">
+                <a:latin typeface="Century Gothic"/>
+                <a:cs typeface="Century Gothic"/>
+              </a:rPr>
+              <a:t> 4 Discussion </a:t>
+            </a:r>
+          </a:p>
+          <a:p>
+            <a:pPr marL="0" marR="0" indent="0" algn="l" defTabSz="914400" rtl="0" eaLnBrk="1" fontAlgn="auto" latinLnBrk="0" hangingPunct="1">
+              <a:lnSpc>
+                <a:spcPct val="100000"/>
+              </a:lnSpc>
+              <a:spcBef>
+                <a:spcPts val="0"/>
+              </a:spcBef>
+              <a:spcAft>
+                <a:spcPts val="0"/>
+              </a:spcAft>
+              <a:buClrTx/>
+              <a:buSzTx/>
+              <a:buFontTx/>
+              <a:buNone/>
+              <a:tabLst/>
+              <a:defRPr/>
+            </a:pPr>
+            <a:r>
+              <a:rPr lang="en-US" dirty="0" smtClean="0"/>
+              <a:t>In this experiment, the body cells died much slower. </a:t>
+            </a:r>
+          </a:p>
+          <a:p>
+            <a:pPr marL="0" marR="0" indent="0" algn="l" defTabSz="914400" rtl="0" eaLnBrk="1" fontAlgn="auto" latinLnBrk="0" hangingPunct="1">
+              <a:lnSpc>
+                <a:spcPct val="100000"/>
+              </a:lnSpc>
+              <a:spcBef>
+                <a:spcPts val="0"/>
+              </a:spcBef>
+              <a:spcAft>
+                <a:spcPts val="0"/>
+              </a:spcAft>
+              <a:buClrTx/>
+              <a:buSzTx/>
+              <a:buFontTx/>
+              <a:buNone/>
+              <a:tabLst/>
+              <a:defRPr/>
+            </a:pPr>
+            <a:endParaRPr lang="en-US" baseline="0" dirty="0" smtClean="0">
+              <a:latin typeface="Century Gothic"/>
+              <a:cs typeface="Century Gothic"/>
+            </a:endParaRPr>
+          </a:p>
+          <a:p>
+            <a:pPr marL="0" marR="0" indent="0" algn="l" defTabSz="914400" rtl="0" eaLnBrk="1" fontAlgn="auto" latinLnBrk="0" hangingPunct="1">
+              <a:lnSpc>
+                <a:spcPct val="100000"/>
+              </a:lnSpc>
+              <a:spcBef>
+                <a:spcPts val="0"/>
+              </a:spcBef>
+              <a:spcAft>
+                <a:spcPts val="0"/>
+              </a:spcAft>
+              <a:buClrTx/>
+              <a:buSzTx/>
+              <a:buFontTx/>
+              <a:buNone/>
+              <a:tabLst/>
+              <a:defRPr/>
+            </a:pPr>
+            <a:r>
+              <a:rPr lang="en-US" baseline="0" dirty="0" smtClean="0">
+                <a:latin typeface="Century Gothic"/>
+                <a:cs typeface="Century Gothic"/>
+              </a:rPr>
+              <a:t>Experiment 5 Discussion</a:t>
+            </a:r>
+            <a:endParaRPr lang="en-US" dirty="0" smtClean="0">
+              <a:latin typeface="Century Gothic"/>
+              <a:cs typeface="Century Gothic"/>
+            </a:endParaRPr>
+          </a:p>
+          <a:p>
+            <a:pPr marL="0" marR="0" indent="0" algn="l" defTabSz="914400" rtl="0" eaLnBrk="1" fontAlgn="auto" latinLnBrk="0" hangingPunct="1">
+              <a:lnSpc>
+                <a:spcPct val="100000"/>
+              </a:lnSpc>
+              <a:spcBef>
+                <a:spcPts val="0"/>
+              </a:spcBef>
+              <a:spcAft>
+                <a:spcPts val="0"/>
+              </a:spcAft>
+              <a:buClrTx/>
+              <a:buSzTx/>
+              <a:buFontTx/>
+              <a:buNone/>
+              <a:tabLst/>
+              <a:defRPr/>
+            </a:pPr>
+            <a:r>
+              <a:rPr lang="en-US" dirty="0" smtClean="0"/>
+              <a:t>In this experiment, the impact was also significant. </a:t>
+            </a:r>
+            <a:r>
+              <a:rPr lang="en-US" smtClean="0"/>
+              <a:t>The body cells with the macrophages were saved, and in the test without the macrophages, all the body cells died. </a:t>
+            </a:r>
+          </a:p>
+          <a:p>
             <a:endParaRPr lang="en-US" dirty="0"/>
           </a:p>
         </p:txBody>
@@ -3933,6 +4535,11 @@
 <file path=ppt/slideLayouts/slideLayout1.xml><?xml version="1.0" encoding="utf-8"?>
 <p:sldLayout xmlns:a="http://schemas.openxmlformats.org/drawingml/2006/main" xmlns:r="http://schemas.openxmlformats.org/officeDocument/2006/relationships" xmlns:p="http://schemas.openxmlformats.org/presentationml/2006/main" type="title" preserve="1">
   <p:cSld name="Title Slide">
+    <p:bg>
+      <p:bgRef idx="1003">
+        <a:schemeClr val="bg1"/>
+      </p:bgRef>
+    </p:bg>
     <p:spTree>
       <p:nvGrpSpPr>
         <p:cNvPr id="1" name=""/>
@@ -4087,10 +4694,10 @@
           </a:lstStyle>
           <a:p>
             <a:r>
-              <a:rPr lang="en-US" smtClean="0"/>
+              <a:rPr lang="en-US" dirty="0" smtClean="0"/>
               <a:t>Click to edit Master subtitle style</a:t>
             </a:r>
-            <a:endParaRPr lang="en-US"/>
+            <a:endParaRPr lang="en-US" dirty="0"/>
           </a:p>
         </p:txBody>
       </p:sp>
@@ -4111,7 +4718,7 @@
           <a:p>
             <a:fld id="{48A87A34-81AB-432B-8DAE-1953F412C126}" type="datetimeFigureOut">
               <a:rPr lang="en-US" smtClean="0"/>
-              <a:t>1/4/17</a:t>
+              <a:t>1/14/17</a:t>
             </a:fld>
             <a:endParaRPr lang="en-US" dirty="0"/>
           </a:p>
@@ -4168,2233 +4775,7 @@
     </p:extLst>
   </p:cSld>
   <p:clrMapOvr>
-    <a:masterClrMapping/>
-  </p:clrMapOvr>
-</p:sldLayout>
-</file>
-
-<file path=ppt/slideLayouts/slideLayout10.xml><?xml version="1.0" encoding="utf-8"?>
-<p:sldLayout xmlns:a="http://schemas.openxmlformats.org/drawingml/2006/main" xmlns:r="http://schemas.openxmlformats.org/officeDocument/2006/relationships" xmlns:p="http://schemas.openxmlformats.org/presentationml/2006/main" type="vertTx" preserve="1">
-  <p:cSld name="Title and Vertical Text">
-    <p:spTree>
-      <p:nvGrpSpPr>
-        <p:cNvPr id="1" name=""/>
-        <p:cNvGrpSpPr/>
-        <p:nvPr/>
-      </p:nvGrpSpPr>
-      <p:grpSpPr>
-        <a:xfrm>
-          <a:off x="0" y="0"/>
-          <a:ext cx="0" cy="0"/>
-          <a:chOff x="0" y="0"/>
-          <a:chExt cx="0" cy="0"/>
-        </a:xfrm>
-      </p:grpSpPr>
-      <p:sp>
-        <p:nvSpPr>
-          <p:cNvPr id="2" name="Title 1"/>
-          <p:cNvSpPr>
-            <a:spLocks noGrp="1"/>
-          </p:cNvSpPr>
-          <p:nvPr>
-            <p:ph type="title"/>
-          </p:nvPr>
-        </p:nvSpPr>
-        <p:spPr/>
-        <p:txBody>
-          <a:bodyPr/>
-          <a:lstStyle/>
-          <a:p>
-            <a:r>
-              <a:rPr lang="en-US" smtClean="0"/>
-              <a:t>Click to edit Master title style</a:t>
-            </a:r>
-            <a:endParaRPr lang="en-US"/>
-          </a:p>
-        </p:txBody>
-      </p:sp>
-      <p:sp>
-        <p:nvSpPr>
-          <p:cNvPr id="3" name="Vertical Text Placeholder 2"/>
-          <p:cNvSpPr>
-            <a:spLocks noGrp="1"/>
-          </p:cNvSpPr>
-          <p:nvPr>
-            <p:ph type="body" orient="vert" idx="1"/>
-          </p:nvPr>
-        </p:nvSpPr>
-        <p:spPr/>
-        <p:txBody>
-          <a:bodyPr vert="eaVert"/>
-          <a:lstStyle/>
-          <a:p>
-            <a:pPr lvl="0"/>
-            <a:r>
-              <a:rPr lang="en-US" smtClean="0"/>
-              <a:t>Click to edit Master text styles</a:t>
-            </a:r>
-          </a:p>
-          <a:p>
-            <a:pPr lvl="1"/>
-            <a:r>
-              <a:rPr lang="en-US" smtClean="0"/>
-              <a:t>Second level</a:t>
-            </a:r>
-          </a:p>
-          <a:p>
-            <a:pPr lvl="2"/>
-            <a:r>
-              <a:rPr lang="en-US" smtClean="0"/>
-              <a:t>Third level</a:t>
-            </a:r>
-          </a:p>
-          <a:p>
-            <a:pPr lvl="3"/>
-            <a:r>
-              <a:rPr lang="en-US" smtClean="0"/>
-              <a:t>Fourth level</a:t>
-            </a:r>
-          </a:p>
-          <a:p>
-            <a:pPr lvl="4"/>
-            <a:r>
-              <a:rPr lang="en-US" smtClean="0"/>
-              <a:t>Fifth level</a:t>
-            </a:r>
-            <a:endParaRPr lang="en-US"/>
-          </a:p>
-        </p:txBody>
-      </p:sp>
-      <p:sp>
-        <p:nvSpPr>
-          <p:cNvPr id="4" name="Date Placeholder 3"/>
-          <p:cNvSpPr>
-            <a:spLocks noGrp="1"/>
-          </p:cNvSpPr>
-          <p:nvPr>
-            <p:ph type="dt" sz="half" idx="10"/>
-          </p:nvPr>
-        </p:nvSpPr>
-        <p:spPr/>
-        <p:txBody>
-          <a:bodyPr/>
-          <a:lstStyle/>
-          <a:p>
-            <a:fld id="{48A87A34-81AB-432B-8DAE-1953F412C126}" type="datetimeFigureOut">
-              <a:rPr lang="en-US" smtClean="0"/>
-              <a:t>1/4/17</a:t>
-            </a:fld>
-            <a:endParaRPr lang="en-US" dirty="0"/>
-          </a:p>
-        </p:txBody>
-      </p:sp>
-      <p:sp>
-        <p:nvSpPr>
-          <p:cNvPr id="5" name="Footer Placeholder 4"/>
-          <p:cNvSpPr>
-            <a:spLocks noGrp="1"/>
-          </p:cNvSpPr>
-          <p:nvPr>
-            <p:ph type="ftr" sz="quarter" idx="11"/>
-          </p:nvPr>
-        </p:nvSpPr>
-        <p:spPr/>
-        <p:txBody>
-          <a:bodyPr/>
-          <a:lstStyle/>
-          <a:p>
-            <a:endParaRPr lang="en-US" dirty="0"/>
-          </a:p>
-        </p:txBody>
-      </p:sp>
-      <p:sp>
-        <p:nvSpPr>
-          <p:cNvPr id="6" name="Slide Number Placeholder 5"/>
-          <p:cNvSpPr>
-            <a:spLocks noGrp="1"/>
-          </p:cNvSpPr>
-          <p:nvPr>
-            <p:ph type="sldNum" sz="quarter" idx="12"/>
-          </p:nvPr>
-        </p:nvSpPr>
-        <p:spPr/>
-        <p:txBody>
-          <a:bodyPr/>
-          <a:lstStyle/>
-          <a:p>
-            <a:fld id="{6D22F896-40B5-4ADD-8801-0D06FADFA095}" type="slidenum">
-              <a:rPr lang="en-US" smtClean="0"/>
-              <a:t>‹#›</a:t>
-            </a:fld>
-            <a:endParaRPr lang="en-US" dirty="0"/>
-          </a:p>
-        </p:txBody>
-      </p:sp>
-    </p:spTree>
-    <p:extLst>
-      <p:ext uri="{BB962C8B-B14F-4D97-AF65-F5344CB8AC3E}">
-        <p14:creationId xmlns:p14="http://schemas.microsoft.com/office/powerpoint/2010/main" val="2949498235"/>
-      </p:ext>
-    </p:extLst>
-  </p:cSld>
-  <p:clrMapOvr>
-    <a:masterClrMapping/>
-  </p:clrMapOvr>
-</p:sldLayout>
-</file>
-
-<file path=ppt/slideLayouts/slideLayout11.xml><?xml version="1.0" encoding="utf-8"?>
-<p:sldLayout xmlns:a="http://schemas.openxmlformats.org/drawingml/2006/main" xmlns:r="http://schemas.openxmlformats.org/officeDocument/2006/relationships" xmlns:p="http://schemas.openxmlformats.org/presentationml/2006/main" type="vertTitleAndTx" preserve="1">
-  <p:cSld name="Vertical Title and Text">
-    <p:spTree>
-      <p:nvGrpSpPr>
-        <p:cNvPr id="1" name=""/>
-        <p:cNvGrpSpPr/>
-        <p:nvPr/>
-      </p:nvGrpSpPr>
-      <p:grpSpPr>
-        <a:xfrm>
-          <a:off x="0" y="0"/>
-          <a:ext cx="0" cy="0"/>
-          <a:chOff x="0" y="0"/>
-          <a:chExt cx="0" cy="0"/>
-        </a:xfrm>
-      </p:grpSpPr>
-      <p:sp>
-        <p:nvSpPr>
-          <p:cNvPr id="2" name="Vertical Title 1"/>
-          <p:cNvSpPr>
-            <a:spLocks noGrp="1"/>
-          </p:cNvSpPr>
-          <p:nvPr>
-            <p:ph type="title" orient="vert"/>
-          </p:nvPr>
-        </p:nvSpPr>
-        <p:spPr>
-          <a:xfrm>
-            <a:off x="23865840" y="878843"/>
-            <a:ext cx="7406640" cy="18724880"/>
-          </a:xfrm>
-        </p:spPr>
-        <p:txBody>
-          <a:bodyPr vert="eaVert"/>
-          <a:lstStyle/>
-          <a:p>
-            <a:r>
-              <a:rPr lang="en-US" smtClean="0"/>
-              <a:t>Click to edit Master title style</a:t>
-            </a:r>
-            <a:endParaRPr lang="en-US"/>
-          </a:p>
-        </p:txBody>
-      </p:sp>
-      <p:sp>
-        <p:nvSpPr>
-          <p:cNvPr id="3" name="Vertical Text Placeholder 2"/>
-          <p:cNvSpPr>
-            <a:spLocks noGrp="1"/>
-          </p:cNvSpPr>
-          <p:nvPr>
-            <p:ph type="body" orient="vert" idx="1"/>
-          </p:nvPr>
-        </p:nvSpPr>
-        <p:spPr>
-          <a:xfrm>
-            <a:off x="1645920" y="878843"/>
-            <a:ext cx="21671280" cy="18724880"/>
-          </a:xfrm>
-        </p:spPr>
-        <p:txBody>
-          <a:bodyPr vert="eaVert"/>
-          <a:lstStyle/>
-          <a:p>
-            <a:pPr lvl="0"/>
-            <a:r>
-              <a:rPr lang="en-US" smtClean="0"/>
-              <a:t>Click to edit Master text styles</a:t>
-            </a:r>
-          </a:p>
-          <a:p>
-            <a:pPr lvl="1"/>
-            <a:r>
-              <a:rPr lang="en-US" smtClean="0"/>
-              <a:t>Second level</a:t>
-            </a:r>
-          </a:p>
-          <a:p>
-            <a:pPr lvl="2"/>
-            <a:r>
-              <a:rPr lang="en-US" smtClean="0"/>
-              <a:t>Third level</a:t>
-            </a:r>
-          </a:p>
-          <a:p>
-            <a:pPr lvl="3"/>
-            <a:r>
-              <a:rPr lang="en-US" smtClean="0"/>
-              <a:t>Fourth level</a:t>
-            </a:r>
-          </a:p>
-          <a:p>
-            <a:pPr lvl="4"/>
-            <a:r>
-              <a:rPr lang="en-US" smtClean="0"/>
-              <a:t>Fifth level</a:t>
-            </a:r>
-            <a:endParaRPr lang="en-US"/>
-          </a:p>
-        </p:txBody>
-      </p:sp>
-      <p:sp>
-        <p:nvSpPr>
-          <p:cNvPr id="4" name="Date Placeholder 3"/>
-          <p:cNvSpPr>
-            <a:spLocks noGrp="1"/>
-          </p:cNvSpPr>
-          <p:nvPr>
-            <p:ph type="dt" sz="half" idx="10"/>
-          </p:nvPr>
-        </p:nvSpPr>
-        <p:spPr/>
-        <p:txBody>
-          <a:bodyPr/>
-          <a:lstStyle/>
-          <a:p>
-            <a:fld id="{48A87A34-81AB-432B-8DAE-1953F412C126}" type="datetimeFigureOut">
-              <a:rPr lang="en-US" smtClean="0"/>
-              <a:pPr/>
-              <a:t>1/4/17</a:t>
-            </a:fld>
-            <a:endParaRPr lang="en-US" dirty="0"/>
-          </a:p>
-        </p:txBody>
-      </p:sp>
-      <p:sp>
-        <p:nvSpPr>
-          <p:cNvPr id="5" name="Footer Placeholder 4"/>
-          <p:cNvSpPr>
-            <a:spLocks noGrp="1"/>
-          </p:cNvSpPr>
-          <p:nvPr>
-            <p:ph type="ftr" sz="quarter" idx="11"/>
-          </p:nvPr>
-        </p:nvSpPr>
-        <p:spPr/>
-        <p:txBody>
-          <a:bodyPr/>
-          <a:lstStyle/>
-          <a:p>
-            <a:endParaRPr lang="en-US" dirty="0"/>
-          </a:p>
-        </p:txBody>
-      </p:sp>
-      <p:sp>
-        <p:nvSpPr>
-          <p:cNvPr id="6" name="Slide Number Placeholder 5"/>
-          <p:cNvSpPr>
-            <a:spLocks noGrp="1"/>
-          </p:cNvSpPr>
-          <p:nvPr>
-            <p:ph type="sldNum" sz="quarter" idx="12"/>
-          </p:nvPr>
-        </p:nvSpPr>
-        <p:spPr/>
-        <p:txBody>
-          <a:bodyPr/>
-          <a:lstStyle/>
-          <a:p>
-            <a:fld id="{6D22F896-40B5-4ADD-8801-0D06FADFA095}" type="slidenum">
-              <a:rPr lang="en-US" smtClean="0"/>
-              <a:t>‹#›</a:t>
-            </a:fld>
-            <a:endParaRPr lang="en-US" dirty="0"/>
-          </a:p>
-        </p:txBody>
-      </p:sp>
-    </p:spTree>
-    <p:extLst>
-      <p:ext uri="{BB962C8B-B14F-4D97-AF65-F5344CB8AC3E}">
-        <p14:creationId xmlns:p14="http://schemas.microsoft.com/office/powerpoint/2010/main" val="1427941222"/>
-      </p:ext>
-    </p:extLst>
-  </p:cSld>
-  <p:clrMapOvr>
-    <a:masterClrMapping/>
-  </p:clrMapOvr>
-</p:sldLayout>
-</file>
-
-<file path=ppt/slideLayouts/slideLayout2.xml><?xml version="1.0" encoding="utf-8"?>
-<p:sldLayout xmlns:a="http://schemas.openxmlformats.org/drawingml/2006/main" xmlns:r="http://schemas.openxmlformats.org/officeDocument/2006/relationships" xmlns:p="http://schemas.openxmlformats.org/presentationml/2006/main" type="obj" preserve="1">
-  <p:cSld name="Title and Content">
-    <p:spTree>
-      <p:nvGrpSpPr>
-        <p:cNvPr id="1" name=""/>
-        <p:cNvGrpSpPr/>
-        <p:nvPr/>
-      </p:nvGrpSpPr>
-      <p:grpSpPr>
-        <a:xfrm>
-          <a:off x="0" y="0"/>
-          <a:ext cx="0" cy="0"/>
-          <a:chOff x="0" y="0"/>
-          <a:chExt cx="0" cy="0"/>
-        </a:xfrm>
-      </p:grpSpPr>
-      <p:sp>
-        <p:nvSpPr>
-          <p:cNvPr id="2" name="Title 1"/>
-          <p:cNvSpPr>
-            <a:spLocks noGrp="1"/>
-          </p:cNvSpPr>
-          <p:nvPr>
-            <p:ph type="title"/>
-          </p:nvPr>
-        </p:nvSpPr>
-        <p:spPr/>
-        <p:txBody>
-          <a:bodyPr/>
-          <a:lstStyle/>
-          <a:p>
-            <a:r>
-              <a:rPr lang="en-US" smtClean="0"/>
-              <a:t>Click to edit Master title style</a:t>
-            </a:r>
-            <a:endParaRPr lang="en-US"/>
-          </a:p>
-        </p:txBody>
-      </p:sp>
-      <p:sp>
-        <p:nvSpPr>
-          <p:cNvPr id="3" name="Content Placeholder 2"/>
-          <p:cNvSpPr>
-            <a:spLocks noGrp="1"/>
-          </p:cNvSpPr>
-          <p:nvPr>
-            <p:ph idx="1"/>
-          </p:nvPr>
-        </p:nvSpPr>
-        <p:spPr/>
-        <p:txBody>
-          <a:bodyPr/>
-          <a:lstStyle/>
-          <a:p>
-            <a:pPr lvl="0"/>
-            <a:r>
-              <a:rPr lang="en-US" smtClean="0"/>
-              <a:t>Click to edit Master text styles</a:t>
-            </a:r>
-          </a:p>
-          <a:p>
-            <a:pPr lvl="1"/>
-            <a:r>
-              <a:rPr lang="en-US" smtClean="0"/>
-              <a:t>Second level</a:t>
-            </a:r>
-          </a:p>
-          <a:p>
-            <a:pPr lvl="2"/>
-            <a:r>
-              <a:rPr lang="en-US" smtClean="0"/>
-              <a:t>Third level</a:t>
-            </a:r>
-          </a:p>
-          <a:p>
-            <a:pPr lvl="3"/>
-            <a:r>
-              <a:rPr lang="en-US" smtClean="0"/>
-              <a:t>Fourth level</a:t>
-            </a:r>
-          </a:p>
-          <a:p>
-            <a:pPr lvl="4"/>
-            <a:r>
-              <a:rPr lang="en-US" smtClean="0"/>
-              <a:t>Fifth level</a:t>
-            </a:r>
-            <a:endParaRPr lang="en-US"/>
-          </a:p>
-        </p:txBody>
-      </p:sp>
-      <p:sp>
-        <p:nvSpPr>
-          <p:cNvPr id="4" name="Date Placeholder 3"/>
-          <p:cNvSpPr>
-            <a:spLocks noGrp="1"/>
-          </p:cNvSpPr>
-          <p:nvPr>
-            <p:ph type="dt" sz="half" idx="10"/>
-          </p:nvPr>
-        </p:nvSpPr>
-        <p:spPr/>
-        <p:txBody>
-          <a:bodyPr/>
-          <a:lstStyle/>
-          <a:p>
-            <a:fld id="{48A87A34-81AB-432B-8DAE-1953F412C126}" type="datetimeFigureOut">
-              <a:rPr lang="en-US" smtClean="0"/>
-              <a:t>1/4/17</a:t>
-            </a:fld>
-            <a:endParaRPr lang="en-US" dirty="0"/>
-          </a:p>
-        </p:txBody>
-      </p:sp>
-      <p:sp>
-        <p:nvSpPr>
-          <p:cNvPr id="5" name="Footer Placeholder 4"/>
-          <p:cNvSpPr>
-            <a:spLocks noGrp="1"/>
-          </p:cNvSpPr>
-          <p:nvPr>
-            <p:ph type="ftr" sz="quarter" idx="11"/>
-          </p:nvPr>
-        </p:nvSpPr>
-        <p:spPr/>
-        <p:txBody>
-          <a:bodyPr/>
-          <a:lstStyle/>
-          <a:p>
-            <a:endParaRPr lang="en-US" dirty="0"/>
-          </a:p>
-        </p:txBody>
-      </p:sp>
-      <p:sp>
-        <p:nvSpPr>
-          <p:cNvPr id="6" name="Slide Number Placeholder 5"/>
-          <p:cNvSpPr>
-            <a:spLocks noGrp="1"/>
-          </p:cNvSpPr>
-          <p:nvPr>
-            <p:ph type="sldNum" sz="quarter" idx="12"/>
-          </p:nvPr>
-        </p:nvSpPr>
-        <p:spPr/>
-        <p:txBody>
-          <a:bodyPr/>
-          <a:lstStyle/>
-          <a:p>
-            <a:fld id="{6D22F896-40B5-4ADD-8801-0D06FADFA095}" type="slidenum">
-              <a:rPr lang="en-US" smtClean="0"/>
-              <a:t>‹#›</a:t>
-            </a:fld>
-            <a:endParaRPr lang="en-US" dirty="0"/>
-          </a:p>
-        </p:txBody>
-      </p:sp>
-    </p:spTree>
-    <p:extLst>
-      <p:ext uri="{BB962C8B-B14F-4D97-AF65-F5344CB8AC3E}">
-        <p14:creationId xmlns:p14="http://schemas.microsoft.com/office/powerpoint/2010/main" val="2275933374"/>
-      </p:ext>
-    </p:extLst>
-  </p:cSld>
-  <p:clrMapOvr>
-    <a:masterClrMapping/>
-  </p:clrMapOvr>
-</p:sldLayout>
-</file>
-
-<file path=ppt/slideLayouts/slideLayout3.xml><?xml version="1.0" encoding="utf-8"?>
-<p:sldLayout xmlns:a="http://schemas.openxmlformats.org/drawingml/2006/main" xmlns:r="http://schemas.openxmlformats.org/officeDocument/2006/relationships" xmlns:p="http://schemas.openxmlformats.org/presentationml/2006/main" type="secHead" preserve="1">
-  <p:cSld name="Section Header">
-    <p:spTree>
-      <p:nvGrpSpPr>
-        <p:cNvPr id="1" name=""/>
-        <p:cNvGrpSpPr/>
-        <p:nvPr/>
-      </p:nvGrpSpPr>
-      <p:grpSpPr>
-        <a:xfrm>
-          <a:off x="0" y="0"/>
-          <a:ext cx="0" cy="0"/>
-          <a:chOff x="0" y="0"/>
-          <a:chExt cx="0" cy="0"/>
-        </a:xfrm>
-      </p:grpSpPr>
-      <p:sp>
-        <p:nvSpPr>
-          <p:cNvPr id="2" name="Title 1"/>
-          <p:cNvSpPr>
-            <a:spLocks noGrp="1"/>
-          </p:cNvSpPr>
-          <p:nvPr>
-            <p:ph type="title"/>
-          </p:nvPr>
-        </p:nvSpPr>
-        <p:spPr>
-          <a:xfrm>
-            <a:off x="2600327" y="14102082"/>
-            <a:ext cx="27980640" cy="4358640"/>
-          </a:xfrm>
-        </p:spPr>
-        <p:txBody>
-          <a:bodyPr anchor="t"/>
-          <a:lstStyle>
-            <a:lvl1pPr algn="l">
-              <a:defRPr sz="13700" b="1" cap="all"/>
-            </a:lvl1pPr>
-          </a:lstStyle>
-          <a:p>
-            <a:r>
-              <a:rPr lang="en-US" smtClean="0"/>
-              <a:t>Click to edit Master title style</a:t>
-            </a:r>
-            <a:endParaRPr lang="en-US"/>
-          </a:p>
-        </p:txBody>
-      </p:sp>
-      <p:sp>
-        <p:nvSpPr>
-          <p:cNvPr id="3" name="Text Placeholder 2"/>
-          <p:cNvSpPr>
-            <a:spLocks noGrp="1"/>
-          </p:cNvSpPr>
-          <p:nvPr>
-            <p:ph type="body" idx="1"/>
-          </p:nvPr>
-        </p:nvSpPr>
-        <p:spPr>
-          <a:xfrm>
-            <a:off x="2600327" y="9301483"/>
-            <a:ext cx="27980640" cy="4800598"/>
-          </a:xfrm>
-        </p:spPr>
-        <p:txBody>
-          <a:bodyPr anchor="b"/>
-          <a:lstStyle>
-            <a:lvl1pPr marL="0" indent="0">
-              <a:buNone/>
-              <a:defRPr sz="6900">
-                <a:solidFill>
-                  <a:schemeClr val="tx1">
-                    <a:tint val="75000"/>
-                  </a:schemeClr>
-                </a:solidFill>
-              </a:defRPr>
-            </a:lvl1pPr>
-            <a:lvl2pPr marL="1567510" indent="0">
-              <a:buNone/>
-              <a:defRPr sz="6200">
-                <a:solidFill>
-                  <a:schemeClr val="tx1">
-                    <a:tint val="75000"/>
-                  </a:schemeClr>
-                </a:solidFill>
-              </a:defRPr>
-            </a:lvl2pPr>
-            <a:lvl3pPr marL="3135020" indent="0">
-              <a:buNone/>
-              <a:defRPr sz="5500">
-                <a:solidFill>
-                  <a:schemeClr val="tx1">
-                    <a:tint val="75000"/>
-                  </a:schemeClr>
-                </a:solidFill>
-              </a:defRPr>
-            </a:lvl3pPr>
-            <a:lvl4pPr marL="4702531" indent="0">
-              <a:buNone/>
-              <a:defRPr sz="4800">
-                <a:solidFill>
-                  <a:schemeClr val="tx1">
-                    <a:tint val="75000"/>
-                  </a:schemeClr>
-                </a:solidFill>
-              </a:defRPr>
-            </a:lvl4pPr>
-            <a:lvl5pPr marL="6270041" indent="0">
-              <a:buNone/>
-              <a:defRPr sz="4800">
-                <a:solidFill>
-                  <a:schemeClr val="tx1">
-                    <a:tint val="75000"/>
-                  </a:schemeClr>
-                </a:solidFill>
-              </a:defRPr>
-            </a:lvl5pPr>
-            <a:lvl6pPr marL="7837551" indent="0">
-              <a:buNone/>
-              <a:defRPr sz="4800">
-                <a:solidFill>
-                  <a:schemeClr val="tx1">
-                    <a:tint val="75000"/>
-                  </a:schemeClr>
-                </a:solidFill>
-              </a:defRPr>
-            </a:lvl6pPr>
-            <a:lvl7pPr marL="9405061" indent="0">
-              <a:buNone/>
-              <a:defRPr sz="4800">
-                <a:solidFill>
-                  <a:schemeClr val="tx1">
-                    <a:tint val="75000"/>
-                  </a:schemeClr>
-                </a:solidFill>
-              </a:defRPr>
-            </a:lvl7pPr>
-            <a:lvl8pPr marL="10972571" indent="0">
-              <a:buNone/>
-              <a:defRPr sz="4800">
-                <a:solidFill>
-                  <a:schemeClr val="tx1">
-                    <a:tint val="75000"/>
-                  </a:schemeClr>
-                </a:solidFill>
-              </a:defRPr>
-            </a:lvl8pPr>
-            <a:lvl9pPr marL="12540082" indent="0">
-              <a:buNone/>
-              <a:defRPr sz="4800">
-                <a:solidFill>
-                  <a:schemeClr val="tx1">
-                    <a:tint val="75000"/>
-                  </a:schemeClr>
-                </a:solidFill>
-              </a:defRPr>
-            </a:lvl9pPr>
-          </a:lstStyle>
-          <a:p>
-            <a:pPr lvl="0"/>
-            <a:r>
-              <a:rPr lang="en-US" smtClean="0"/>
-              <a:t>Click to edit Master text styles</a:t>
-            </a:r>
-          </a:p>
-        </p:txBody>
-      </p:sp>
-      <p:sp>
-        <p:nvSpPr>
-          <p:cNvPr id="4" name="Date Placeholder 3"/>
-          <p:cNvSpPr>
-            <a:spLocks noGrp="1"/>
-          </p:cNvSpPr>
-          <p:nvPr>
-            <p:ph type="dt" sz="half" idx="10"/>
-          </p:nvPr>
-        </p:nvSpPr>
-        <p:spPr/>
-        <p:txBody>
-          <a:bodyPr/>
-          <a:lstStyle/>
-          <a:p>
-            <a:fld id="{48A87A34-81AB-432B-8DAE-1953F412C126}" type="datetimeFigureOut">
-              <a:rPr lang="en-US" smtClean="0"/>
-              <a:pPr/>
-              <a:t>1/4/17</a:t>
-            </a:fld>
-            <a:endParaRPr lang="en-US" dirty="0"/>
-          </a:p>
-        </p:txBody>
-      </p:sp>
-      <p:sp>
-        <p:nvSpPr>
-          <p:cNvPr id="5" name="Footer Placeholder 4"/>
-          <p:cNvSpPr>
-            <a:spLocks noGrp="1"/>
-          </p:cNvSpPr>
-          <p:nvPr>
-            <p:ph type="ftr" sz="quarter" idx="11"/>
-          </p:nvPr>
-        </p:nvSpPr>
-        <p:spPr/>
-        <p:txBody>
-          <a:bodyPr/>
-          <a:lstStyle/>
-          <a:p>
-            <a:endParaRPr lang="en-US" dirty="0"/>
-          </a:p>
-        </p:txBody>
-      </p:sp>
-      <p:sp>
-        <p:nvSpPr>
-          <p:cNvPr id="6" name="Slide Number Placeholder 5"/>
-          <p:cNvSpPr>
-            <a:spLocks noGrp="1"/>
-          </p:cNvSpPr>
-          <p:nvPr>
-            <p:ph type="sldNum" sz="quarter" idx="12"/>
-          </p:nvPr>
-        </p:nvSpPr>
-        <p:spPr/>
-        <p:txBody>
-          <a:bodyPr/>
-          <a:lstStyle/>
-          <a:p>
-            <a:fld id="{6D22F896-40B5-4ADD-8801-0D06FADFA095}" type="slidenum">
-              <a:rPr lang="en-US" smtClean="0"/>
-              <a:t>‹#›</a:t>
-            </a:fld>
-            <a:endParaRPr lang="en-US" dirty="0"/>
-          </a:p>
-        </p:txBody>
-      </p:sp>
-    </p:spTree>
-    <p:extLst>
-      <p:ext uri="{BB962C8B-B14F-4D97-AF65-F5344CB8AC3E}">
-        <p14:creationId xmlns:p14="http://schemas.microsoft.com/office/powerpoint/2010/main" val="1798952600"/>
-      </p:ext>
-    </p:extLst>
-  </p:cSld>
-  <p:clrMapOvr>
-    <a:masterClrMapping/>
-  </p:clrMapOvr>
-</p:sldLayout>
-</file>
-
-<file path=ppt/slideLayouts/slideLayout4.xml><?xml version="1.0" encoding="utf-8"?>
-<p:sldLayout xmlns:a="http://schemas.openxmlformats.org/drawingml/2006/main" xmlns:r="http://schemas.openxmlformats.org/officeDocument/2006/relationships" xmlns:p="http://schemas.openxmlformats.org/presentationml/2006/main" type="twoObj" preserve="1">
-  <p:cSld name="Two Content">
-    <p:spTree>
-      <p:nvGrpSpPr>
-        <p:cNvPr id="1" name=""/>
-        <p:cNvGrpSpPr/>
-        <p:nvPr/>
-      </p:nvGrpSpPr>
-      <p:grpSpPr>
-        <a:xfrm>
-          <a:off x="0" y="0"/>
-          <a:ext cx="0" cy="0"/>
-          <a:chOff x="0" y="0"/>
-          <a:chExt cx="0" cy="0"/>
-        </a:xfrm>
-      </p:grpSpPr>
-      <p:sp>
-        <p:nvSpPr>
-          <p:cNvPr id="2" name="Title 1"/>
-          <p:cNvSpPr>
-            <a:spLocks noGrp="1"/>
-          </p:cNvSpPr>
-          <p:nvPr>
-            <p:ph type="title"/>
-          </p:nvPr>
-        </p:nvSpPr>
-        <p:spPr/>
-        <p:txBody>
-          <a:bodyPr/>
-          <a:lstStyle/>
-          <a:p>
-            <a:r>
-              <a:rPr lang="en-US" smtClean="0"/>
-              <a:t>Click to edit Master title style</a:t>
-            </a:r>
-            <a:endParaRPr lang="en-US"/>
-          </a:p>
-        </p:txBody>
-      </p:sp>
-      <p:sp>
-        <p:nvSpPr>
-          <p:cNvPr id="3" name="Content Placeholder 2"/>
-          <p:cNvSpPr>
-            <a:spLocks noGrp="1"/>
-          </p:cNvSpPr>
-          <p:nvPr>
-            <p:ph sz="half" idx="1"/>
-          </p:nvPr>
-        </p:nvSpPr>
-        <p:spPr>
-          <a:xfrm>
-            <a:off x="1645920" y="5120641"/>
-            <a:ext cx="14538960" cy="14483082"/>
-          </a:xfrm>
-        </p:spPr>
-        <p:txBody>
-          <a:bodyPr/>
-          <a:lstStyle>
-            <a:lvl1pPr>
-              <a:defRPr sz="9600"/>
-            </a:lvl1pPr>
-            <a:lvl2pPr>
-              <a:defRPr sz="8200"/>
-            </a:lvl2pPr>
-            <a:lvl3pPr>
-              <a:defRPr sz="6900"/>
-            </a:lvl3pPr>
-            <a:lvl4pPr>
-              <a:defRPr sz="6200"/>
-            </a:lvl4pPr>
-            <a:lvl5pPr>
-              <a:defRPr sz="6200"/>
-            </a:lvl5pPr>
-            <a:lvl6pPr>
-              <a:defRPr sz="6200"/>
-            </a:lvl6pPr>
-            <a:lvl7pPr>
-              <a:defRPr sz="6200"/>
-            </a:lvl7pPr>
-            <a:lvl8pPr>
-              <a:defRPr sz="6200"/>
-            </a:lvl8pPr>
-            <a:lvl9pPr>
-              <a:defRPr sz="6200"/>
-            </a:lvl9pPr>
-          </a:lstStyle>
-          <a:p>
-            <a:pPr lvl="0"/>
-            <a:r>
-              <a:rPr lang="en-US" smtClean="0"/>
-              <a:t>Click to edit Master text styles</a:t>
-            </a:r>
-          </a:p>
-          <a:p>
-            <a:pPr lvl="1"/>
-            <a:r>
-              <a:rPr lang="en-US" smtClean="0"/>
-              <a:t>Second level</a:t>
-            </a:r>
-          </a:p>
-          <a:p>
-            <a:pPr lvl="2"/>
-            <a:r>
-              <a:rPr lang="en-US" smtClean="0"/>
-              <a:t>Third level</a:t>
-            </a:r>
-          </a:p>
-          <a:p>
-            <a:pPr lvl="3"/>
-            <a:r>
-              <a:rPr lang="en-US" smtClean="0"/>
-              <a:t>Fourth level</a:t>
-            </a:r>
-          </a:p>
-          <a:p>
-            <a:pPr lvl="4"/>
-            <a:r>
-              <a:rPr lang="en-US" smtClean="0"/>
-              <a:t>Fifth level</a:t>
-            </a:r>
-            <a:endParaRPr lang="en-US"/>
-          </a:p>
-        </p:txBody>
-      </p:sp>
-      <p:sp>
-        <p:nvSpPr>
-          <p:cNvPr id="4" name="Content Placeholder 3"/>
-          <p:cNvSpPr>
-            <a:spLocks noGrp="1"/>
-          </p:cNvSpPr>
-          <p:nvPr>
-            <p:ph sz="half" idx="2"/>
-          </p:nvPr>
-        </p:nvSpPr>
-        <p:spPr>
-          <a:xfrm>
-            <a:off x="16733520" y="5120641"/>
-            <a:ext cx="14538960" cy="14483082"/>
-          </a:xfrm>
-        </p:spPr>
-        <p:txBody>
-          <a:bodyPr/>
-          <a:lstStyle>
-            <a:lvl1pPr>
-              <a:defRPr sz="9600"/>
-            </a:lvl1pPr>
-            <a:lvl2pPr>
-              <a:defRPr sz="8200"/>
-            </a:lvl2pPr>
-            <a:lvl3pPr>
-              <a:defRPr sz="6900"/>
-            </a:lvl3pPr>
-            <a:lvl4pPr>
-              <a:defRPr sz="6200"/>
-            </a:lvl4pPr>
-            <a:lvl5pPr>
-              <a:defRPr sz="6200"/>
-            </a:lvl5pPr>
-            <a:lvl6pPr>
-              <a:defRPr sz="6200"/>
-            </a:lvl6pPr>
-            <a:lvl7pPr>
-              <a:defRPr sz="6200"/>
-            </a:lvl7pPr>
-            <a:lvl8pPr>
-              <a:defRPr sz="6200"/>
-            </a:lvl8pPr>
-            <a:lvl9pPr>
-              <a:defRPr sz="6200"/>
-            </a:lvl9pPr>
-          </a:lstStyle>
-          <a:p>
-            <a:pPr lvl="0"/>
-            <a:r>
-              <a:rPr lang="en-US" smtClean="0"/>
-              <a:t>Click to edit Master text styles</a:t>
-            </a:r>
-          </a:p>
-          <a:p>
-            <a:pPr lvl="1"/>
-            <a:r>
-              <a:rPr lang="en-US" smtClean="0"/>
-              <a:t>Second level</a:t>
-            </a:r>
-          </a:p>
-          <a:p>
-            <a:pPr lvl="2"/>
-            <a:r>
-              <a:rPr lang="en-US" smtClean="0"/>
-              <a:t>Third level</a:t>
-            </a:r>
-          </a:p>
-          <a:p>
-            <a:pPr lvl="3"/>
-            <a:r>
-              <a:rPr lang="en-US" smtClean="0"/>
-              <a:t>Fourth level</a:t>
-            </a:r>
-          </a:p>
-          <a:p>
-            <a:pPr lvl="4"/>
-            <a:r>
-              <a:rPr lang="en-US" smtClean="0"/>
-              <a:t>Fifth level</a:t>
-            </a:r>
-            <a:endParaRPr lang="en-US"/>
-          </a:p>
-        </p:txBody>
-      </p:sp>
-      <p:sp>
-        <p:nvSpPr>
-          <p:cNvPr id="5" name="Date Placeholder 4"/>
-          <p:cNvSpPr>
-            <a:spLocks noGrp="1"/>
-          </p:cNvSpPr>
-          <p:nvPr>
-            <p:ph type="dt" sz="half" idx="10"/>
-          </p:nvPr>
-        </p:nvSpPr>
-        <p:spPr/>
-        <p:txBody>
-          <a:bodyPr/>
-          <a:lstStyle/>
-          <a:p>
-            <a:fld id="{48A87A34-81AB-432B-8DAE-1953F412C126}" type="datetimeFigureOut">
-              <a:rPr lang="en-US" smtClean="0"/>
-              <a:t>1/4/17</a:t>
-            </a:fld>
-            <a:endParaRPr lang="en-US" dirty="0"/>
-          </a:p>
-        </p:txBody>
-      </p:sp>
-      <p:sp>
-        <p:nvSpPr>
-          <p:cNvPr id="6" name="Footer Placeholder 5"/>
-          <p:cNvSpPr>
-            <a:spLocks noGrp="1"/>
-          </p:cNvSpPr>
-          <p:nvPr>
-            <p:ph type="ftr" sz="quarter" idx="11"/>
-          </p:nvPr>
-        </p:nvSpPr>
-        <p:spPr/>
-        <p:txBody>
-          <a:bodyPr/>
-          <a:lstStyle/>
-          <a:p>
-            <a:endParaRPr lang="en-US" dirty="0"/>
-          </a:p>
-        </p:txBody>
-      </p:sp>
-      <p:sp>
-        <p:nvSpPr>
-          <p:cNvPr id="7" name="Slide Number Placeholder 6"/>
-          <p:cNvSpPr>
-            <a:spLocks noGrp="1"/>
-          </p:cNvSpPr>
-          <p:nvPr>
-            <p:ph type="sldNum" sz="quarter" idx="12"/>
-          </p:nvPr>
-        </p:nvSpPr>
-        <p:spPr/>
-        <p:txBody>
-          <a:bodyPr/>
-          <a:lstStyle/>
-          <a:p>
-            <a:fld id="{6D22F896-40B5-4ADD-8801-0D06FADFA095}" type="slidenum">
-              <a:rPr lang="en-US" smtClean="0"/>
-              <a:t>‹#›</a:t>
-            </a:fld>
-            <a:endParaRPr lang="en-US" dirty="0"/>
-          </a:p>
-        </p:txBody>
-      </p:sp>
-    </p:spTree>
-    <p:extLst>
-      <p:ext uri="{BB962C8B-B14F-4D97-AF65-F5344CB8AC3E}">
-        <p14:creationId xmlns:p14="http://schemas.microsoft.com/office/powerpoint/2010/main" val="1034301619"/>
-      </p:ext>
-    </p:extLst>
-  </p:cSld>
-  <p:clrMapOvr>
-    <a:masterClrMapping/>
-  </p:clrMapOvr>
-</p:sldLayout>
-</file>
-
-<file path=ppt/slideLayouts/slideLayout5.xml><?xml version="1.0" encoding="utf-8"?>
-<p:sldLayout xmlns:a="http://schemas.openxmlformats.org/drawingml/2006/main" xmlns:r="http://schemas.openxmlformats.org/officeDocument/2006/relationships" xmlns:p="http://schemas.openxmlformats.org/presentationml/2006/main" type="twoTxTwoObj" preserve="1">
-  <p:cSld name="Comparison">
-    <p:spTree>
-      <p:nvGrpSpPr>
-        <p:cNvPr id="1" name=""/>
-        <p:cNvGrpSpPr/>
-        <p:nvPr/>
-      </p:nvGrpSpPr>
-      <p:grpSpPr>
-        <a:xfrm>
-          <a:off x="0" y="0"/>
-          <a:ext cx="0" cy="0"/>
-          <a:chOff x="0" y="0"/>
-          <a:chExt cx="0" cy="0"/>
-        </a:xfrm>
-      </p:grpSpPr>
-      <p:sp>
-        <p:nvSpPr>
-          <p:cNvPr id="2" name="Title 1"/>
-          <p:cNvSpPr>
-            <a:spLocks noGrp="1"/>
-          </p:cNvSpPr>
-          <p:nvPr>
-            <p:ph type="title"/>
-          </p:nvPr>
-        </p:nvSpPr>
-        <p:spPr/>
-        <p:txBody>
-          <a:bodyPr/>
-          <a:lstStyle>
-            <a:lvl1pPr>
-              <a:defRPr/>
-            </a:lvl1pPr>
-          </a:lstStyle>
-          <a:p>
-            <a:r>
-              <a:rPr lang="en-US" smtClean="0"/>
-              <a:t>Click to edit Master title style</a:t>
-            </a:r>
-            <a:endParaRPr lang="en-US"/>
-          </a:p>
-        </p:txBody>
-      </p:sp>
-      <p:sp>
-        <p:nvSpPr>
-          <p:cNvPr id="3" name="Text Placeholder 2"/>
-          <p:cNvSpPr>
-            <a:spLocks noGrp="1"/>
-          </p:cNvSpPr>
-          <p:nvPr>
-            <p:ph type="body" idx="1"/>
-          </p:nvPr>
-        </p:nvSpPr>
-        <p:spPr>
-          <a:xfrm>
-            <a:off x="1645920" y="4912362"/>
-            <a:ext cx="14544677" cy="2047238"/>
-          </a:xfrm>
-        </p:spPr>
-        <p:txBody>
-          <a:bodyPr anchor="b"/>
-          <a:lstStyle>
-            <a:lvl1pPr marL="0" indent="0">
-              <a:buNone/>
-              <a:defRPr sz="8200" b="1"/>
-            </a:lvl1pPr>
-            <a:lvl2pPr marL="1567510" indent="0">
-              <a:buNone/>
-              <a:defRPr sz="6900" b="1"/>
-            </a:lvl2pPr>
-            <a:lvl3pPr marL="3135020" indent="0">
-              <a:buNone/>
-              <a:defRPr sz="6200" b="1"/>
-            </a:lvl3pPr>
-            <a:lvl4pPr marL="4702531" indent="0">
-              <a:buNone/>
-              <a:defRPr sz="5500" b="1"/>
-            </a:lvl4pPr>
-            <a:lvl5pPr marL="6270041" indent="0">
-              <a:buNone/>
-              <a:defRPr sz="5500" b="1"/>
-            </a:lvl5pPr>
-            <a:lvl6pPr marL="7837551" indent="0">
-              <a:buNone/>
-              <a:defRPr sz="5500" b="1"/>
-            </a:lvl6pPr>
-            <a:lvl7pPr marL="9405061" indent="0">
-              <a:buNone/>
-              <a:defRPr sz="5500" b="1"/>
-            </a:lvl7pPr>
-            <a:lvl8pPr marL="10972571" indent="0">
-              <a:buNone/>
-              <a:defRPr sz="5500" b="1"/>
-            </a:lvl8pPr>
-            <a:lvl9pPr marL="12540082" indent="0">
-              <a:buNone/>
-              <a:defRPr sz="5500" b="1"/>
-            </a:lvl9pPr>
-          </a:lstStyle>
-          <a:p>
-            <a:pPr lvl="0"/>
-            <a:r>
-              <a:rPr lang="en-US" smtClean="0"/>
-              <a:t>Click to edit Master text styles</a:t>
-            </a:r>
-          </a:p>
-        </p:txBody>
-      </p:sp>
-      <p:sp>
-        <p:nvSpPr>
-          <p:cNvPr id="4" name="Content Placeholder 3"/>
-          <p:cNvSpPr>
-            <a:spLocks noGrp="1"/>
-          </p:cNvSpPr>
-          <p:nvPr>
-            <p:ph sz="half" idx="2"/>
-          </p:nvPr>
-        </p:nvSpPr>
-        <p:spPr>
-          <a:xfrm>
-            <a:off x="1645920" y="6959600"/>
-            <a:ext cx="14544677" cy="12644122"/>
-          </a:xfrm>
-        </p:spPr>
-        <p:txBody>
-          <a:bodyPr/>
-          <a:lstStyle>
-            <a:lvl1pPr>
-              <a:defRPr sz="8200"/>
-            </a:lvl1pPr>
-            <a:lvl2pPr>
-              <a:defRPr sz="6900"/>
-            </a:lvl2pPr>
-            <a:lvl3pPr>
-              <a:defRPr sz="6200"/>
-            </a:lvl3pPr>
-            <a:lvl4pPr>
-              <a:defRPr sz="5500"/>
-            </a:lvl4pPr>
-            <a:lvl5pPr>
-              <a:defRPr sz="5500"/>
-            </a:lvl5pPr>
-            <a:lvl6pPr>
-              <a:defRPr sz="5500"/>
-            </a:lvl6pPr>
-            <a:lvl7pPr>
-              <a:defRPr sz="5500"/>
-            </a:lvl7pPr>
-            <a:lvl8pPr>
-              <a:defRPr sz="5500"/>
-            </a:lvl8pPr>
-            <a:lvl9pPr>
-              <a:defRPr sz="5500"/>
-            </a:lvl9pPr>
-          </a:lstStyle>
-          <a:p>
-            <a:pPr lvl="0"/>
-            <a:r>
-              <a:rPr lang="en-US" smtClean="0"/>
-              <a:t>Click to edit Master text styles</a:t>
-            </a:r>
-          </a:p>
-          <a:p>
-            <a:pPr lvl="1"/>
-            <a:r>
-              <a:rPr lang="en-US" smtClean="0"/>
-              <a:t>Second level</a:t>
-            </a:r>
-          </a:p>
-          <a:p>
-            <a:pPr lvl="2"/>
-            <a:r>
-              <a:rPr lang="en-US" smtClean="0"/>
-              <a:t>Third level</a:t>
-            </a:r>
-          </a:p>
-          <a:p>
-            <a:pPr lvl="3"/>
-            <a:r>
-              <a:rPr lang="en-US" smtClean="0"/>
-              <a:t>Fourth level</a:t>
-            </a:r>
-          </a:p>
-          <a:p>
-            <a:pPr lvl="4"/>
-            <a:r>
-              <a:rPr lang="en-US" smtClean="0"/>
-              <a:t>Fifth level</a:t>
-            </a:r>
-            <a:endParaRPr lang="en-US"/>
-          </a:p>
-        </p:txBody>
-      </p:sp>
-      <p:sp>
-        <p:nvSpPr>
-          <p:cNvPr id="5" name="Text Placeholder 4"/>
-          <p:cNvSpPr>
-            <a:spLocks noGrp="1"/>
-          </p:cNvSpPr>
-          <p:nvPr>
-            <p:ph type="body" sz="quarter" idx="3"/>
-          </p:nvPr>
-        </p:nvSpPr>
-        <p:spPr>
-          <a:xfrm>
-            <a:off x="16722092" y="4912362"/>
-            <a:ext cx="14550390" cy="2047238"/>
-          </a:xfrm>
-        </p:spPr>
-        <p:txBody>
-          <a:bodyPr anchor="b"/>
-          <a:lstStyle>
-            <a:lvl1pPr marL="0" indent="0">
-              <a:buNone/>
-              <a:defRPr sz="8200" b="1"/>
-            </a:lvl1pPr>
-            <a:lvl2pPr marL="1567510" indent="0">
-              <a:buNone/>
-              <a:defRPr sz="6900" b="1"/>
-            </a:lvl2pPr>
-            <a:lvl3pPr marL="3135020" indent="0">
-              <a:buNone/>
-              <a:defRPr sz="6200" b="1"/>
-            </a:lvl3pPr>
-            <a:lvl4pPr marL="4702531" indent="0">
-              <a:buNone/>
-              <a:defRPr sz="5500" b="1"/>
-            </a:lvl4pPr>
-            <a:lvl5pPr marL="6270041" indent="0">
-              <a:buNone/>
-              <a:defRPr sz="5500" b="1"/>
-            </a:lvl5pPr>
-            <a:lvl6pPr marL="7837551" indent="0">
-              <a:buNone/>
-              <a:defRPr sz="5500" b="1"/>
-            </a:lvl6pPr>
-            <a:lvl7pPr marL="9405061" indent="0">
-              <a:buNone/>
-              <a:defRPr sz="5500" b="1"/>
-            </a:lvl7pPr>
-            <a:lvl8pPr marL="10972571" indent="0">
-              <a:buNone/>
-              <a:defRPr sz="5500" b="1"/>
-            </a:lvl8pPr>
-            <a:lvl9pPr marL="12540082" indent="0">
-              <a:buNone/>
-              <a:defRPr sz="5500" b="1"/>
-            </a:lvl9pPr>
-          </a:lstStyle>
-          <a:p>
-            <a:pPr lvl="0"/>
-            <a:r>
-              <a:rPr lang="en-US" smtClean="0"/>
-              <a:t>Click to edit Master text styles</a:t>
-            </a:r>
-          </a:p>
-        </p:txBody>
-      </p:sp>
-      <p:sp>
-        <p:nvSpPr>
-          <p:cNvPr id="6" name="Content Placeholder 5"/>
-          <p:cNvSpPr>
-            <a:spLocks noGrp="1"/>
-          </p:cNvSpPr>
-          <p:nvPr>
-            <p:ph sz="quarter" idx="4"/>
-          </p:nvPr>
-        </p:nvSpPr>
-        <p:spPr>
-          <a:xfrm>
-            <a:off x="16722092" y="6959600"/>
-            <a:ext cx="14550390" cy="12644122"/>
-          </a:xfrm>
-        </p:spPr>
-        <p:txBody>
-          <a:bodyPr/>
-          <a:lstStyle>
-            <a:lvl1pPr>
-              <a:defRPr sz="8200"/>
-            </a:lvl1pPr>
-            <a:lvl2pPr>
-              <a:defRPr sz="6900"/>
-            </a:lvl2pPr>
-            <a:lvl3pPr>
-              <a:defRPr sz="6200"/>
-            </a:lvl3pPr>
-            <a:lvl4pPr>
-              <a:defRPr sz="5500"/>
-            </a:lvl4pPr>
-            <a:lvl5pPr>
-              <a:defRPr sz="5500"/>
-            </a:lvl5pPr>
-            <a:lvl6pPr>
-              <a:defRPr sz="5500"/>
-            </a:lvl6pPr>
-            <a:lvl7pPr>
-              <a:defRPr sz="5500"/>
-            </a:lvl7pPr>
-            <a:lvl8pPr>
-              <a:defRPr sz="5500"/>
-            </a:lvl8pPr>
-            <a:lvl9pPr>
-              <a:defRPr sz="5500"/>
-            </a:lvl9pPr>
-          </a:lstStyle>
-          <a:p>
-            <a:pPr lvl="0"/>
-            <a:r>
-              <a:rPr lang="en-US" smtClean="0"/>
-              <a:t>Click to edit Master text styles</a:t>
-            </a:r>
-          </a:p>
-          <a:p>
-            <a:pPr lvl="1"/>
-            <a:r>
-              <a:rPr lang="en-US" smtClean="0"/>
-              <a:t>Second level</a:t>
-            </a:r>
-          </a:p>
-          <a:p>
-            <a:pPr lvl="2"/>
-            <a:r>
-              <a:rPr lang="en-US" smtClean="0"/>
-              <a:t>Third level</a:t>
-            </a:r>
-          </a:p>
-          <a:p>
-            <a:pPr lvl="3"/>
-            <a:r>
-              <a:rPr lang="en-US" smtClean="0"/>
-              <a:t>Fourth level</a:t>
-            </a:r>
-          </a:p>
-          <a:p>
-            <a:pPr lvl="4"/>
-            <a:r>
-              <a:rPr lang="en-US" smtClean="0"/>
-              <a:t>Fifth level</a:t>
-            </a:r>
-            <a:endParaRPr lang="en-US"/>
-          </a:p>
-        </p:txBody>
-      </p:sp>
-      <p:sp>
-        <p:nvSpPr>
-          <p:cNvPr id="7" name="Date Placeholder 6"/>
-          <p:cNvSpPr>
-            <a:spLocks noGrp="1"/>
-          </p:cNvSpPr>
-          <p:nvPr>
-            <p:ph type="dt" sz="half" idx="10"/>
-          </p:nvPr>
-        </p:nvSpPr>
-        <p:spPr/>
-        <p:txBody>
-          <a:bodyPr/>
-          <a:lstStyle/>
-          <a:p>
-            <a:fld id="{48A87A34-81AB-432B-8DAE-1953F412C126}" type="datetimeFigureOut">
-              <a:rPr lang="en-US" smtClean="0"/>
-              <a:t>1/4/17</a:t>
-            </a:fld>
-            <a:endParaRPr lang="en-US" dirty="0"/>
-          </a:p>
-        </p:txBody>
-      </p:sp>
-      <p:sp>
-        <p:nvSpPr>
-          <p:cNvPr id="8" name="Footer Placeholder 7"/>
-          <p:cNvSpPr>
-            <a:spLocks noGrp="1"/>
-          </p:cNvSpPr>
-          <p:nvPr>
-            <p:ph type="ftr" sz="quarter" idx="11"/>
-          </p:nvPr>
-        </p:nvSpPr>
-        <p:spPr/>
-        <p:txBody>
-          <a:bodyPr/>
-          <a:lstStyle/>
-          <a:p>
-            <a:endParaRPr lang="en-US" dirty="0"/>
-          </a:p>
-        </p:txBody>
-      </p:sp>
-      <p:sp>
-        <p:nvSpPr>
-          <p:cNvPr id="9" name="Slide Number Placeholder 8"/>
-          <p:cNvSpPr>
-            <a:spLocks noGrp="1"/>
-          </p:cNvSpPr>
-          <p:nvPr>
-            <p:ph type="sldNum" sz="quarter" idx="12"/>
-          </p:nvPr>
-        </p:nvSpPr>
-        <p:spPr/>
-        <p:txBody>
-          <a:bodyPr/>
-          <a:lstStyle/>
-          <a:p>
-            <a:fld id="{6D22F896-40B5-4ADD-8801-0D06FADFA095}" type="slidenum">
-              <a:rPr lang="en-US" smtClean="0"/>
-              <a:t>‹#›</a:t>
-            </a:fld>
-            <a:endParaRPr lang="en-US" dirty="0"/>
-          </a:p>
-        </p:txBody>
-      </p:sp>
-    </p:spTree>
-    <p:extLst>
-      <p:ext uri="{BB962C8B-B14F-4D97-AF65-F5344CB8AC3E}">
-        <p14:creationId xmlns:p14="http://schemas.microsoft.com/office/powerpoint/2010/main" val="1417940929"/>
-      </p:ext>
-    </p:extLst>
-  </p:cSld>
-  <p:clrMapOvr>
-    <a:masterClrMapping/>
-  </p:clrMapOvr>
-</p:sldLayout>
-</file>
-
-<file path=ppt/slideLayouts/slideLayout6.xml><?xml version="1.0" encoding="utf-8"?>
-<p:sldLayout xmlns:a="http://schemas.openxmlformats.org/drawingml/2006/main" xmlns:r="http://schemas.openxmlformats.org/officeDocument/2006/relationships" xmlns:p="http://schemas.openxmlformats.org/presentationml/2006/main" type="titleOnly" preserve="1">
-  <p:cSld name="Title Only">
-    <p:spTree>
-      <p:nvGrpSpPr>
-        <p:cNvPr id="1" name=""/>
-        <p:cNvGrpSpPr/>
-        <p:nvPr/>
-      </p:nvGrpSpPr>
-      <p:grpSpPr>
-        <a:xfrm>
-          <a:off x="0" y="0"/>
-          <a:ext cx="0" cy="0"/>
-          <a:chOff x="0" y="0"/>
-          <a:chExt cx="0" cy="0"/>
-        </a:xfrm>
-      </p:grpSpPr>
-      <p:sp>
-        <p:nvSpPr>
-          <p:cNvPr id="2" name="Title 1"/>
-          <p:cNvSpPr>
-            <a:spLocks noGrp="1"/>
-          </p:cNvSpPr>
-          <p:nvPr>
-            <p:ph type="title"/>
-          </p:nvPr>
-        </p:nvSpPr>
-        <p:spPr/>
-        <p:txBody>
-          <a:bodyPr/>
-          <a:lstStyle/>
-          <a:p>
-            <a:r>
-              <a:rPr lang="en-US" smtClean="0"/>
-              <a:t>Click to edit Master title style</a:t>
-            </a:r>
-            <a:endParaRPr lang="en-US"/>
-          </a:p>
-        </p:txBody>
-      </p:sp>
-      <p:sp>
-        <p:nvSpPr>
-          <p:cNvPr id="3" name="Date Placeholder 2"/>
-          <p:cNvSpPr>
-            <a:spLocks noGrp="1"/>
-          </p:cNvSpPr>
-          <p:nvPr>
-            <p:ph type="dt" sz="half" idx="10"/>
-          </p:nvPr>
-        </p:nvSpPr>
-        <p:spPr/>
-        <p:txBody>
-          <a:bodyPr/>
-          <a:lstStyle/>
-          <a:p>
-            <a:fld id="{48A87A34-81AB-432B-8DAE-1953F412C126}" type="datetimeFigureOut">
-              <a:rPr lang="en-US" smtClean="0"/>
-              <a:t>1/4/17</a:t>
-            </a:fld>
-            <a:endParaRPr lang="en-US" dirty="0"/>
-          </a:p>
-        </p:txBody>
-      </p:sp>
-      <p:sp>
-        <p:nvSpPr>
-          <p:cNvPr id="4" name="Footer Placeholder 3"/>
-          <p:cNvSpPr>
-            <a:spLocks noGrp="1"/>
-          </p:cNvSpPr>
-          <p:nvPr>
-            <p:ph type="ftr" sz="quarter" idx="11"/>
-          </p:nvPr>
-        </p:nvSpPr>
-        <p:spPr/>
-        <p:txBody>
-          <a:bodyPr/>
-          <a:lstStyle/>
-          <a:p>
-            <a:endParaRPr lang="en-US" dirty="0"/>
-          </a:p>
-        </p:txBody>
-      </p:sp>
-      <p:sp>
-        <p:nvSpPr>
-          <p:cNvPr id="5" name="Slide Number Placeholder 4"/>
-          <p:cNvSpPr>
-            <a:spLocks noGrp="1"/>
-          </p:cNvSpPr>
-          <p:nvPr>
-            <p:ph type="sldNum" sz="quarter" idx="12"/>
-          </p:nvPr>
-        </p:nvSpPr>
-        <p:spPr/>
-        <p:txBody>
-          <a:bodyPr/>
-          <a:lstStyle/>
-          <a:p>
-            <a:fld id="{6D22F896-40B5-4ADD-8801-0D06FADFA095}" type="slidenum">
-              <a:rPr lang="en-US" smtClean="0"/>
-              <a:t>‹#›</a:t>
-            </a:fld>
-            <a:endParaRPr lang="en-US" dirty="0"/>
-          </a:p>
-        </p:txBody>
-      </p:sp>
-    </p:spTree>
-    <p:extLst>
-      <p:ext uri="{BB962C8B-B14F-4D97-AF65-F5344CB8AC3E}">
-        <p14:creationId xmlns:p14="http://schemas.microsoft.com/office/powerpoint/2010/main" val="656067729"/>
-      </p:ext>
-    </p:extLst>
-  </p:cSld>
-  <p:clrMapOvr>
-    <a:masterClrMapping/>
-  </p:clrMapOvr>
-</p:sldLayout>
-</file>
-
-<file path=ppt/slideLayouts/slideLayout7.xml><?xml version="1.0" encoding="utf-8"?>
-<p:sldLayout xmlns:a="http://schemas.openxmlformats.org/drawingml/2006/main" xmlns:r="http://schemas.openxmlformats.org/officeDocument/2006/relationships" xmlns:p="http://schemas.openxmlformats.org/presentationml/2006/main" type="blank" preserve="1">
-  <p:cSld name="Blank">
-    <p:spTree>
-      <p:nvGrpSpPr>
-        <p:cNvPr id="1" name=""/>
-        <p:cNvGrpSpPr/>
-        <p:nvPr/>
-      </p:nvGrpSpPr>
-      <p:grpSpPr>
-        <a:xfrm>
-          <a:off x="0" y="0"/>
-          <a:ext cx="0" cy="0"/>
-          <a:chOff x="0" y="0"/>
-          <a:chExt cx="0" cy="0"/>
-        </a:xfrm>
-      </p:grpSpPr>
-      <p:sp>
-        <p:nvSpPr>
-          <p:cNvPr id="2" name="Date Placeholder 1"/>
-          <p:cNvSpPr>
-            <a:spLocks noGrp="1"/>
-          </p:cNvSpPr>
-          <p:nvPr>
-            <p:ph type="dt" sz="half" idx="10"/>
-          </p:nvPr>
-        </p:nvSpPr>
-        <p:spPr/>
-        <p:txBody>
-          <a:bodyPr/>
-          <a:lstStyle/>
-          <a:p>
-            <a:fld id="{48A87A34-81AB-432B-8DAE-1953F412C126}" type="datetimeFigureOut">
-              <a:rPr lang="en-US" smtClean="0"/>
-              <a:t>1/4/17</a:t>
-            </a:fld>
-            <a:endParaRPr lang="en-US" dirty="0"/>
-          </a:p>
-        </p:txBody>
-      </p:sp>
-      <p:sp>
-        <p:nvSpPr>
-          <p:cNvPr id="3" name="Footer Placeholder 2"/>
-          <p:cNvSpPr>
-            <a:spLocks noGrp="1"/>
-          </p:cNvSpPr>
-          <p:nvPr>
-            <p:ph type="ftr" sz="quarter" idx="11"/>
-          </p:nvPr>
-        </p:nvSpPr>
-        <p:spPr/>
-        <p:txBody>
-          <a:bodyPr/>
-          <a:lstStyle/>
-          <a:p>
-            <a:endParaRPr lang="en-US" dirty="0"/>
-          </a:p>
-        </p:txBody>
-      </p:sp>
-      <p:sp>
-        <p:nvSpPr>
-          <p:cNvPr id="4" name="Slide Number Placeholder 3"/>
-          <p:cNvSpPr>
-            <a:spLocks noGrp="1"/>
-          </p:cNvSpPr>
-          <p:nvPr>
-            <p:ph type="sldNum" sz="quarter" idx="12"/>
-          </p:nvPr>
-        </p:nvSpPr>
-        <p:spPr/>
-        <p:txBody>
-          <a:bodyPr/>
-          <a:lstStyle/>
-          <a:p>
-            <a:fld id="{6D22F896-40B5-4ADD-8801-0D06FADFA095}" type="slidenum">
-              <a:rPr lang="en-US" smtClean="0"/>
-              <a:t>‹#›</a:t>
-            </a:fld>
-            <a:endParaRPr lang="en-US" dirty="0"/>
-          </a:p>
-        </p:txBody>
-      </p:sp>
-    </p:spTree>
-    <p:extLst>
-      <p:ext uri="{BB962C8B-B14F-4D97-AF65-F5344CB8AC3E}">
-        <p14:creationId xmlns:p14="http://schemas.microsoft.com/office/powerpoint/2010/main" val="1249128790"/>
-      </p:ext>
-    </p:extLst>
-  </p:cSld>
-  <p:clrMapOvr>
-    <a:masterClrMapping/>
-  </p:clrMapOvr>
-</p:sldLayout>
-</file>
-
-<file path=ppt/slideLayouts/slideLayout8.xml><?xml version="1.0" encoding="utf-8"?>
-<p:sldLayout xmlns:a="http://schemas.openxmlformats.org/drawingml/2006/main" xmlns:r="http://schemas.openxmlformats.org/officeDocument/2006/relationships" xmlns:p="http://schemas.openxmlformats.org/presentationml/2006/main" type="objTx" preserve="1">
-  <p:cSld name="Content with Caption">
-    <p:spTree>
-      <p:nvGrpSpPr>
-        <p:cNvPr id="1" name=""/>
-        <p:cNvGrpSpPr/>
-        <p:nvPr/>
-      </p:nvGrpSpPr>
-      <p:grpSpPr>
-        <a:xfrm>
-          <a:off x="0" y="0"/>
-          <a:ext cx="0" cy="0"/>
-          <a:chOff x="0" y="0"/>
-          <a:chExt cx="0" cy="0"/>
-        </a:xfrm>
-      </p:grpSpPr>
-      <p:sp>
-        <p:nvSpPr>
-          <p:cNvPr id="2" name="Title 1"/>
-          <p:cNvSpPr>
-            <a:spLocks noGrp="1"/>
-          </p:cNvSpPr>
-          <p:nvPr>
-            <p:ph type="title"/>
-          </p:nvPr>
-        </p:nvSpPr>
-        <p:spPr>
-          <a:xfrm>
-            <a:off x="1645922" y="873760"/>
-            <a:ext cx="10829927" cy="3718560"/>
-          </a:xfrm>
-        </p:spPr>
-        <p:txBody>
-          <a:bodyPr anchor="b"/>
-          <a:lstStyle>
-            <a:lvl1pPr algn="l">
-              <a:defRPr sz="6900" b="1"/>
-            </a:lvl1pPr>
-          </a:lstStyle>
-          <a:p>
-            <a:r>
-              <a:rPr lang="en-US" smtClean="0"/>
-              <a:t>Click to edit Master title style</a:t>
-            </a:r>
-            <a:endParaRPr lang="en-US"/>
-          </a:p>
-        </p:txBody>
-      </p:sp>
-      <p:sp>
-        <p:nvSpPr>
-          <p:cNvPr id="3" name="Content Placeholder 2"/>
-          <p:cNvSpPr>
-            <a:spLocks noGrp="1"/>
-          </p:cNvSpPr>
-          <p:nvPr>
-            <p:ph idx="1"/>
-          </p:nvPr>
-        </p:nvSpPr>
-        <p:spPr>
-          <a:xfrm>
-            <a:off x="12870180" y="873761"/>
-            <a:ext cx="18402300" cy="18729962"/>
-          </a:xfrm>
-        </p:spPr>
-        <p:txBody>
-          <a:bodyPr/>
-          <a:lstStyle>
-            <a:lvl1pPr>
-              <a:defRPr sz="11000"/>
-            </a:lvl1pPr>
-            <a:lvl2pPr>
-              <a:defRPr sz="9600"/>
-            </a:lvl2pPr>
-            <a:lvl3pPr>
-              <a:defRPr sz="8200"/>
-            </a:lvl3pPr>
-            <a:lvl4pPr>
-              <a:defRPr sz="6900"/>
-            </a:lvl4pPr>
-            <a:lvl5pPr>
-              <a:defRPr sz="6900"/>
-            </a:lvl5pPr>
-            <a:lvl6pPr>
-              <a:defRPr sz="6900"/>
-            </a:lvl6pPr>
-            <a:lvl7pPr>
-              <a:defRPr sz="6900"/>
-            </a:lvl7pPr>
-            <a:lvl8pPr>
-              <a:defRPr sz="6900"/>
-            </a:lvl8pPr>
-            <a:lvl9pPr>
-              <a:defRPr sz="6900"/>
-            </a:lvl9pPr>
-          </a:lstStyle>
-          <a:p>
-            <a:pPr lvl="0"/>
-            <a:r>
-              <a:rPr lang="en-US" smtClean="0"/>
-              <a:t>Click to edit Master text styles</a:t>
-            </a:r>
-          </a:p>
-          <a:p>
-            <a:pPr lvl="1"/>
-            <a:r>
-              <a:rPr lang="en-US" smtClean="0"/>
-              <a:t>Second level</a:t>
-            </a:r>
-          </a:p>
-          <a:p>
-            <a:pPr lvl="2"/>
-            <a:r>
-              <a:rPr lang="en-US" smtClean="0"/>
-              <a:t>Third level</a:t>
-            </a:r>
-          </a:p>
-          <a:p>
-            <a:pPr lvl="3"/>
-            <a:r>
-              <a:rPr lang="en-US" smtClean="0"/>
-              <a:t>Fourth level</a:t>
-            </a:r>
-          </a:p>
-          <a:p>
-            <a:pPr lvl="4"/>
-            <a:r>
-              <a:rPr lang="en-US" smtClean="0"/>
-              <a:t>Fifth level</a:t>
-            </a:r>
-            <a:endParaRPr lang="en-US"/>
-          </a:p>
-        </p:txBody>
-      </p:sp>
-      <p:sp>
-        <p:nvSpPr>
-          <p:cNvPr id="4" name="Text Placeholder 3"/>
-          <p:cNvSpPr>
-            <a:spLocks noGrp="1"/>
-          </p:cNvSpPr>
-          <p:nvPr>
-            <p:ph type="body" sz="half" idx="2"/>
-          </p:nvPr>
-        </p:nvSpPr>
-        <p:spPr>
-          <a:xfrm>
-            <a:off x="1645922" y="4592321"/>
-            <a:ext cx="10829927" cy="15011402"/>
-          </a:xfrm>
-        </p:spPr>
-        <p:txBody>
-          <a:bodyPr/>
-          <a:lstStyle>
-            <a:lvl1pPr marL="0" indent="0">
-              <a:buNone/>
-              <a:defRPr sz="4800"/>
-            </a:lvl1pPr>
-            <a:lvl2pPr marL="1567510" indent="0">
-              <a:buNone/>
-              <a:defRPr sz="4100"/>
-            </a:lvl2pPr>
-            <a:lvl3pPr marL="3135020" indent="0">
-              <a:buNone/>
-              <a:defRPr sz="3400"/>
-            </a:lvl3pPr>
-            <a:lvl4pPr marL="4702531" indent="0">
-              <a:buNone/>
-              <a:defRPr sz="3100"/>
-            </a:lvl4pPr>
-            <a:lvl5pPr marL="6270041" indent="0">
-              <a:buNone/>
-              <a:defRPr sz="3100"/>
-            </a:lvl5pPr>
-            <a:lvl6pPr marL="7837551" indent="0">
-              <a:buNone/>
-              <a:defRPr sz="3100"/>
-            </a:lvl6pPr>
-            <a:lvl7pPr marL="9405061" indent="0">
-              <a:buNone/>
-              <a:defRPr sz="3100"/>
-            </a:lvl7pPr>
-            <a:lvl8pPr marL="10972571" indent="0">
-              <a:buNone/>
-              <a:defRPr sz="3100"/>
-            </a:lvl8pPr>
-            <a:lvl9pPr marL="12540082" indent="0">
-              <a:buNone/>
-              <a:defRPr sz="3100"/>
-            </a:lvl9pPr>
-          </a:lstStyle>
-          <a:p>
-            <a:pPr lvl="0"/>
-            <a:r>
-              <a:rPr lang="en-US" smtClean="0"/>
-              <a:t>Click to edit Master text styles</a:t>
-            </a:r>
-          </a:p>
-        </p:txBody>
-      </p:sp>
-      <p:sp>
-        <p:nvSpPr>
-          <p:cNvPr id="5" name="Date Placeholder 4"/>
-          <p:cNvSpPr>
-            <a:spLocks noGrp="1"/>
-          </p:cNvSpPr>
-          <p:nvPr>
-            <p:ph type="dt" sz="half" idx="10"/>
-          </p:nvPr>
-        </p:nvSpPr>
-        <p:spPr/>
-        <p:txBody>
-          <a:bodyPr/>
-          <a:lstStyle/>
-          <a:p>
-            <a:fld id="{48A87A34-81AB-432B-8DAE-1953F412C126}" type="datetimeFigureOut">
-              <a:rPr lang="en-US" smtClean="0"/>
-              <a:t>1/4/17</a:t>
-            </a:fld>
-            <a:endParaRPr lang="en-US" dirty="0"/>
-          </a:p>
-        </p:txBody>
-      </p:sp>
-      <p:sp>
-        <p:nvSpPr>
-          <p:cNvPr id="6" name="Footer Placeholder 5"/>
-          <p:cNvSpPr>
-            <a:spLocks noGrp="1"/>
-          </p:cNvSpPr>
-          <p:nvPr>
-            <p:ph type="ftr" sz="quarter" idx="11"/>
-          </p:nvPr>
-        </p:nvSpPr>
-        <p:spPr/>
-        <p:txBody>
-          <a:bodyPr/>
-          <a:lstStyle/>
-          <a:p>
-            <a:endParaRPr lang="en-US" dirty="0"/>
-          </a:p>
-        </p:txBody>
-      </p:sp>
-      <p:sp>
-        <p:nvSpPr>
-          <p:cNvPr id="7" name="Slide Number Placeholder 6"/>
-          <p:cNvSpPr>
-            <a:spLocks noGrp="1"/>
-          </p:cNvSpPr>
-          <p:nvPr>
-            <p:ph type="sldNum" sz="quarter" idx="12"/>
-          </p:nvPr>
-        </p:nvSpPr>
-        <p:spPr/>
-        <p:txBody>
-          <a:bodyPr/>
-          <a:lstStyle/>
-          <a:p>
-            <a:fld id="{8B37D5FE-740C-46F5-801A-FA5477D9711F}" type="slidenum">
-              <a:rPr lang="en-US" smtClean="0"/>
-              <a:pPr/>
-              <a:t>‹#›</a:t>
-            </a:fld>
-            <a:endParaRPr lang="en-US"/>
-          </a:p>
-        </p:txBody>
-      </p:sp>
-    </p:spTree>
-    <p:extLst>
-      <p:ext uri="{BB962C8B-B14F-4D97-AF65-F5344CB8AC3E}">
-        <p14:creationId xmlns:p14="http://schemas.microsoft.com/office/powerpoint/2010/main" val="2730116199"/>
-      </p:ext>
-    </p:extLst>
-  </p:cSld>
-  <p:clrMapOvr>
-    <a:masterClrMapping/>
-  </p:clrMapOvr>
-</p:sldLayout>
-</file>
-
-<file path=ppt/slideLayouts/slideLayout9.xml><?xml version="1.0" encoding="utf-8"?>
-<p:sldLayout xmlns:a="http://schemas.openxmlformats.org/drawingml/2006/main" xmlns:r="http://schemas.openxmlformats.org/officeDocument/2006/relationships" xmlns:p="http://schemas.openxmlformats.org/presentationml/2006/main" type="picTx" preserve="1">
-  <p:cSld name="Picture with Caption">
-    <p:spTree>
-      <p:nvGrpSpPr>
-        <p:cNvPr id="1" name=""/>
-        <p:cNvGrpSpPr/>
-        <p:nvPr/>
-      </p:nvGrpSpPr>
-      <p:grpSpPr>
-        <a:xfrm>
-          <a:off x="0" y="0"/>
-          <a:ext cx="0" cy="0"/>
-          <a:chOff x="0" y="0"/>
-          <a:chExt cx="0" cy="0"/>
-        </a:xfrm>
-      </p:grpSpPr>
-      <p:sp>
-        <p:nvSpPr>
-          <p:cNvPr id="2" name="Title 1"/>
-          <p:cNvSpPr>
-            <a:spLocks noGrp="1"/>
-          </p:cNvSpPr>
-          <p:nvPr>
-            <p:ph type="title"/>
-          </p:nvPr>
-        </p:nvSpPr>
-        <p:spPr>
-          <a:xfrm>
-            <a:off x="6452237" y="15361920"/>
-            <a:ext cx="19751040" cy="1813562"/>
-          </a:xfrm>
-        </p:spPr>
-        <p:txBody>
-          <a:bodyPr anchor="b"/>
-          <a:lstStyle>
-            <a:lvl1pPr algn="l">
-              <a:defRPr sz="6900" b="1"/>
-            </a:lvl1pPr>
-          </a:lstStyle>
-          <a:p>
-            <a:r>
-              <a:rPr lang="en-US" smtClean="0"/>
-              <a:t>Click to edit Master title style</a:t>
-            </a:r>
-            <a:endParaRPr lang="en-US"/>
-          </a:p>
-        </p:txBody>
-      </p:sp>
-      <p:sp>
-        <p:nvSpPr>
-          <p:cNvPr id="3" name="Picture Placeholder 2"/>
-          <p:cNvSpPr>
-            <a:spLocks noGrp="1"/>
-          </p:cNvSpPr>
-          <p:nvPr>
-            <p:ph type="pic" idx="1"/>
-          </p:nvPr>
-        </p:nvSpPr>
-        <p:spPr>
-          <a:xfrm>
-            <a:off x="6452237" y="1960880"/>
-            <a:ext cx="19751040" cy="13167360"/>
-          </a:xfrm>
-        </p:spPr>
-        <p:txBody>
-          <a:bodyPr/>
-          <a:lstStyle>
-            <a:lvl1pPr marL="0" indent="0">
-              <a:buNone/>
-              <a:defRPr sz="11000"/>
-            </a:lvl1pPr>
-            <a:lvl2pPr marL="1567510" indent="0">
-              <a:buNone/>
-              <a:defRPr sz="9600"/>
-            </a:lvl2pPr>
-            <a:lvl3pPr marL="3135020" indent="0">
-              <a:buNone/>
-              <a:defRPr sz="8200"/>
-            </a:lvl3pPr>
-            <a:lvl4pPr marL="4702531" indent="0">
-              <a:buNone/>
-              <a:defRPr sz="6900"/>
-            </a:lvl4pPr>
-            <a:lvl5pPr marL="6270041" indent="0">
-              <a:buNone/>
-              <a:defRPr sz="6900"/>
-            </a:lvl5pPr>
-            <a:lvl6pPr marL="7837551" indent="0">
-              <a:buNone/>
-              <a:defRPr sz="6900"/>
-            </a:lvl6pPr>
-            <a:lvl7pPr marL="9405061" indent="0">
-              <a:buNone/>
-              <a:defRPr sz="6900"/>
-            </a:lvl7pPr>
-            <a:lvl8pPr marL="10972571" indent="0">
-              <a:buNone/>
-              <a:defRPr sz="6900"/>
-            </a:lvl8pPr>
-            <a:lvl9pPr marL="12540082" indent="0">
-              <a:buNone/>
-              <a:defRPr sz="6900"/>
-            </a:lvl9pPr>
-          </a:lstStyle>
-          <a:p>
-            <a:r>
-              <a:rPr lang="en-US" smtClean="0"/>
-              <a:t>Drag picture to placeholder or click icon to add</a:t>
-            </a:r>
-            <a:endParaRPr lang="en-US"/>
-          </a:p>
-        </p:txBody>
-      </p:sp>
-      <p:sp>
-        <p:nvSpPr>
-          <p:cNvPr id="4" name="Text Placeholder 3"/>
-          <p:cNvSpPr>
-            <a:spLocks noGrp="1"/>
-          </p:cNvSpPr>
-          <p:nvPr>
-            <p:ph type="body" sz="half" idx="2"/>
-          </p:nvPr>
-        </p:nvSpPr>
-        <p:spPr>
-          <a:xfrm>
-            <a:off x="6452237" y="17175482"/>
-            <a:ext cx="19751040" cy="2575558"/>
-          </a:xfrm>
-        </p:spPr>
-        <p:txBody>
-          <a:bodyPr/>
-          <a:lstStyle>
-            <a:lvl1pPr marL="0" indent="0">
-              <a:buNone/>
-              <a:defRPr sz="4800"/>
-            </a:lvl1pPr>
-            <a:lvl2pPr marL="1567510" indent="0">
-              <a:buNone/>
-              <a:defRPr sz="4100"/>
-            </a:lvl2pPr>
-            <a:lvl3pPr marL="3135020" indent="0">
-              <a:buNone/>
-              <a:defRPr sz="3400"/>
-            </a:lvl3pPr>
-            <a:lvl4pPr marL="4702531" indent="0">
-              <a:buNone/>
-              <a:defRPr sz="3100"/>
-            </a:lvl4pPr>
-            <a:lvl5pPr marL="6270041" indent="0">
-              <a:buNone/>
-              <a:defRPr sz="3100"/>
-            </a:lvl5pPr>
-            <a:lvl6pPr marL="7837551" indent="0">
-              <a:buNone/>
-              <a:defRPr sz="3100"/>
-            </a:lvl6pPr>
-            <a:lvl7pPr marL="9405061" indent="0">
-              <a:buNone/>
-              <a:defRPr sz="3100"/>
-            </a:lvl7pPr>
-            <a:lvl8pPr marL="10972571" indent="0">
-              <a:buNone/>
-              <a:defRPr sz="3100"/>
-            </a:lvl8pPr>
-            <a:lvl9pPr marL="12540082" indent="0">
-              <a:buNone/>
-              <a:defRPr sz="3100"/>
-            </a:lvl9pPr>
-          </a:lstStyle>
-          <a:p>
-            <a:pPr lvl="0"/>
-            <a:r>
-              <a:rPr lang="en-US" smtClean="0"/>
-              <a:t>Click to edit Master text styles</a:t>
-            </a:r>
-          </a:p>
-        </p:txBody>
-      </p:sp>
-      <p:sp>
-        <p:nvSpPr>
-          <p:cNvPr id="5" name="Date Placeholder 4"/>
-          <p:cNvSpPr>
-            <a:spLocks noGrp="1"/>
-          </p:cNvSpPr>
-          <p:nvPr>
-            <p:ph type="dt" sz="half" idx="10"/>
-          </p:nvPr>
-        </p:nvSpPr>
-        <p:spPr/>
-        <p:txBody>
-          <a:bodyPr/>
-          <a:lstStyle/>
-          <a:p>
-            <a:fld id="{48A87A34-81AB-432B-8DAE-1953F412C126}" type="datetimeFigureOut">
-              <a:rPr lang="en-US" smtClean="0"/>
-              <a:t>1/4/17</a:t>
-            </a:fld>
-            <a:endParaRPr lang="en-US" dirty="0"/>
-          </a:p>
-        </p:txBody>
-      </p:sp>
-      <p:sp>
-        <p:nvSpPr>
-          <p:cNvPr id="6" name="Footer Placeholder 5"/>
-          <p:cNvSpPr>
-            <a:spLocks noGrp="1"/>
-          </p:cNvSpPr>
-          <p:nvPr>
-            <p:ph type="ftr" sz="quarter" idx="11"/>
-          </p:nvPr>
-        </p:nvSpPr>
-        <p:spPr/>
-        <p:txBody>
-          <a:bodyPr/>
-          <a:lstStyle/>
-          <a:p>
-            <a:endParaRPr lang="en-US" dirty="0"/>
-          </a:p>
-        </p:txBody>
-      </p:sp>
-      <p:sp>
-        <p:nvSpPr>
-          <p:cNvPr id="7" name="Slide Number Placeholder 6"/>
-          <p:cNvSpPr>
-            <a:spLocks noGrp="1"/>
-          </p:cNvSpPr>
-          <p:nvPr>
-            <p:ph type="sldNum" sz="quarter" idx="12"/>
-          </p:nvPr>
-        </p:nvSpPr>
-        <p:spPr/>
-        <p:txBody>
-          <a:bodyPr/>
-          <a:lstStyle/>
-          <a:p>
-            <a:fld id="{6D22F896-40B5-4ADD-8801-0D06FADFA095}" type="slidenum">
-              <a:rPr lang="en-US" smtClean="0"/>
-              <a:t>‹#›</a:t>
-            </a:fld>
-            <a:endParaRPr lang="en-US" dirty="0"/>
-          </a:p>
-        </p:txBody>
-      </p:sp>
-    </p:spTree>
-    <p:extLst>
-      <p:ext uri="{BB962C8B-B14F-4D97-AF65-F5344CB8AC3E}">
-        <p14:creationId xmlns:p14="http://schemas.microsoft.com/office/powerpoint/2010/main" val="506574558"/>
-      </p:ext>
-    </p:extLst>
-  </p:cSld>
-  <p:clrMapOvr>
-    <a:masterClrMapping/>
+    <a:overrideClrMapping bg1="lt1" tx1="dk1" bg2="lt2" tx2="dk2" accent1="accent1" accent2="accent2" accent3="accent3" accent4="accent4" accent5="accent5" accent6="accent6" hlink="hlink" folHlink="folHlink"/>
   </p:clrMapOvr>
 </p:sldLayout>
 </file>
@@ -6552,7 +4933,7 @@
             <a:fld id="{48A87A34-81AB-432B-8DAE-1953F412C126}" type="datetimeFigureOut">
               <a:rPr lang="en-US" smtClean="0"/>
               <a:pPr/>
-              <a:t>1/4/17</a:t>
+              <a:t>1/14/17</a:t>
             </a:fld>
             <a:endParaRPr lang="en-US" dirty="0"/>
           </a:p>
@@ -6647,16 +5028,6 @@
   <p:clrMap bg1="dk1" tx1="lt1" bg2="dk2" tx2="lt2" accent1="accent1" accent2="accent2" accent3="accent3" accent4="accent4" accent5="accent5" accent6="accent6" hlink="hlink" folHlink="folHlink"/>
   <p:sldLayoutIdLst>
     <p:sldLayoutId id="2147483853" r:id="rId1"/>
-    <p:sldLayoutId id="2147483854" r:id="rId2"/>
-    <p:sldLayoutId id="2147483855" r:id="rId3"/>
-    <p:sldLayoutId id="2147483856" r:id="rId4"/>
-    <p:sldLayoutId id="2147483857" r:id="rId5"/>
-    <p:sldLayoutId id="2147483858" r:id="rId6"/>
-    <p:sldLayoutId id="2147483859" r:id="rId7"/>
-    <p:sldLayoutId id="2147483860" r:id="rId8"/>
-    <p:sldLayoutId id="2147483861" r:id="rId9"/>
-    <p:sldLayoutId id="2147483862" r:id="rId10"/>
-    <p:sldLayoutId id="2147483863" r:id="rId11"/>
   </p:sldLayoutIdLst>
   <p:txStyles>
     <p:titleStyle>
@@ -6930,35 +5301,44 @@
       </p:grpSpPr>
       <p:sp>
         <p:nvSpPr>
-          <p:cNvPr id="14" name="Rounded Rectangle 13"/>
+          <p:cNvPr id="34" name="Rounded Rectangle 33"/>
           <p:cNvSpPr/>
           <p:nvPr/>
         </p:nvSpPr>
         <p:spPr>
           <a:xfrm>
-            <a:off x="762037" y="5778082"/>
-            <a:ext cx="8191895" cy="8730618"/>
+            <a:off x="26092576" y="6577472"/>
+            <a:ext cx="6490112" cy="14798000"/>
           </a:xfrm>
           <a:prstGeom prst="roundRect">
             <a:avLst/>
           </a:prstGeom>
           <a:solidFill>
-            <a:srgbClr val="404040"/>
+            <a:schemeClr val="bg1"/>
           </a:solidFill>
           <a:ln>
             <a:solidFill>
-              <a:srgbClr val="262626"/>
+              <a:schemeClr val="bg1"/>
             </a:solidFill>
           </a:ln>
+          <a:effectLst>
+            <a:outerShdw blurRad="50800" dist="38100" dir="2700000" algn="tl" rotWithShape="0">
+              <a:prstClr val="black">
+                <a:alpha val="40000"/>
+              </a:prstClr>
+            </a:outerShdw>
+          </a:effectLst>
         </p:spPr>
         <p:style>
-          <a:lnRef idx="1">
-            <a:schemeClr val="accent1"/>
+          <a:lnRef idx="2">
+            <a:schemeClr val="accent1">
+              <a:shade val="50000"/>
+            </a:schemeClr>
           </a:lnRef>
-          <a:fillRef idx="3">
+          <a:fillRef idx="1">
             <a:schemeClr val="accent1"/>
           </a:fillRef>
-          <a:effectRef idx="2">
+          <a:effectRef idx="0">
             <a:schemeClr val="accent1"/>
           </a:effectRef>
           <a:fontRef idx="minor">
@@ -6976,41 +5356,44 @@
       </p:sp>
       <p:sp>
         <p:nvSpPr>
-          <p:cNvPr id="12" name="Rounded Rectangle 11"/>
+          <p:cNvPr id="20" name="Rounded Rectangle 19"/>
           <p:cNvSpPr/>
           <p:nvPr/>
         </p:nvSpPr>
         <p:spPr>
           <a:xfrm>
-            <a:off x="9305472" y="2817164"/>
-            <a:ext cx="15793906" cy="6996731"/>
+            <a:off x="190322" y="9038647"/>
+            <a:ext cx="9072662" cy="12336826"/>
           </a:xfrm>
           <a:prstGeom prst="roundRect">
             <a:avLst/>
           </a:prstGeom>
           <a:solidFill>
-            <a:schemeClr val="bg1">
-              <a:lumMod val="75000"/>
-              <a:lumOff val="25000"/>
-            </a:schemeClr>
+            <a:schemeClr val="bg1"/>
           </a:solidFill>
           <a:ln>
             <a:solidFill>
-              <a:schemeClr val="bg1">
-                <a:lumMod val="85000"/>
-                <a:lumOff val="15000"/>
-              </a:schemeClr>
+              <a:schemeClr val="bg1"/>
             </a:solidFill>
           </a:ln>
+          <a:effectLst>
+            <a:outerShdw blurRad="50800" dist="38100" dir="2700000" algn="tl" rotWithShape="0">
+              <a:prstClr val="black">
+                <a:alpha val="40000"/>
+              </a:prstClr>
+            </a:outerShdw>
+          </a:effectLst>
         </p:spPr>
         <p:style>
-          <a:lnRef idx="1">
-            <a:schemeClr val="accent1"/>
+          <a:lnRef idx="2">
+            <a:schemeClr val="accent1">
+              <a:shade val="50000"/>
+            </a:schemeClr>
           </a:lnRef>
-          <a:fillRef idx="3">
+          <a:fillRef idx="1">
             <a:schemeClr val="accent1"/>
           </a:fillRef>
-          <a:effectRef idx="2">
+          <a:effectRef idx="0">
             <a:schemeClr val="accent1"/>
           </a:effectRef>
           <a:fontRef idx="minor">
@@ -7038,7 +5421,7 @@
         </p:nvSpPr>
         <p:spPr>
           <a:xfrm>
-            <a:off x="2275307" y="0"/>
+            <a:off x="2275307" y="64577"/>
             <a:ext cx="29447301" cy="2932623"/>
           </a:xfrm>
         </p:spPr>
@@ -7054,10 +5437,17 @@
                 <a:latin typeface="Century Gothic"/>
                 <a:cs typeface="Century Gothic"/>
               </a:rPr>
-              <a:t>An Immune System Simulation</a:t>
+              <a:t>Simulating the Immune System</a:t>
+            </a:r>
+            <a:r>
+              <a:rPr lang="en-US" sz="9600" dirty="0">
+                <a:latin typeface="Century Gothic"/>
+                <a:cs typeface="Century Gothic"/>
+              </a:rPr>
+              <a:t/>
             </a:r>
             <a:br>
-              <a:rPr lang="en-US" sz="9600" dirty="0" smtClean="0">
+              <a:rPr lang="en-US" sz="9600" dirty="0">
                 <a:latin typeface="Century Gothic"/>
                 <a:cs typeface="Century Gothic"/>
               </a:rPr>
@@ -7067,84 +5457,16 @@
                 <a:latin typeface="Century Gothic"/>
                 <a:cs typeface="Century Gothic"/>
               </a:rPr>
-              <a:t>By Aditya Suresh</a:t>
+              <a:t> </a:t>
             </a:r>
-            <a:endParaRPr lang="en-US" sz="9600" dirty="0">
-              <a:latin typeface="Century Gothic"/>
-              <a:cs typeface="Century Gothic"/>
-            </a:endParaRPr>
-          </a:p>
-        </p:txBody>
-      </p:sp>
-      <p:sp>
-        <p:nvSpPr>
-          <p:cNvPr id="3" name="Subtitle 2"/>
-          <p:cNvSpPr>
-            <a:spLocks noGrp="1"/>
-          </p:cNvSpPr>
-          <p:nvPr>
-            <p:ph type="subTitle" idx="1"/>
-          </p:nvPr>
-        </p:nvSpPr>
-        <p:spPr>
-          <a:xfrm>
-            <a:off x="708703" y="8464225"/>
-            <a:ext cx="8095860" cy="2305375"/>
-          </a:xfrm>
-        </p:spPr>
-        <p:txBody>
-          <a:bodyPr>
-            <a:noAutofit/>
-          </a:bodyPr>
-          <a:lstStyle/>
-          <a:p>
-            <a:pPr algn="ctr"/>
             <a:r>
-              <a:rPr lang="en-US" sz="2648" dirty="0" smtClean="0">
+              <a:rPr lang="en-US" sz="4800" dirty="0" smtClean="0">
                 <a:latin typeface="Century Gothic"/>
                 <a:cs typeface="Century Gothic"/>
               </a:rPr>
-              <a:t>Hypothesis</a:t>
+              <a:t>Aditya Suresh</a:t>
             </a:r>
-          </a:p>
-          <a:p>
-            <a:pPr algn="ctr"/>
-            <a:endParaRPr lang="en-US" sz="2648" dirty="0" smtClean="0">
-              <a:latin typeface="Century Gothic"/>
-              <a:cs typeface="Century Gothic"/>
-            </a:endParaRPr>
-          </a:p>
-          <a:p>
-            <a:pPr algn="ctr"/>
-            <a:r>
-              <a:rPr lang="en-US" sz="1800" dirty="0">
-                <a:latin typeface="Century Gothic"/>
-                <a:cs typeface="Century Gothic"/>
-              </a:rPr>
-              <a:t> </a:t>
-            </a:r>
-            <a:r>
-              <a:rPr lang="en-US" sz="1800" dirty="0" smtClean="0">
-                <a:latin typeface="Century Gothic"/>
-                <a:cs typeface="Century Gothic"/>
-              </a:rPr>
-              <a:t>A realistic immune system simulator </a:t>
-            </a:r>
-            <a:r>
-              <a:rPr lang="en-US" sz="1800" dirty="0" err="1" smtClean="0">
-                <a:latin typeface="Century Gothic"/>
-                <a:cs typeface="Century Gothic"/>
-              </a:rPr>
-              <a:t>cen</a:t>
-            </a:r>
-            <a:r>
-              <a:rPr lang="en-US" sz="1800" dirty="0" smtClean="0">
-                <a:latin typeface="Century Gothic"/>
-                <a:cs typeface="Century Gothic"/>
-              </a:rPr>
-              <a:t> be built using Processing (a programming software).</a:t>
-            </a:r>
-            <a:endParaRPr lang="en-US" sz="1800" dirty="0">
+            <a:endParaRPr lang="en-US" sz="4800" dirty="0">
               <a:latin typeface="Century Gothic"/>
               <a:cs typeface="Century Gothic"/>
             </a:endParaRPr>
@@ -7342,224 +5664,263 @@
           </a:p>
         </p:txBody>
       </p:sp>
-      <p:sp>
-        <p:nvSpPr>
-          <p:cNvPr id="5" name="Subtitle 2"/>
-          <p:cNvSpPr txBox="1">
-            <a:spLocks/>
-          </p:cNvSpPr>
+      <p:grpSp>
+        <p:nvGrpSpPr>
+          <p:cNvPr id="17" name="Group 16"/>
+          <p:cNvGrpSpPr/>
           <p:nvPr/>
-        </p:nvSpPr>
-        <p:spPr>
+        </p:nvGrpSpPr>
+        <p:grpSpPr>
           <a:xfrm>
-            <a:off x="762037" y="6294884"/>
-            <a:ext cx="7996636" cy="2230110"/>
+            <a:off x="259569" y="2849884"/>
+            <a:ext cx="8743672" cy="5884213"/>
+            <a:chOff x="259570" y="2849884"/>
+            <a:chExt cx="8042562" cy="5928093"/>
           </a:xfrm>
-          <a:prstGeom prst="rect">
-            <a:avLst/>
-          </a:prstGeom>
-        </p:spPr>
-        <p:txBody>
-          <a:bodyPr vert="horz" lIns="75675" tIns="37837" rIns="75675" bIns="37837" rtlCol="0">
-            <a:normAutofit/>
-          </a:bodyPr>
-          <a:lstStyle>
-            <a:lvl1pPr marL="0" indent="0" algn="l" defTabSz="3535710" rtl="0" eaLnBrk="1" latinLnBrk="0" hangingPunct="1">
-              <a:lnSpc>
-                <a:spcPct val="90000"/>
-              </a:lnSpc>
-              <a:spcBef>
-                <a:spcPts val="3867"/>
-              </a:spcBef>
-              <a:buFont typeface="Arial" panose="020B0604020202020204" pitchFamily="34" charset="0"/>
-              <a:buNone/>
-              <a:defRPr sz="7733" kern="1200">
-                <a:solidFill>
-                  <a:schemeClr val="tx1"/>
-                </a:solidFill>
-                <a:latin typeface="+mn-lt"/>
-                <a:ea typeface="+mn-ea"/>
-                <a:cs typeface="+mn-cs"/>
-              </a:defRPr>
-            </a:lvl1pPr>
-            <a:lvl2pPr marL="1767855" indent="0" algn="ctr" defTabSz="3535710" rtl="0" eaLnBrk="1" latinLnBrk="0" hangingPunct="1">
-              <a:lnSpc>
-                <a:spcPct val="90000"/>
-              </a:lnSpc>
-              <a:spcBef>
-                <a:spcPts val="1933"/>
-              </a:spcBef>
-              <a:buFont typeface="Arial" panose="020B0604020202020204" pitchFamily="34" charset="0"/>
-              <a:buNone/>
-              <a:defRPr sz="7733" kern="1200">
-                <a:solidFill>
-                  <a:schemeClr val="tx1"/>
-                </a:solidFill>
-                <a:latin typeface="+mn-lt"/>
-                <a:ea typeface="+mn-ea"/>
-                <a:cs typeface="+mn-cs"/>
-              </a:defRPr>
-            </a:lvl2pPr>
-            <a:lvl3pPr marL="3535710" indent="0" algn="ctr" defTabSz="3535710" rtl="0" eaLnBrk="1" latinLnBrk="0" hangingPunct="1">
-              <a:lnSpc>
-                <a:spcPct val="90000"/>
-              </a:lnSpc>
-              <a:spcBef>
-                <a:spcPts val="1933"/>
-              </a:spcBef>
-              <a:buFont typeface="Arial" panose="020B0604020202020204" pitchFamily="34" charset="0"/>
-              <a:buNone/>
-              <a:defRPr sz="6960" kern="1200">
-                <a:solidFill>
-                  <a:schemeClr val="tx1"/>
-                </a:solidFill>
-                <a:latin typeface="+mn-lt"/>
-                <a:ea typeface="+mn-ea"/>
-                <a:cs typeface="+mn-cs"/>
-              </a:defRPr>
-            </a:lvl3pPr>
-            <a:lvl4pPr marL="5303566" indent="0" algn="ctr" defTabSz="3535710" rtl="0" eaLnBrk="1" latinLnBrk="0" hangingPunct="1">
-              <a:lnSpc>
-                <a:spcPct val="90000"/>
-              </a:lnSpc>
-              <a:spcBef>
-                <a:spcPts val="1933"/>
-              </a:spcBef>
-              <a:buFont typeface="Arial" panose="020B0604020202020204" pitchFamily="34" charset="0"/>
-              <a:buNone/>
-              <a:defRPr sz="6187" kern="1200">
-                <a:solidFill>
-                  <a:schemeClr val="tx1"/>
-                </a:solidFill>
-                <a:latin typeface="+mn-lt"/>
-                <a:ea typeface="+mn-ea"/>
-                <a:cs typeface="+mn-cs"/>
-              </a:defRPr>
-            </a:lvl4pPr>
-            <a:lvl5pPr marL="7071421" indent="0" algn="ctr" defTabSz="3535710" rtl="0" eaLnBrk="1" latinLnBrk="0" hangingPunct="1">
-              <a:lnSpc>
-                <a:spcPct val="90000"/>
-              </a:lnSpc>
-              <a:spcBef>
-                <a:spcPts val="1933"/>
-              </a:spcBef>
-              <a:buFont typeface="Arial" panose="020B0604020202020204" pitchFamily="34" charset="0"/>
-              <a:buNone/>
-              <a:defRPr sz="6187" kern="1200">
-                <a:solidFill>
-                  <a:schemeClr val="tx1"/>
-                </a:solidFill>
-                <a:latin typeface="+mn-lt"/>
-                <a:ea typeface="+mn-ea"/>
-                <a:cs typeface="+mn-cs"/>
-              </a:defRPr>
-            </a:lvl5pPr>
-            <a:lvl6pPr marL="8839276" indent="0" algn="ctr" defTabSz="3535710" rtl="0" eaLnBrk="1" latinLnBrk="0" hangingPunct="1">
-              <a:lnSpc>
-                <a:spcPct val="90000"/>
-              </a:lnSpc>
-              <a:spcBef>
-                <a:spcPts val="1933"/>
-              </a:spcBef>
-              <a:buFont typeface="Arial" panose="020B0604020202020204" pitchFamily="34" charset="0"/>
-              <a:buNone/>
-              <a:defRPr sz="6187" kern="1200">
-                <a:solidFill>
-                  <a:schemeClr val="tx1"/>
-                </a:solidFill>
-                <a:latin typeface="+mn-lt"/>
-                <a:ea typeface="+mn-ea"/>
-                <a:cs typeface="+mn-cs"/>
-              </a:defRPr>
-            </a:lvl6pPr>
-            <a:lvl7pPr marL="10607131" indent="0" algn="ctr" defTabSz="3535710" rtl="0" eaLnBrk="1" latinLnBrk="0" hangingPunct="1">
-              <a:lnSpc>
-                <a:spcPct val="90000"/>
-              </a:lnSpc>
-              <a:spcBef>
-                <a:spcPts val="1933"/>
-              </a:spcBef>
-              <a:buFont typeface="Arial" panose="020B0604020202020204" pitchFamily="34" charset="0"/>
-              <a:buNone/>
-              <a:defRPr sz="6187" kern="1200">
-                <a:solidFill>
-                  <a:schemeClr val="tx1"/>
-                </a:solidFill>
-                <a:latin typeface="+mn-lt"/>
-                <a:ea typeface="+mn-ea"/>
-                <a:cs typeface="+mn-cs"/>
-              </a:defRPr>
-            </a:lvl7pPr>
-            <a:lvl8pPr marL="12374987" indent="0" algn="ctr" defTabSz="3535710" rtl="0" eaLnBrk="1" latinLnBrk="0" hangingPunct="1">
-              <a:lnSpc>
-                <a:spcPct val="90000"/>
-              </a:lnSpc>
-              <a:spcBef>
-                <a:spcPts val="1933"/>
-              </a:spcBef>
-              <a:buFont typeface="Arial" panose="020B0604020202020204" pitchFamily="34" charset="0"/>
-              <a:buNone/>
-              <a:defRPr sz="6187" kern="1200">
-                <a:solidFill>
-                  <a:schemeClr val="tx1"/>
-                </a:solidFill>
-                <a:latin typeface="+mn-lt"/>
-                <a:ea typeface="+mn-ea"/>
-                <a:cs typeface="+mn-cs"/>
-              </a:defRPr>
-            </a:lvl8pPr>
-            <a:lvl9pPr marL="14142842" indent="0" algn="ctr" defTabSz="3535710" rtl="0" eaLnBrk="1" latinLnBrk="0" hangingPunct="1">
-              <a:lnSpc>
-                <a:spcPct val="90000"/>
-              </a:lnSpc>
-              <a:spcBef>
-                <a:spcPts val="1933"/>
-              </a:spcBef>
-              <a:buFont typeface="Arial" panose="020B0604020202020204" pitchFamily="34" charset="0"/>
-              <a:buNone/>
-              <a:defRPr sz="6187" kern="1200">
-                <a:solidFill>
-                  <a:schemeClr val="tx1"/>
-                </a:solidFill>
-                <a:latin typeface="+mn-lt"/>
-                <a:ea typeface="+mn-ea"/>
-                <a:cs typeface="+mn-cs"/>
-              </a:defRPr>
-            </a:lvl9pPr>
-          </a:lstStyle>
-          <a:p>
-            <a:pPr algn="ctr"/>
-            <a:r>
-              <a:rPr lang="en-US" sz="2648" dirty="0">
+        </p:grpSpPr>
+        <p:sp>
+          <p:nvSpPr>
+            <p:cNvPr id="14" name="Rounded Rectangle 13"/>
+            <p:cNvSpPr/>
+            <p:nvPr/>
+          </p:nvSpPr>
+          <p:spPr>
+            <a:xfrm>
+              <a:off x="259570" y="2849884"/>
+              <a:ext cx="8042562" cy="5928093"/>
+            </a:xfrm>
+            <a:prstGeom prst="roundRect">
+              <a:avLst/>
+            </a:prstGeom>
+            <a:ln>
+              <a:noFill/>
+            </a:ln>
+            <a:effectLst>
+              <a:outerShdw blurRad="50800" dist="38100" dir="2700000" algn="tl" rotWithShape="0">
+                <a:prstClr val="black">
+                  <a:alpha val="40000"/>
+                </a:prstClr>
+              </a:outerShdw>
+            </a:effectLst>
+          </p:spPr>
+          <p:style>
+            <a:lnRef idx="2">
+              <a:schemeClr val="dk1"/>
+            </a:lnRef>
+            <a:fillRef idx="1">
+              <a:schemeClr val="lt1"/>
+            </a:fillRef>
+            <a:effectRef idx="0">
+              <a:schemeClr val="dk1"/>
+            </a:effectRef>
+            <a:fontRef idx="minor">
+              <a:schemeClr val="dk1"/>
+            </a:fontRef>
+          </p:style>
+          <p:txBody>
+            <a:bodyPr rtlCol="0" anchor="ctr"/>
+            <a:lstStyle/>
+            <a:p>
+              <a:pPr algn="ctr"/>
+              <a:endParaRPr lang="en-US"/>
+            </a:p>
+          </p:txBody>
+        </p:sp>
+        <p:sp>
+          <p:nvSpPr>
+            <p:cNvPr id="5" name="Subtitle 2"/>
+            <p:cNvSpPr txBox="1">
+              <a:spLocks/>
+            </p:cNvSpPr>
+            <p:nvPr/>
+          </p:nvSpPr>
+          <p:spPr>
+            <a:xfrm>
+              <a:off x="305496" y="3305120"/>
+              <a:ext cx="7996636" cy="1591874"/>
+            </a:xfrm>
+            <a:prstGeom prst="rect">
+              <a:avLst/>
+            </a:prstGeom>
+          </p:spPr>
+          <p:txBody>
+            <a:bodyPr vert="horz" lIns="75675" tIns="37837" rIns="75675" bIns="37837" rtlCol="0">
+              <a:normAutofit/>
+            </a:bodyPr>
+            <a:lstStyle>
+              <a:lvl1pPr marL="0" indent="0" algn="l" defTabSz="3535710" rtl="0" eaLnBrk="1" latinLnBrk="0" hangingPunct="1">
+                <a:lnSpc>
+                  <a:spcPct val="90000"/>
+                </a:lnSpc>
+                <a:spcBef>
+                  <a:spcPts val="3867"/>
+                </a:spcBef>
+                <a:buFont typeface="Arial" panose="020B0604020202020204" pitchFamily="34" charset="0"/>
+                <a:buNone/>
+                <a:defRPr sz="7733" kern="1200">
+                  <a:solidFill>
+                    <a:schemeClr val="tx1"/>
+                  </a:solidFill>
+                  <a:latin typeface="+mn-lt"/>
+                  <a:ea typeface="+mn-ea"/>
+                  <a:cs typeface="+mn-cs"/>
+                </a:defRPr>
+              </a:lvl1pPr>
+              <a:lvl2pPr marL="1767855" indent="0" algn="ctr" defTabSz="3535710" rtl="0" eaLnBrk="1" latinLnBrk="0" hangingPunct="1">
+                <a:lnSpc>
+                  <a:spcPct val="90000"/>
+                </a:lnSpc>
+                <a:spcBef>
+                  <a:spcPts val="1933"/>
+                </a:spcBef>
+                <a:buFont typeface="Arial" panose="020B0604020202020204" pitchFamily="34" charset="0"/>
+                <a:buNone/>
+                <a:defRPr sz="7733" kern="1200">
+                  <a:solidFill>
+                    <a:schemeClr val="tx1"/>
+                  </a:solidFill>
+                  <a:latin typeface="+mn-lt"/>
+                  <a:ea typeface="+mn-ea"/>
+                  <a:cs typeface="+mn-cs"/>
+                </a:defRPr>
+              </a:lvl2pPr>
+              <a:lvl3pPr marL="3535710" indent="0" algn="ctr" defTabSz="3535710" rtl="0" eaLnBrk="1" latinLnBrk="0" hangingPunct="1">
+                <a:lnSpc>
+                  <a:spcPct val="90000"/>
+                </a:lnSpc>
+                <a:spcBef>
+                  <a:spcPts val="1933"/>
+                </a:spcBef>
+                <a:buFont typeface="Arial" panose="020B0604020202020204" pitchFamily="34" charset="0"/>
+                <a:buNone/>
+                <a:defRPr sz="6960" kern="1200">
+                  <a:solidFill>
+                    <a:schemeClr val="tx1"/>
+                  </a:solidFill>
+                  <a:latin typeface="+mn-lt"/>
+                  <a:ea typeface="+mn-ea"/>
+                  <a:cs typeface="+mn-cs"/>
+                </a:defRPr>
+              </a:lvl3pPr>
+              <a:lvl4pPr marL="5303566" indent="0" algn="ctr" defTabSz="3535710" rtl="0" eaLnBrk="1" latinLnBrk="0" hangingPunct="1">
+                <a:lnSpc>
+                  <a:spcPct val="90000"/>
+                </a:lnSpc>
+                <a:spcBef>
+                  <a:spcPts val="1933"/>
+                </a:spcBef>
+                <a:buFont typeface="Arial" panose="020B0604020202020204" pitchFamily="34" charset="0"/>
+                <a:buNone/>
+                <a:defRPr sz="6187" kern="1200">
+                  <a:solidFill>
+                    <a:schemeClr val="tx1"/>
+                  </a:solidFill>
+                  <a:latin typeface="+mn-lt"/>
+                  <a:ea typeface="+mn-ea"/>
+                  <a:cs typeface="+mn-cs"/>
+                </a:defRPr>
+              </a:lvl4pPr>
+              <a:lvl5pPr marL="7071421" indent="0" algn="ctr" defTabSz="3535710" rtl="0" eaLnBrk="1" latinLnBrk="0" hangingPunct="1">
+                <a:lnSpc>
+                  <a:spcPct val="90000"/>
+                </a:lnSpc>
+                <a:spcBef>
+                  <a:spcPts val="1933"/>
+                </a:spcBef>
+                <a:buFont typeface="Arial" panose="020B0604020202020204" pitchFamily="34" charset="0"/>
+                <a:buNone/>
+                <a:defRPr sz="6187" kern="1200">
+                  <a:solidFill>
+                    <a:schemeClr val="tx1"/>
+                  </a:solidFill>
+                  <a:latin typeface="+mn-lt"/>
+                  <a:ea typeface="+mn-ea"/>
+                  <a:cs typeface="+mn-cs"/>
+                </a:defRPr>
+              </a:lvl5pPr>
+              <a:lvl6pPr marL="8839276" indent="0" algn="ctr" defTabSz="3535710" rtl="0" eaLnBrk="1" latinLnBrk="0" hangingPunct="1">
+                <a:lnSpc>
+                  <a:spcPct val="90000"/>
+                </a:lnSpc>
+                <a:spcBef>
+                  <a:spcPts val="1933"/>
+                </a:spcBef>
+                <a:buFont typeface="Arial" panose="020B0604020202020204" pitchFamily="34" charset="0"/>
+                <a:buNone/>
+                <a:defRPr sz="6187" kern="1200">
+                  <a:solidFill>
+                    <a:schemeClr val="tx1"/>
+                  </a:solidFill>
+                  <a:latin typeface="+mn-lt"/>
+                  <a:ea typeface="+mn-ea"/>
+                  <a:cs typeface="+mn-cs"/>
+                </a:defRPr>
+              </a:lvl6pPr>
+              <a:lvl7pPr marL="10607131" indent="0" algn="ctr" defTabSz="3535710" rtl="0" eaLnBrk="1" latinLnBrk="0" hangingPunct="1">
+                <a:lnSpc>
+                  <a:spcPct val="90000"/>
+                </a:lnSpc>
+                <a:spcBef>
+                  <a:spcPts val="1933"/>
+                </a:spcBef>
+                <a:buFont typeface="Arial" panose="020B0604020202020204" pitchFamily="34" charset="0"/>
+                <a:buNone/>
+                <a:defRPr sz="6187" kern="1200">
+                  <a:solidFill>
+                    <a:schemeClr val="tx1"/>
+                  </a:solidFill>
+                  <a:latin typeface="+mn-lt"/>
+                  <a:ea typeface="+mn-ea"/>
+                  <a:cs typeface="+mn-cs"/>
+                </a:defRPr>
+              </a:lvl7pPr>
+              <a:lvl8pPr marL="12374987" indent="0" algn="ctr" defTabSz="3535710" rtl="0" eaLnBrk="1" latinLnBrk="0" hangingPunct="1">
+                <a:lnSpc>
+                  <a:spcPct val="90000"/>
+                </a:lnSpc>
+                <a:spcBef>
+                  <a:spcPts val="1933"/>
+                </a:spcBef>
+                <a:buFont typeface="Arial" panose="020B0604020202020204" pitchFamily="34" charset="0"/>
+                <a:buNone/>
+                <a:defRPr sz="6187" kern="1200">
+                  <a:solidFill>
+                    <a:schemeClr val="tx1"/>
+                  </a:solidFill>
+                  <a:latin typeface="+mn-lt"/>
+                  <a:ea typeface="+mn-ea"/>
+                  <a:cs typeface="+mn-cs"/>
+                </a:defRPr>
+              </a:lvl8pPr>
+              <a:lvl9pPr marL="14142842" indent="0" algn="ctr" defTabSz="3535710" rtl="0" eaLnBrk="1" latinLnBrk="0" hangingPunct="1">
+                <a:lnSpc>
+                  <a:spcPct val="90000"/>
+                </a:lnSpc>
+                <a:spcBef>
+                  <a:spcPts val="1933"/>
+                </a:spcBef>
+                <a:buFont typeface="Arial" panose="020B0604020202020204" pitchFamily="34" charset="0"/>
+                <a:buNone/>
+                <a:defRPr sz="6187" kern="1200">
+                  <a:solidFill>
+                    <a:schemeClr val="tx1"/>
+                  </a:solidFill>
+                  <a:latin typeface="+mn-lt"/>
+                  <a:ea typeface="+mn-ea"/>
+                  <a:cs typeface="+mn-cs"/>
+                </a:defRPr>
+              </a:lvl9pPr>
+            </a:lstStyle>
+            <a:p>
+              <a:pPr algn="ctr"/>
+              <a:endParaRPr lang="en-US" sz="6399" dirty="0">
                 <a:latin typeface="Century Gothic"/>
                 <a:cs typeface="Century Gothic"/>
-              </a:rPr>
-              <a:t>Objective</a:t>
-            </a:r>
-          </a:p>
-          <a:p>
-            <a:pPr algn="ctr"/>
-            <a:r>
-              <a:rPr lang="en-US" sz="1800" dirty="0">
-                <a:latin typeface="Century Gothic"/>
-                <a:cs typeface="Century Gothic"/>
-              </a:rPr>
-              <a:t>Our main objective </a:t>
-            </a:r>
-            <a:r>
-              <a:rPr lang="en-US" sz="1800" dirty="0" smtClean="0">
-                <a:latin typeface="Century Gothic"/>
-                <a:cs typeface="Century Gothic"/>
-              </a:rPr>
-              <a:t>is to simulate the immune system and different pathogenic infections so we can better understand how are immune system works.</a:t>
-            </a:r>
-            <a:endParaRPr lang="en-US" sz="6399" dirty="0">
-              <a:latin typeface="Century Gothic"/>
-              <a:cs typeface="Century Gothic"/>
-            </a:endParaRPr>
-          </a:p>
-        </p:txBody>
-      </p:sp>
+              </a:endParaRPr>
+            </a:p>
+          </p:txBody>
+        </p:sp>
+      </p:grpSp>
       <p:sp>
         <p:nvSpPr>
           <p:cNvPr id="7" name="Subtitle 2"/>
@@ -7754,430 +6115,684 @@
           </a:p>
         </p:txBody>
       </p:sp>
-      <p:sp>
-        <p:nvSpPr>
-          <p:cNvPr id="8" name="Subtitle 2"/>
-          <p:cNvSpPr txBox="1">
-            <a:spLocks/>
-          </p:cNvSpPr>
+      <p:grpSp>
+        <p:nvGrpSpPr>
+          <p:cNvPr id="27" name="Group 26"/>
+          <p:cNvGrpSpPr/>
           <p:nvPr/>
-        </p:nvSpPr>
-        <p:spPr>
+        </p:nvGrpSpPr>
+        <p:grpSpPr>
           <a:xfrm>
-            <a:off x="9448800" y="2863348"/>
-            <a:ext cx="15465853" cy="8740554"/>
+            <a:off x="9505122" y="2931160"/>
+            <a:ext cx="15793906" cy="8055943"/>
+            <a:chOff x="9316976" y="2837351"/>
+            <a:chExt cx="15793906" cy="7546944"/>
           </a:xfrm>
-          <a:prstGeom prst="rect">
-            <a:avLst/>
-          </a:prstGeom>
-        </p:spPr>
-        <p:txBody>
-          <a:bodyPr vert="horz" lIns="75675" tIns="37837" rIns="75675" bIns="37837" rtlCol="0">
-            <a:noAutofit/>
-          </a:bodyPr>
-          <a:lstStyle>
-            <a:lvl1pPr marL="0" indent="0" algn="l" defTabSz="3535710" rtl="0" eaLnBrk="1" latinLnBrk="0" hangingPunct="1">
-              <a:lnSpc>
-                <a:spcPct val="90000"/>
-              </a:lnSpc>
-              <a:spcBef>
-                <a:spcPts val="3867"/>
-              </a:spcBef>
-              <a:buFont typeface="Arial" panose="020B0604020202020204" pitchFamily="34" charset="0"/>
-              <a:buNone/>
-              <a:defRPr sz="7733" kern="1200">
-                <a:solidFill>
-                  <a:schemeClr val="tx1"/>
-                </a:solidFill>
-                <a:latin typeface="+mn-lt"/>
-                <a:ea typeface="+mn-ea"/>
-                <a:cs typeface="+mn-cs"/>
-              </a:defRPr>
-            </a:lvl1pPr>
-            <a:lvl2pPr marL="1767855" indent="0" algn="ctr" defTabSz="3535710" rtl="0" eaLnBrk="1" latinLnBrk="0" hangingPunct="1">
-              <a:lnSpc>
-                <a:spcPct val="90000"/>
-              </a:lnSpc>
-              <a:spcBef>
-                <a:spcPts val="1933"/>
-              </a:spcBef>
-              <a:buFont typeface="Arial" panose="020B0604020202020204" pitchFamily="34" charset="0"/>
-              <a:buNone/>
-              <a:defRPr sz="7733" kern="1200">
-                <a:solidFill>
-                  <a:schemeClr val="tx1"/>
-                </a:solidFill>
-                <a:latin typeface="+mn-lt"/>
-                <a:ea typeface="+mn-ea"/>
-                <a:cs typeface="+mn-cs"/>
-              </a:defRPr>
-            </a:lvl2pPr>
-            <a:lvl3pPr marL="3535710" indent="0" algn="ctr" defTabSz="3535710" rtl="0" eaLnBrk="1" latinLnBrk="0" hangingPunct="1">
-              <a:lnSpc>
-                <a:spcPct val="90000"/>
-              </a:lnSpc>
-              <a:spcBef>
-                <a:spcPts val="1933"/>
-              </a:spcBef>
-              <a:buFont typeface="Arial" panose="020B0604020202020204" pitchFamily="34" charset="0"/>
-              <a:buNone/>
-              <a:defRPr sz="6960" kern="1200">
-                <a:solidFill>
-                  <a:schemeClr val="tx1"/>
-                </a:solidFill>
-                <a:latin typeface="+mn-lt"/>
-                <a:ea typeface="+mn-ea"/>
-                <a:cs typeface="+mn-cs"/>
-              </a:defRPr>
-            </a:lvl3pPr>
-            <a:lvl4pPr marL="5303566" indent="0" algn="ctr" defTabSz="3535710" rtl="0" eaLnBrk="1" latinLnBrk="0" hangingPunct="1">
-              <a:lnSpc>
-                <a:spcPct val="90000"/>
-              </a:lnSpc>
-              <a:spcBef>
-                <a:spcPts val="1933"/>
-              </a:spcBef>
-              <a:buFont typeface="Arial" panose="020B0604020202020204" pitchFamily="34" charset="0"/>
-              <a:buNone/>
-              <a:defRPr sz="6187" kern="1200">
-                <a:solidFill>
-                  <a:schemeClr val="tx1"/>
-                </a:solidFill>
-                <a:latin typeface="+mn-lt"/>
-                <a:ea typeface="+mn-ea"/>
-                <a:cs typeface="+mn-cs"/>
-              </a:defRPr>
-            </a:lvl4pPr>
-            <a:lvl5pPr marL="7071421" indent="0" algn="ctr" defTabSz="3535710" rtl="0" eaLnBrk="1" latinLnBrk="0" hangingPunct="1">
-              <a:lnSpc>
-                <a:spcPct val="90000"/>
-              </a:lnSpc>
-              <a:spcBef>
-                <a:spcPts val="1933"/>
-              </a:spcBef>
-              <a:buFont typeface="Arial" panose="020B0604020202020204" pitchFamily="34" charset="0"/>
-              <a:buNone/>
-              <a:defRPr sz="6187" kern="1200">
-                <a:solidFill>
-                  <a:schemeClr val="tx1"/>
-                </a:solidFill>
-                <a:latin typeface="+mn-lt"/>
-                <a:ea typeface="+mn-ea"/>
-                <a:cs typeface="+mn-cs"/>
-              </a:defRPr>
-            </a:lvl5pPr>
-            <a:lvl6pPr marL="8839276" indent="0" algn="ctr" defTabSz="3535710" rtl="0" eaLnBrk="1" latinLnBrk="0" hangingPunct="1">
-              <a:lnSpc>
-                <a:spcPct val="90000"/>
-              </a:lnSpc>
-              <a:spcBef>
-                <a:spcPts val="1933"/>
-              </a:spcBef>
-              <a:buFont typeface="Arial" panose="020B0604020202020204" pitchFamily="34" charset="0"/>
-              <a:buNone/>
-              <a:defRPr sz="6187" kern="1200">
-                <a:solidFill>
-                  <a:schemeClr val="tx1"/>
-                </a:solidFill>
-                <a:latin typeface="+mn-lt"/>
-                <a:ea typeface="+mn-ea"/>
-                <a:cs typeface="+mn-cs"/>
-              </a:defRPr>
-            </a:lvl6pPr>
-            <a:lvl7pPr marL="10607131" indent="0" algn="ctr" defTabSz="3535710" rtl="0" eaLnBrk="1" latinLnBrk="0" hangingPunct="1">
-              <a:lnSpc>
-                <a:spcPct val="90000"/>
-              </a:lnSpc>
-              <a:spcBef>
-                <a:spcPts val="1933"/>
-              </a:spcBef>
-              <a:buFont typeface="Arial" panose="020B0604020202020204" pitchFamily="34" charset="0"/>
-              <a:buNone/>
-              <a:defRPr sz="6187" kern="1200">
-                <a:solidFill>
-                  <a:schemeClr val="tx1"/>
-                </a:solidFill>
-                <a:latin typeface="+mn-lt"/>
-                <a:ea typeface="+mn-ea"/>
-                <a:cs typeface="+mn-cs"/>
-              </a:defRPr>
-            </a:lvl7pPr>
-            <a:lvl8pPr marL="12374987" indent="0" algn="ctr" defTabSz="3535710" rtl="0" eaLnBrk="1" latinLnBrk="0" hangingPunct="1">
-              <a:lnSpc>
-                <a:spcPct val="90000"/>
-              </a:lnSpc>
-              <a:spcBef>
-                <a:spcPts val="1933"/>
-              </a:spcBef>
-              <a:buFont typeface="Arial" panose="020B0604020202020204" pitchFamily="34" charset="0"/>
-              <a:buNone/>
-              <a:defRPr sz="6187" kern="1200">
-                <a:solidFill>
-                  <a:schemeClr val="tx1"/>
-                </a:solidFill>
-                <a:latin typeface="+mn-lt"/>
-                <a:ea typeface="+mn-ea"/>
-                <a:cs typeface="+mn-cs"/>
-              </a:defRPr>
-            </a:lvl8pPr>
-            <a:lvl9pPr marL="14142842" indent="0" algn="ctr" defTabSz="3535710" rtl="0" eaLnBrk="1" latinLnBrk="0" hangingPunct="1">
-              <a:lnSpc>
-                <a:spcPct val="90000"/>
-              </a:lnSpc>
-              <a:spcBef>
-                <a:spcPts val="1933"/>
-              </a:spcBef>
-              <a:buFont typeface="Arial" panose="020B0604020202020204" pitchFamily="34" charset="0"/>
-              <a:buNone/>
-              <a:defRPr sz="6187" kern="1200">
-                <a:solidFill>
-                  <a:schemeClr val="tx1"/>
-                </a:solidFill>
-                <a:latin typeface="+mn-lt"/>
-                <a:ea typeface="+mn-ea"/>
-                <a:cs typeface="+mn-cs"/>
-              </a:defRPr>
-            </a:lvl9pPr>
-          </a:lstStyle>
-          <a:p>
-            <a:pPr algn="ctr"/>
-            <a:r>
-              <a:rPr lang="en-US" sz="2648" dirty="0" smtClean="0">
+          <a:effectLst/>
+        </p:grpSpPr>
+        <p:sp>
+          <p:nvSpPr>
+            <p:cNvPr id="12" name="Rounded Rectangle 11"/>
+            <p:cNvSpPr/>
+            <p:nvPr/>
+          </p:nvSpPr>
+          <p:spPr>
+            <a:xfrm>
+              <a:off x="9316976" y="2837351"/>
+              <a:ext cx="15793906" cy="6996731"/>
+            </a:xfrm>
+            <a:prstGeom prst="roundRect">
+              <a:avLst/>
+            </a:prstGeom>
+            <a:solidFill>
+              <a:schemeClr val="bg1">
+                <a:lumMod val="75000"/>
+                <a:lumOff val="25000"/>
+              </a:schemeClr>
+            </a:solidFill>
+            <a:ln>
+              <a:solidFill>
+                <a:schemeClr val="bg1">
+                  <a:lumMod val="85000"/>
+                  <a:lumOff val="15000"/>
+                </a:schemeClr>
+              </a:solidFill>
+            </a:ln>
+          </p:spPr>
+          <p:style>
+            <a:lnRef idx="1">
+              <a:schemeClr val="accent1"/>
+            </a:lnRef>
+            <a:fillRef idx="3">
+              <a:schemeClr val="accent1"/>
+            </a:fillRef>
+            <a:effectRef idx="2">
+              <a:schemeClr val="accent1"/>
+            </a:effectRef>
+            <a:fontRef idx="minor">
+              <a:schemeClr val="lt1"/>
+            </a:fontRef>
+          </p:style>
+          <p:txBody>
+            <a:bodyPr rtlCol="0" anchor="ctr"/>
+            <a:lstStyle/>
+            <a:p>
+              <a:pPr algn="ctr"/>
+              <a:endParaRPr lang="en-US"/>
+            </a:p>
+          </p:txBody>
+        </p:sp>
+        <p:sp>
+          <p:nvSpPr>
+            <p:cNvPr id="8" name="Subtitle 2"/>
+            <p:cNvSpPr txBox="1">
+              <a:spLocks/>
+            </p:cNvSpPr>
+            <p:nvPr/>
+          </p:nvSpPr>
+          <p:spPr>
+            <a:xfrm>
+              <a:off x="9515262" y="2930063"/>
+              <a:ext cx="15465853" cy="7454232"/>
+            </a:xfrm>
+            <a:prstGeom prst="rect">
+              <a:avLst/>
+            </a:prstGeom>
+          </p:spPr>
+          <p:txBody>
+            <a:bodyPr vert="horz" lIns="75675" tIns="37837" rIns="75675" bIns="37837" rtlCol="0">
+              <a:noAutofit/>
+            </a:bodyPr>
+            <a:lstStyle>
+              <a:lvl1pPr marL="0" indent="0" algn="l" defTabSz="3535710" rtl="0" eaLnBrk="1" latinLnBrk="0" hangingPunct="1">
+                <a:lnSpc>
+                  <a:spcPct val="90000"/>
+                </a:lnSpc>
+                <a:spcBef>
+                  <a:spcPts val="3867"/>
+                </a:spcBef>
+                <a:buFont typeface="Arial" panose="020B0604020202020204" pitchFamily="34" charset="0"/>
+                <a:buNone/>
+                <a:defRPr sz="7733" kern="1200">
+                  <a:solidFill>
+                    <a:schemeClr val="tx1"/>
+                  </a:solidFill>
+                  <a:latin typeface="+mn-lt"/>
+                  <a:ea typeface="+mn-ea"/>
+                  <a:cs typeface="+mn-cs"/>
+                </a:defRPr>
+              </a:lvl1pPr>
+              <a:lvl2pPr marL="1767855" indent="0" algn="ctr" defTabSz="3535710" rtl="0" eaLnBrk="1" latinLnBrk="0" hangingPunct="1">
+                <a:lnSpc>
+                  <a:spcPct val="90000"/>
+                </a:lnSpc>
+                <a:spcBef>
+                  <a:spcPts val="1933"/>
+                </a:spcBef>
+                <a:buFont typeface="Arial" panose="020B0604020202020204" pitchFamily="34" charset="0"/>
+                <a:buNone/>
+                <a:defRPr sz="7733" kern="1200">
+                  <a:solidFill>
+                    <a:schemeClr val="tx1"/>
+                  </a:solidFill>
+                  <a:latin typeface="+mn-lt"/>
+                  <a:ea typeface="+mn-ea"/>
+                  <a:cs typeface="+mn-cs"/>
+                </a:defRPr>
+              </a:lvl2pPr>
+              <a:lvl3pPr marL="3535710" indent="0" algn="ctr" defTabSz="3535710" rtl="0" eaLnBrk="1" latinLnBrk="0" hangingPunct="1">
+                <a:lnSpc>
+                  <a:spcPct val="90000"/>
+                </a:lnSpc>
+                <a:spcBef>
+                  <a:spcPts val="1933"/>
+                </a:spcBef>
+                <a:buFont typeface="Arial" panose="020B0604020202020204" pitchFamily="34" charset="0"/>
+                <a:buNone/>
+                <a:defRPr sz="6960" kern="1200">
+                  <a:solidFill>
+                    <a:schemeClr val="tx1"/>
+                  </a:solidFill>
+                  <a:latin typeface="+mn-lt"/>
+                  <a:ea typeface="+mn-ea"/>
+                  <a:cs typeface="+mn-cs"/>
+                </a:defRPr>
+              </a:lvl3pPr>
+              <a:lvl4pPr marL="5303566" indent="0" algn="ctr" defTabSz="3535710" rtl="0" eaLnBrk="1" latinLnBrk="0" hangingPunct="1">
+                <a:lnSpc>
+                  <a:spcPct val="90000"/>
+                </a:lnSpc>
+                <a:spcBef>
+                  <a:spcPts val="1933"/>
+                </a:spcBef>
+                <a:buFont typeface="Arial" panose="020B0604020202020204" pitchFamily="34" charset="0"/>
+                <a:buNone/>
+                <a:defRPr sz="6187" kern="1200">
+                  <a:solidFill>
+                    <a:schemeClr val="tx1"/>
+                  </a:solidFill>
+                  <a:latin typeface="+mn-lt"/>
+                  <a:ea typeface="+mn-ea"/>
+                  <a:cs typeface="+mn-cs"/>
+                </a:defRPr>
+              </a:lvl4pPr>
+              <a:lvl5pPr marL="7071421" indent="0" algn="ctr" defTabSz="3535710" rtl="0" eaLnBrk="1" latinLnBrk="0" hangingPunct="1">
+                <a:lnSpc>
+                  <a:spcPct val="90000"/>
+                </a:lnSpc>
+                <a:spcBef>
+                  <a:spcPts val="1933"/>
+                </a:spcBef>
+                <a:buFont typeface="Arial" panose="020B0604020202020204" pitchFamily="34" charset="0"/>
+                <a:buNone/>
+                <a:defRPr sz="6187" kern="1200">
+                  <a:solidFill>
+                    <a:schemeClr val="tx1"/>
+                  </a:solidFill>
+                  <a:latin typeface="+mn-lt"/>
+                  <a:ea typeface="+mn-ea"/>
+                  <a:cs typeface="+mn-cs"/>
+                </a:defRPr>
+              </a:lvl5pPr>
+              <a:lvl6pPr marL="8839276" indent="0" algn="ctr" defTabSz="3535710" rtl="0" eaLnBrk="1" latinLnBrk="0" hangingPunct="1">
+                <a:lnSpc>
+                  <a:spcPct val="90000"/>
+                </a:lnSpc>
+                <a:spcBef>
+                  <a:spcPts val="1933"/>
+                </a:spcBef>
+                <a:buFont typeface="Arial" panose="020B0604020202020204" pitchFamily="34" charset="0"/>
+                <a:buNone/>
+                <a:defRPr sz="6187" kern="1200">
+                  <a:solidFill>
+                    <a:schemeClr val="tx1"/>
+                  </a:solidFill>
+                  <a:latin typeface="+mn-lt"/>
+                  <a:ea typeface="+mn-ea"/>
+                  <a:cs typeface="+mn-cs"/>
+                </a:defRPr>
+              </a:lvl6pPr>
+              <a:lvl7pPr marL="10607131" indent="0" algn="ctr" defTabSz="3535710" rtl="0" eaLnBrk="1" latinLnBrk="0" hangingPunct="1">
+                <a:lnSpc>
+                  <a:spcPct val="90000"/>
+                </a:lnSpc>
+                <a:spcBef>
+                  <a:spcPts val="1933"/>
+                </a:spcBef>
+                <a:buFont typeface="Arial" panose="020B0604020202020204" pitchFamily="34" charset="0"/>
+                <a:buNone/>
+                <a:defRPr sz="6187" kern="1200">
+                  <a:solidFill>
+                    <a:schemeClr val="tx1"/>
+                  </a:solidFill>
+                  <a:latin typeface="+mn-lt"/>
+                  <a:ea typeface="+mn-ea"/>
+                  <a:cs typeface="+mn-cs"/>
+                </a:defRPr>
+              </a:lvl7pPr>
+              <a:lvl8pPr marL="12374987" indent="0" algn="ctr" defTabSz="3535710" rtl="0" eaLnBrk="1" latinLnBrk="0" hangingPunct="1">
+                <a:lnSpc>
+                  <a:spcPct val="90000"/>
+                </a:lnSpc>
+                <a:spcBef>
+                  <a:spcPts val="1933"/>
+                </a:spcBef>
+                <a:buFont typeface="Arial" panose="020B0604020202020204" pitchFamily="34" charset="0"/>
+                <a:buNone/>
+                <a:defRPr sz="6187" kern="1200">
+                  <a:solidFill>
+                    <a:schemeClr val="tx1"/>
+                  </a:solidFill>
+                  <a:latin typeface="+mn-lt"/>
+                  <a:ea typeface="+mn-ea"/>
+                  <a:cs typeface="+mn-cs"/>
+                </a:defRPr>
+              </a:lvl8pPr>
+              <a:lvl9pPr marL="14142842" indent="0" algn="ctr" defTabSz="3535710" rtl="0" eaLnBrk="1" latinLnBrk="0" hangingPunct="1">
+                <a:lnSpc>
+                  <a:spcPct val="90000"/>
+                </a:lnSpc>
+                <a:spcBef>
+                  <a:spcPts val="1933"/>
+                </a:spcBef>
+                <a:buFont typeface="Arial" panose="020B0604020202020204" pitchFamily="34" charset="0"/>
+                <a:buNone/>
+                <a:defRPr sz="6187" kern="1200">
+                  <a:solidFill>
+                    <a:schemeClr val="tx1"/>
+                  </a:solidFill>
+                  <a:latin typeface="+mn-lt"/>
+                  <a:ea typeface="+mn-ea"/>
+                  <a:cs typeface="+mn-cs"/>
+                </a:defRPr>
+              </a:lvl9pPr>
+            </a:lstStyle>
+            <a:p>
+              <a:pPr algn="ctr">
+                <a:lnSpc>
+                  <a:spcPct val="100000"/>
+                </a:lnSpc>
+                <a:spcBef>
+                  <a:spcPts val="2067"/>
+                </a:spcBef>
+              </a:pPr>
+              <a:r>
+                <a:rPr lang="en-US" sz="2800" b="1" dirty="0" smtClean="0">
+                  <a:cs typeface="Century Gothic"/>
+                </a:rPr>
+                <a:t>Introduction</a:t>
+              </a:r>
+            </a:p>
+            <a:p>
+              <a:pPr algn="ctr">
+                <a:lnSpc>
+                  <a:spcPct val="100000"/>
+                </a:lnSpc>
+                <a:spcBef>
+                  <a:spcPts val="2067"/>
+                </a:spcBef>
+              </a:pPr>
+              <a:r>
+                <a:rPr lang="en-US" sz="2400" dirty="0">
+                  <a:cs typeface="Century Gothic"/>
+                </a:rPr>
+                <a:t>W</a:t>
+              </a:r>
+              <a:r>
+                <a:rPr lang="en-US" sz="2400" dirty="0" smtClean="0">
+                  <a:cs typeface="Century Gothic"/>
+                </a:rPr>
+                <a:t>e </a:t>
+              </a:r>
+              <a:r>
+                <a:rPr lang="en-US" sz="2400" dirty="0" smtClean="0">
+                  <a:cs typeface="Century Gothic"/>
+                </a:rPr>
+                <a:t>all get sick. </a:t>
+              </a:r>
+              <a:r>
+                <a:rPr lang="en-US" sz="2400" dirty="0">
+                  <a:cs typeface="Century Gothic"/>
+                </a:rPr>
+                <a:t>W</a:t>
+              </a:r>
+              <a:r>
+                <a:rPr lang="en-US" sz="2400" dirty="0" smtClean="0">
+                  <a:cs typeface="Century Gothic"/>
+                </a:rPr>
+                <a:t>hat </a:t>
+              </a:r>
+              <a:r>
+                <a:rPr lang="en-US" sz="2400" dirty="0" smtClean="0">
+                  <a:cs typeface="Century Gothic"/>
+                </a:rPr>
+                <a:t>defends us from invading </a:t>
+              </a:r>
+              <a:r>
+                <a:rPr lang="en-US" sz="2400" dirty="0" smtClean="0">
+                  <a:cs typeface="Century Gothic"/>
+                </a:rPr>
+                <a:t>pathogens like bacteria </a:t>
+              </a:r>
+              <a:r>
+                <a:rPr lang="en-US" sz="2400" dirty="0" smtClean="0">
+                  <a:cs typeface="Century Gothic"/>
+                </a:rPr>
+                <a:t>and viruses? </a:t>
+              </a:r>
+              <a:endParaRPr lang="en-US" sz="2400" dirty="0" smtClean="0">
+                <a:cs typeface="Century Gothic"/>
+              </a:endParaRPr>
+            </a:p>
+            <a:p>
+              <a:pPr algn="ctr">
+                <a:lnSpc>
+                  <a:spcPct val="100000"/>
+                </a:lnSpc>
+              </a:pPr>
+              <a:r>
+                <a:rPr lang="en-US" sz="2400" b="1" dirty="0" smtClean="0">
+                  <a:cs typeface="Century Gothic"/>
+                </a:rPr>
+                <a:t>O</a:t>
+              </a:r>
+              <a:r>
+                <a:rPr lang="en-US" sz="2400" b="1" dirty="0" smtClean="0">
+                  <a:cs typeface="Century Gothic"/>
+                </a:rPr>
+                <a:t>ur </a:t>
+              </a:r>
+              <a:r>
+                <a:rPr lang="en-US" sz="2400" b="1" dirty="0" smtClean="0">
+                  <a:cs typeface="Century Gothic"/>
+                </a:rPr>
+                <a:t>immune system. </a:t>
+              </a:r>
+            </a:p>
+            <a:p>
+              <a:pPr>
+                <a:lnSpc>
+                  <a:spcPct val="100000"/>
+                </a:lnSpc>
+                <a:spcBef>
+                  <a:spcPts val="1000"/>
+                </a:spcBef>
+              </a:pPr>
+              <a:r>
+                <a:rPr lang="en-US" sz="2400" dirty="0" smtClean="0">
+                  <a:cs typeface="Century Gothic"/>
+                </a:rPr>
+                <a:t>Our immune system </a:t>
+              </a:r>
+              <a:r>
+                <a:rPr lang="en-US" sz="2400" dirty="0" smtClean="0">
+                  <a:cs typeface="Century Gothic"/>
+                </a:rPr>
+                <a:t>has many kinds of white </a:t>
+              </a:r>
+              <a:r>
+                <a:rPr lang="en-US" sz="2400" dirty="0" smtClean="0">
+                  <a:cs typeface="Century Gothic"/>
+                </a:rPr>
+                <a:t>blood </a:t>
+              </a:r>
+              <a:r>
+                <a:rPr lang="en-US" sz="2400" dirty="0" smtClean="0">
+                  <a:cs typeface="Century Gothic"/>
+                </a:rPr>
+                <a:t>cells. </a:t>
+              </a:r>
+              <a:r>
+                <a:rPr lang="en-US" sz="2400" dirty="0" smtClean="0">
+                  <a:cs typeface="Century Gothic"/>
+                </a:rPr>
+                <a:t>These cells each have an important role in killing pathogens. </a:t>
+              </a:r>
+            </a:p>
+            <a:p>
+              <a:pPr marL="342900" indent="-342900">
+                <a:lnSpc>
+                  <a:spcPct val="100000"/>
+                </a:lnSpc>
+                <a:spcBef>
+                  <a:spcPts val="1000"/>
+                </a:spcBef>
+                <a:buFont typeface="Arial" charset="0"/>
+                <a:buChar char="•"/>
+              </a:pPr>
+              <a:r>
+                <a:rPr lang="en-US" sz="2400" b="1" dirty="0" smtClean="0">
+                  <a:cs typeface="Century Gothic"/>
+                </a:rPr>
+                <a:t>Dendritic </a:t>
+              </a:r>
+              <a:r>
+                <a:rPr lang="en-US" sz="2400" b="1" dirty="0" smtClean="0">
+                  <a:cs typeface="Century Gothic"/>
+                </a:rPr>
+                <a:t>cells </a:t>
+              </a:r>
+              <a:r>
+                <a:rPr lang="en-US" sz="2400" dirty="0" smtClean="0">
+                  <a:cs typeface="Century Gothic"/>
+                </a:rPr>
+                <a:t>eat a pathogen and deliver digested parts of it to a helper-T cell. They do this so that the immune system can tell what to attack.</a:t>
+              </a:r>
+            </a:p>
+            <a:p>
+              <a:pPr marL="342900" indent="-342900">
+                <a:lnSpc>
+                  <a:spcPct val="100000"/>
+                </a:lnSpc>
+                <a:spcBef>
+                  <a:spcPts val="1000"/>
+                </a:spcBef>
+                <a:buFont typeface="Arial" charset="0"/>
+                <a:buChar char="•"/>
+              </a:pPr>
+              <a:r>
+                <a:rPr lang="en-US" sz="2400" b="1" dirty="0">
+                  <a:cs typeface="Century Gothic"/>
+                </a:rPr>
+                <a:t>H</a:t>
+              </a:r>
+              <a:r>
+                <a:rPr lang="en-US" sz="2400" b="1" dirty="0" smtClean="0">
+                  <a:cs typeface="Century Gothic"/>
+                </a:rPr>
+                <a:t>elper-T </a:t>
+              </a:r>
+              <a:r>
+                <a:rPr lang="en-US" sz="2400" b="1" dirty="0" smtClean="0">
+                  <a:cs typeface="Century Gothic"/>
+                </a:rPr>
+                <a:t>cells </a:t>
+              </a:r>
+              <a:r>
+                <a:rPr lang="en-US" sz="2400" dirty="0" smtClean="0">
+                  <a:cs typeface="Century Gothic"/>
+                </a:rPr>
+                <a:t>deliver the parts to a b-cell, so the b-cell can target the invading pathogens.</a:t>
+              </a:r>
+            </a:p>
+            <a:p>
+              <a:pPr marL="342900" indent="-342900">
+                <a:lnSpc>
+                  <a:spcPct val="100000"/>
+                </a:lnSpc>
+                <a:spcBef>
+                  <a:spcPts val="1000"/>
+                </a:spcBef>
+                <a:buFont typeface="Arial" charset="0"/>
+                <a:buChar char="•"/>
+              </a:pPr>
+              <a:r>
+                <a:rPr lang="en-US" sz="2400" b="1" dirty="0" smtClean="0">
+                  <a:cs typeface="Century Gothic"/>
+                </a:rPr>
+                <a:t>B-cells</a:t>
+              </a:r>
+              <a:r>
+                <a:rPr lang="en-US" sz="2400" dirty="0" smtClean="0">
+                  <a:cs typeface="Century Gothic"/>
+                </a:rPr>
+                <a:t> </a:t>
+              </a:r>
+              <a:r>
+                <a:rPr lang="en-US" sz="2400" dirty="0" smtClean="0">
+                  <a:cs typeface="Century Gothic"/>
+                </a:rPr>
+                <a:t>use the parts to create </a:t>
+              </a:r>
+              <a:r>
+                <a:rPr lang="en-US" sz="2400" dirty="0" smtClean="0">
+                  <a:cs typeface="Century Gothic"/>
+                </a:rPr>
+                <a:t>proteins called </a:t>
+              </a:r>
+              <a:r>
+                <a:rPr lang="en-US" sz="2400" dirty="0" smtClean="0">
+                  <a:cs typeface="Century Gothic"/>
+                </a:rPr>
+                <a:t>antibodies </a:t>
+              </a:r>
+              <a:r>
+                <a:rPr lang="en-US" sz="2400" dirty="0" smtClean="0">
+                  <a:cs typeface="Century Gothic"/>
+                </a:rPr>
+                <a:t>which stick to the </a:t>
+              </a:r>
+              <a:r>
+                <a:rPr lang="en-US" sz="2400" dirty="0" smtClean="0">
+                  <a:cs typeface="Century Gothic"/>
+                </a:rPr>
+                <a:t>specific </a:t>
+              </a:r>
+              <a:r>
+                <a:rPr lang="en-US" sz="2400" dirty="0" smtClean="0">
+                  <a:cs typeface="Century Gothic"/>
+                </a:rPr>
+                <a:t>type of pathogen. </a:t>
+              </a:r>
+            </a:p>
+            <a:p>
+              <a:pPr marL="342900" indent="-342900">
+                <a:lnSpc>
+                  <a:spcPct val="100000"/>
+                </a:lnSpc>
+                <a:spcBef>
+                  <a:spcPts val="1000"/>
+                </a:spcBef>
+                <a:buFont typeface="Arial" charset="0"/>
+                <a:buChar char="•"/>
+              </a:pPr>
+              <a:r>
+                <a:rPr lang="en-US" sz="2400" b="1" dirty="0" smtClean="0">
+                  <a:cs typeface="Century Gothic"/>
+                </a:rPr>
+                <a:t>Macrophages</a:t>
+              </a:r>
+              <a:r>
+                <a:rPr lang="en-US" sz="2400" dirty="0" smtClean="0">
+                  <a:cs typeface="Century Gothic"/>
+                </a:rPr>
+                <a:t> migrate to the pathogens with antibodies and swallow them, killing them instantly. They can only kill viruses flagged with antibodies, but they can kill bacteria without needing an </a:t>
+              </a:r>
+              <a:r>
+                <a:rPr lang="en-US" sz="2400" dirty="0" smtClean="0">
+                  <a:cs typeface="Century Gothic"/>
+                </a:rPr>
+                <a:t>antibody. </a:t>
+              </a:r>
+              <a:endParaRPr lang="en-US" sz="2400" dirty="0" smtClean="0">
+                <a:cs typeface="Century Gothic"/>
+              </a:endParaRPr>
+            </a:p>
+            <a:p>
+              <a:pPr marL="342900" indent="-342900">
+                <a:lnSpc>
+                  <a:spcPct val="100000"/>
+                </a:lnSpc>
+                <a:spcBef>
+                  <a:spcPts val="1000"/>
+                </a:spcBef>
+                <a:buFont typeface="Arial" charset="0"/>
+                <a:buChar char="•"/>
+              </a:pPr>
+              <a:r>
+                <a:rPr lang="en-US" sz="2400" dirty="0" smtClean="0">
+                  <a:cs typeface="Century Gothic"/>
+                </a:rPr>
+                <a:t>Finally, </a:t>
+              </a:r>
+              <a:r>
+                <a:rPr lang="en-US" sz="2400" b="1" dirty="0" smtClean="0">
+                  <a:cs typeface="Century Gothic"/>
+                </a:rPr>
+                <a:t>killer-T cells </a:t>
+              </a:r>
+              <a:r>
+                <a:rPr lang="en-US" sz="2400" dirty="0" smtClean="0">
+                  <a:cs typeface="Century Gothic"/>
+                </a:rPr>
+                <a:t>kill infected cells. Since viruses reproduce inside cells, they can also be killed inside them</a:t>
+              </a:r>
+              <a:r>
+                <a:rPr lang="en-US" sz="2400" dirty="0" smtClean="0">
+                  <a:cs typeface="Century Gothic"/>
+                </a:rPr>
+                <a:t>.</a:t>
+              </a:r>
+              <a:endParaRPr lang="en-US" sz="2400" dirty="0" smtClean="0">
+                <a:cs typeface="Century Gothic"/>
+              </a:endParaRPr>
+            </a:p>
+            <a:p>
+              <a:pPr algn="ctr">
+                <a:spcBef>
+                  <a:spcPts val="2067"/>
+                </a:spcBef>
+              </a:pPr>
+              <a:r>
+                <a:rPr lang="en-US" sz="2800" b="1" dirty="0" smtClean="0">
+                  <a:cs typeface="Century Gothic"/>
+                </a:rPr>
+                <a:t>Objective</a:t>
+              </a:r>
+            </a:p>
+            <a:p>
+              <a:pPr algn="ctr">
+                <a:spcBef>
+                  <a:spcPts val="2067"/>
+                </a:spcBef>
+              </a:pPr>
+              <a:r>
+                <a:rPr lang="en-US" sz="2400" dirty="0" smtClean="0">
+                  <a:cs typeface="Century Gothic"/>
+                </a:rPr>
+                <a:t>My objective is to simulate the immune system and different pathogenic infections so we can better understand how our immune system works</a:t>
+              </a:r>
+              <a:r>
+                <a:rPr lang="en-US" sz="2000" dirty="0" smtClean="0">
+                  <a:cs typeface="Century Gothic"/>
+                </a:rPr>
+                <a:t>.</a:t>
+              </a:r>
+              <a:endParaRPr lang="en-US" sz="7200" dirty="0" smtClean="0">
+                <a:cs typeface="Century Gothic"/>
+              </a:endParaRPr>
+            </a:p>
+            <a:p>
+              <a:pPr>
+                <a:lnSpc>
+                  <a:spcPct val="100000"/>
+                </a:lnSpc>
+                <a:spcBef>
+                  <a:spcPts val="1000"/>
+                </a:spcBef>
+              </a:pPr>
+              <a:endParaRPr lang="en-US" sz="2000" dirty="0">
                 <a:latin typeface="Century Gothic"/>
                 <a:cs typeface="Century Gothic"/>
-              </a:rPr>
-              <a:t>Introduction</a:t>
-            </a:r>
-          </a:p>
-          <a:p>
-            <a:pPr algn="ctr">
-              <a:lnSpc>
-                <a:spcPct val="100000"/>
-              </a:lnSpc>
-            </a:pPr>
-            <a:r>
-              <a:rPr lang="en-US" sz="2000" dirty="0" smtClean="0">
+              </a:endParaRPr>
+            </a:p>
+            <a:p>
+              <a:endParaRPr lang="en-US" sz="2000" dirty="0">
                 <a:latin typeface="Century Gothic"/>
                 <a:cs typeface="Century Gothic"/>
-              </a:rPr>
-              <a:t>As we know, we all get sick. But what defends us from invading bacteria and viruses? Answer: our immune system. </a:t>
-            </a:r>
-          </a:p>
-          <a:p>
-            <a:pPr algn="ctr">
-              <a:lnSpc>
-                <a:spcPct val="100000"/>
-              </a:lnSpc>
-              <a:spcBef>
-                <a:spcPts val="1000"/>
-              </a:spcBef>
-            </a:pPr>
-            <a:r>
-              <a:rPr lang="en-US" sz="2000" dirty="0" smtClean="0">
+              </a:endParaRPr>
+            </a:p>
+            <a:p>
+              <a:pPr algn="ctr"/>
+              <a:endParaRPr lang="en-US" sz="2648" dirty="0" smtClean="0">
                 <a:latin typeface="Century Gothic"/>
                 <a:cs typeface="Century Gothic"/>
-              </a:rPr>
-              <a:t>Our immune system is comprised of many white blood cells, including macrophages, killer-T cells, helper-T cells, B-cells, and dendritic cells. These cells each have an important role in killing pathogens. </a:t>
-            </a:r>
-          </a:p>
-          <a:p>
-            <a:pPr algn="ctr">
-              <a:lnSpc>
-                <a:spcPct val="100000"/>
-              </a:lnSpc>
-              <a:spcBef>
-                <a:spcPts val="1000"/>
-              </a:spcBef>
-            </a:pPr>
-            <a:r>
-              <a:rPr lang="en-US" sz="2000" dirty="0" smtClean="0">
+              </a:endParaRPr>
+            </a:p>
+            <a:p>
+              <a:pPr algn="ctr"/>
+              <a:endParaRPr lang="en-US" sz="2648" dirty="0" smtClean="0">
                 <a:latin typeface="Century Gothic"/>
                 <a:cs typeface="Century Gothic"/>
-              </a:rPr>
-              <a:t> </a:t>
-            </a:r>
-            <a:r>
-              <a:rPr lang="en-US" sz="2000" dirty="0">
+              </a:endParaRPr>
+            </a:p>
+            <a:p>
+              <a:pPr algn="ctr"/>
+              <a:endParaRPr lang="en-US" sz="2648" dirty="0" smtClean="0">
                 <a:latin typeface="Century Gothic"/>
                 <a:cs typeface="Century Gothic"/>
-              </a:rPr>
-              <a:t>H</a:t>
-            </a:r>
-            <a:r>
-              <a:rPr lang="en-US" sz="2000" dirty="0" smtClean="0">
+              </a:endParaRPr>
+            </a:p>
+            <a:p>
+              <a:pPr algn="ctr"/>
+              <a:endParaRPr lang="en-US" sz="2648" dirty="0">
                 <a:latin typeface="Century Gothic"/>
                 <a:cs typeface="Century Gothic"/>
-              </a:rPr>
-              <a:t>ere is what these immune cells do:</a:t>
-            </a:r>
-          </a:p>
-          <a:p>
-            <a:pPr algn="ctr">
-              <a:lnSpc>
-                <a:spcPct val="100000"/>
-              </a:lnSpc>
-              <a:spcBef>
-                <a:spcPts val="1000"/>
-              </a:spcBef>
-            </a:pPr>
-            <a:r>
-              <a:rPr lang="en-US" sz="2000" dirty="0" smtClean="0">
-                <a:latin typeface="Century Gothic"/>
-                <a:cs typeface="Century Gothic"/>
-              </a:rPr>
-              <a:t>Dendritic </a:t>
-            </a:r>
-            <a:r>
-              <a:rPr lang="en-US" sz="2000" dirty="0" smtClean="0">
-                <a:latin typeface="Century Gothic"/>
-                <a:cs typeface="Century Gothic"/>
-              </a:rPr>
-              <a:t>cells eat a pathogen and deliver digested parts of it to a helper-T cell. They do this so that the immune system can tell what to attack.</a:t>
-            </a:r>
-          </a:p>
-          <a:p>
-            <a:pPr algn="ctr">
-              <a:lnSpc>
-                <a:spcPct val="100000"/>
-              </a:lnSpc>
-              <a:spcBef>
-                <a:spcPts val="1000"/>
-              </a:spcBef>
-            </a:pPr>
-            <a:r>
-              <a:rPr lang="en-US" sz="2000" dirty="0" smtClean="0">
-                <a:latin typeface="Century Gothic"/>
-                <a:cs typeface="Century Gothic"/>
-              </a:rPr>
-              <a:t>Then, the helper-T cells deliver the parts to a b-cell, so the b-cell can target the invading pathogens.</a:t>
-            </a:r>
-          </a:p>
-          <a:p>
-            <a:pPr algn="ctr">
-              <a:lnSpc>
-                <a:spcPct val="100000"/>
-              </a:lnSpc>
-              <a:spcBef>
-                <a:spcPts val="1000"/>
-              </a:spcBef>
-            </a:pPr>
-            <a:r>
-              <a:rPr lang="en-US" sz="2000" dirty="0" smtClean="0">
-                <a:latin typeface="Century Gothic"/>
-                <a:cs typeface="Century Gothic"/>
-              </a:rPr>
-              <a:t>B-cells target pathogens by creating proteins called antibodies, which stick to the specified type of pathogen. This lets other cells know that the pathogen it sticks to is bad.</a:t>
-            </a:r>
-          </a:p>
-          <a:p>
-            <a:pPr algn="ctr">
-              <a:lnSpc>
-                <a:spcPct val="100000"/>
-              </a:lnSpc>
-              <a:spcBef>
-                <a:spcPts val="1000"/>
-              </a:spcBef>
-            </a:pPr>
-            <a:r>
-              <a:rPr lang="en-US" sz="2000" dirty="0" smtClean="0">
-                <a:latin typeface="Century Gothic"/>
-                <a:cs typeface="Century Gothic"/>
-              </a:rPr>
-              <a:t>Macrophages migrate to the pathogens with antibodies and swallow them, killing them instantly. They can only kill viruses flagged with antibodies, but they can kill bacteria without needing an antibody to stick to it. </a:t>
-            </a:r>
-          </a:p>
-          <a:p>
-            <a:pPr algn="ctr">
-              <a:lnSpc>
-                <a:spcPct val="100000"/>
-              </a:lnSpc>
-              <a:spcBef>
-                <a:spcPts val="1000"/>
-              </a:spcBef>
-            </a:pPr>
-            <a:r>
-              <a:rPr lang="en-US" sz="2000" dirty="0" smtClean="0">
-                <a:latin typeface="Century Gothic"/>
-                <a:cs typeface="Century Gothic"/>
-              </a:rPr>
-              <a:t>Finally, killer-T cells kill infected cells. Since viruses reproduce inside cells, they can also be killed inside them.</a:t>
-            </a:r>
-          </a:p>
-          <a:p>
-            <a:pPr algn="ctr">
-              <a:lnSpc>
-                <a:spcPct val="100000"/>
-              </a:lnSpc>
-              <a:spcBef>
-                <a:spcPts val="1000"/>
-              </a:spcBef>
-            </a:pPr>
-            <a:r>
-              <a:rPr lang="en-US" sz="2000" dirty="0" smtClean="0">
-                <a:latin typeface="Century Gothic"/>
-                <a:cs typeface="Century Gothic"/>
-              </a:rPr>
-              <a:t>So</a:t>
-            </a:r>
-            <a:r>
-              <a:rPr lang="en-US" sz="2000" dirty="0" smtClean="0">
-                <a:latin typeface="Century Gothic"/>
-                <a:cs typeface="Century Gothic"/>
-              </a:rPr>
-              <a:t>, I have programmed a simulation of these cells in code, so I could test various experiments with the simulation from virus infections to bacteria infections. (see code) I simulated two types of pathogens: the cold virus and Staphylococcus </a:t>
-            </a:r>
-            <a:r>
-              <a:rPr lang="en-US" sz="2000" dirty="0" err="1" smtClean="0">
-                <a:latin typeface="Century Gothic"/>
-                <a:cs typeface="Century Gothic"/>
-              </a:rPr>
-              <a:t>aureus</a:t>
-            </a:r>
-            <a:r>
-              <a:rPr lang="en-US" sz="2000" dirty="0" smtClean="0">
-                <a:latin typeface="Century Gothic"/>
-                <a:cs typeface="Century Gothic"/>
-              </a:rPr>
-              <a:t>, or Staph for short.</a:t>
-            </a:r>
-          </a:p>
-          <a:p>
-            <a:pPr algn="ctr"/>
-            <a:endParaRPr lang="en-US" sz="2000" dirty="0">
-              <a:latin typeface="Century Gothic"/>
-              <a:cs typeface="Century Gothic"/>
-            </a:endParaRPr>
-          </a:p>
-          <a:p>
-            <a:pPr algn="ctr"/>
-            <a:endParaRPr lang="en-US" sz="2648" dirty="0" smtClean="0">
-              <a:latin typeface="Century Gothic"/>
-              <a:cs typeface="Century Gothic"/>
-            </a:endParaRPr>
-          </a:p>
-          <a:p>
-            <a:pPr algn="ctr"/>
-            <a:endParaRPr lang="en-US" sz="2648" dirty="0" smtClean="0">
-              <a:latin typeface="Century Gothic"/>
-              <a:cs typeface="Century Gothic"/>
-            </a:endParaRPr>
-          </a:p>
-          <a:p>
-            <a:pPr algn="ctr"/>
-            <a:endParaRPr lang="en-US" sz="2648" dirty="0" smtClean="0">
-              <a:latin typeface="Century Gothic"/>
-              <a:cs typeface="Century Gothic"/>
-            </a:endParaRPr>
-          </a:p>
-          <a:p>
-            <a:pPr algn="ctr"/>
-            <a:endParaRPr lang="en-US" sz="2648" dirty="0">
-              <a:latin typeface="Century Gothic"/>
-              <a:cs typeface="Century Gothic"/>
-            </a:endParaRPr>
-          </a:p>
-        </p:txBody>
-      </p:sp>
+              </a:endParaRPr>
+            </a:p>
+          </p:txBody>
+        </p:sp>
+      </p:grpSp>
       <p:sp>
         <p:nvSpPr>
           <p:cNvPr id="9" name="Subtitle 2"/>
@@ -8576,157 +7191,7 @@
       </p:sp>
       <p:sp>
         <p:nvSpPr>
-          <p:cNvPr id="11" name="Oval 10"/>
-          <p:cNvSpPr/>
-          <p:nvPr/>
-        </p:nvSpPr>
-        <p:spPr>
-          <a:xfrm>
-            <a:off x="1422400" y="2997200"/>
-            <a:ext cx="2946400" cy="2946400"/>
-          </a:xfrm>
-          <a:prstGeom prst="ellipse">
-            <a:avLst/>
-          </a:prstGeom>
-          <a:solidFill>
-            <a:schemeClr val="tx1"/>
-          </a:solidFill>
-          <a:ln w="263525" cmpd="sng">
-            <a:solidFill>
-              <a:schemeClr val="tx1">
-                <a:lumMod val="75000"/>
-              </a:schemeClr>
-            </a:solidFill>
-          </a:ln>
-        </p:spPr>
-        <p:style>
-          <a:lnRef idx="2">
-            <a:schemeClr val="accent5">
-              <a:shade val="50000"/>
-            </a:schemeClr>
-          </a:lnRef>
-          <a:fillRef idx="1">
-            <a:schemeClr val="accent5"/>
-          </a:fillRef>
-          <a:effectRef idx="0">
-            <a:schemeClr val="accent5"/>
-          </a:effectRef>
-          <a:fontRef idx="minor">
-            <a:schemeClr val="lt1"/>
-          </a:fontRef>
-        </p:style>
-        <p:txBody>
-          <a:bodyPr rtlCol="0" anchor="ctr"/>
-          <a:lstStyle/>
-          <a:p>
-            <a:pPr algn="ctr"/>
-            <a:endParaRPr lang="en-US"/>
-          </a:p>
-        </p:txBody>
-      </p:sp>
-      <p:sp>
-        <p:nvSpPr>
-          <p:cNvPr id="16" name="Oval 15"/>
-          <p:cNvSpPr/>
-          <p:nvPr/>
-        </p:nvSpPr>
-        <p:spPr>
-          <a:xfrm>
-            <a:off x="3810000" y="1981200"/>
-            <a:ext cx="1981200" cy="1981200"/>
-          </a:xfrm>
-          <a:prstGeom prst="ellipse">
-            <a:avLst/>
-          </a:prstGeom>
-          <a:solidFill>
-            <a:schemeClr val="tx1"/>
-          </a:solidFill>
-          <a:ln w="263525" cmpd="sng">
-            <a:solidFill>
-              <a:schemeClr val="tx1">
-                <a:lumMod val="75000"/>
-              </a:schemeClr>
-            </a:solidFill>
-          </a:ln>
-        </p:spPr>
-        <p:style>
-          <a:lnRef idx="2">
-            <a:schemeClr val="accent5">
-              <a:shade val="50000"/>
-            </a:schemeClr>
-          </a:lnRef>
-          <a:fillRef idx="1">
-            <a:schemeClr val="accent5"/>
-          </a:fillRef>
-          <a:effectRef idx="0">
-            <a:schemeClr val="accent5"/>
-          </a:effectRef>
-          <a:fontRef idx="minor">
-            <a:schemeClr val="lt1"/>
-          </a:fontRef>
-        </p:style>
-        <p:txBody>
-          <a:bodyPr rtlCol="0" anchor="ctr"/>
-          <a:lstStyle/>
-          <a:p>
-            <a:pPr algn="ctr"/>
-            <a:endParaRPr lang="en-US"/>
-          </a:p>
-        </p:txBody>
-      </p:sp>
-      <p:sp>
-        <p:nvSpPr>
-          <p:cNvPr id="19" name="Oval 18"/>
-          <p:cNvSpPr/>
-          <p:nvPr/>
-        </p:nvSpPr>
-        <p:spPr>
-          <a:xfrm>
-            <a:off x="2336800" y="660400"/>
-            <a:ext cx="1371600" cy="1371600"/>
-          </a:xfrm>
-          <a:prstGeom prst="ellipse">
-            <a:avLst/>
-          </a:prstGeom>
-          <a:solidFill>
-            <a:schemeClr val="tx1"/>
-          </a:solidFill>
-          <a:ln w="263525" cmpd="sng">
-            <a:solidFill>
-              <a:schemeClr val="tx1">
-                <a:lumMod val="75000"/>
-              </a:schemeClr>
-            </a:solidFill>
-          </a:ln>
-        </p:spPr>
-        <p:style>
-          <a:lnRef idx="2">
-            <a:schemeClr val="accent5">
-              <a:shade val="50000"/>
-            </a:schemeClr>
-          </a:lnRef>
-          <a:fillRef idx="1">
-            <a:schemeClr val="accent5"/>
-          </a:fillRef>
-          <a:effectRef idx="0">
-            <a:schemeClr val="accent5"/>
-          </a:effectRef>
-          <a:fontRef idx="minor">
-            <a:schemeClr val="lt1"/>
-          </a:fontRef>
-        </p:style>
-        <p:txBody>
-          <a:bodyPr rtlCol="0" anchor="ctr"/>
-          <a:lstStyle/>
-          <a:p>
-            <a:pPr algn="ctr"/>
-            <a:endParaRPr lang="en-US"/>
-          </a:p>
-        </p:txBody>
-      </p:sp>
-      <p:sp>
-        <p:nvSpPr>
-          <p:cNvPr id="25" name="Subtitle 2"/>
+          <p:cNvPr id="31" name="Subtitle 2"/>
           <p:cNvSpPr txBox="1">
             <a:spLocks/>
           </p:cNvSpPr>
@@ -8734,8 +7199,8 @@
         </p:nvSpPr>
         <p:spPr>
           <a:xfrm>
-            <a:off x="759503" y="10801025"/>
-            <a:ext cx="8095860" cy="3426424"/>
+            <a:off x="662625" y="9038646"/>
+            <a:ext cx="8095860" cy="3311451"/>
           </a:xfrm>
           <a:prstGeom prst="rect">
             <a:avLst/>
@@ -8902,103 +7367,495 @@
           </a:lstStyle>
           <a:p>
             <a:r>
-              <a:rPr lang="en-US" sz="2648" dirty="0" smtClean="0">
-                <a:latin typeface="Century Gothic"/>
+              <a:rPr lang="en-US" sz="2800" b="1" dirty="0" smtClean="0">
+                <a:solidFill>
+                  <a:schemeClr val="tx1"/>
+                </a:solidFill>
                 <a:cs typeface="Century Gothic"/>
               </a:rPr>
-              <a:t>Materials and Methods</a:t>
+              <a:t>Viral Infections</a:t>
             </a:r>
-          </a:p>
-          <a:p>
-            <a:endParaRPr lang="en-US" sz="2648" dirty="0" smtClean="0">
+            <a:endParaRPr lang="en-US" sz="2800" b="1" dirty="0" smtClean="0">
+              <a:solidFill>
+                <a:schemeClr val="tx1"/>
+              </a:solidFill>
+              <a:cs typeface="Century Gothic"/>
+            </a:endParaRPr>
+          </a:p>
+          <a:p>
+            <a:r>
+              <a:rPr lang="en-US" sz="2400" b="1" dirty="0" smtClean="0">
+                <a:solidFill>
+                  <a:schemeClr val="tx1"/>
+                </a:solidFill>
+                <a:cs typeface="Century Gothic"/>
+              </a:rPr>
+              <a:t>Experiment 1</a:t>
+            </a:r>
+            <a:r>
+              <a:rPr lang="en-US" sz="2400" dirty="0" smtClean="0">
+                <a:solidFill>
+                  <a:schemeClr val="tx1"/>
+                </a:solidFill>
+                <a:cs typeface="Century Gothic"/>
+              </a:rPr>
+              <a:t>: Infecting 100 body cells with no immune system</a:t>
+            </a:r>
+            <a:endParaRPr lang="en-US" sz="2400" dirty="0" smtClean="0">
+              <a:solidFill>
+                <a:schemeClr val="tx1"/>
+              </a:solidFill>
+              <a:cs typeface="Century Gothic"/>
+            </a:endParaRPr>
+          </a:p>
+          <a:p>
+            <a:endParaRPr lang="en-US" sz="2400" dirty="0">
+              <a:cs typeface="Century Gothic"/>
+            </a:endParaRPr>
+          </a:p>
+          <a:p>
+            <a:endParaRPr lang="en-US" sz="1800" dirty="0" smtClean="0">
               <a:latin typeface="Century Gothic"/>
               <a:cs typeface="Century Gothic"/>
             </a:endParaRPr>
           </a:p>
           <a:p>
-            <a:r>
-              <a:rPr lang="en-US" sz="1800" dirty="0" smtClean="0">
-                <a:latin typeface="Century Gothic"/>
-                <a:cs typeface="Century Gothic"/>
-              </a:rPr>
-              <a:t>Processing 3 was used to build the simulator. </a:t>
-            </a:r>
-            <a:r>
-              <a:rPr lang="en-US" sz="1800" dirty="0">
-                <a:latin typeface="Century Gothic"/>
-                <a:cs typeface="Century Gothic"/>
-              </a:rPr>
-              <a:t>I modeled each cell type </a:t>
-            </a:r>
-            <a:r>
-              <a:rPr lang="en-US" sz="1800" dirty="0" smtClean="0">
-                <a:latin typeface="Century Gothic"/>
-                <a:cs typeface="Century Gothic"/>
-              </a:rPr>
-              <a:t>as well as bacteria and </a:t>
-            </a:r>
-            <a:r>
-              <a:rPr lang="en-US" sz="1800" dirty="0" err="1" smtClean="0">
-                <a:latin typeface="Century Gothic"/>
-                <a:cs typeface="Century Gothic"/>
-              </a:rPr>
-              <a:t>viiruses</a:t>
-            </a:r>
-            <a:r>
-              <a:rPr lang="en-US" sz="1800" dirty="0" smtClean="0">
-                <a:latin typeface="Century Gothic"/>
-                <a:cs typeface="Century Gothic"/>
-              </a:rPr>
-              <a:t> with the program, </a:t>
-            </a:r>
-            <a:r>
-              <a:rPr lang="en-US" sz="1800" dirty="0">
-                <a:latin typeface="Century Gothic"/>
-                <a:cs typeface="Century Gothic"/>
-              </a:rPr>
-              <a:t>and I ran the code many times  </a:t>
-            </a:r>
-            <a:r>
-              <a:rPr lang="en-US" sz="1800" dirty="0" smtClean="0">
-                <a:latin typeface="Century Gothic"/>
-                <a:cs typeface="Century Gothic"/>
-              </a:rPr>
-              <a:t>under  many different conditions to make sure all the components worked. The program recorded data (number of body cells, number of </a:t>
-            </a:r>
-            <a:r>
-              <a:rPr lang="en-US" sz="1800" dirty="0" err="1" smtClean="0">
-                <a:latin typeface="Century Gothic"/>
-                <a:cs typeface="Century Gothic"/>
-              </a:rPr>
-              <a:t>vruses</a:t>
-            </a:r>
-            <a:r>
-              <a:rPr lang="en-US" sz="1800" dirty="0" smtClean="0">
-                <a:latin typeface="Century Gothic"/>
-                <a:cs typeface="Century Gothic"/>
-              </a:rPr>
-              <a:t>, and number of bacteria during each infection) </a:t>
-            </a:r>
-            <a:r>
-              <a:rPr lang="en-US" sz="1800" dirty="0" err="1" smtClean="0">
-                <a:latin typeface="Century Gothic"/>
-                <a:cs typeface="Century Gothic"/>
-              </a:rPr>
-              <a:t>andI</a:t>
-            </a:r>
-            <a:r>
-              <a:rPr lang="en-US" sz="1800" dirty="0" smtClean="0">
-                <a:latin typeface="Century Gothic"/>
-                <a:cs typeface="Century Gothic"/>
-              </a:rPr>
-              <a:t> analyzed the data using Microsoft Excel.</a:t>
-            </a:r>
+            <a:endParaRPr lang="en-US" sz="1800" dirty="0">
+              <a:latin typeface="Century Gothic"/>
+              <a:cs typeface="Century Gothic"/>
+            </a:endParaRPr>
+          </a:p>
+          <a:p>
+            <a:endParaRPr lang="en-US" sz="1800" dirty="0" smtClean="0">
+              <a:latin typeface="Century Gothic"/>
+              <a:cs typeface="Century Gothic"/>
+            </a:endParaRPr>
           </a:p>
         </p:txBody>
       </p:sp>
       <p:sp>
         <p:nvSpPr>
-          <p:cNvPr id="31" name="Subtitle 2"/>
+          <p:cNvPr id="28" name="TextBox 27"/>
+          <p:cNvSpPr txBox="1"/>
+          <p:nvPr/>
+        </p:nvSpPr>
+        <p:spPr>
+          <a:xfrm>
+            <a:off x="5024475" y="11431863"/>
+            <a:ext cx="3348123" cy="3139321"/>
+          </a:xfrm>
+          <a:prstGeom prst="rect">
+            <a:avLst/>
+          </a:prstGeom>
+          <a:noFill/>
+        </p:spPr>
+        <p:txBody>
+          <a:bodyPr wrap="square" rtlCol="0">
+            <a:spAutoFit/>
+          </a:bodyPr>
+          <a:lstStyle/>
+          <a:p>
+            <a:endParaRPr lang="en-US" dirty="0"/>
+          </a:p>
+          <a:p>
+            <a:endParaRPr lang="en-US" dirty="0" smtClean="0"/>
+          </a:p>
+          <a:p>
+            <a:endParaRPr lang="en-US" dirty="0"/>
+          </a:p>
+          <a:p>
+            <a:endParaRPr lang="en-US" dirty="0" smtClean="0"/>
+          </a:p>
+          <a:p>
+            <a:endParaRPr lang="en-US" dirty="0" smtClean="0"/>
+          </a:p>
+          <a:p>
+            <a:endParaRPr lang="en-US" dirty="0"/>
+          </a:p>
+          <a:p>
+            <a:endParaRPr lang="en-US" dirty="0" smtClean="0"/>
+          </a:p>
+          <a:p>
+            <a:endParaRPr lang="en-US" dirty="0" smtClean="0"/>
+          </a:p>
+          <a:p>
+            <a:endParaRPr lang="en-US" dirty="0" smtClean="0"/>
+          </a:p>
+          <a:p>
+            <a:endParaRPr lang="en-US" dirty="0"/>
+          </a:p>
+          <a:p>
+            <a:endParaRPr lang="en-US" dirty="0"/>
+          </a:p>
+        </p:txBody>
+      </p:sp>
+      <p:sp>
+        <p:nvSpPr>
+          <p:cNvPr id="29" name="TextBox 28"/>
+          <p:cNvSpPr txBox="1"/>
+          <p:nvPr/>
+        </p:nvSpPr>
+        <p:spPr>
+          <a:xfrm>
+            <a:off x="528910" y="15090291"/>
+            <a:ext cx="8363289" cy="830997"/>
+          </a:xfrm>
+          <a:prstGeom prst="rect">
+            <a:avLst/>
+          </a:prstGeom>
+          <a:noFill/>
+        </p:spPr>
+        <p:txBody>
+          <a:bodyPr wrap="square" rtlCol="0">
+            <a:spAutoFit/>
+          </a:bodyPr>
+          <a:lstStyle/>
+          <a:p>
+            <a:r>
+              <a:rPr lang="en-US" sz="2400" b="1" dirty="0" smtClean="0">
+                <a:cs typeface="Century Gothic"/>
+              </a:rPr>
+              <a:t>Experiment 2: </a:t>
+            </a:r>
+            <a:r>
+              <a:rPr lang="en-US" sz="2400" dirty="0" smtClean="0">
+                <a:cs typeface="Century Gothic"/>
+              </a:rPr>
+              <a:t>Infecting 100 body cells with 10 Killer-T cells for protection</a:t>
+            </a:r>
+            <a:endParaRPr lang="en-US" sz="2400" dirty="0">
+              <a:cs typeface="Century Gothic"/>
+            </a:endParaRPr>
+          </a:p>
+        </p:txBody>
+      </p:sp>
+      <p:sp>
+        <p:nvSpPr>
+          <p:cNvPr id="15" name="TextBox 14"/>
+          <p:cNvSpPr txBox="1"/>
+          <p:nvPr/>
+        </p:nvSpPr>
+        <p:spPr>
+          <a:xfrm>
+            <a:off x="26397787" y="6962233"/>
+            <a:ext cx="6146800" cy="1692771"/>
+          </a:xfrm>
+          <a:prstGeom prst="rect">
+            <a:avLst/>
+          </a:prstGeom>
+          <a:noFill/>
+        </p:spPr>
+        <p:txBody>
+          <a:bodyPr wrap="square" rtlCol="0">
+            <a:spAutoFit/>
+          </a:bodyPr>
+          <a:lstStyle/>
+          <a:p>
+            <a:pPr algn="ctr"/>
+            <a:r>
+              <a:rPr lang="en-US" sz="2800" b="1" dirty="0" smtClean="0">
+                <a:ea typeface="Century Gothic" charset="0"/>
+                <a:cs typeface="Century Gothic" charset="0"/>
+              </a:rPr>
+              <a:t>Bacterial Infections</a:t>
+            </a:r>
+          </a:p>
+          <a:p>
+            <a:pPr algn="ctr"/>
+            <a:endParaRPr lang="en-US" sz="2800" b="1" dirty="0" smtClean="0">
+              <a:ea typeface="Century Gothic" charset="0"/>
+              <a:cs typeface="Century Gothic" charset="0"/>
+            </a:endParaRPr>
+          </a:p>
+          <a:p>
+            <a:r>
+              <a:rPr lang="en-US" sz="2400" b="1" dirty="0" smtClean="0">
+                <a:ea typeface="Century Gothic" charset="0"/>
+                <a:cs typeface="Century Gothic" charset="0"/>
+              </a:rPr>
+              <a:t>Experiment 4:</a:t>
+            </a:r>
+            <a:r>
+              <a:rPr lang="en-US" sz="2400" dirty="0" smtClean="0">
+                <a:ea typeface="Century Gothic" charset="0"/>
+                <a:cs typeface="Century Gothic" charset="0"/>
+              </a:rPr>
+              <a:t> Killing 10 body cells with bacteria.</a:t>
+            </a:r>
+            <a:endParaRPr lang="en-US" sz="2400" dirty="0">
+              <a:ea typeface="Century Gothic" charset="0"/>
+              <a:cs typeface="Century Gothic" charset="0"/>
+            </a:endParaRPr>
+          </a:p>
+        </p:txBody>
+      </p:sp>
+      <p:sp>
+        <p:nvSpPr>
+          <p:cNvPr id="18" name="TextBox 17"/>
+          <p:cNvSpPr txBox="1"/>
+          <p:nvPr/>
+        </p:nvSpPr>
+        <p:spPr>
+          <a:xfrm>
+            <a:off x="26727803" y="13320318"/>
+            <a:ext cx="5486767" cy="830997"/>
+          </a:xfrm>
+          <a:prstGeom prst="rect">
+            <a:avLst/>
+          </a:prstGeom>
+          <a:noFill/>
+        </p:spPr>
+        <p:txBody>
+          <a:bodyPr wrap="square" rtlCol="0">
+            <a:spAutoFit/>
+          </a:bodyPr>
+          <a:lstStyle/>
+          <a:p>
+            <a:r>
+              <a:rPr lang="en-US" sz="2400" b="1" dirty="0" smtClean="0">
+                <a:ea typeface="Century Gothic" charset="0"/>
+                <a:cs typeface="Century Gothic" charset="0"/>
+              </a:rPr>
+              <a:t>Experiment 5: </a:t>
+            </a:r>
+            <a:r>
+              <a:rPr lang="en-US" sz="2400" dirty="0" smtClean="0">
+                <a:ea typeface="Century Gothic" charset="0"/>
+                <a:cs typeface="Century Gothic" charset="0"/>
+              </a:rPr>
+              <a:t>Killing 10 body cells with 10 macrophages for protection. </a:t>
+            </a:r>
+            <a:endParaRPr lang="en-US" sz="2400" dirty="0">
+              <a:ea typeface="Century Gothic" charset="0"/>
+              <a:cs typeface="Century Gothic" charset="0"/>
+            </a:endParaRPr>
+          </a:p>
+        </p:txBody>
+      </p:sp>
+      <p:pic>
+        <p:nvPicPr>
+          <p:cNvPr id="21" name="Picture 20" descr="Beginning_infection.tiff"/>
+          <p:cNvPicPr>
+            <a:picLocks noChangeAspect="1"/>
+          </p:cNvPicPr>
+          <p:nvPr/>
+        </p:nvPicPr>
+        <p:blipFill rotWithShape="1">
+          <a:blip r:embed="rId3">
+            <a:extLst>
+              <a:ext uri="{28A0092B-C50C-407E-A947-70E740481C1C}">
+                <a14:useLocalDpi xmlns:a14="http://schemas.microsoft.com/office/drawing/2010/main" val="0"/>
+              </a:ext>
+            </a:extLst>
+          </a:blip>
+          <a:srcRect t="4275"/>
+          <a:stretch/>
+        </p:blipFill>
+        <p:spPr>
+          <a:xfrm>
+            <a:off x="9517422" y="11344960"/>
+            <a:ext cx="5470866" cy="3519244"/>
+          </a:xfrm>
+          <a:prstGeom prst="roundRect">
+            <a:avLst>
+              <a:gd name="adj" fmla="val 8594"/>
+            </a:avLst>
+          </a:prstGeom>
+          <a:solidFill>
+            <a:srgbClr val="FFFFFF">
+              <a:shade val="85000"/>
+            </a:srgbClr>
+          </a:solidFill>
+          <a:ln>
+            <a:noFill/>
+          </a:ln>
+          <a:effectLst>
+            <a:reflection blurRad="12700" stA="38000" endPos="28000" dist="5000" dir="5400000" sy="-100000" algn="bl" rotWithShape="0"/>
+          </a:effectLst>
+        </p:spPr>
+      </p:pic>
+      <p:pic>
+        <p:nvPicPr>
+          <p:cNvPr id="22" name="Picture 21" descr="Middle_Infection.tiff"/>
+          <p:cNvPicPr>
+            <a:picLocks noChangeAspect="1"/>
+          </p:cNvPicPr>
+          <p:nvPr/>
+        </p:nvPicPr>
+        <p:blipFill rotWithShape="1">
+          <a:blip r:embed="rId4">
+            <a:extLst>
+              <a:ext uri="{28A0092B-C50C-407E-A947-70E740481C1C}">
+                <a14:useLocalDpi xmlns:a14="http://schemas.microsoft.com/office/drawing/2010/main" val="0"/>
+              </a:ext>
+            </a:extLst>
+          </a:blip>
+          <a:srcRect t="4275"/>
+          <a:stretch/>
+        </p:blipFill>
+        <p:spPr>
+          <a:xfrm>
+            <a:off x="15057984" y="11350072"/>
+            <a:ext cx="5470866" cy="3519244"/>
+          </a:xfrm>
+          <a:prstGeom prst="roundRect">
+            <a:avLst>
+              <a:gd name="adj" fmla="val 8594"/>
+            </a:avLst>
+          </a:prstGeom>
+          <a:solidFill>
+            <a:srgbClr val="FFFFFF">
+              <a:shade val="85000"/>
+            </a:srgbClr>
+          </a:solidFill>
+          <a:ln>
+            <a:noFill/>
+          </a:ln>
+          <a:effectLst>
+            <a:reflection blurRad="12700" stA="38000" endPos="28000" dist="5000" dir="5400000" sy="-100000" algn="bl" rotWithShape="0"/>
+          </a:effectLst>
+        </p:spPr>
+      </p:pic>
+      <p:pic>
+        <p:nvPicPr>
+          <p:cNvPr id="23" name="Picture 22" descr="End_Infection.tiff"/>
+          <p:cNvPicPr>
+            <a:picLocks noChangeAspect="1"/>
+          </p:cNvPicPr>
+          <p:nvPr/>
+        </p:nvPicPr>
+        <p:blipFill rotWithShape="1">
+          <a:blip r:embed="rId5">
+            <a:extLst>
+              <a:ext uri="{28A0092B-C50C-407E-A947-70E740481C1C}">
+                <a14:useLocalDpi xmlns:a14="http://schemas.microsoft.com/office/drawing/2010/main" val="0"/>
+              </a:ext>
+            </a:extLst>
+          </a:blip>
+          <a:srcRect l="1311" t="4275"/>
+          <a:stretch/>
+        </p:blipFill>
+        <p:spPr>
+          <a:xfrm>
+            <a:off x="20598546" y="11344960"/>
+            <a:ext cx="5307584" cy="3519244"/>
+          </a:xfrm>
+          <a:prstGeom prst="roundRect">
+            <a:avLst>
+              <a:gd name="adj" fmla="val 8594"/>
+            </a:avLst>
+          </a:prstGeom>
+          <a:solidFill>
+            <a:srgbClr val="FFFFFF">
+              <a:shade val="85000"/>
+            </a:srgbClr>
+          </a:solidFill>
+          <a:ln>
+            <a:noFill/>
+          </a:ln>
+          <a:effectLst>
+            <a:reflection blurRad="12700" stA="38000" endPos="28000" dist="5000" dir="5400000" sy="-100000" algn="bl" rotWithShape="0"/>
+          </a:effectLst>
+        </p:spPr>
+      </p:pic>
+      <p:sp>
+        <p:nvSpPr>
+          <p:cNvPr id="3" name="Subtitle 2"/>
+          <p:cNvSpPr>
+            <a:spLocks noGrp="1"/>
+          </p:cNvSpPr>
+          <p:nvPr>
+            <p:ph type="subTitle" idx="1"/>
+          </p:nvPr>
+        </p:nvSpPr>
+        <p:spPr>
+          <a:xfrm>
+            <a:off x="548386" y="3035081"/>
+            <a:ext cx="8095860" cy="2305375"/>
+          </a:xfrm>
+        </p:spPr>
+        <p:txBody>
+          <a:bodyPr>
+            <a:noAutofit/>
+          </a:bodyPr>
+          <a:lstStyle/>
+          <a:p>
+            <a:pPr algn="ctr"/>
+            <a:r>
+              <a:rPr lang="en-US" sz="2800" b="1" dirty="0" smtClean="0">
+                <a:solidFill>
+                  <a:schemeClr val="tx1"/>
+                </a:solidFill>
+                <a:cs typeface="Century Gothic"/>
+              </a:rPr>
+              <a:t>Hypothesis</a:t>
+            </a:r>
+            <a:endParaRPr lang="en-US" sz="2800" b="1" dirty="0" smtClean="0">
+              <a:solidFill>
+                <a:schemeClr val="tx1"/>
+              </a:solidFill>
+              <a:cs typeface="Century Gothic"/>
+            </a:endParaRPr>
+          </a:p>
+          <a:p>
+            <a:pPr algn="ctr"/>
+            <a:r>
+              <a:rPr lang="en-US" sz="1800" dirty="0">
+                <a:solidFill>
+                  <a:schemeClr val="tx1"/>
+                </a:solidFill>
+                <a:cs typeface="Century Gothic"/>
+              </a:rPr>
+              <a:t> </a:t>
+            </a:r>
+            <a:r>
+              <a:rPr lang="en-US" sz="2400" dirty="0" smtClean="0">
+                <a:solidFill>
+                  <a:schemeClr val="tx1"/>
+                </a:solidFill>
+                <a:cs typeface="Century Gothic"/>
+              </a:rPr>
+              <a:t>A realistic immune system simulator </a:t>
+            </a:r>
+            <a:r>
+              <a:rPr lang="en-US" sz="2400" dirty="0" smtClean="0">
+                <a:solidFill>
+                  <a:schemeClr val="tx1"/>
+                </a:solidFill>
+                <a:cs typeface="Century Gothic"/>
+              </a:rPr>
+              <a:t>can </a:t>
+            </a:r>
+            <a:r>
+              <a:rPr lang="en-US" sz="2400" dirty="0" smtClean="0">
+                <a:solidFill>
+                  <a:schemeClr val="tx1"/>
+                </a:solidFill>
+                <a:cs typeface="Century Gothic"/>
+              </a:rPr>
+              <a:t>be built using Processing (a </a:t>
+            </a:r>
+            <a:r>
+              <a:rPr lang="en-US" sz="2400" dirty="0" smtClean="0">
+                <a:solidFill>
+                  <a:schemeClr val="tx1"/>
+                </a:solidFill>
+                <a:cs typeface="Century Gothic"/>
+              </a:rPr>
+              <a:t>Java-based visualization language).</a:t>
+            </a:r>
+            <a:endParaRPr lang="en-US" sz="2400" dirty="0">
+              <a:solidFill>
+                <a:schemeClr val="tx1"/>
+              </a:solidFill>
+              <a:cs typeface="Century Gothic"/>
+            </a:endParaRPr>
+          </a:p>
+        </p:txBody>
+      </p:sp>
+      <p:sp>
+        <p:nvSpPr>
+          <p:cNvPr id="25" name="Subtitle 2"/>
           <p:cNvSpPr txBox="1">
             <a:spLocks/>
           </p:cNvSpPr>
@@ -9006,8 +7863,8 @@
         </p:nvSpPr>
         <p:spPr>
           <a:xfrm>
-            <a:off x="777974" y="14809588"/>
-            <a:ext cx="8095860" cy="3426424"/>
+            <a:off x="272391" y="4591111"/>
+            <a:ext cx="8767957" cy="3512929"/>
           </a:xfrm>
           <a:prstGeom prst="rect">
             <a:avLst/>
@@ -9174,64 +8031,278 @@
           </a:lstStyle>
           <a:p>
             <a:r>
-              <a:rPr lang="en-US" sz="2648" dirty="0" smtClean="0">
-                <a:latin typeface="Century Gothic"/>
+              <a:rPr lang="en-US" sz="2800" b="1" dirty="0" smtClean="0">
+                <a:solidFill>
+                  <a:schemeClr val="tx1"/>
+                </a:solidFill>
                 <a:cs typeface="Century Gothic"/>
               </a:rPr>
-              <a:t>Results</a:t>
+              <a:t>Materials and </a:t>
             </a:r>
-          </a:p>
-          <a:p>
-            <a:endParaRPr lang="en-US" sz="2648" dirty="0">
-              <a:latin typeface="Century Gothic"/>
+            <a:r>
+              <a:rPr lang="en-US" sz="2800" b="1" dirty="0" smtClean="0">
+                <a:solidFill>
+                  <a:schemeClr val="tx1"/>
+                </a:solidFill>
+                <a:cs typeface="Century Gothic"/>
+              </a:rPr>
+              <a:t>Methods</a:t>
+            </a:r>
+            <a:endParaRPr lang="en-US" sz="2800" b="1" dirty="0" smtClean="0">
+              <a:solidFill>
+                <a:schemeClr val="tx1"/>
+              </a:solidFill>
               <a:cs typeface="Century Gothic"/>
             </a:endParaRPr>
           </a:p>
           <a:p>
+            <a:pPr marL="342900" indent="-342900" algn="l">
+              <a:buFont typeface="Arial" charset="0"/>
+              <a:buChar char="•"/>
+            </a:pPr>
             <a:r>
-              <a:rPr lang="en-US" sz="1800" dirty="0" smtClean="0">
-                <a:latin typeface="Century Gothic"/>
+              <a:rPr lang="en-US" sz="2400" dirty="0" smtClean="0">
+                <a:solidFill>
+                  <a:schemeClr val="tx1"/>
+                </a:solidFill>
                 <a:cs typeface="Century Gothic"/>
               </a:rPr>
-              <a:t>My first experiment was with viruses and body cells, seeing how long it took for one virus to infect 100 body cells with no immune system. (note that this simulation vastly speeds up the process)</a:t>
+              <a:t>Simulation of immune system using Processing 3. I simulated all white blood cell types and two pathogens: a cold virus and </a:t>
             </a:r>
-          </a:p>
-          <a:p>
-            <a:endParaRPr lang="en-US" sz="2648" dirty="0">
-              <a:latin typeface="Century Gothic"/>
+            <a:r>
+              <a:rPr lang="en-US" sz="2400" i="1" dirty="0" err="1" smtClean="0">
+                <a:solidFill>
+                  <a:schemeClr val="tx1"/>
+                </a:solidFill>
+                <a:cs typeface="Century Gothic"/>
+              </a:rPr>
+              <a:t>Staphyloccocus</a:t>
+            </a:r>
+            <a:r>
+              <a:rPr lang="en-US" sz="2400" i="1" dirty="0" smtClean="0">
+                <a:solidFill>
+                  <a:schemeClr val="tx1"/>
+                </a:solidFill>
+                <a:cs typeface="Century Gothic"/>
+              </a:rPr>
+              <a:t> aureus </a:t>
+            </a:r>
+            <a:r>
+              <a:rPr lang="en-US" sz="2400" dirty="0" smtClean="0">
+                <a:solidFill>
+                  <a:schemeClr val="tx1"/>
+                </a:solidFill>
+                <a:cs typeface="Century Gothic"/>
+              </a:rPr>
+              <a:t>(Staph)</a:t>
+            </a:r>
+          </a:p>
+          <a:p>
+            <a:pPr marL="342900" indent="-342900" algn="l">
+              <a:buFont typeface="Arial" charset="0"/>
+              <a:buChar char="•"/>
+            </a:pPr>
+            <a:r>
+              <a:rPr lang="en-US" sz="2400" dirty="0" smtClean="0">
+                <a:solidFill>
+                  <a:schemeClr val="tx1"/>
+                </a:solidFill>
+                <a:cs typeface="Century Gothic"/>
+              </a:rPr>
+              <a:t>I </a:t>
+            </a:r>
+            <a:r>
+              <a:rPr lang="en-US" sz="2400" dirty="0">
+                <a:solidFill>
+                  <a:schemeClr val="tx1"/>
+                </a:solidFill>
+                <a:cs typeface="Century Gothic"/>
+              </a:rPr>
+              <a:t>ran the code many times  </a:t>
+            </a:r>
+            <a:r>
+              <a:rPr lang="en-US" sz="2400" dirty="0" smtClean="0">
+                <a:solidFill>
+                  <a:schemeClr val="tx1"/>
+                </a:solidFill>
+                <a:cs typeface="Century Gothic"/>
+              </a:rPr>
+              <a:t>under </a:t>
+            </a:r>
+            <a:r>
+              <a:rPr lang="en-US" sz="2400" dirty="0" smtClean="0">
+                <a:solidFill>
+                  <a:schemeClr val="tx1"/>
+                </a:solidFill>
+                <a:cs typeface="Century Gothic"/>
+              </a:rPr>
+              <a:t>many different </a:t>
+            </a:r>
+            <a:r>
+              <a:rPr lang="en-US" sz="2400" dirty="0" smtClean="0">
+                <a:solidFill>
+                  <a:schemeClr val="tx1"/>
+                </a:solidFill>
+                <a:cs typeface="Century Gothic"/>
+              </a:rPr>
+              <a:t>settings to </a:t>
+            </a:r>
+            <a:r>
+              <a:rPr lang="en-US" sz="2400" dirty="0" smtClean="0">
+                <a:solidFill>
+                  <a:schemeClr val="tx1"/>
+                </a:solidFill>
+                <a:cs typeface="Century Gothic"/>
+              </a:rPr>
+              <a:t>make sure all the components worked. </a:t>
+            </a:r>
+            <a:endParaRPr lang="en-US" sz="2400" dirty="0" smtClean="0">
+              <a:solidFill>
+                <a:schemeClr val="tx1"/>
+              </a:solidFill>
               <a:cs typeface="Century Gothic"/>
             </a:endParaRPr>
           </a:p>
           <a:p>
-            <a:endParaRPr lang="en-US" sz="1800" dirty="0" smtClean="0">
-              <a:latin typeface="Century Gothic"/>
+            <a:pPr marL="342900" indent="-342900" algn="l">
+              <a:buFont typeface="Arial" charset="0"/>
+              <a:buChar char="•"/>
+            </a:pPr>
+            <a:r>
+              <a:rPr lang="en-US" sz="2400" dirty="0" smtClean="0">
+                <a:solidFill>
+                  <a:schemeClr val="tx1"/>
+                </a:solidFill>
+                <a:cs typeface="Century Gothic"/>
+              </a:rPr>
+              <a:t>The </a:t>
+            </a:r>
+            <a:r>
+              <a:rPr lang="en-US" sz="2400" dirty="0" smtClean="0">
+                <a:solidFill>
+                  <a:schemeClr val="tx1"/>
+                </a:solidFill>
+                <a:cs typeface="Century Gothic"/>
+              </a:rPr>
+              <a:t>program recorded data (number of body cells, number of </a:t>
+            </a:r>
+            <a:r>
+              <a:rPr lang="en-US" sz="2400" dirty="0" smtClean="0">
+                <a:solidFill>
+                  <a:schemeClr val="tx1"/>
+                </a:solidFill>
+                <a:cs typeface="Century Gothic"/>
+              </a:rPr>
+              <a:t>viruses</a:t>
+            </a:r>
+            <a:r>
+              <a:rPr lang="en-US" sz="2400" dirty="0" smtClean="0">
+                <a:solidFill>
+                  <a:schemeClr val="tx1"/>
+                </a:solidFill>
+                <a:cs typeface="Century Gothic"/>
+              </a:rPr>
+              <a:t>, and number of bacteria during each infection) </a:t>
+            </a:r>
+            <a:endParaRPr lang="en-US" sz="2400" dirty="0">
+              <a:solidFill>
+                <a:schemeClr val="tx1"/>
+              </a:solidFill>
               <a:cs typeface="Century Gothic"/>
             </a:endParaRPr>
           </a:p>
           <a:p>
-            <a:endParaRPr lang="en-US" sz="1800" dirty="0">
-              <a:latin typeface="Century Gothic"/>
-              <a:cs typeface="Century Gothic"/>
-            </a:endParaRPr>
-          </a:p>
-          <a:p>
-            <a:endParaRPr lang="en-US" sz="1800" dirty="0" smtClean="0">
-              <a:latin typeface="Century Gothic"/>
-              <a:cs typeface="Century Gothic"/>
-            </a:endParaRPr>
+            <a:pPr marL="342900" indent="-342900" algn="l">
+              <a:buFont typeface="Arial" charset="0"/>
+              <a:buChar char="•"/>
+            </a:pPr>
+            <a:r>
+              <a:rPr lang="en-US" sz="2400" dirty="0" smtClean="0">
+                <a:solidFill>
+                  <a:schemeClr val="tx1"/>
+                </a:solidFill>
+                <a:cs typeface="Century Gothic"/>
+              </a:rPr>
+              <a:t>I </a:t>
+            </a:r>
+            <a:r>
+              <a:rPr lang="en-US" sz="2400" dirty="0" smtClean="0">
+                <a:solidFill>
+                  <a:schemeClr val="tx1"/>
+                </a:solidFill>
+                <a:cs typeface="Century Gothic"/>
+              </a:rPr>
+              <a:t>analyzed the data using Microsoft Excel.</a:t>
+            </a:r>
           </a:p>
         </p:txBody>
       </p:sp>
       <p:sp>
         <p:nvSpPr>
-          <p:cNvPr id="28" name="TextBox 27"/>
+          <p:cNvPr id="11" name="Rounded Rectangle 10"/>
+          <p:cNvSpPr/>
+          <p:nvPr/>
+        </p:nvSpPr>
+        <p:spPr>
+          <a:xfrm>
+            <a:off x="26092575" y="2904065"/>
+            <a:ext cx="6490111" cy="3411454"/>
+          </a:xfrm>
+          <a:prstGeom prst="roundRect">
+            <a:avLst/>
+          </a:prstGeom>
+          <a:solidFill>
+            <a:schemeClr val="bg1"/>
+          </a:solidFill>
+          <a:ln>
+            <a:solidFill>
+              <a:schemeClr val="bg1"/>
+            </a:solidFill>
+          </a:ln>
+          <a:effectLst>
+            <a:outerShdw blurRad="50800" dist="38100" dir="2700000" algn="tl" rotWithShape="0">
+              <a:prstClr val="black">
+                <a:alpha val="40000"/>
+              </a:prstClr>
+            </a:outerShdw>
+            <a:reflection endPos="0" dist="50800" dir="5400000" sy="-100000" algn="bl" rotWithShape="0"/>
+          </a:effectLst>
+        </p:spPr>
+        <p:style>
+          <a:lnRef idx="2">
+            <a:schemeClr val="accent1">
+              <a:shade val="50000"/>
+            </a:schemeClr>
+          </a:lnRef>
+          <a:fillRef idx="1">
+            <a:schemeClr val="accent1"/>
+          </a:fillRef>
+          <a:effectRef idx="0">
+            <a:schemeClr val="accent1"/>
+          </a:effectRef>
+          <a:fontRef idx="minor">
+            <a:schemeClr val="lt1"/>
+          </a:fontRef>
+        </p:style>
+        <p:txBody>
+          <a:bodyPr rtlCol="0" anchor="ctr"/>
+          <a:lstStyle/>
+          <a:p>
+            <a:pPr algn="ctr"/>
+            <a:endParaRPr lang="en-US"/>
+          </a:p>
+        </p:txBody>
+      </p:sp>
+      <p:sp>
+        <p:nvSpPr>
+          <p:cNvPr id="13" name="TextBox 12"/>
           <p:cNvSpPr txBox="1"/>
           <p:nvPr/>
         </p:nvSpPr>
         <p:spPr>
           <a:xfrm>
-            <a:off x="5841897" y="17272454"/>
-            <a:ext cx="3348123" cy="6463309"/>
+            <a:off x="28868852" y="1180719"/>
+            <a:ext cx="4360316" cy="400110"/>
           </a:xfrm>
           <a:prstGeom prst="rect">
             <a:avLst/>
@@ -9244,83 +8315,24 @@
           </a:bodyPr>
           <a:lstStyle/>
           <a:p>
-            <a:r>
-              <a:rPr lang="en-US" dirty="0" smtClean="0">
-                <a:latin typeface="Century Gothic"/>
-                <a:cs typeface="Century Gothic"/>
-              </a:rPr>
-              <a:t>In these results, the number of body cells  decreased rapidly and were all killed after 15 seconds, but the number of viruses increased by hundreds, since the virus reproduced by 20 each time it infected a cell. (Viruses actually reproduce by thousands, but the program would glitch so I lowered it to 20)</a:t>
-            </a:r>
-          </a:p>
-          <a:p>
-            <a:endParaRPr lang="en-US" dirty="0"/>
-          </a:p>
-          <a:p>
-            <a:endParaRPr lang="en-US" dirty="0" smtClean="0"/>
-          </a:p>
-          <a:p>
-            <a:endParaRPr lang="en-US" dirty="0"/>
-          </a:p>
-          <a:p>
-            <a:endParaRPr lang="en-US" dirty="0" smtClean="0"/>
-          </a:p>
-          <a:p>
-            <a:endParaRPr lang="en-US" dirty="0" smtClean="0"/>
-          </a:p>
-          <a:p>
-            <a:endParaRPr lang="en-US" dirty="0"/>
-          </a:p>
-          <a:p>
-            <a:endParaRPr lang="en-US" dirty="0" smtClean="0"/>
-          </a:p>
-          <a:p>
-            <a:endParaRPr lang="en-US" dirty="0" smtClean="0"/>
-          </a:p>
-          <a:p>
-            <a:endParaRPr lang="en-US" dirty="0" smtClean="0"/>
-          </a:p>
-          <a:p>
-            <a:endParaRPr lang="en-US" dirty="0"/>
-          </a:p>
-          <a:p>
-            <a:endParaRPr lang="en-US" dirty="0"/>
+            <a:endParaRPr lang="en-US" sz="2000" dirty="0">
+              <a:latin typeface="Century Gothic" charset="0"/>
+              <a:ea typeface="Century Gothic" charset="0"/>
+              <a:cs typeface="Century Gothic" charset="0"/>
+            </a:endParaRPr>
           </a:p>
         </p:txBody>
       </p:sp>
-      <p:graphicFrame>
-        <p:nvGraphicFramePr>
-          <p:cNvPr id="35" name="Chart 34"/>
-          <p:cNvGraphicFramePr>
-            <a:graphicFrameLocks/>
-          </p:cNvGraphicFramePr>
-          <p:nvPr>
-            <p:extLst>
-              <p:ext uri="{D42A27DB-BD31-4B8C-83A1-F6EECF244321}">
-                <p14:modId xmlns:p14="http://schemas.microsoft.com/office/powerpoint/2010/main" val="1194005806"/>
-              </p:ext>
-            </p:extLst>
-          </p:nvPr>
-        </p:nvGraphicFramePr>
-        <p:xfrm>
-          <a:off x="801489" y="17034949"/>
-          <a:ext cx="4622800" cy="3670300"/>
-        </p:xfrm>
-        <a:graphic>
-          <a:graphicData uri="http://schemas.openxmlformats.org/drawingml/2006/chart">
-            <c:chart xmlns:c="http://schemas.openxmlformats.org/drawingml/2006/chart" xmlns:r="http://schemas.openxmlformats.org/officeDocument/2006/relationships" r:id="rId3"/>
-          </a:graphicData>
-        </a:graphic>
-      </p:graphicFrame>
       <p:sp>
         <p:nvSpPr>
-          <p:cNvPr id="29" name="TextBox 28"/>
+          <p:cNvPr id="16" name="TextBox 15"/>
           <p:cNvSpPr txBox="1"/>
           <p:nvPr/>
         </p:nvSpPr>
         <p:spPr>
           <a:xfrm>
-            <a:off x="9952008" y="15748415"/>
-            <a:ext cx="5056820" cy="1477328"/>
+            <a:off x="27078188" y="1464083"/>
+            <a:ext cx="4360316" cy="461665"/>
           </a:xfrm>
           <a:prstGeom prst="rect">
             <a:avLst/>
@@ -9333,63 +8345,313 @@
           </a:bodyPr>
           <a:lstStyle/>
           <a:p>
+            <a:pPr algn="ctr"/>
             <a:r>
-              <a:rPr lang="en-US" dirty="0" smtClean="0">
-                <a:latin typeface="Century Gothic"/>
-                <a:cs typeface="Century Gothic"/>
+              <a:rPr lang="en-US" sz="2400" dirty="0" smtClean="0">
+                <a:latin typeface="Century Gothic" charset="0"/>
+                <a:ea typeface="Century Gothic" charset="0"/>
+                <a:cs typeface="Century Gothic" charset="0"/>
               </a:rPr>
-              <a:t>My second experiment was with the same number of viruses and body cells except with 10 killer-T cells. Killer-T cells are useful </a:t>
+              <a:t>Sources</a:t>
             </a:r>
-          </a:p>
-          <a:p>
-            <a:r>
-              <a:rPr lang="en-US" dirty="0" smtClean="0">
-                <a:latin typeface="Century Gothic"/>
-                <a:cs typeface="Century Gothic"/>
-              </a:rPr>
-              <a:t>Because there are many infected cells that they could kill. </a:t>
-            </a:r>
-            <a:endParaRPr lang="en-US" dirty="0">
-              <a:latin typeface="Century Gothic"/>
-              <a:cs typeface="Century Gothic"/>
+            <a:endParaRPr lang="en-US" sz="2400" dirty="0">
+              <a:latin typeface="Century Gothic" charset="0"/>
+              <a:ea typeface="Century Gothic" charset="0"/>
+              <a:cs typeface="Century Gothic" charset="0"/>
             </a:endParaRPr>
           </a:p>
         </p:txBody>
       </p:sp>
       <p:graphicFrame>
         <p:nvGraphicFramePr>
-          <p:cNvPr id="38" name="Chart 37"/>
+          <p:cNvPr id="43" name="Chart 42"/>
           <p:cNvGraphicFramePr>
             <a:graphicFrameLocks/>
           </p:cNvGraphicFramePr>
           <p:nvPr>
             <p:extLst>
               <p:ext uri="{D42A27DB-BD31-4B8C-83A1-F6EECF244321}">
-                <p14:modId xmlns:p14="http://schemas.microsoft.com/office/powerpoint/2010/main" val="1230612550"/>
+                <p14:modId xmlns:p14="http://schemas.microsoft.com/office/powerpoint/2010/main" val="880304215"/>
               </p:ext>
             </p:extLst>
           </p:nvPr>
         </p:nvGraphicFramePr>
         <p:xfrm>
-          <a:off x="14049658" y="17729428"/>
-          <a:ext cx="3799302" cy="3861141"/>
+          <a:off x="1281595" y="10459846"/>
+          <a:ext cx="6883400" cy="4215300"/>
         </p:xfrm>
         <a:graphic>
           <a:graphicData uri="http://schemas.openxmlformats.org/drawingml/2006/chart">
-            <c:chart xmlns:c="http://schemas.openxmlformats.org/drawingml/2006/chart" xmlns:r="http://schemas.openxmlformats.org/officeDocument/2006/relationships" r:id="rId4"/>
+            <c:chart xmlns:c="http://schemas.openxmlformats.org/drawingml/2006/chart" xmlns:r="http://schemas.openxmlformats.org/officeDocument/2006/relationships" r:id="rId6"/>
+          </a:graphicData>
+        </a:graphic>
+      </p:graphicFrame>
+      <p:graphicFrame>
+        <p:nvGraphicFramePr>
+          <p:cNvPr id="45" name="Chart 44"/>
+          <p:cNvGraphicFramePr>
+            <a:graphicFrameLocks/>
+          </p:cNvGraphicFramePr>
+          <p:nvPr>
+            <p:extLst>
+              <p:ext uri="{D42A27DB-BD31-4B8C-83A1-F6EECF244321}">
+                <p14:modId xmlns:p14="http://schemas.microsoft.com/office/powerpoint/2010/main" val="627753062"/>
+              </p:ext>
+            </p:extLst>
+          </p:nvPr>
+        </p:nvGraphicFramePr>
+        <p:xfrm>
+          <a:off x="256244" y="16041631"/>
+          <a:ext cx="3945251" cy="4685160"/>
+        </p:xfrm>
+        <a:graphic>
+          <a:graphicData uri="http://schemas.openxmlformats.org/drawingml/2006/chart">
+            <c:chart xmlns:c="http://schemas.openxmlformats.org/drawingml/2006/chart" xmlns:r="http://schemas.openxmlformats.org/officeDocument/2006/relationships" r:id="rId7"/>
+          </a:graphicData>
+        </a:graphic>
+      </p:graphicFrame>
+      <p:graphicFrame>
+        <p:nvGraphicFramePr>
+          <p:cNvPr id="46" name="Chart 45"/>
+          <p:cNvGraphicFramePr>
+            <a:graphicFrameLocks/>
+          </p:cNvGraphicFramePr>
+          <p:nvPr>
+            <p:extLst>
+              <p:ext uri="{D42A27DB-BD31-4B8C-83A1-F6EECF244321}">
+                <p14:modId xmlns:p14="http://schemas.microsoft.com/office/powerpoint/2010/main" val="1447324033"/>
+              </p:ext>
+            </p:extLst>
+          </p:nvPr>
+        </p:nvGraphicFramePr>
+        <p:xfrm>
+          <a:off x="4544806" y="16044920"/>
+          <a:ext cx="4569235" cy="4613645"/>
+        </p:xfrm>
+        <a:graphic>
+          <a:graphicData uri="http://schemas.openxmlformats.org/drawingml/2006/chart">
+            <c:chart xmlns:c="http://schemas.openxmlformats.org/drawingml/2006/chart" xmlns:r="http://schemas.openxmlformats.org/officeDocument/2006/relationships" r:id="rId8"/>
+          </a:graphicData>
+        </a:graphic>
+      </p:graphicFrame>
+      <p:grpSp>
+        <p:nvGrpSpPr>
+          <p:cNvPr id="51" name="Group 50"/>
+          <p:cNvGrpSpPr/>
+          <p:nvPr/>
+        </p:nvGrpSpPr>
+        <p:grpSpPr>
+          <a:xfrm>
+            <a:off x="9466108" y="15328015"/>
+            <a:ext cx="16370326" cy="6047457"/>
+            <a:chOff x="9466108" y="11431863"/>
+            <a:chExt cx="15832920" cy="6047457"/>
+          </a:xfrm>
+          <a:effectLst>
+            <a:outerShdw blurRad="50800" dist="38100" dir="2700000" algn="tl" rotWithShape="0">
+              <a:prstClr val="black">
+                <a:alpha val="40000"/>
+              </a:prstClr>
+            </a:outerShdw>
+          </a:effectLst>
+        </p:grpSpPr>
+        <p:sp>
+          <p:nvSpPr>
+            <p:cNvPr id="33" name="Rounded Rectangle 32"/>
+            <p:cNvSpPr/>
+            <p:nvPr/>
+          </p:nvSpPr>
+          <p:spPr>
+            <a:xfrm>
+              <a:off x="9620714" y="11431863"/>
+              <a:ext cx="15678314" cy="6047457"/>
+            </a:xfrm>
+            <a:prstGeom prst="roundRect">
+              <a:avLst/>
+            </a:prstGeom>
+            <a:solidFill>
+              <a:schemeClr val="bg1"/>
+            </a:solidFill>
+            <a:ln>
+              <a:solidFill>
+                <a:schemeClr val="bg1">
+                  <a:lumMod val="95000"/>
+                </a:schemeClr>
+              </a:solidFill>
+            </a:ln>
+          </p:spPr>
+          <p:style>
+            <a:lnRef idx="2">
+              <a:schemeClr val="accent1">
+                <a:shade val="50000"/>
+              </a:schemeClr>
+            </a:lnRef>
+            <a:fillRef idx="1">
+              <a:schemeClr val="accent1"/>
+            </a:fillRef>
+            <a:effectRef idx="0">
+              <a:schemeClr val="accent1"/>
+            </a:effectRef>
+            <a:fontRef idx="minor">
+              <a:schemeClr val="lt1"/>
+            </a:fontRef>
+          </p:style>
+          <p:txBody>
+            <a:bodyPr rtlCol="0" anchor="ctr"/>
+            <a:lstStyle/>
+            <a:p>
+              <a:pPr algn="ctr"/>
+              <a:endParaRPr lang="en-US"/>
+            </a:p>
+          </p:txBody>
+        </p:sp>
+        <p:sp>
+          <p:nvSpPr>
+            <p:cNvPr id="6" name="TextBox 5"/>
+            <p:cNvSpPr txBox="1"/>
+            <p:nvPr/>
+          </p:nvSpPr>
+          <p:spPr>
+            <a:xfrm>
+              <a:off x="15477534" y="13703229"/>
+              <a:ext cx="3394304" cy="1569660"/>
+            </a:xfrm>
+            <a:prstGeom prst="rect">
+              <a:avLst/>
+            </a:prstGeom>
+            <a:noFill/>
+          </p:spPr>
+          <p:txBody>
+            <a:bodyPr wrap="square" rtlCol="0">
+              <a:spAutoFit/>
+            </a:bodyPr>
+            <a:lstStyle/>
+            <a:p>
+              <a:r>
+                <a:rPr lang="en-US" sz="2400" b="1" dirty="0" smtClean="0">
+                  <a:cs typeface="Century Gothic"/>
+                </a:rPr>
+                <a:t>Experiment 3: </a:t>
+              </a:r>
+              <a:r>
+                <a:rPr lang="en-US" sz="2400" dirty="0" smtClean="0">
+                  <a:cs typeface="Century Gothic"/>
+                </a:rPr>
+                <a:t>Infecting 100 body cells with the entire immune system for protection. </a:t>
+              </a:r>
+              <a:endParaRPr lang="en-US" sz="2400" dirty="0">
+                <a:cs typeface="Century Gothic"/>
+              </a:endParaRPr>
+            </a:p>
+          </p:txBody>
+        </p:sp>
+        <p:graphicFrame>
+          <p:nvGraphicFramePr>
+            <p:cNvPr id="47" name="Chart 46"/>
+            <p:cNvGraphicFramePr>
+              <a:graphicFrameLocks/>
+            </p:cNvGraphicFramePr>
+            <p:nvPr>
+              <p:extLst>
+                <p:ext uri="{D42A27DB-BD31-4B8C-83A1-F6EECF244321}">
+                  <p14:modId xmlns:p14="http://schemas.microsoft.com/office/powerpoint/2010/main" val="212015059"/>
+                </p:ext>
+              </p:extLst>
+            </p:nvPr>
+          </p:nvGraphicFramePr>
+          <p:xfrm>
+            <a:off x="9466108" y="11789720"/>
+            <a:ext cx="5942109" cy="5689600"/>
+          </p:xfrm>
+          <a:graphic>
+            <a:graphicData uri="http://schemas.openxmlformats.org/drawingml/2006/chart">
+              <c:chart xmlns:c="http://schemas.openxmlformats.org/drawingml/2006/chart" xmlns:r="http://schemas.openxmlformats.org/officeDocument/2006/relationships" r:id="rId9"/>
+            </a:graphicData>
+          </a:graphic>
+        </p:graphicFrame>
+        <p:graphicFrame>
+          <p:nvGraphicFramePr>
+            <p:cNvPr id="48" name="Chart 47"/>
+            <p:cNvGraphicFramePr>
+              <a:graphicFrameLocks/>
+            </p:cNvGraphicFramePr>
+            <p:nvPr>
+              <p:extLst>
+                <p:ext uri="{D42A27DB-BD31-4B8C-83A1-F6EECF244321}">
+                  <p14:modId xmlns:p14="http://schemas.microsoft.com/office/powerpoint/2010/main" val="522732648"/>
+                </p:ext>
+              </p:extLst>
+            </p:nvPr>
+          </p:nvGraphicFramePr>
+          <p:xfrm>
+            <a:off x="18727105" y="11722574"/>
+            <a:ext cx="6507133" cy="5689600"/>
+          </p:xfrm>
+          <a:graphic>
+            <a:graphicData uri="http://schemas.openxmlformats.org/drawingml/2006/chart">
+              <c:chart xmlns:c="http://schemas.openxmlformats.org/drawingml/2006/chart" xmlns:r="http://schemas.openxmlformats.org/officeDocument/2006/relationships" r:id="rId10"/>
+            </a:graphicData>
+          </a:graphic>
+        </p:graphicFrame>
+      </p:grpSp>
+      <p:graphicFrame>
+        <p:nvGraphicFramePr>
+          <p:cNvPr id="49" name="Chart 48"/>
+          <p:cNvGraphicFramePr>
+            <a:graphicFrameLocks/>
+          </p:cNvGraphicFramePr>
+          <p:nvPr>
+            <p:extLst>
+              <p:ext uri="{D42A27DB-BD31-4B8C-83A1-F6EECF244321}">
+                <p14:modId xmlns:p14="http://schemas.microsoft.com/office/powerpoint/2010/main" val="651887152"/>
+              </p:ext>
+            </p:extLst>
+          </p:nvPr>
+        </p:nvGraphicFramePr>
+        <p:xfrm>
+          <a:off x="26527846" y="8422245"/>
+          <a:ext cx="5461000" cy="4573981"/>
+        </p:xfrm>
+        <a:graphic>
+          <a:graphicData uri="http://schemas.openxmlformats.org/drawingml/2006/chart">
+            <c:chart xmlns:c="http://schemas.openxmlformats.org/drawingml/2006/chart" xmlns:r="http://schemas.openxmlformats.org/officeDocument/2006/relationships" r:id="rId11"/>
+          </a:graphicData>
+        </a:graphic>
+      </p:graphicFrame>
+      <p:graphicFrame>
+        <p:nvGraphicFramePr>
+          <p:cNvPr id="50" name="Chart 49"/>
+          <p:cNvGraphicFramePr>
+            <a:graphicFrameLocks/>
+          </p:cNvGraphicFramePr>
+          <p:nvPr>
+            <p:extLst>
+              <p:ext uri="{D42A27DB-BD31-4B8C-83A1-F6EECF244321}">
+                <p14:modId xmlns:p14="http://schemas.microsoft.com/office/powerpoint/2010/main" val="1120476649"/>
+              </p:ext>
+            </p:extLst>
+          </p:nvPr>
+        </p:nvGraphicFramePr>
+        <p:xfrm>
+          <a:off x="26302330" y="14279372"/>
+          <a:ext cx="6070600" cy="6379193"/>
+        </p:xfrm>
+        <a:graphic>
+          <a:graphicData uri="http://schemas.openxmlformats.org/drawingml/2006/chart">
+            <c:chart xmlns:c="http://schemas.openxmlformats.org/drawingml/2006/chart" xmlns:r="http://schemas.openxmlformats.org/officeDocument/2006/relationships" r:id="rId12"/>
           </a:graphicData>
         </a:graphic>
       </p:graphicFrame>
       <p:sp>
         <p:nvSpPr>
-          <p:cNvPr id="33" name="TextBox 32"/>
+          <p:cNvPr id="54" name="TextBox 53"/>
           <p:cNvSpPr txBox="1"/>
           <p:nvPr/>
         </p:nvSpPr>
         <p:spPr>
           <a:xfrm>
-            <a:off x="17802779" y="15194218"/>
-            <a:ext cx="3856114" cy="6463309"/>
+            <a:off x="9466108" y="10694371"/>
+            <a:ext cx="16035492" cy="523220"/>
           </a:xfrm>
           <a:prstGeom prst="rect">
             <a:avLst/>
@@ -9402,57 +8664,25 @@
           </a:bodyPr>
           <a:lstStyle/>
           <a:p>
+            <a:pPr algn="ctr"/>
             <a:r>
-              <a:rPr lang="en-US" dirty="0" smtClean="0">
-                <a:latin typeface="Century Gothic"/>
-                <a:cs typeface="Century Gothic"/>
-              </a:rPr>
-              <a:t>       In these results, the effect was huge. The first chart shows the death of body cells without killer-T cells(blue) , and the death of body cells with killer-T cells(red). In this chart, the effect of the killer-T cells was not significant. However, the body cells died quicker than without killer-T cells. The second chart shows the amount of viruses with and without killer-T cells(red and blue). The impact was significant. The results without killer-T cells showed the virus population reaching almost 2000, while the population with killer-T cells reached less than 500. So, the killer-T cells killed a lot of viruses, but did not impact the amount of body cells as much.</a:t>
+              <a:rPr lang="en-US" sz="2800" b="1" dirty="0" smtClean="0"/>
+              <a:t>Snapshots from the simulation </a:t>
             </a:r>
-          </a:p>
-          <a:p>
-            <a:r>
-              <a:rPr lang="en-US" dirty="0" smtClean="0"/>
-              <a:t>     </a:t>
-            </a:r>
-            <a:endParaRPr lang="en-US" dirty="0"/>
+            <a:endParaRPr lang="en-US" sz="2800" b="1" dirty="0"/>
           </a:p>
         </p:txBody>
       </p:sp>
-      <p:graphicFrame>
-        <p:nvGraphicFramePr>
-          <p:cNvPr id="40" name="Chart 39"/>
-          <p:cNvGraphicFramePr>
-            <a:graphicFrameLocks/>
-          </p:cNvGraphicFramePr>
-          <p:nvPr>
-            <p:extLst>
-              <p:ext uri="{D42A27DB-BD31-4B8C-83A1-F6EECF244321}">
-                <p14:modId xmlns:p14="http://schemas.microsoft.com/office/powerpoint/2010/main" val="1695791593"/>
-              </p:ext>
-            </p:extLst>
-          </p:nvPr>
-        </p:nvGraphicFramePr>
-        <p:xfrm>
-          <a:off x="9739824" y="17937237"/>
-          <a:ext cx="4299203" cy="3676422"/>
-        </p:xfrm>
-        <a:graphic>
-          <a:graphicData uri="http://schemas.openxmlformats.org/drawingml/2006/chart">
-            <c:chart xmlns:c="http://schemas.openxmlformats.org/drawingml/2006/chart" xmlns:r="http://schemas.openxmlformats.org/officeDocument/2006/relationships" r:id="rId5"/>
-          </a:graphicData>
-        </a:graphic>
-      </p:graphicFrame>
       <p:sp>
         <p:nvSpPr>
-          <p:cNvPr id="6" name="TextBox 5"/>
+          <p:cNvPr id="55" name="TextBox 54"/>
           <p:cNvSpPr txBox="1"/>
           <p:nvPr/>
         </p:nvSpPr>
         <p:spPr>
           <a:xfrm>
-            <a:off x="22120703" y="13762543"/>
-            <a:ext cx="3394304" cy="1200329"/>
+            <a:off x="9644210" y="14279372"/>
+            <a:ext cx="5095098" cy="461665"/>
           </a:xfrm>
           <a:prstGeom prst="rect">
             <a:avLst/>
@@ -9466,77 +8696,27 @@
           <a:lstStyle/>
           <a:p>
             <a:r>
-              <a:rPr lang="en-US" dirty="0" smtClean="0">
-                <a:latin typeface="Century Gothic"/>
-                <a:cs typeface="Century Gothic"/>
+              <a:rPr lang="en-US" sz="2400" smtClean="0">
+                <a:solidFill>
+                  <a:schemeClr val="bg1"/>
+                </a:solidFill>
               </a:rPr>
-              <a:t>In my third experiment, I did a simulation with on virus and the entire immune system. </a:t>
+              <a:t>Beginning</a:t>
             </a:r>
-            <a:endParaRPr lang="en-US" dirty="0">
-              <a:latin typeface="Century Gothic"/>
-              <a:cs typeface="Century Gothic"/>
-            </a:endParaRPr>
+            <a:endParaRPr lang="en-US" sz="2400" dirty="0"/>
           </a:p>
         </p:txBody>
       </p:sp>
-      <p:graphicFrame>
-        <p:nvGraphicFramePr>
-          <p:cNvPr id="24" name="Chart 23"/>
-          <p:cNvGraphicFramePr>
-            <a:graphicFrameLocks/>
-          </p:cNvGraphicFramePr>
-          <p:nvPr>
-            <p:extLst>
-              <p:ext uri="{D42A27DB-BD31-4B8C-83A1-F6EECF244321}">
-                <p14:modId xmlns:p14="http://schemas.microsoft.com/office/powerpoint/2010/main" val="3790889612"/>
-              </p:ext>
-            </p:extLst>
-          </p:nvPr>
-        </p:nvGraphicFramePr>
-        <p:xfrm>
-          <a:off x="22213301" y="15124944"/>
-          <a:ext cx="3994421" cy="3325178"/>
-        </p:xfrm>
-        <a:graphic>
-          <a:graphicData uri="http://schemas.openxmlformats.org/drawingml/2006/chart">
-            <c:chart xmlns:c="http://schemas.openxmlformats.org/drawingml/2006/chart" xmlns:r="http://schemas.openxmlformats.org/officeDocument/2006/relationships" r:id="rId6"/>
-          </a:graphicData>
-        </a:graphic>
-      </p:graphicFrame>
-      <p:graphicFrame>
-        <p:nvGraphicFramePr>
-          <p:cNvPr id="26" name="Chart 25"/>
-          <p:cNvGraphicFramePr>
-            <a:graphicFrameLocks/>
-          </p:cNvGraphicFramePr>
-          <p:nvPr>
-            <p:extLst>
-              <p:ext uri="{D42A27DB-BD31-4B8C-83A1-F6EECF244321}">
-                <p14:modId xmlns:p14="http://schemas.microsoft.com/office/powerpoint/2010/main" val="2381244341"/>
-              </p:ext>
-            </p:extLst>
-          </p:nvPr>
-        </p:nvGraphicFramePr>
-        <p:xfrm>
-          <a:off x="22277967" y="18699258"/>
-          <a:ext cx="4572000" cy="2743200"/>
-        </p:xfrm>
-        <a:graphic>
-          <a:graphicData uri="http://schemas.openxmlformats.org/drawingml/2006/chart">
-            <c:chart xmlns:c="http://schemas.openxmlformats.org/drawingml/2006/chart" xmlns:r="http://schemas.openxmlformats.org/officeDocument/2006/relationships" r:id="rId7"/>
-          </a:graphicData>
-        </a:graphic>
-      </p:graphicFrame>
       <p:sp>
         <p:nvSpPr>
-          <p:cNvPr id="13" name="TextBox 12"/>
+          <p:cNvPr id="56" name="TextBox 55"/>
           <p:cNvSpPr txBox="1"/>
           <p:nvPr/>
         </p:nvSpPr>
         <p:spPr>
           <a:xfrm>
-            <a:off x="27477700" y="15263492"/>
-            <a:ext cx="3740662" cy="5632312"/>
+            <a:off x="15130502" y="14279372"/>
+            <a:ext cx="5095098" cy="461665"/>
           </a:xfrm>
           <a:prstGeom prst="rect">
             <a:avLst/>
@@ -9550,29 +8730,27 @@
           <a:lstStyle/>
           <a:p>
             <a:r>
-              <a:rPr lang="en-US" dirty="0" smtClean="0">
-                <a:latin typeface="Century Gothic"/>
-                <a:cs typeface="Century Gothic"/>
+              <a:rPr lang="en-US" sz="2400" dirty="0" smtClean="0">
+                <a:solidFill>
+                  <a:schemeClr val="bg1"/>
+                </a:solidFill>
               </a:rPr>
-              <a:t>In these results, the effect was the most significant. The first chart shows the death of body cells with (red) and without(blue) the immune system.  The impact of the immune system shows that the cells without the immune system died much before the cells with the immune system did. In the second chart, the effect is also extremely large. The viruses without the immune system replicated much more than the viruses with the immune system. In fact, the viruses with the immune system died after awhile. So, the immune system impacted the body cells and the viruses the most. </a:t>
+              <a:t>Middle</a:t>
             </a:r>
-            <a:endParaRPr lang="en-US" dirty="0">
-              <a:latin typeface="Century Gothic"/>
-              <a:cs typeface="Century Gothic"/>
-            </a:endParaRPr>
+            <a:endParaRPr lang="en-US" sz="2400" dirty="0"/>
           </a:p>
         </p:txBody>
       </p:sp>
       <p:sp>
         <p:nvSpPr>
-          <p:cNvPr id="15" name="TextBox 14"/>
+          <p:cNvPr id="57" name="TextBox 56"/>
           <p:cNvSpPr txBox="1"/>
           <p:nvPr/>
         </p:nvSpPr>
         <p:spPr>
           <a:xfrm>
-            <a:off x="25603200" y="3911600"/>
-            <a:ext cx="6146800" cy="646331"/>
+            <a:off x="20715296" y="14279372"/>
+            <a:ext cx="5095098" cy="461665"/>
           </a:xfrm>
           <a:prstGeom prst="rect">
             <a:avLst/>
@@ -9586,241 +8764,17 @@
           <a:lstStyle/>
           <a:p>
             <a:r>
-              <a:rPr lang="en-US" dirty="0" smtClean="0"/>
-              <a:t>In my fourth experiment, I simulated a much slower infection with twenty staph bacteria and 10 body cells. </a:t>
+              <a:rPr lang="en-US" sz="2400" dirty="0" smtClean="0">
+                <a:solidFill>
+                  <a:schemeClr val="bg1"/>
+                </a:solidFill>
+              </a:rPr>
+              <a:t>End</a:t>
             </a:r>
-            <a:endParaRPr lang="en-US" dirty="0"/>
+            <a:endParaRPr lang="en-US" sz="2400" dirty="0"/>
           </a:p>
         </p:txBody>
       </p:sp>
-      <p:graphicFrame>
-        <p:nvGraphicFramePr>
-          <p:cNvPr id="30" name="Chart 29"/>
-          <p:cNvGraphicFramePr>
-            <a:graphicFrameLocks/>
-          </p:cNvGraphicFramePr>
-          <p:nvPr>
-            <p:extLst>
-              <p:ext uri="{D42A27DB-BD31-4B8C-83A1-F6EECF244321}">
-                <p14:modId xmlns:p14="http://schemas.microsoft.com/office/powerpoint/2010/main" val="1490716748"/>
-              </p:ext>
-            </p:extLst>
-          </p:nvPr>
-        </p:nvGraphicFramePr>
-        <p:xfrm>
-          <a:off x="25695361" y="4798164"/>
-          <a:ext cx="4572000" cy="2743200"/>
-        </p:xfrm>
-        <a:graphic>
-          <a:graphicData uri="http://schemas.openxmlformats.org/drawingml/2006/chart">
-            <c:chart xmlns:c="http://schemas.openxmlformats.org/drawingml/2006/chart" xmlns:r="http://schemas.openxmlformats.org/officeDocument/2006/relationships" r:id="rId8"/>
-          </a:graphicData>
-        </a:graphic>
-      </p:graphicFrame>
-      <p:sp>
-        <p:nvSpPr>
-          <p:cNvPr id="17" name="TextBox 16"/>
-          <p:cNvSpPr txBox="1"/>
-          <p:nvPr/>
-        </p:nvSpPr>
-        <p:spPr>
-          <a:xfrm>
-            <a:off x="25953726" y="7550926"/>
-            <a:ext cx="4687373" cy="646331"/>
-          </a:xfrm>
-          <a:prstGeom prst="rect">
-            <a:avLst/>
-          </a:prstGeom>
-          <a:noFill/>
-        </p:spPr>
-        <p:txBody>
-          <a:bodyPr wrap="square" rtlCol="0">
-            <a:spAutoFit/>
-          </a:bodyPr>
-          <a:lstStyle/>
-          <a:p>
-            <a:r>
-              <a:rPr lang="en-US" dirty="0" smtClean="0"/>
-              <a:t>In this experiment, the body cells died much slower. </a:t>
-            </a:r>
-            <a:endParaRPr lang="en-US" dirty="0"/>
-          </a:p>
-        </p:txBody>
-      </p:sp>
-      <p:sp>
-        <p:nvSpPr>
-          <p:cNvPr id="18" name="TextBox 17"/>
-          <p:cNvSpPr txBox="1"/>
-          <p:nvPr/>
-        </p:nvSpPr>
-        <p:spPr>
-          <a:xfrm>
-            <a:off x="25976817" y="8336038"/>
-            <a:ext cx="4641191" cy="923330"/>
-          </a:xfrm>
-          <a:prstGeom prst="rect">
-            <a:avLst/>
-          </a:prstGeom>
-          <a:noFill/>
-        </p:spPr>
-        <p:txBody>
-          <a:bodyPr wrap="square" rtlCol="0">
-            <a:spAutoFit/>
-          </a:bodyPr>
-          <a:lstStyle/>
-          <a:p>
-            <a:r>
-              <a:rPr lang="en-US" dirty="0" smtClean="0"/>
-              <a:t>In my fifth experiment, I added 10 macrophages with the same number of bacteria and body cells.</a:t>
-            </a:r>
-            <a:endParaRPr lang="en-US" dirty="0"/>
-          </a:p>
-        </p:txBody>
-      </p:sp>
-      <p:graphicFrame>
-        <p:nvGraphicFramePr>
-          <p:cNvPr id="32" name="Chart 31"/>
-          <p:cNvGraphicFramePr>
-            <a:graphicFrameLocks/>
-          </p:cNvGraphicFramePr>
-          <p:nvPr>
-            <p:extLst>
-              <p:ext uri="{D42A27DB-BD31-4B8C-83A1-F6EECF244321}">
-                <p14:modId xmlns:p14="http://schemas.microsoft.com/office/powerpoint/2010/main" val="1513096895"/>
-              </p:ext>
-            </p:extLst>
-          </p:nvPr>
-        </p:nvGraphicFramePr>
-        <p:xfrm>
-          <a:off x="26041720" y="9370285"/>
-          <a:ext cx="4572000" cy="2743200"/>
-        </p:xfrm>
-        <a:graphic>
-          <a:graphicData uri="http://schemas.openxmlformats.org/drawingml/2006/chart">
-            <c:chart xmlns:c="http://schemas.openxmlformats.org/drawingml/2006/chart" xmlns:r="http://schemas.openxmlformats.org/officeDocument/2006/relationships" r:id="rId9"/>
-          </a:graphicData>
-        </a:graphic>
-      </p:graphicFrame>
-      <p:sp>
-        <p:nvSpPr>
-          <p:cNvPr id="20" name="TextBox 19"/>
-          <p:cNvSpPr txBox="1"/>
-          <p:nvPr/>
-        </p:nvSpPr>
-        <p:spPr>
-          <a:xfrm>
-            <a:off x="26392446" y="12330870"/>
-            <a:ext cx="4087019" cy="1477328"/>
-          </a:xfrm>
-          <a:prstGeom prst="rect">
-            <a:avLst/>
-          </a:prstGeom>
-          <a:noFill/>
-        </p:spPr>
-        <p:txBody>
-          <a:bodyPr wrap="square" rtlCol="0">
-            <a:spAutoFit/>
-          </a:bodyPr>
-          <a:lstStyle/>
-          <a:p>
-            <a:r>
-              <a:rPr lang="en-US" dirty="0" smtClean="0"/>
-              <a:t>In this experiment, the impact was also significant. The body cells with the macrophages were saved, and in the test without the macrophages, all the body cells died. </a:t>
-            </a:r>
-            <a:endParaRPr lang="en-US" dirty="0"/>
-          </a:p>
-        </p:txBody>
-      </p:sp>
-      <p:pic>
-        <p:nvPicPr>
-          <p:cNvPr id="21" name="Picture 20" descr="Beginning_infection.tiff"/>
-          <p:cNvPicPr>
-            <a:picLocks noChangeAspect="1"/>
-          </p:cNvPicPr>
-          <p:nvPr/>
-        </p:nvPicPr>
-        <p:blipFill>
-          <a:blip r:embed="rId10">
-            <a:extLst>
-              <a:ext uri="{28A0092B-C50C-407E-A947-70E740481C1C}">
-                <a14:useLocalDpi xmlns:a14="http://schemas.microsoft.com/office/drawing/2010/main" val="0"/>
-              </a:ext>
-            </a:extLst>
-          </a:blip>
-          <a:stretch>
-            <a:fillRect/>
-          </a:stretch>
-        </p:blipFill>
-        <p:spPr>
-          <a:xfrm>
-            <a:off x="8908494" y="10677341"/>
-            <a:ext cx="6034296" cy="4055047"/>
-          </a:xfrm>
-          <a:prstGeom prst="rect">
-            <a:avLst/>
-          </a:prstGeom>
-        </p:spPr>
-      </p:pic>
-      <p:pic>
-        <p:nvPicPr>
-          <p:cNvPr id="22" name="Picture 21" descr="Middle_Infection.tiff"/>
-          <p:cNvPicPr>
-            <a:picLocks noChangeAspect="1"/>
-          </p:cNvPicPr>
-          <p:nvPr/>
-        </p:nvPicPr>
-        <p:blipFill>
-          <a:blip r:embed="rId11">
-            <a:extLst>
-              <a:ext uri="{28A0092B-C50C-407E-A947-70E740481C1C}">
-                <a14:useLocalDpi xmlns:a14="http://schemas.microsoft.com/office/drawing/2010/main" val="0"/>
-              </a:ext>
-            </a:extLst>
-          </a:blip>
-          <a:stretch>
-            <a:fillRect/>
-          </a:stretch>
-        </p:blipFill>
-        <p:spPr>
-          <a:xfrm>
-            <a:off x="14958206" y="10723523"/>
-            <a:ext cx="5140873" cy="3454667"/>
-          </a:xfrm>
-          <a:prstGeom prst="rect">
-            <a:avLst/>
-          </a:prstGeom>
-        </p:spPr>
-      </p:pic>
-      <p:pic>
-        <p:nvPicPr>
-          <p:cNvPr id="23" name="Picture 22" descr="End_Infection.tiff"/>
-          <p:cNvPicPr>
-            <a:picLocks noChangeAspect="1"/>
-          </p:cNvPicPr>
-          <p:nvPr/>
-        </p:nvPicPr>
-        <p:blipFill>
-          <a:blip r:embed="rId12">
-            <a:extLst>
-              <a:ext uri="{28A0092B-C50C-407E-A947-70E740481C1C}">
-                <a14:useLocalDpi xmlns:a14="http://schemas.microsoft.com/office/drawing/2010/main" val="0"/>
-              </a:ext>
-            </a:extLst>
-          </a:blip>
-          <a:stretch>
-            <a:fillRect/>
-          </a:stretch>
-        </p:blipFill>
-        <p:spPr>
-          <a:xfrm>
-            <a:off x="20084298" y="10700432"/>
-            <a:ext cx="4230003" cy="2842562"/>
-          </a:xfrm>
-          <a:prstGeom prst="rect">
-            <a:avLst/>
-          </a:prstGeom>
-        </p:spPr>
-      </p:pic>
     </p:spTree>
     <p:extLst>
       <p:ext uri="{BB962C8B-B14F-4D97-AF65-F5344CB8AC3E}">
@@ -9831,74 +8785,13 @@
   <p:clrMapOvr>
     <a:masterClrMapping/>
   </p:clrMapOvr>
-</p:sld>
-</file>
-
-<file path=ppt/slides/slide2.xml><?xml version="1.0" encoding="utf-8"?>
-<p:sld xmlns:a="http://schemas.openxmlformats.org/drawingml/2006/main" xmlns:r="http://schemas.openxmlformats.org/officeDocument/2006/relationships" xmlns:p="http://schemas.openxmlformats.org/presentationml/2006/main">
-  <p:cSld>
-    <p:spTree>
-      <p:nvGrpSpPr>
-        <p:cNvPr id="1" name=""/>
-        <p:cNvGrpSpPr/>
-        <p:nvPr/>
-      </p:nvGrpSpPr>
-      <p:grpSpPr>
-        <a:xfrm>
-          <a:off x="0" y="0"/>
-          <a:ext cx="0" cy="0"/>
-          <a:chOff x="0" y="0"/>
-          <a:chExt cx="0" cy="0"/>
-        </a:xfrm>
-      </p:grpSpPr>
-      <p:sp>
-        <p:nvSpPr>
-          <p:cNvPr id="2" name="Title 1"/>
-          <p:cNvSpPr>
-            <a:spLocks noGrp="1"/>
-          </p:cNvSpPr>
-          <p:nvPr>
-            <p:ph type="title"/>
-          </p:nvPr>
-        </p:nvSpPr>
-        <p:spPr/>
-        <p:txBody>
-          <a:bodyPr/>
-          <a:lstStyle/>
-          <a:p>
-            <a:endParaRPr lang="en-US" dirty="0"/>
-          </a:p>
-        </p:txBody>
-      </p:sp>
-      <p:sp>
-        <p:nvSpPr>
-          <p:cNvPr id="3" name="Content Placeholder 2"/>
-          <p:cNvSpPr>
-            <a:spLocks noGrp="1"/>
-          </p:cNvSpPr>
-          <p:nvPr>
-            <p:ph idx="1"/>
-          </p:nvPr>
-        </p:nvSpPr>
-        <p:spPr/>
-        <p:txBody>
-          <a:bodyPr/>
-          <a:lstStyle/>
-          <a:p>
-            <a:endParaRPr lang="en-US"/>
-          </a:p>
-        </p:txBody>
-      </p:sp>
-    </p:spTree>
-    <p:extLst>
-      <p:ext uri="{BB962C8B-B14F-4D97-AF65-F5344CB8AC3E}">
-        <p14:creationId xmlns:p14="http://schemas.microsoft.com/office/powerpoint/2010/main" val="2685611156"/>
-      </p:ext>
-    </p:extLst>
-  </p:cSld>
-  <p:clrMapOvr>
-    <a:masterClrMapping/>
-  </p:clrMapOvr>
+  <p:timing>
+    <p:tnLst>
+      <p:par>
+        <p:cTn id="1" dur="indefinite" restart="never" nodeType="tmRoot"/>
+      </p:par>
+    </p:tnLst>
+  </p:timing>
 </p:sld>
 </file>
 
@@ -9943,47 +8836,12 @@
         <a:srgbClr val="800080"/>
       </a:folHlink>
     </a:clrScheme>
-    <a:fontScheme name="Office">
+    <a:fontScheme name="Calibri">
       <a:majorFont>
-        <a:latin typeface="Calibri"/>
+        <a:latin typeface="Calibri" panose="020F0502020204030204"/>
         <a:ea typeface=""/>
         <a:cs typeface=""/>
-        <a:font script="Jpan" typeface="ＭＳ Ｐゴシック"/>
-        <a:font script="Hang" typeface="맑은 고딕"/>
-        <a:font script="Hans" typeface="宋体"/>
-        <a:font script="Hant" typeface="新細明體"/>
-        <a:font script="Arab" typeface="Times New Roman"/>
-        <a:font script="Hebr" typeface="Times New Roman"/>
-        <a:font script="Thai" typeface="Angsana New"/>
-        <a:font script="Ethi" typeface="Nyala"/>
-        <a:font script="Beng" typeface="Vrinda"/>
-        <a:font script="Gujr" typeface="Shruti"/>
-        <a:font script="Khmr" typeface="MoolBoran"/>
-        <a:font script="Knda" typeface="Tunga"/>
-        <a:font script="Guru" typeface="Raavi"/>
-        <a:font script="Cans" typeface="Euphemia"/>
-        <a:font script="Cher" typeface="Plantagenet Cherokee"/>
-        <a:font script="Yiii" typeface="Microsoft Yi Baiti"/>
-        <a:font script="Tibt" typeface="Microsoft Himalaya"/>
-        <a:font script="Thaa" typeface="MV Boli"/>
-        <a:font script="Deva" typeface="Mangal"/>
-        <a:font script="Telu" typeface="Gautami"/>
-        <a:font script="Taml" typeface="Latha"/>
-        <a:font script="Syrc" typeface="Estrangelo Edessa"/>
-        <a:font script="Orya" typeface="Kalinga"/>
-        <a:font script="Mlym" typeface="Kartika"/>
-        <a:font script="Laoo" typeface="DokChampa"/>
-        <a:font script="Sinh" typeface="Iskoola Pota"/>
-        <a:font script="Mong" typeface="Mongolian Baiti"/>
-        <a:font script="Viet" typeface="Times New Roman"/>
-        <a:font script="Uigh" typeface="Microsoft Uighur"/>
-        <a:font script="Geor" typeface="Sylfaen"/>
-      </a:majorFont>
-      <a:minorFont>
-        <a:latin typeface="Calibri"/>
-        <a:ea typeface=""/>
-        <a:cs typeface=""/>
-        <a:font script="Jpan" typeface="ＭＳ Ｐゴシック"/>
+        <a:font script="Jpan" typeface="メイリオ"/>
         <a:font script="Hang" typeface="맑은 고딕"/>
         <a:font script="Hans" typeface="宋体"/>
         <a:font script="Hant" typeface="新細明體"/>
@@ -10010,7 +8868,42 @@
         <a:font script="Laoo" typeface="DokChampa"/>
         <a:font script="Sinh" typeface="Iskoola Pota"/>
         <a:font script="Mong" typeface="Mongolian Baiti"/>
-        <a:font script="Viet" typeface="Arial"/>
+        <a:font script="Viet" typeface="Tahoma"/>
+        <a:font script="Uigh" typeface="Microsoft Uighur"/>
+        <a:font script="Geor" typeface="Sylfaen"/>
+      </a:majorFont>
+      <a:minorFont>
+        <a:latin typeface="Calibri" panose="020F0502020204030204"/>
+        <a:ea typeface=""/>
+        <a:cs typeface=""/>
+        <a:font script="Jpan" typeface="メイリオ"/>
+        <a:font script="Hang" typeface="맑은 고딕"/>
+        <a:font script="Hans" typeface="宋体"/>
+        <a:font script="Hant" typeface="新細明體"/>
+        <a:font script="Arab" typeface="Arial"/>
+        <a:font script="Hebr" typeface="Arial"/>
+        <a:font script="Thai" typeface="Cordia New"/>
+        <a:font script="Ethi" typeface="Nyala"/>
+        <a:font script="Beng" typeface="Vrinda"/>
+        <a:font script="Gujr" typeface="Shruti"/>
+        <a:font script="Khmr" typeface="DaunPenh"/>
+        <a:font script="Knda" typeface="Tunga"/>
+        <a:font script="Guru" typeface="Raavi"/>
+        <a:font script="Cans" typeface="Euphemia"/>
+        <a:font script="Cher" typeface="Plantagenet Cherokee"/>
+        <a:font script="Yiii" typeface="Microsoft Yi Baiti"/>
+        <a:font script="Tibt" typeface="Microsoft Himalaya"/>
+        <a:font script="Thaa" typeface="MV Boli"/>
+        <a:font script="Deva" typeface="Mangal"/>
+        <a:font script="Telu" typeface="Gautami"/>
+        <a:font script="Taml" typeface="Latha"/>
+        <a:font script="Syrc" typeface="Estrangelo Edessa"/>
+        <a:font script="Orya" typeface="Kalinga"/>
+        <a:font script="Mlym" typeface="Kartika"/>
+        <a:font script="Laoo" typeface="DokChampa"/>
+        <a:font script="Sinh" typeface="Iskoola Pota"/>
+        <a:font script="Mong" typeface="Mongolian Baiti"/>
+        <a:font script="Viet" typeface="Tahoma"/>
         <a:font script="Uigh" typeface="Microsoft Uighur"/>
         <a:font script="Geor" typeface="Sylfaen"/>
       </a:minorFont>
@@ -10442,7 +9335,7 @@
   <a:extraClrSchemeLst/>
   <a:extLst>
     <a:ext uri="{05A4C25C-085E-4340-85A3-A5531E510DB2}">
-      <thm15:themeFamily xmlns:thm15="http://schemas.microsoft.com/office/thememl/2012/main" xmlns="" name="Office Theme" id="{62F939B6-93AF-4DB8-9C6B-D6C7DFDC589F}" vid="{4A3C46E8-61CC-4603-A589-7422A47A8E4A}"/>
+      <thm15:themeFamily xmlns:thm15="http://schemas.microsoft.com/office/thememl/2012/main" name="Office Theme" id="{62F939B6-93AF-4DB8-9C6B-D6C7DFDC589F}" vid="{4A3C46E8-61CC-4603-A589-7422A47A8E4A}"/>
     </a:ext>
   </a:extLst>
 </a:theme>

--- a/Science Fair Poster .pptx
+++ b/Science Fair Poster .pptx
@@ -263,22 +263,22 @@
                   <c:v>100.0</c:v>
                 </c:pt>
                 <c:pt idx="3">
-                  <c:v>46.66666666666666</c:v>
+                  <c:v>46.66666666666664</c:v>
                 </c:pt>
                 <c:pt idx="4">
-                  <c:v>46.66666666666666</c:v>
+                  <c:v>46.66666666666664</c:v>
                 </c:pt>
                 <c:pt idx="5">
-                  <c:v>46.66666666666666</c:v>
+                  <c:v>46.66666666666664</c:v>
                 </c:pt>
                 <c:pt idx="6">
-                  <c:v>46.66666666666666</c:v>
+                  <c:v>46.66666666666664</c:v>
                 </c:pt>
                 <c:pt idx="7">
-                  <c:v>46.66666666666666</c:v>
+                  <c:v>46.66666666666664</c:v>
                 </c:pt>
                 <c:pt idx="8">
-                  <c:v>46.66666666666666</c:v>
+                  <c:v>46.66666666666664</c:v>
                 </c:pt>
                 <c:pt idx="9">
                   <c:v>5.0</c:v>
@@ -311,8 +311,8 @@
           <c:showPercent val="0"/>
           <c:showBubbleSize val="0"/>
         </c:dLbls>
-        <c:axId val="1548467680"/>
-        <c:axId val="1591228976"/>
+        <c:axId val="734889616"/>
+        <c:axId val="734897280"/>
       </c:scatterChart>
       <c:scatterChart>
         <c:scatterStyle val="smoothMarker"/>
@@ -444,11 +444,11 @@
           <c:showPercent val="0"/>
           <c:showBubbleSize val="0"/>
         </c:dLbls>
-        <c:axId val="1641608288"/>
-        <c:axId val="1591083776"/>
+        <c:axId val="734905552"/>
+        <c:axId val="734909264"/>
       </c:scatterChart>
       <c:valAx>
-        <c:axId val="1548467680"/>
+        <c:axId val="734889616"/>
         <c:scaling>
           <c:orientation val="minMax"/>
         </c:scaling>
@@ -494,12 +494,12 @@
             <a:endParaRPr lang="en-US"/>
           </a:p>
         </c:txPr>
-        <c:crossAx val="1591228976"/>
+        <c:crossAx val="734897280"/>
         <c:crosses val="autoZero"/>
         <c:crossBetween val="midCat"/>
       </c:valAx>
       <c:valAx>
-        <c:axId val="1591228976"/>
+        <c:axId val="734897280"/>
         <c:scaling>
           <c:orientation val="minMax"/>
           <c:max val="110.0"/>
@@ -546,12 +546,12 @@
             <a:endParaRPr lang="en-US"/>
           </a:p>
         </c:txPr>
-        <c:crossAx val="1548467680"/>
+        <c:crossAx val="734889616"/>
         <c:crosses val="autoZero"/>
         <c:crossBetween val="midCat"/>
       </c:valAx>
       <c:valAx>
-        <c:axId val="1641608288"/>
+        <c:axId val="734905552"/>
         <c:scaling>
           <c:orientation val="minMax"/>
         </c:scaling>
@@ -560,12 +560,12 @@
         <c:majorTickMark val="out"/>
         <c:minorTickMark val="none"/>
         <c:tickLblPos val="nextTo"/>
-        <c:crossAx val="1591083776"/>
+        <c:crossAx val="734909264"/>
         <c:crosses val="autoZero"/>
         <c:crossBetween val="midCat"/>
       </c:valAx>
       <c:valAx>
-        <c:axId val="1591083776"/>
+        <c:axId val="734909264"/>
         <c:scaling>
           <c:orientation val="minMax"/>
           <c:max val="2400.0"/>
@@ -618,7 +618,7 @@
             <a:endParaRPr lang="en-US"/>
           </a:p>
         </c:txPr>
-        <c:crossAx val="1641608288"/>
+        <c:crossAx val="734905552"/>
         <c:crosses val="max"/>
         <c:crossBetween val="midCat"/>
       </c:valAx>
@@ -790,22 +790,22 @@
                   <c:v>100.0</c:v>
                 </c:pt>
                 <c:pt idx="3">
-                  <c:v>46.66666666666666</c:v>
+                  <c:v>46.66666666666664</c:v>
                 </c:pt>
                 <c:pt idx="4">
-                  <c:v>46.66666666666666</c:v>
+                  <c:v>46.66666666666664</c:v>
                 </c:pt>
                 <c:pt idx="5">
-                  <c:v>46.66666666666666</c:v>
+                  <c:v>46.66666666666664</c:v>
                 </c:pt>
                 <c:pt idx="6">
-                  <c:v>46.66666666666666</c:v>
+                  <c:v>46.66666666666664</c:v>
                 </c:pt>
                 <c:pt idx="7">
-                  <c:v>46.66666666666666</c:v>
+                  <c:v>46.66666666666664</c:v>
                 </c:pt>
                 <c:pt idx="8">
-                  <c:v>46.66666666666666</c:v>
+                  <c:v>46.66666666666664</c:v>
                 </c:pt>
                 <c:pt idx="9">
                   <c:v>5.0</c:v>
@@ -964,11 +964,11 @@
           <c:showPercent val="0"/>
           <c:showBubbleSize val="0"/>
         </c:dLbls>
-        <c:axId val="1696961696"/>
-        <c:axId val="1699960016"/>
+        <c:axId val="737202176"/>
+        <c:axId val="737209440"/>
       </c:scatterChart>
       <c:valAx>
-        <c:axId val="1696961696"/>
+        <c:axId val="737202176"/>
         <c:scaling>
           <c:orientation val="minMax"/>
         </c:scaling>
@@ -1014,12 +1014,12 @@
             <a:endParaRPr lang="en-US"/>
           </a:p>
         </c:txPr>
-        <c:crossAx val="1699960016"/>
+        <c:crossAx val="737209440"/>
         <c:crosses val="autoZero"/>
         <c:crossBetween val="midCat"/>
       </c:valAx>
       <c:valAx>
-        <c:axId val="1699960016"/>
+        <c:axId val="737209440"/>
         <c:scaling>
           <c:orientation val="minMax"/>
         </c:scaling>
@@ -1064,7 +1064,7 @@
             <a:endParaRPr lang="en-US"/>
           </a:p>
         </c:txPr>
-        <c:crossAx val="1696961696"/>
+        <c:crossAx val="737202176"/>
         <c:crosses val="autoZero"/>
         <c:crossBetween val="midCat"/>
       </c:valAx>
@@ -1417,11 +1417,11 @@
           <c:showPercent val="0"/>
           <c:showBubbleSize val="0"/>
         </c:dLbls>
-        <c:axId val="1578212800"/>
-        <c:axId val="1579382176"/>
+        <c:axId val="737264064"/>
+        <c:axId val="737271296"/>
       </c:scatterChart>
       <c:valAx>
-        <c:axId val="1578212800"/>
+        <c:axId val="737264064"/>
         <c:scaling>
           <c:orientation val="minMax"/>
         </c:scaling>
@@ -1467,12 +1467,12 @@
             <a:endParaRPr lang="en-US"/>
           </a:p>
         </c:txPr>
-        <c:crossAx val="1579382176"/>
+        <c:crossAx val="737271296"/>
         <c:crosses val="autoZero"/>
         <c:crossBetween val="midCat"/>
       </c:valAx>
       <c:valAx>
-        <c:axId val="1579382176"/>
+        <c:axId val="737271296"/>
         <c:scaling>
           <c:orientation val="minMax"/>
           <c:min val="0.0"/>
@@ -1518,7 +1518,7 @@
             <a:endParaRPr lang="en-US"/>
           </a:p>
         </c:txPr>
-        <c:crossAx val="1578212800"/>
+        <c:crossAx val="737264064"/>
         <c:crosses val="autoZero"/>
         <c:crossBetween val="midCat"/>
       </c:valAx>
@@ -2099,11 +2099,11 @@
           <c:showPercent val="0"/>
           <c:showBubbleSize val="0"/>
         </c:dLbls>
-        <c:axId val="1584506736"/>
-        <c:axId val="1722822976"/>
+        <c:axId val="737333632"/>
+        <c:axId val="737340864"/>
       </c:scatterChart>
       <c:valAx>
-        <c:axId val="1584506736"/>
+        <c:axId val="737333632"/>
         <c:scaling>
           <c:orientation val="minMax"/>
         </c:scaling>
@@ -2149,12 +2149,12 @@
             <a:endParaRPr lang="en-US"/>
           </a:p>
         </c:txPr>
-        <c:crossAx val="1722822976"/>
+        <c:crossAx val="737340864"/>
         <c:crosses val="autoZero"/>
         <c:crossBetween val="midCat"/>
       </c:valAx>
       <c:valAx>
-        <c:axId val="1722822976"/>
+        <c:axId val="737340864"/>
         <c:scaling>
           <c:orientation val="minMax"/>
           <c:min val="0.0"/>
@@ -2200,7 +2200,7 @@
             <a:endParaRPr lang="en-US"/>
           </a:p>
         </c:txPr>
-        <c:crossAx val="1584506736"/>
+        <c:crossAx val="737333632"/>
         <c:crosses val="autoZero"/>
         <c:crossBetween val="midCat"/>
       </c:valAx>
@@ -2429,22 +2429,22 @@
                   <c:v>100.0</c:v>
                 </c:pt>
                 <c:pt idx="3">
-                  <c:v>46.66666666666666</c:v>
+                  <c:v>46.66666666666664</c:v>
                 </c:pt>
                 <c:pt idx="4">
-                  <c:v>46.66666666666666</c:v>
+                  <c:v>46.66666666666664</c:v>
                 </c:pt>
                 <c:pt idx="5">
-                  <c:v>46.66666666666666</c:v>
+                  <c:v>46.66666666666664</c:v>
                 </c:pt>
                 <c:pt idx="6">
-                  <c:v>46.66666666666666</c:v>
+                  <c:v>46.66666666666664</c:v>
                 </c:pt>
                 <c:pt idx="7">
-                  <c:v>46.66666666666666</c:v>
+                  <c:v>46.66666666666664</c:v>
                 </c:pt>
                 <c:pt idx="8">
-                  <c:v>46.66666666666666</c:v>
+                  <c:v>46.66666666666664</c:v>
                 </c:pt>
                 <c:pt idx="9">
                   <c:v>5.0</c:v>
@@ -2774,11 +2774,11 @@
           <c:showPercent val="0"/>
           <c:showBubbleSize val="0"/>
         </c:dLbls>
-        <c:axId val="1641830976"/>
-        <c:axId val="1608023328"/>
+        <c:axId val="737390736"/>
+        <c:axId val="737397968"/>
       </c:scatterChart>
       <c:valAx>
-        <c:axId val="1641830976"/>
+        <c:axId val="737390736"/>
         <c:scaling>
           <c:orientation val="minMax"/>
         </c:scaling>
@@ -2824,12 +2824,12 @@
             <a:endParaRPr lang="en-US"/>
           </a:p>
         </c:txPr>
-        <c:crossAx val="1608023328"/>
+        <c:crossAx val="737397968"/>
         <c:crosses val="autoZero"/>
         <c:crossBetween val="midCat"/>
       </c:valAx>
       <c:valAx>
-        <c:axId val="1608023328"/>
+        <c:axId val="737397968"/>
         <c:scaling>
           <c:orientation val="minMax"/>
           <c:min val="0.0"/>
@@ -2875,7 +2875,7 @@
             <a:endParaRPr lang="en-US"/>
           </a:p>
         </c:txPr>
-        <c:crossAx val="1641830976"/>
+        <c:crossAx val="737390736"/>
         <c:crosses val="autoZero"/>
         <c:crossBetween val="midCat"/>
       </c:valAx>
@@ -3186,11 +3186,11 @@
           <c:showPercent val="0"/>
           <c:showBubbleSize val="0"/>
         </c:dLbls>
-        <c:axId val="1727393936"/>
-        <c:axId val="1587649856"/>
+        <c:axId val="737436976"/>
+        <c:axId val="737441024"/>
       </c:scatterChart>
       <c:valAx>
-        <c:axId val="1727393936"/>
+        <c:axId val="737436976"/>
         <c:scaling>
           <c:orientation val="minMax"/>
         </c:scaling>
@@ -3217,12 +3217,12 @@
             <a:endParaRPr lang="en-US"/>
           </a:p>
         </c:txPr>
-        <c:crossAx val="1587649856"/>
+        <c:crossAx val="737441024"/>
         <c:crosses val="autoZero"/>
         <c:crossBetween val="midCat"/>
       </c:valAx>
       <c:valAx>
-        <c:axId val="1587649856"/>
+        <c:axId val="737441024"/>
         <c:scaling>
           <c:orientation val="minMax"/>
         </c:scaling>
@@ -3243,7 +3243,7 @@
             <a:endParaRPr lang="en-US"/>
           </a:p>
         </c:txPr>
-        <c:crossAx val="1727393936"/>
+        <c:crossAx val="737436976"/>
         <c:crosses val="autoZero"/>
         <c:crossBetween val="midCat"/>
       </c:valAx>
@@ -3742,11 +3742,11 @@
           <c:showPercent val="0"/>
           <c:showBubbleSize val="0"/>
         </c:dLbls>
-        <c:axId val="1608149840"/>
-        <c:axId val="1591121040"/>
+        <c:axId val="737492576"/>
+        <c:axId val="679252128"/>
       </c:scatterChart>
       <c:valAx>
-        <c:axId val="1608149840"/>
+        <c:axId val="737492576"/>
         <c:scaling>
           <c:orientation val="minMax"/>
         </c:scaling>
@@ -3773,12 +3773,12 @@
             <a:endParaRPr lang="en-US"/>
           </a:p>
         </c:txPr>
-        <c:crossAx val="1591121040"/>
+        <c:crossAx val="679252128"/>
         <c:crosses val="autoZero"/>
         <c:crossBetween val="midCat"/>
       </c:valAx>
       <c:valAx>
-        <c:axId val="1591121040"/>
+        <c:axId val="679252128"/>
         <c:scaling>
           <c:orientation val="minMax"/>
         </c:scaling>
@@ -3799,7 +3799,7 @@
             <a:endParaRPr lang="en-US"/>
           </a:p>
         </c:txPr>
-        <c:crossAx val="1608149840"/>
+        <c:crossAx val="737492576"/>
         <c:crosses val="autoZero"/>
         <c:crossBetween val="midCat"/>
       </c:valAx>
@@ -3928,7 +3928,7 @@
           <a:p>
             <a:fld id="{C774A270-9CA5-4E17-9448-1389142F63AE}" type="datetimeFigureOut">
               <a:rPr lang="en-US" smtClean="0"/>
-              <a:t>1/14/17</a:t>
+              <a:t>1/15/17</a:t>
             </a:fld>
             <a:endParaRPr lang="en-US"/>
           </a:p>
@@ -4718,7 +4718,7 @@
           <a:p>
             <a:fld id="{48A87A34-81AB-432B-8DAE-1953F412C126}" type="datetimeFigureOut">
               <a:rPr lang="en-US" smtClean="0"/>
-              <a:t>1/14/17</a:t>
+              <a:t>1/15/17</a:t>
             </a:fld>
             <a:endParaRPr lang="en-US" dirty="0"/>
           </a:p>
@@ -4933,7 +4933,7 @@
             <a:fld id="{48A87A34-81AB-432B-8DAE-1953F412C126}" type="datetimeFigureOut">
               <a:rPr lang="en-US" smtClean="0"/>
               <a:pPr/>
-              <a:t>1/14/17</a:t>
+              <a:t>1/15/17</a:t>
             </a:fld>
             <a:endParaRPr lang="en-US" dirty="0"/>
           </a:p>
@@ -5285,6 +5285,31 @@
 <file path=ppt/slides/slide1.xml><?xml version="1.0" encoding="utf-8"?>
 <p:sld xmlns:a="http://schemas.openxmlformats.org/drawingml/2006/main" xmlns:r="http://schemas.openxmlformats.org/officeDocument/2006/relationships" xmlns:p="http://schemas.openxmlformats.org/presentationml/2006/main">
   <p:cSld>
+    <p:bg>
+      <p:bgPr>
+        <a:gradFill flip="none" rotWithShape="1">
+          <a:gsLst>
+            <a:gs pos="0">
+              <a:schemeClr val="bg1">
+                <a:tint val="80000"/>
+                <a:satMod val="300000"/>
+              </a:schemeClr>
+            </a:gs>
+            <a:gs pos="100000">
+              <a:schemeClr val="bg1">
+                <a:shade val="30000"/>
+                <a:satMod val="200000"/>
+              </a:schemeClr>
+            </a:gs>
+          </a:gsLst>
+          <a:path path="rect">
+            <a:fillToRect l="50000" t="50000" r="50000" b="50000"/>
+          </a:path>
+          <a:tileRect/>
+        </a:gradFill>
+        <a:effectLst/>
+      </p:bgPr>
+    </p:bg>
     <p:spTree>
       <p:nvGrpSpPr>
         <p:cNvPr id="1" name=""/>
@@ -5299,61 +5324,6 @@
           <a:chExt cx="0" cy="0"/>
         </a:xfrm>
       </p:grpSpPr>
-      <p:sp>
-        <p:nvSpPr>
-          <p:cNvPr id="34" name="Rounded Rectangle 33"/>
-          <p:cNvSpPr/>
-          <p:nvPr/>
-        </p:nvSpPr>
-        <p:spPr>
-          <a:xfrm>
-            <a:off x="26092576" y="6577472"/>
-            <a:ext cx="6490112" cy="14798000"/>
-          </a:xfrm>
-          <a:prstGeom prst="roundRect">
-            <a:avLst/>
-          </a:prstGeom>
-          <a:solidFill>
-            <a:schemeClr val="bg1"/>
-          </a:solidFill>
-          <a:ln>
-            <a:solidFill>
-              <a:schemeClr val="bg1"/>
-            </a:solidFill>
-          </a:ln>
-          <a:effectLst>
-            <a:outerShdw blurRad="50800" dist="38100" dir="2700000" algn="tl" rotWithShape="0">
-              <a:prstClr val="black">
-                <a:alpha val="40000"/>
-              </a:prstClr>
-            </a:outerShdw>
-          </a:effectLst>
-        </p:spPr>
-        <p:style>
-          <a:lnRef idx="2">
-            <a:schemeClr val="accent1">
-              <a:shade val="50000"/>
-            </a:schemeClr>
-          </a:lnRef>
-          <a:fillRef idx="1">
-            <a:schemeClr val="accent1"/>
-          </a:fillRef>
-          <a:effectRef idx="0">
-            <a:schemeClr val="accent1"/>
-          </a:effectRef>
-          <a:fontRef idx="minor">
-            <a:schemeClr val="lt1"/>
-          </a:fontRef>
-        </p:style>
-        <p:txBody>
-          <a:bodyPr rtlCol="0" anchor="ctr"/>
-          <a:lstStyle/>
-          <a:p>
-            <a:pPr algn="ctr"/>
-            <a:endParaRPr lang="en-US"/>
-          </a:p>
-        </p:txBody>
-      </p:sp>
       <p:sp>
         <p:nvSpPr>
           <p:cNvPr id="20" name="Rounded Rectangle 19"/>
@@ -5421,7 +5391,7 @@
         </p:nvSpPr>
         <p:spPr>
           <a:xfrm>
-            <a:off x="2275307" y="64577"/>
+            <a:off x="2228869" y="66329"/>
             <a:ext cx="29447301" cy="2932623"/>
           </a:xfrm>
         </p:spPr>
@@ -6117,18 +6087,17 @@
       </p:sp>
       <p:grpSp>
         <p:nvGrpSpPr>
-          <p:cNvPr id="27" name="Group 26"/>
+          <p:cNvPr id="26" name="Group 25"/>
           <p:cNvGrpSpPr/>
           <p:nvPr/>
         </p:nvGrpSpPr>
         <p:grpSpPr>
           <a:xfrm>
-            <a:off x="9505122" y="2931160"/>
-            <a:ext cx="15793906" cy="8055943"/>
-            <a:chOff x="9316976" y="2837351"/>
-            <a:chExt cx="15793906" cy="7546944"/>
+            <a:off x="9329165" y="2826013"/>
+            <a:ext cx="16457678" cy="8008640"/>
+            <a:chOff x="9378757" y="2679816"/>
+            <a:chExt cx="16457678" cy="8008640"/>
           </a:xfrm>
-          <a:effectLst/>
         </p:grpSpPr>
         <p:sp>
           <p:nvSpPr>
@@ -6138,8 +6107,8 @@
           </p:nvSpPr>
           <p:spPr>
             <a:xfrm>
-              <a:off x="9316976" y="2837351"/>
-              <a:ext cx="15793906" cy="6996731"/>
+              <a:off x="9378757" y="2679816"/>
+              <a:ext cx="16457678" cy="8008640"/>
             </a:xfrm>
             <a:prstGeom prst="roundRect">
               <a:avLst/>
@@ -6192,8 +6161,8 @@
           </p:nvSpPr>
           <p:spPr>
             <a:xfrm>
-              <a:off x="9515262" y="2930063"/>
-              <a:ext cx="15465853" cy="7454232"/>
+              <a:off x="9586552" y="2871818"/>
+              <a:ext cx="16157867" cy="7425273"/>
             </a:xfrm>
             <a:prstGeom prst="rect">
               <a:avLst/>
@@ -6402,13 +6371,7 @@
                 <a:rPr lang="en-US" sz="2400" dirty="0" smtClean="0">
                   <a:cs typeface="Century Gothic"/>
                 </a:rPr>
-                <a:t>e </a:t>
-              </a:r>
-              <a:r>
-                <a:rPr lang="en-US" sz="2400" dirty="0" smtClean="0">
-                  <a:cs typeface="Century Gothic"/>
-                </a:rPr>
-                <a:t>all get sick. </a:t>
+                <a:t>e all get sick. </a:t>
               </a:r>
               <a:r>
                 <a:rPr lang="en-US" sz="2400" dirty="0">
@@ -6420,47 +6383,13 @@
                 <a:rPr lang="en-US" sz="2400" dirty="0" smtClean="0">
                   <a:cs typeface="Century Gothic"/>
                 </a:rPr>
-                <a:t>hat </a:t>
-              </a:r>
-              <a:r>
-                <a:rPr lang="en-US" sz="2400" dirty="0" smtClean="0">
-                  <a:cs typeface="Century Gothic"/>
-                </a:rPr>
-                <a:t>defends us from invading </a:t>
-              </a:r>
-              <a:r>
-                <a:rPr lang="en-US" sz="2400" dirty="0" smtClean="0">
-                  <a:cs typeface="Century Gothic"/>
-                </a:rPr>
-                <a:t>pathogens like bacteria </a:t>
-              </a:r>
-              <a:r>
-                <a:rPr lang="en-US" sz="2400" dirty="0" smtClean="0">
-                  <a:cs typeface="Century Gothic"/>
-                </a:rPr>
-                <a:t>and viruses? </a:t>
-              </a:r>
-              <a:endParaRPr lang="en-US" sz="2400" dirty="0" smtClean="0">
-                <a:cs typeface="Century Gothic"/>
-              </a:endParaRPr>
-            </a:p>
-            <a:p>
-              <a:pPr algn="ctr">
-                <a:lnSpc>
-                  <a:spcPct val="100000"/>
-                </a:lnSpc>
-              </a:pPr>
-              <a:r>
-                <a:rPr lang="en-US" sz="2400" b="1" dirty="0" smtClean="0">
-                  <a:cs typeface="Century Gothic"/>
-                </a:rPr>
-                <a:t>O</a:t>
+                <a:t>hat defends us from invading pathogens like bacteria and viruses? </a:t>
               </a:r>
               <a:r>
                 <a:rPr lang="en-US" sz="2400" b="1" dirty="0" smtClean="0">
                   <a:cs typeface="Century Gothic"/>
                 </a:rPr>
-                <a:t>ur </a:t>
+                <a:t>Our </a:t>
               </a:r>
               <a:r>
                 <a:rPr lang="en-US" sz="2400" b="1" dirty="0" smtClean="0">
@@ -6482,31 +6411,7 @@
                 <a:rPr lang="en-US" sz="2400" dirty="0" smtClean="0">
                   <a:cs typeface="Century Gothic"/>
                 </a:rPr>
-                <a:t>Our immune system </a:t>
-              </a:r>
-              <a:r>
-                <a:rPr lang="en-US" sz="2400" dirty="0" smtClean="0">
-                  <a:cs typeface="Century Gothic"/>
-                </a:rPr>
-                <a:t>has many kinds of white </a:t>
-              </a:r>
-              <a:r>
-                <a:rPr lang="en-US" sz="2400" dirty="0" smtClean="0">
-                  <a:cs typeface="Century Gothic"/>
-                </a:rPr>
-                <a:t>blood </a:t>
-              </a:r>
-              <a:r>
-                <a:rPr lang="en-US" sz="2400" dirty="0" smtClean="0">
-                  <a:cs typeface="Century Gothic"/>
-                </a:rPr>
-                <a:t>cells. </a:t>
-              </a:r>
-              <a:r>
-                <a:rPr lang="en-US" sz="2400" dirty="0" smtClean="0">
-                  <a:cs typeface="Century Gothic"/>
-                </a:rPr>
-                <a:t>These cells each have an important role in killing pathogens. </a:t>
+                <a:t>Our immune system has many kinds of white blood cells. These cells each have an important role in killing pathogens. </a:t>
               </a:r>
             </a:p>
             <a:p>
@@ -6524,13 +6429,7 @@
                 <a:rPr lang="en-US" sz="2400" b="1" dirty="0" smtClean="0">
                   <a:cs typeface="Century Gothic"/>
                 </a:rPr>
-                <a:t>Dendritic </a:t>
-              </a:r>
-              <a:r>
-                <a:rPr lang="en-US" sz="2400" b="1" dirty="0" smtClean="0">
-                  <a:cs typeface="Century Gothic"/>
-                </a:rPr>
-                <a:t>cells </a:t>
+                <a:t>Dendritic cells </a:t>
               </a:r>
               <a:r>
                 <a:rPr lang="en-US" sz="2400" dirty="0" smtClean="0">
@@ -6560,13 +6459,7 @@
                 <a:rPr lang="en-US" sz="2400" b="1" dirty="0" smtClean="0">
                   <a:cs typeface="Century Gothic"/>
                 </a:rPr>
-                <a:t>elper-T </a:t>
-              </a:r>
-              <a:r>
-                <a:rPr lang="en-US" sz="2400" b="1" dirty="0" smtClean="0">
-                  <a:cs typeface="Century Gothic"/>
-                </a:rPr>
-                <a:t>cells </a:t>
+                <a:t>elper-T cells </a:t>
               </a:r>
               <a:r>
                 <a:rPr lang="en-US" sz="2400" dirty="0" smtClean="0">
@@ -6596,43 +6489,7 @@
                 <a:rPr lang="en-US" sz="2400" dirty="0" smtClean="0">
                   <a:cs typeface="Century Gothic"/>
                 </a:rPr>
-                <a:t> </a:t>
-              </a:r>
-              <a:r>
-                <a:rPr lang="en-US" sz="2400" dirty="0" smtClean="0">
-                  <a:cs typeface="Century Gothic"/>
-                </a:rPr>
-                <a:t>use the parts to create </a:t>
-              </a:r>
-              <a:r>
-                <a:rPr lang="en-US" sz="2400" dirty="0" smtClean="0">
-                  <a:cs typeface="Century Gothic"/>
-                </a:rPr>
-                <a:t>proteins called </a:t>
-              </a:r>
-              <a:r>
-                <a:rPr lang="en-US" sz="2400" dirty="0" smtClean="0">
-                  <a:cs typeface="Century Gothic"/>
-                </a:rPr>
-                <a:t>antibodies </a:t>
-              </a:r>
-              <a:r>
-                <a:rPr lang="en-US" sz="2400" dirty="0" smtClean="0">
-                  <a:cs typeface="Century Gothic"/>
-                </a:rPr>
-                <a:t>which stick to the </a:t>
-              </a:r>
-              <a:r>
-                <a:rPr lang="en-US" sz="2400" dirty="0" smtClean="0">
-                  <a:cs typeface="Century Gothic"/>
-                </a:rPr>
-                <a:t>specific </a:t>
-              </a:r>
-              <a:r>
-                <a:rPr lang="en-US" sz="2400" dirty="0" smtClean="0">
-                  <a:cs typeface="Century Gothic"/>
-                </a:rPr>
-                <a:t>type of pathogen. </a:t>
+                <a:t> use the parts to create proteins called antibodies which stick to the specific type of pathogen. </a:t>
               </a:r>
             </a:p>
             <a:p>
@@ -6656,17 +6513,8 @@
                 <a:rPr lang="en-US" sz="2400" dirty="0" smtClean="0">
                   <a:cs typeface="Century Gothic"/>
                 </a:rPr>
-                <a:t> migrate to the pathogens with antibodies and swallow them, killing them instantly. They can only kill viruses flagged with antibodies, but they can kill bacteria without needing an </a:t>
+                <a:t> migrate to the pathogens with antibodies and swallow them, killing them instantly. They can only kill viruses flagged with antibodies, but they can kill bacteria without needing an antibody. </a:t>
               </a:r>
-              <a:r>
-                <a:rPr lang="en-US" sz="2400" dirty="0" smtClean="0">
-                  <a:cs typeface="Century Gothic"/>
-                </a:rPr>
-                <a:t>antibody. </a:t>
-              </a:r>
-              <a:endParaRPr lang="en-US" sz="2400" dirty="0" smtClean="0">
-                <a:cs typeface="Century Gothic"/>
-              </a:endParaRPr>
             </a:p>
             <a:p>
               <a:pPr marL="342900" indent="-342900">
@@ -6695,17 +6543,8 @@
                 <a:rPr lang="en-US" sz="2400" dirty="0" smtClean="0">
                   <a:cs typeface="Century Gothic"/>
                 </a:rPr>
-                <a:t>kill infected cells. Since viruses reproduce inside cells, they can also be killed inside them</a:t>
+                <a:t>kill infected cells. Since viruses reproduce inside cells, they can also be killed inside them.</a:t>
               </a:r>
-              <a:r>
-                <a:rPr lang="en-US" sz="2400" dirty="0" smtClean="0">
-                  <a:cs typeface="Century Gothic"/>
-                </a:rPr>
-                <a:t>.</a:t>
-              </a:r>
-              <a:endParaRPr lang="en-US" sz="2400" dirty="0" smtClean="0">
-                <a:cs typeface="Century Gothic"/>
-              </a:endParaRPr>
             </a:p>
             <a:p>
               <a:pPr algn="ctr">
@@ -6730,7 +6569,19 @@
                 <a:rPr lang="en-US" sz="2400" dirty="0" smtClean="0">
                   <a:cs typeface="Century Gothic"/>
                 </a:rPr>
-                <a:t>My objective is to simulate the immune system and different pathogenic infections so we can better understand how our immune system works</a:t>
+                <a:t>To </a:t>
+              </a:r>
+              <a:r>
+                <a:rPr lang="en-US" sz="2400" dirty="0" smtClean="0">
+                  <a:cs typeface="Century Gothic"/>
+                </a:rPr>
+                <a:t>simulate </a:t>
+              </a:r>
+              <a:r>
+                <a:rPr lang="en-US" sz="2400" dirty="0" smtClean="0">
+                  <a:cs typeface="Century Gothic"/>
+                </a:rPr>
+                <a:t>the immune system and different pathogenic infections so we can better understand how our immune system works</a:t>
               </a:r>
               <a:r>
                 <a:rPr lang="en-US" sz="2000" dirty="0" smtClean="0">
@@ -6738,7 +6589,33 @@
                 </a:rPr>
                 <a:t>.</a:t>
               </a:r>
-              <a:endParaRPr lang="en-US" sz="7200" dirty="0" smtClean="0">
+            </a:p>
+            <a:p>
+              <a:pPr algn="ctr">
+                <a:spcBef>
+                  <a:spcPts val="2067"/>
+                </a:spcBef>
+              </a:pPr>
+              <a:r>
+                <a:rPr lang="en-US" sz="2800" b="1" dirty="0" smtClean="0">
+                  <a:cs typeface="Century Gothic"/>
+                </a:rPr>
+                <a:t>Conclusion</a:t>
+              </a:r>
+            </a:p>
+            <a:p>
+              <a:pPr algn="ctr">
+                <a:spcBef>
+                  <a:spcPts val="2067"/>
+                </a:spcBef>
+              </a:pPr>
+              <a:r>
+                <a:rPr lang="en-US" sz="2400" dirty="0" smtClean="0">
+                  <a:cs typeface="Century Gothic"/>
+                </a:rPr>
+                <a:t>The simulation reflected aspects of the immune system effectively, based on known behaviors of the immune system.</a:t>
+              </a:r>
+              <a:endParaRPr lang="en-US" sz="2400" dirty="0" smtClean="0">
                 <a:cs typeface="Century Gothic"/>
               </a:endParaRPr>
             </a:p>
@@ -7375,12 +7252,6 @@
               </a:rPr>
               <a:t>Viral Infections</a:t>
             </a:r>
-            <a:endParaRPr lang="en-US" sz="2800" b="1" dirty="0" smtClean="0">
-              <a:solidFill>
-                <a:schemeClr val="tx1"/>
-              </a:solidFill>
-              <a:cs typeface="Century Gothic"/>
-            </a:endParaRPr>
           </a:p>
           <a:p>
             <a:r>
@@ -7401,12 +7272,6 @@
               </a:rPr>
               <a:t>: Infecting 100 body cells with no immune system</a:t>
             </a:r>
-            <a:endParaRPr lang="en-US" sz="2400" dirty="0" smtClean="0">
-              <a:solidFill>
-                <a:schemeClr val="tx1"/>
-              </a:solidFill>
-              <a:cs typeface="Century Gothic"/>
-            </a:endParaRPr>
           </a:p>
           <a:p>
             <a:endParaRPr lang="en-US" sz="2400" dirty="0">
@@ -7529,109 +7394,6 @@
           </a:p>
         </p:txBody>
       </p:sp>
-      <p:sp>
-        <p:nvSpPr>
-          <p:cNvPr id="15" name="TextBox 14"/>
-          <p:cNvSpPr txBox="1"/>
-          <p:nvPr/>
-        </p:nvSpPr>
-        <p:spPr>
-          <a:xfrm>
-            <a:off x="26397787" y="6962233"/>
-            <a:ext cx="6146800" cy="1692771"/>
-          </a:xfrm>
-          <a:prstGeom prst="rect">
-            <a:avLst/>
-          </a:prstGeom>
-          <a:noFill/>
-        </p:spPr>
-        <p:txBody>
-          <a:bodyPr wrap="square" rtlCol="0">
-            <a:spAutoFit/>
-          </a:bodyPr>
-          <a:lstStyle/>
-          <a:p>
-            <a:pPr algn="ctr"/>
-            <a:r>
-              <a:rPr lang="en-US" sz="2800" b="1" dirty="0" smtClean="0">
-                <a:ea typeface="Century Gothic" charset="0"/>
-                <a:cs typeface="Century Gothic" charset="0"/>
-              </a:rPr>
-              <a:t>Bacterial Infections</a:t>
-            </a:r>
-          </a:p>
-          <a:p>
-            <a:pPr algn="ctr"/>
-            <a:endParaRPr lang="en-US" sz="2800" b="1" dirty="0" smtClean="0">
-              <a:ea typeface="Century Gothic" charset="0"/>
-              <a:cs typeface="Century Gothic" charset="0"/>
-            </a:endParaRPr>
-          </a:p>
-          <a:p>
-            <a:r>
-              <a:rPr lang="en-US" sz="2400" b="1" dirty="0" smtClean="0">
-                <a:ea typeface="Century Gothic" charset="0"/>
-                <a:cs typeface="Century Gothic" charset="0"/>
-              </a:rPr>
-              <a:t>Experiment 4:</a:t>
-            </a:r>
-            <a:r>
-              <a:rPr lang="en-US" sz="2400" dirty="0" smtClean="0">
-                <a:ea typeface="Century Gothic" charset="0"/>
-                <a:cs typeface="Century Gothic" charset="0"/>
-              </a:rPr>
-              <a:t> Killing 10 body cells with bacteria.</a:t>
-            </a:r>
-            <a:endParaRPr lang="en-US" sz="2400" dirty="0">
-              <a:ea typeface="Century Gothic" charset="0"/>
-              <a:cs typeface="Century Gothic" charset="0"/>
-            </a:endParaRPr>
-          </a:p>
-        </p:txBody>
-      </p:sp>
-      <p:sp>
-        <p:nvSpPr>
-          <p:cNvPr id="18" name="TextBox 17"/>
-          <p:cNvSpPr txBox="1"/>
-          <p:nvPr/>
-        </p:nvSpPr>
-        <p:spPr>
-          <a:xfrm>
-            <a:off x="26727803" y="13320318"/>
-            <a:ext cx="5486767" cy="830997"/>
-          </a:xfrm>
-          <a:prstGeom prst="rect">
-            <a:avLst/>
-          </a:prstGeom>
-          <a:noFill/>
-        </p:spPr>
-        <p:txBody>
-          <a:bodyPr wrap="square" rtlCol="0">
-            <a:spAutoFit/>
-          </a:bodyPr>
-          <a:lstStyle/>
-          <a:p>
-            <a:r>
-              <a:rPr lang="en-US" sz="2400" b="1" dirty="0" smtClean="0">
-                <a:ea typeface="Century Gothic" charset="0"/>
-                <a:cs typeface="Century Gothic" charset="0"/>
-              </a:rPr>
-              <a:t>Experiment 5: </a:t>
-            </a:r>
-            <a:r>
-              <a:rPr lang="en-US" sz="2400" dirty="0" smtClean="0">
-                <a:ea typeface="Century Gothic" charset="0"/>
-                <a:cs typeface="Century Gothic" charset="0"/>
-              </a:rPr>
-              <a:t>Killing 10 body cells with 10 macrophages for protection. </a:t>
-            </a:r>
-            <a:endParaRPr lang="en-US" sz="2400" dirty="0">
-              <a:ea typeface="Century Gothic" charset="0"/>
-              <a:cs typeface="Century Gothic" charset="0"/>
-            </a:endParaRPr>
-          </a:p>
-        </p:txBody>
-      </p:sp>
       <p:pic>
         <p:nvPicPr>
           <p:cNvPr id="21" name="Picture 20" descr="Beginning_infection.tiff"/>
@@ -7653,7 +7415,7 @@
         </p:blipFill>
         <p:spPr>
           <a:xfrm>
-            <a:off x="9517422" y="11344960"/>
+            <a:off x="9517422" y="11624662"/>
             <a:ext cx="5470866" cy="3519244"/>
           </a:xfrm>
           <a:prstGeom prst="roundRect">
@@ -7695,7 +7457,7 @@
         </p:blipFill>
         <p:spPr>
           <a:xfrm>
-            <a:off x="15057984" y="11350072"/>
+            <a:off x="15057984" y="11629774"/>
             <a:ext cx="5470866" cy="3519244"/>
           </a:xfrm>
           <a:prstGeom prst="roundRect">
@@ -7737,7 +7499,7 @@
         </p:blipFill>
         <p:spPr>
           <a:xfrm>
-            <a:off x="20598546" y="11344960"/>
+            <a:off x="20598546" y="11624662"/>
             <a:ext cx="5307584" cy="3519244"/>
           </a:xfrm>
           <a:prstGeom prst="roundRect">
@@ -7790,12 +7552,6 @@
               </a:rPr>
               <a:t>Hypothesis</a:t>
             </a:r>
-            <a:endParaRPr lang="en-US" sz="2800" b="1" dirty="0" smtClean="0">
-              <a:solidFill>
-                <a:schemeClr val="tx1"/>
-              </a:solidFill>
-              <a:cs typeface="Century Gothic"/>
-            </a:endParaRPr>
           </a:p>
           <a:p>
             <a:pPr algn="ctr"/>
@@ -7815,34 +7571,7 @@
                 </a:solidFill>
                 <a:cs typeface="Century Gothic"/>
               </a:rPr>
-              <a:t>A realistic immune system simulator </a:t>
-            </a:r>
-            <a:r>
-              <a:rPr lang="en-US" sz="2400" dirty="0" smtClean="0">
-                <a:solidFill>
-                  <a:schemeClr val="tx1"/>
-                </a:solidFill>
-                <a:cs typeface="Century Gothic"/>
-              </a:rPr>
-              <a:t>can </a:t>
-            </a:r>
-            <a:r>
-              <a:rPr lang="en-US" sz="2400" dirty="0" smtClean="0">
-                <a:solidFill>
-                  <a:schemeClr val="tx1"/>
-                </a:solidFill>
-                <a:cs typeface="Century Gothic"/>
-              </a:rPr>
-              <a:t>be built using Processing (a </a:t>
-            </a:r>
-            <a:r>
-              <a:rPr lang="en-US" sz="2400" dirty="0" smtClean="0">
-                <a:solidFill>
-                  <a:schemeClr val="tx1"/>
-                </a:solidFill>
-                <a:cs typeface="Century Gothic"/>
-              </a:rPr>
-              <a:t>Java-based visualization language).</a:t>
+              <a:t>A realistic immune system simulator can be built using Processing (a Java-based visualization language).</a:t>
             </a:r>
             <a:endParaRPr lang="en-US" sz="2400" dirty="0">
               <a:solidFill>
@@ -8037,23 +7766,8 @@
                 </a:solidFill>
                 <a:cs typeface="Century Gothic"/>
               </a:rPr>
-              <a:t>Materials and </a:t>
+              <a:t>Materials and Methods</a:t>
             </a:r>
-            <a:r>
-              <a:rPr lang="en-US" sz="2800" b="1" dirty="0" smtClean="0">
-                <a:solidFill>
-                  <a:schemeClr val="tx1"/>
-                </a:solidFill>
-                <a:cs typeface="Century Gothic"/>
-              </a:rPr>
-              <a:t>Methods</a:t>
-            </a:r>
-            <a:endParaRPr lang="en-US" sz="2800" b="1" dirty="0" smtClean="0">
-              <a:solidFill>
-                <a:schemeClr val="tx1"/>
-              </a:solidFill>
-              <a:cs typeface="Century Gothic"/>
-            </a:endParaRPr>
           </a:p>
           <a:p>
             <a:pPr marL="342900" indent="-342900" algn="l">
@@ -8127,41 +7841,8 @@
                 </a:solidFill>
                 <a:cs typeface="Century Gothic"/>
               </a:rPr>
-              <a:t>under </a:t>
+              <a:t>under many different settings to make sure all the components worked. </a:t>
             </a:r>
-            <a:r>
-              <a:rPr lang="en-US" sz="2400" dirty="0" smtClean="0">
-                <a:solidFill>
-                  <a:schemeClr val="tx1"/>
-                </a:solidFill>
-                <a:cs typeface="Century Gothic"/>
-              </a:rPr>
-              <a:t>many different </a:t>
-            </a:r>
-            <a:r>
-              <a:rPr lang="en-US" sz="2400" dirty="0" smtClean="0">
-                <a:solidFill>
-                  <a:schemeClr val="tx1"/>
-                </a:solidFill>
-                <a:cs typeface="Century Gothic"/>
-              </a:rPr>
-              <a:t>settings to </a:t>
-            </a:r>
-            <a:r>
-              <a:rPr lang="en-US" sz="2400" dirty="0" smtClean="0">
-                <a:solidFill>
-                  <a:schemeClr val="tx1"/>
-                </a:solidFill>
-                <a:cs typeface="Century Gothic"/>
-              </a:rPr>
-              <a:t>make sure all the components worked. </a:t>
-            </a:r>
-            <a:endParaRPr lang="en-US" sz="2400" dirty="0" smtClean="0">
-              <a:solidFill>
-                <a:schemeClr val="tx1"/>
-              </a:solidFill>
-              <a:cs typeface="Century Gothic"/>
-            </a:endParaRPr>
           </a:p>
           <a:p>
             <a:pPr marL="342900" indent="-342900" algn="l">
@@ -8175,34 +7856,7 @@
                 </a:solidFill>
                 <a:cs typeface="Century Gothic"/>
               </a:rPr>
-              <a:t>The </a:t>
-            </a:r>
-            <a:r>
-              <a:rPr lang="en-US" sz="2400" dirty="0" smtClean="0">
-                <a:solidFill>
-                  <a:schemeClr val="tx1"/>
-                </a:solidFill>
-                <a:cs typeface="Century Gothic"/>
-              </a:rPr>
-              <a:t>program recorded data (number of body cells, number of </a:t>
-            </a:r>
-            <a:r>
-              <a:rPr lang="en-US" sz="2400" dirty="0" smtClean="0">
-                <a:solidFill>
-                  <a:schemeClr val="tx1"/>
-                </a:solidFill>
-                <a:cs typeface="Century Gothic"/>
-              </a:rPr>
-              <a:t>viruses</a:t>
-            </a:r>
-            <a:r>
-              <a:rPr lang="en-US" sz="2400" dirty="0" smtClean="0">
-                <a:solidFill>
-                  <a:schemeClr val="tx1"/>
-                </a:solidFill>
-                <a:cs typeface="Century Gothic"/>
-              </a:rPr>
-              <a:t>, and number of bacteria during each infection) </a:t>
+              <a:t>The program recorded data (number of body cells, number of viruses, and number of bacteria during each infection) </a:t>
             </a:r>
             <a:endParaRPr lang="en-US" sz="2400" dirty="0">
               <a:solidFill>
@@ -8223,17 +7877,38 @@
                 </a:solidFill>
                 <a:cs typeface="Century Gothic"/>
               </a:rPr>
-              <a:t>I </a:t>
+              <a:t>I analyzed the data using Microsoft Excel.</a:t>
             </a:r>
-            <a:r>
-              <a:rPr lang="en-US" sz="2400" dirty="0" smtClean="0">
-                <a:solidFill>
-                  <a:schemeClr val="tx1"/>
-                </a:solidFill>
-                <a:cs typeface="Century Gothic"/>
-              </a:rPr>
-              <a:t>analyzed the data using Microsoft Excel.</a:t>
-            </a:r>
+          </a:p>
+        </p:txBody>
+      </p:sp>
+      <p:sp>
+        <p:nvSpPr>
+          <p:cNvPr id="13" name="TextBox 12"/>
+          <p:cNvSpPr txBox="1"/>
+          <p:nvPr/>
+        </p:nvSpPr>
+        <p:spPr>
+          <a:xfrm>
+            <a:off x="28868852" y="1180719"/>
+            <a:ext cx="4360316" cy="400110"/>
+          </a:xfrm>
+          <a:prstGeom prst="rect">
+            <a:avLst/>
+          </a:prstGeom>
+          <a:noFill/>
+        </p:spPr>
+        <p:txBody>
+          <a:bodyPr wrap="square" rtlCol="0">
+            <a:spAutoFit/>
+          </a:bodyPr>
+          <a:lstStyle/>
+          <a:p>
+            <a:endParaRPr lang="en-US" sz="2000" dirty="0">
+              <a:latin typeface="Century Gothic" charset="0"/>
+              <a:ea typeface="Century Gothic" charset="0"/>
+              <a:cs typeface="Century Gothic" charset="0"/>
+            </a:endParaRPr>
           </a:p>
         </p:txBody>
       </p:sp>
@@ -8245,8 +7920,8 @@
         </p:nvSpPr>
         <p:spPr>
           <a:xfrm>
-            <a:off x="26092575" y="2904065"/>
-            <a:ext cx="6490111" cy="3411454"/>
+            <a:off x="26112766" y="2696971"/>
+            <a:ext cx="6381385" cy="6147006"/>
           </a:xfrm>
           <a:prstGeom prst="roundRect">
             <a:avLst/>
@@ -8295,14 +7970,14 @@
       </p:sp>
       <p:sp>
         <p:nvSpPr>
-          <p:cNvPr id="13" name="TextBox 12"/>
+          <p:cNvPr id="16" name="TextBox 15"/>
           <p:cNvSpPr txBox="1"/>
           <p:nvPr/>
         </p:nvSpPr>
         <p:spPr>
           <a:xfrm>
-            <a:off x="28868852" y="1180719"/>
-            <a:ext cx="4360316" cy="400110"/>
+            <a:off x="26265757" y="3631462"/>
+            <a:ext cx="6070599" cy="4216539"/>
           </a:xfrm>
           <a:prstGeom prst="rect">
             <a:avLst/>
@@ -8315,47 +7990,119 @@
           </a:bodyPr>
           <a:lstStyle/>
           <a:p>
-            <a:endParaRPr lang="en-US" sz="2000" dirty="0">
-              <a:latin typeface="Century Gothic" charset="0"/>
-              <a:ea typeface="Century Gothic" charset="0"/>
-              <a:cs typeface="Century Gothic" charset="0"/>
-            </a:endParaRPr>
-          </a:p>
-        </p:txBody>
-      </p:sp>
-      <p:sp>
-        <p:nvSpPr>
-          <p:cNvPr id="16" name="TextBox 15"/>
-          <p:cNvSpPr txBox="1"/>
-          <p:nvPr/>
-        </p:nvSpPr>
-        <p:spPr>
-          <a:xfrm>
-            <a:off x="27078188" y="1464083"/>
-            <a:ext cx="4360316" cy="461665"/>
-          </a:xfrm>
-          <a:prstGeom prst="rect">
-            <a:avLst/>
-          </a:prstGeom>
-          <a:noFill/>
-        </p:spPr>
-        <p:txBody>
-          <a:bodyPr wrap="square" rtlCol="0">
-            <a:spAutoFit/>
-          </a:bodyPr>
-          <a:lstStyle/>
-          <a:p>
             <a:pPr algn="ctr"/>
             <a:r>
-              <a:rPr lang="en-US" sz="2400" dirty="0" smtClean="0">
-                <a:latin typeface="Century Gothic" charset="0"/>
+              <a:rPr lang="en-US" sz="2800" b="1" dirty="0" smtClean="0">
                 <a:ea typeface="Century Gothic" charset="0"/>
                 <a:cs typeface="Century Gothic" charset="0"/>
               </a:rPr>
               <a:t>Sources</a:t>
             </a:r>
+          </a:p>
+          <a:p>
+            <a:pPr marL="342900" indent="-342900">
+              <a:buFont typeface="Arial" charset="0"/>
+              <a:buChar char="•"/>
+            </a:pPr>
+            <a:r>
+              <a:rPr lang="en-US" sz="2400" dirty="0">
+                <a:ea typeface="Century Gothic" charset="0"/>
+                <a:cs typeface="Century Gothic" charset="0"/>
+                <a:hlinkClick r:id="rId6"/>
+              </a:rPr>
+              <a:t>http://www.diabetes.co.uk</a:t>
+            </a:r>
+            <a:r>
+              <a:rPr lang="en-US" sz="2400" dirty="0" smtClean="0">
+                <a:ea typeface="Century Gothic" charset="0"/>
+                <a:cs typeface="Century Gothic" charset="0"/>
+                <a:hlinkClick r:id="rId6"/>
+              </a:rPr>
+              <a:t>/</a:t>
+            </a:r>
+            <a:endParaRPr lang="en-US" sz="2400" dirty="0" smtClean="0">
+              <a:ea typeface="Century Gothic" charset="0"/>
+              <a:cs typeface="Century Gothic" charset="0"/>
+            </a:endParaRPr>
+          </a:p>
+          <a:p>
+            <a:pPr marL="342900" indent="-342900">
+              <a:buFont typeface="Arial" charset="0"/>
+              <a:buChar char="•"/>
+            </a:pPr>
+            <a:r>
+              <a:rPr lang="en-US" sz="2400" u="sng" dirty="0" smtClean="0">
+                <a:ea typeface="Century Gothic" charset="0"/>
+                <a:cs typeface="Century Gothic" charset="0"/>
+              </a:rPr>
+              <a:t>Your Amazing Immune System: How it Protects Your Body, compiled by the Japanese Society for Immunology. Wiley-Blackwell 2009. pp. 1-71</a:t>
+            </a:r>
+          </a:p>
+          <a:p>
+            <a:pPr marL="342900" indent="-342900">
+              <a:buFont typeface="Arial" charset="0"/>
+              <a:buChar char="•"/>
+            </a:pPr>
+            <a:r>
+              <a:rPr lang="en-US" sz="2400" u="sng" dirty="0" err="1" smtClean="0">
+                <a:ea typeface="Century Gothic" charset="0"/>
+                <a:cs typeface="Century Gothic" charset="0"/>
+              </a:rPr>
+              <a:t>Burillo-Kirch</a:t>
+            </a:r>
+            <a:r>
+              <a:rPr lang="en-US" sz="2400" u="sng" dirty="0" smtClean="0">
+                <a:ea typeface="Century Gothic" charset="0"/>
+                <a:cs typeface="Century Gothic" charset="0"/>
+              </a:rPr>
+              <a:t>, C, Microbes: Discover an Unseen World. Nomad Press 2015, pp 1-114</a:t>
+            </a:r>
+          </a:p>
+          <a:p>
+            <a:pPr algn="ctr"/>
+            <a:endParaRPr lang="en-US" sz="2400" dirty="0" smtClean="0">
+              <a:ea typeface="Century Gothic" charset="0"/>
+              <a:cs typeface="Century Gothic" charset="0"/>
+            </a:endParaRPr>
+          </a:p>
+          <a:p>
+            <a:pPr algn="ctr"/>
+            <a:r>
+              <a:rPr lang="en-US" sz="2400" dirty="0" smtClean="0">
+                <a:ea typeface="Century Gothic" charset="0"/>
+                <a:cs typeface="Century Gothic" charset="0"/>
+              </a:rPr>
+              <a:t>Special Thanks to Dr. </a:t>
+            </a:r>
+            <a:r>
+              <a:rPr lang="en-US" sz="2400" dirty="0" err="1" smtClean="0">
+                <a:ea typeface="Century Gothic" charset="0"/>
+                <a:cs typeface="Century Gothic" charset="0"/>
+              </a:rPr>
+              <a:t>Loida</a:t>
+            </a:r>
+            <a:r>
+              <a:rPr lang="en-US" sz="2400" dirty="0" smtClean="0">
+                <a:ea typeface="Century Gothic" charset="0"/>
+                <a:cs typeface="Century Gothic" charset="0"/>
+              </a:rPr>
+              <a:t> </a:t>
+            </a:r>
+            <a:r>
+              <a:rPr lang="en-US" sz="2400" dirty="0" err="1" smtClean="0">
+                <a:ea typeface="Century Gothic" charset="0"/>
+                <a:cs typeface="Century Gothic" charset="0"/>
+              </a:rPr>
+              <a:t>Viera</a:t>
+            </a:r>
+            <a:r>
+              <a:rPr lang="en-US" sz="2400" dirty="0" smtClean="0">
+                <a:ea typeface="Century Gothic" charset="0"/>
+                <a:cs typeface="Century Gothic" charset="0"/>
+              </a:rPr>
+              <a:t>-Hutchins, Pediatric Immunology, University of Utah</a:t>
+            </a:r>
             <a:endParaRPr lang="en-US" sz="2400" dirty="0">
-              <a:latin typeface="Century Gothic" charset="0"/>
               <a:ea typeface="Century Gothic" charset="0"/>
               <a:cs typeface="Century Gothic" charset="0"/>
             </a:endParaRPr>
@@ -8382,7 +8129,7 @@
         </p:xfrm>
         <a:graphic>
           <a:graphicData uri="http://schemas.openxmlformats.org/drawingml/2006/chart">
-            <c:chart xmlns:c="http://schemas.openxmlformats.org/drawingml/2006/chart" xmlns:r="http://schemas.openxmlformats.org/officeDocument/2006/relationships" r:id="rId6"/>
+            <c:chart xmlns:c="http://schemas.openxmlformats.org/drawingml/2006/chart" xmlns:r="http://schemas.openxmlformats.org/officeDocument/2006/relationships" r:id="rId7"/>
           </a:graphicData>
         </a:graphic>
       </p:graphicFrame>
@@ -8406,7 +8153,7 @@
         </p:xfrm>
         <a:graphic>
           <a:graphicData uri="http://schemas.openxmlformats.org/drawingml/2006/chart">
-            <c:chart xmlns:c="http://schemas.openxmlformats.org/drawingml/2006/chart" xmlns:r="http://schemas.openxmlformats.org/officeDocument/2006/relationships" r:id="rId7"/>
+            <c:chart xmlns:c="http://schemas.openxmlformats.org/drawingml/2006/chart" xmlns:r="http://schemas.openxmlformats.org/officeDocument/2006/relationships" r:id="rId8"/>
           </a:graphicData>
         </a:graphic>
       </p:graphicFrame>
@@ -8430,7 +8177,7 @@
         </p:xfrm>
         <a:graphic>
           <a:graphicData uri="http://schemas.openxmlformats.org/drawingml/2006/chart">
-            <c:chart xmlns:c="http://schemas.openxmlformats.org/drawingml/2006/chart" xmlns:r="http://schemas.openxmlformats.org/officeDocument/2006/relationships" r:id="rId8"/>
+            <c:chart xmlns:c="http://schemas.openxmlformats.org/drawingml/2006/chart" xmlns:r="http://schemas.openxmlformats.org/officeDocument/2006/relationships" r:id="rId9"/>
           </a:graphicData>
         </a:graphic>
       </p:graphicFrame>
@@ -8537,7 +8284,13 @@
                 <a:rPr lang="en-US" sz="2400" dirty="0" smtClean="0">
                   <a:cs typeface="Century Gothic"/>
                 </a:rPr>
-                <a:t>Infecting 100 body cells with the entire immune system for protection. </a:t>
+                <a:t>Infecting 100 body cells with the entire immune system for </a:t>
+              </a:r>
+              <a:r>
+                <a:rPr lang="en-US" sz="2400" dirty="0" smtClean="0">
+                  <a:cs typeface="Century Gothic"/>
+                </a:rPr>
+                <a:t>protection</a:t>
               </a:r>
               <a:endParaRPr lang="en-US" sz="2400" dirty="0">
                 <a:cs typeface="Century Gothic"/>
@@ -8565,7 +8318,7 @@
           </p:xfrm>
           <a:graphic>
             <a:graphicData uri="http://schemas.openxmlformats.org/drawingml/2006/chart">
-              <c:chart xmlns:c="http://schemas.openxmlformats.org/drawingml/2006/chart" xmlns:r="http://schemas.openxmlformats.org/officeDocument/2006/relationships" r:id="rId9"/>
+              <c:chart xmlns:c="http://schemas.openxmlformats.org/drawingml/2006/chart" xmlns:r="http://schemas.openxmlformats.org/officeDocument/2006/relationships" r:id="rId10"/>
             </a:graphicData>
           </a:graphic>
         </p:graphicFrame>
@@ -8589,59 +8342,246 @@
           </p:xfrm>
           <a:graphic>
             <a:graphicData uri="http://schemas.openxmlformats.org/drawingml/2006/chart">
-              <c:chart xmlns:c="http://schemas.openxmlformats.org/drawingml/2006/chart" xmlns:r="http://schemas.openxmlformats.org/officeDocument/2006/relationships" r:id="rId10"/>
+              <c:chart xmlns:c="http://schemas.openxmlformats.org/drawingml/2006/chart" xmlns:r="http://schemas.openxmlformats.org/officeDocument/2006/relationships" r:id="rId11"/>
             </a:graphicData>
           </a:graphic>
         </p:graphicFrame>
       </p:grpSp>
-      <p:graphicFrame>
-        <p:nvGraphicFramePr>
-          <p:cNvPr id="49" name="Chart 48"/>
-          <p:cNvGraphicFramePr>
-            <a:graphicFrameLocks/>
-          </p:cNvGraphicFramePr>
-          <p:nvPr>
-            <p:extLst>
-              <p:ext uri="{D42A27DB-BD31-4B8C-83A1-F6EECF244321}">
-                <p14:modId xmlns:p14="http://schemas.microsoft.com/office/powerpoint/2010/main" val="651887152"/>
-              </p:ext>
-            </p:extLst>
-          </p:nvPr>
-        </p:nvGraphicFramePr>
-        <p:xfrm>
-          <a:off x="26527846" y="8422245"/>
-          <a:ext cx="5461000" cy="4573981"/>
-        </p:xfrm>
-        <a:graphic>
-          <a:graphicData uri="http://schemas.openxmlformats.org/drawingml/2006/chart">
-            <c:chart xmlns:c="http://schemas.openxmlformats.org/drawingml/2006/chart" xmlns:r="http://schemas.openxmlformats.org/officeDocument/2006/relationships" r:id="rId11"/>
-          </a:graphicData>
-        </a:graphic>
-      </p:graphicFrame>
-      <p:graphicFrame>
-        <p:nvGraphicFramePr>
-          <p:cNvPr id="50" name="Chart 49"/>
-          <p:cNvGraphicFramePr>
-            <a:graphicFrameLocks/>
-          </p:cNvGraphicFramePr>
-          <p:nvPr>
-            <p:extLst>
-              <p:ext uri="{D42A27DB-BD31-4B8C-83A1-F6EECF244321}">
-                <p14:modId xmlns:p14="http://schemas.microsoft.com/office/powerpoint/2010/main" val="1120476649"/>
-              </p:ext>
-            </p:extLst>
-          </p:nvPr>
-        </p:nvGraphicFramePr>
-        <p:xfrm>
-          <a:off x="26302330" y="14279372"/>
-          <a:ext cx="6070600" cy="6379193"/>
-        </p:xfrm>
-        <a:graphic>
-          <a:graphicData uri="http://schemas.openxmlformats.org/drawingml/2006/chart">
-            <c:chart xmlns:c="http://schemas.openxmlformats.org/drawingml/2006/chart" xmlns:r="http://schemas.openxmlformats.org/officeDocument/2006/relationships" r:id="rId12"/>
-          </a:graphicData>
-        </a:graphic>
-      </p:graphicFrame>
+      <p:grpSp>
+        <p:nvGrpSpPr>
+          <p:cNvPr id="24" name="Group 23"/>
+          <p:cNvGrpSpPr/>
+          <p:nvPr/>
+        </p:nvGrpSpPr>
+        <p:grpSpPr>
+          <a:xfrm>
+            <a:off x="26112767" y="9038647"/>
+            <a:ext cx="6490112" cy="12336825"/>
+            <a:chOff x="26092576" y="9038646"/>
+            <a:chExt cx="6490112" cy="12336825"/>
+          </a:xfrm>
+        </p:grpSpPr>
+        <p:sp>
+          <p:nvSpPr>
+            <p:cNvPr id="34" name="Rounded Rectangle 33"/>
+            <p:cNvSpPr/>
+            <p:nvPr/>
+          </p:nvSpPr>
+          <p:spPr>
+            <a:xfrm>
+              <a:off x="26092576" y="9038646"/>
+              <a:ext cx="6490112" cy="12336825"/>
+            </a:xfrm>
+            <a:prstGeom prst="roundRect">
+              <a:avLst/>
+            </a:prstGeom>
+            <a:solidFill>
+              <a:schemeClr val="bg1"/>
+            </a:solidFill>
+            <a:ln>
+              <a:solidFill>
+                <a:schemeClr val="bg1"/>
+              </a:solidFill>
+            </a:ln>
+            <a:effectLst>
+              <a:outerShdw blurRad="50800" dist="38100" dir="2700000" algn="tl" rotWithShape="0">
+                <a:prstClr val="black">
+                  <a:alpha val="40000"/>
+                </a:prstClr>
+              </a:outerShdw>
+            </a:effectLst>
+          </p:spPr>
+          <p:style>
+            <a:lnRef idx="2">
+              <a:schemeClr val="accent1">
+                <a:shade val="50000"/>
+              </a:schemeClr>
+            </a:lnRef>
+            <a:fillRef idx="1">
+              <a:schemeClr val="accent1"/>
+            </a:fillRef>
+            <a:effectRef idx="0">
+              <a:schemeClr val="accent1"/>
+            </a:effectRef>
+            <a:fontRef idx="minor">
+              <a:schemeClr val="lt1"/>
+            </a:fontRef>
+          </p:style>
+          <p:txBody>
+            <a:bodyPr rtlCol="0" anchor="ctr"/>
+            <a:lstStyle/>
+            <a:p>
+              <a:pPr algn="ctr"/>
+              <a:endParaRPr lang="en-US"/>
+            </a:p>
+          </p:txBody>
+        </p:sp>
+        <p:sp>
+          <p:nvSpPr>
+            <p:cNvPr id="15" name="TextBox 14"/>
+            <p:cNvSpPr txBox="1"/>
+            <p:nvPr/>
+          </p:nvSpPr>
+          <p:spPr>
+            <a:xfrm>
+              <a:off x="26424915" y="9213308"/>
+              <a:ext cx="6146800" cy="1323439"/>
+            </a:xfrm>
+            <a:prstGeom prst="rect">
+              <a:avLst/>
+            </a:prstGeom>
+            <a:noFill/>
+          </p:spPr>
+          <p:txBody>
+            <a:bodyPr wrap="square" rtlCol="0">
+              <a:spAutoFit/>
+            </a:bodyPr>
+            <a:lstStyle/>
+            <a:p>
+              <a:pPr algn="ctr"/>
+              <a:r>
+                <a:rPr lang="en-US" sz="2800" b="1" dirty="0" smtClean="0">
+                  <a:ea typeface="Century Gothic" charset="0"/>
+                  <a:cs typeface="Century Gothic" charset="0"/>
+                </a:rPr>
+                <a:t>Bacterial Infections</a:t>
+              </a:r>
+            </a:p>
+            <a:p>
+              <a:pPr algn="ctr"/>
+              <a:endParaRPr lang="en-US" sz="2800" b="1" dirty="0" smtClean="0">
+                <a:ea typeface="Century Gothic" charset="0"/>
+                <a:cs typeface="Century Gothic" charset="0"/>
+              </a:endParaRPr>
+            </a:p>
+            <a:p>
+              <a:r>
+                <a:rPr lang="en-US" sz="2400" b="1" dirty="0" smtClean="0">
+                  <a:ea typeface="Century Gothic" charset="0"/>
+                  <a:cs typeface="Century Gothic" charset="0"/>
+                </a:rPr>
+                <a:t>Experiment 4:</a:t>
+              </a:r>
+              <a:r>
+                <a:rPr lang="en-US" sz="2400" dirty="0" smtClean="0">
+                  <a:ea typeface="Century Gothic" charset="0"/>
+                  <a:cs typeface="Century Gothic" charset="0"/>
+                </a:rPr>
+                <a:t> Killing 10 body cells with </a:t>
+              </a:r>
+              <a:r>
+                <a:rPr lang="en-US" sz="2400" dirty="0" smtClean="0">
+                  <a:ea typeface="Century Gothic" charset="0"/>
+                  <a:cs typeface="Century Gothic" charset="0"/>
+                </a:rPr>
+                <a:t>bacteria</a:t>
+              </a:r>
+              <a:endParaRPr lang="en-US" sz="2400" dirty="0">
+                <a:ea typeface="Century Gothic" charset="0"/>
+                <a:cs typeface="Century Gothic" charset="0"/>
+              </a:endParaRPr>
+            </a:p>
+          </p:txBody>
+        </p:sp>
+        <p:sp>
+          <p:nvSpPr>
+            <p:cNvPr id="18" name="TextBox 17"/>
+            <p:cNvSpPr txBox="1"/>
+            <p:nvPr/>
+          </p:nvSpPr>
+          <p:spPr>
+            <a:xfrm>
+              <a:off x="26567594" y="14669425"/>
+              <a:ext cx="5486767" cy="830997"/>
+            </a:xfrm>
+            <a:prstGeom prst="rect">
+              <a:avLst/>
+            </a:prstGeom>
+            <a:noFill/>
+          </p:spPr>
+          <p:txBody>
+            <a:bodyPr wrap="square" rtlCol="0">
+              <a:spAutoFit/>
+            </a:bodyPr>
+            <a:lstStyle/>
+            <a:p>
+              <a:r>
+                <a:rPr lang="en-US" sz="2400" b="1" dirty="0" smtClean="0">
+                  <a:ea typeface="Century Gothic" charset="0"/>
+                  <a:cs typeface="Century Gothic" charset="0"/>
+                </a:rPr>
+                <a:t>Experiment 5: </a:t>
+              </a:r>
+              <a:r>
+                <a:rPr lang="en-US" sz="2400" dirty="0" smtClean="0">
+                  <a:ea typeface="Century Gothic" charset="0"/>
+                  <a:cs typeface="Century Gothic" charset="0"/>
+                </a:rPr>
+                <a:t>Killing 10 body cells with 10 macrophages for </a:t>
+              </a:r>
+              <a:r>
+                <a:rPr lang="en-US" sz="2400" dirty="0" smtClean="0">
+                  <a:ea typeface="Century Gothic" charset="0"/>
+                  <a:cs typeface="Century Gothic" charset="0"/>
+                </a:rPr>
+                <a:t>protection </a:t>
+              </a:r>
+              <a:endParaRPr lang="en-US" sz="2400" dirty="0">
+                <a:ea typeface="Century Gothic" charset="0"/>
+                <a:cs typeface="Century Gothic" charset="0"/>
+              </a:endParaRPr>
+            </a:p>
+          </p:txBody>
+        </p:sp>
+        <p:graphicFrame>
+          <p:nvGraphicFramePr>
+            <p:cNvPr id="49" name="Chart 48"/>
+            <p:cNvGraphicFramePr>
+              <a:graphicFrameLocks/>
+            </p:cNvGraphicFramePr>
+            <p:nvPr>
+              <p:extLst>
+                <p:ext uri="{D42A27DB-BD31-4B8C-83A1-F6EECF244321}">
+                  <p14:modId xmlns:p14="http://schemas.microsoft.com/office/powerpoint/2010/main" val="1813073898"/>
+                </p:ext>
+              </p:extLst>
+            </p:nvPr>
+          </p:nvGraphicFramePr>
+          <p:xfrm>
+            <a:off x="26580477" y="10906079"/>
+            <a:ext cx="5461000" cy="3632369"/>
+          </p:xfrm>
+          <a:graphic>
+            <a:graphicData uri="http://schemas.openxmlformats.org/drawingml/2006/chart">
+              <c:chart xmlns:c="http://schemas.openxmlformats.org/drawingml/2006/chart" xmlns:r="http://schemas.openxmlformats.org/officeDocument/2006/relationships" r:id="rId12"/>
+            </a:graphicData>
+          </a:graphic>
+        </p:graphicFrame>
+        <p:graphicFrame>
+          <p:nvGraphicFramePr>
+            <p:cNvPr id="50" name="Chart 49"/>
+            <p:cNvGraphicFramePr>
+              <a:graphicFrameLocks/>
+            </p:cNvGraphicFramePr>
+            <p:nvPr>
+              <p:extLst>
+                <p:ext uri="{D42A27DB-BD31-4B8C-83A1-F6EECF244321}">
+                  <p14:modId xmlns:p14="http://schemas.microsoft.com/office/powerpoint/2010/main" val="1687536403"/>
+                </p:ext>
+              </p:extLst>
+            </p:nvPr>
+          </p:nvGraphicFramePr>
+          <p:xfrm>
+            <a:off x="26302330" y="15685872"/>
+            <a:ext cx="6070600" cy="4972693"/>
+          </p:xfrm>
+          <a:graphic>
+            <a:graphicData uri="http://schemas.openxmlformats.org/drawingml/2006/chart">
+              <c:chart xmlns:c="http://schemas.openxmlformats.org/drawingml/2006/chart" xmlns:r="http://schemas.openxmlformats.org/officeDocument/2006/relationships" r:id="rId13"/>
+            </a:graphicData>
+          </a:graphic>
+        </p:graphicFrame>
+      </p:grpSp>
       <p:sp>
         <p:nvSpPr>
           <p:cNvPr id="54" name="TextBox 53"/>
@@ -8650,7 +8590,7 @@
         </p:nvSpPr>
         <p:spPr>
           <a:xfrm>
-            <a:off x="9466108" y="10694371"/>
+            <a:off x="9466108" y="11096436"/>
             <a:ext cx="16035492" cy="523220"/>
           </a:xfrm>
           <a:prstGeom prst="rect">

--- a/Science Fair Poster .pptx
+++ b/Science Fair Poster .pptx
@@ -263,22 +263,22 @@
                   <c:v>100.0</c:v>
                 </c:pt>
                 <c:pt idx="3">
-                  <c:v>46.66666666666664</c:v>
+                  <c:v>46.66666666666663</c:v>
                 </c:pt>
                 <c:pt idx="4">
-                  <c:v>46.66666666666664</c:v>
+                  <c:v>46.66666666666663</c:v>
                 </c:pt>
                 <c:pt idx="5">
-                  <c:v>46.66666666666664</c:v>
+                  <c:v>46.66666666666663</c:v>
                 </c:pt>
                 <c:pt idx="6">
-                  <c:v>46.66666666666664</c:v>
+                  <c:v>46.66666666666663</c:v>
                 </c:pt>
                 <c:pt idx="7">
-                  <c:v>46.66666666666664</c:v>
+                  <c:v>46.66666666666663</c:v>
                 </c:pt>
                 <c:pt idx="8">
-                  <c:v>46.66666666666664</c:v>
+                  <c:v>46.66666666666663</c:v>
                 </c:pt>
                 <c:pt idx="9">
                   <c:v>5.0</c:v>
@@ -311,8 +311,8 @@
           <c:showPercent val="0"/>
           <c:showBubbleSize val="0"/>
         </c:dLbls>
-        <c:axId val="734889616"/>
-        <c:axId val="734897280"/>
+        <c:axId val="-1427885328"/>
+        <c:axId val="-1368285024"/>
       </c:scatterChart>
       <c:scatterChart>
         <c:scatterStyle val="smoothMarker"/>
@@ -444,11 +444,11 @@
           <c:showPercent val="0"/>
           <c:showBubbleSize val="0"/>
         </c:dLbls>
-        <c:axId val="734905552"/>
-        <c:axId val="734909264"/>
+        <c:axId val="-1368279488"/>
+        <c:axId val="-1368275776"/>
       </c:scatterChart>
       <c:valAx>
-        <c:axId val="734889616"/>
+        <c:axId val="-1427885328"/>
         <c:scaling>
           <c:orientation val="minMax"/>
         </c:scaling>
@@ -494,12 +494,12 @@
             <a:endParaRPr lang="en-US"/>
           </a:p>
         </c:txPr>
-        <c:crossAx val="734897280"/>
+        <c:crossAx val="-1368285024"/>
         <c:crosses val="autoZero"/>
         <c:crossBetween val="midCat"/>
       </c:valAx>
       <c:valAx>
-        <c:axId val="734897280"/>
+        <c:axId val="-1368285024"/>
         <c:scaling>
           <c:orientation val="minMax"/>
           <c:max val="110.0"/>
@@ -546,12 +546,12 @@
             <a:endParaRPr lang="en-US"/>
           </a:p>
         </c:txPr>
-        <c:crossAx val="734889616"/>
+        <c:crossAx val="-1427885328"/>
         <c:crosses val="autoZero"/>
         <c:crossBetween val="midCat"/>
       </c:valAx>
       <c:valAx>
-        <c:axId val="734905552"/>
+        <c:axId val="-1368279488"/>
         <c:scaling>
           <c:orientation val="minMax"/>
         </c:scaling>
@@ -560,12 +560,12 @@
         <c:majorTickMark val="out"/>
         <c:minorTickMark val="none"/>
         <c:tickLblPos val="nextTo"/>
-        <c:crossAx val="734909264"/>
+        <c:crossAx val="-1368275776"/>
         <c:crosses val="autoZero"/>
         <c:crossBetween val="midCat"/>
       </c:valAx>
       <c:valAx>
-        <c:axId val="734909264"/>
+        <c:axId val="-1368275776"/>
         <c:scaling>
           <c:orientation val="minMax"/>
           <c:max val="2400.0"/>
@@ -618,7 +618,7 @@
             <a:endParaRPr lang="en-US"/>
           </a:p>
         </c:txPr>
-        <c:crossAx val="734905552"/>
+        <c:crossAx val="-1368279488"/>
         <c:crosses val="max"/>
         <c:crossBetween val="midCat"/>
       </c:valAx>
@@ -790,22 +790,22 @@
                   <c:v>100.0</c:v>
                 </c:pt>
                 <c:pt idx="3">
-                  <c:v>46.66666666666664</c:v>
+                  <c:v>46.66666666666663</c:v>
                 </c:pt>
                 <c:pt idx="4">
-                  <c:v>46.66666666666664</c:v>
+                  <c:v>46.66666666666663</c:v>
                 </c:pt>
                 <c:pt idx="5">
-                  <c:v>46.66666666666664</c:v>
+                  <c:v>46.66666666666663</c:v>
                 </c:pt>
                 <c:pt idx="6">
-                  <c:v>46.66666666666664</c:v>
+                  <c:v>46.66666666666663</c:v>
                 </c:pt>
                 <c:pt idx="7">
-                  <c:v>46.66666666666664</c:v>
+                  <c:v>46.66666666666663</c:v>
                 </c:pt>
                 <c:pt idx="8">
-                  <c:v>46.66666666666664</c:v>
+                  <c:v>46.66666666666663</c:v>
                 </c:pt>
                 <c:pt idx="9">
                   <c:v>5.0</c:v>
@@ -964,11 +964,11 @@
           <c:showPercent val="0"/>
           <c:showBubbleSize val="0"/>
         </c:dLbls>
-        <c:axId val="737202176"/>
-        <c:axId val="737209440"/>
+        <c:axId val="-1358731072"/>
+        <c:axId val="-1358723856"/>
       </c:scatterChart>
       <c:valAx>
-        <c:axId val="737202176"/>
+        <c:axId val="-1358731072"/>
         <c:scaling>
           <c:orientation val="minMax"/>
         </c:scaling>
@@ -1014,12 +1014,12 @@
             <a:endParaRPr lang="en-US"/>
           </a:p>
         </c:txPr>
-        <c:crossAx val="737209440"/>
+        <c:crossAx val="-1358723856"/>
         <c:crosses val="autoZero"/>
         <c:crossBetween val="midCat"/>
       </c:valAx>
       <c:valAx>
-        <c:axId val="737209440"/>
+        <c:axId val="-1358723856"/>
         <c:scaling>
           <c:orientation val="minMax"/>
         </c:scaling>
@@ -1064,7 +1064,7 @@
             <a:endParaRPr lang="en-US"/>
           </a:p>
         </c:txPr>
-        <c:crossAx val="737202176"/>
+        <c:crossAx val="-1358731072"/>
         <c:crosses val="autoZero"/>
         <c:crossBetween val="midCat"/>
       </c:valAx>
@@ -1417,11 +1417,11 @@
           <c:showPercent val="0"/>
           <c:showBubbleSize val="0"/>
         </c:dLbls>
-        <c:axId val="737264064"/>
-        <c:axId val="737271296"/>
+        <c:axId val="-1369144240"/>
+        <c:axId val="-1369136992"/>
       </c:scatterChart>
       <c:valAx>
-        <c:axId val="737264064"/>
+        <c:axId val="-1369144240"/>
         <c:scaling>
           <c:orientation val="minMax"/>
         </c:scaling>
@@ -1467,12 +1467,12 @@
             <a:endParaRPr lang="en-US"/>
           </a:p>
         </c:txPr>
-        <c:crossAx val="737271296"/>
+        <c:crossAx val="-1369136992"/>
         <c:crosses val="autoZero"/>
         <c:crossBetween val="midCat"/>
       </c:valAx>
       <c:valAx>
-        <c:axId val="737271296"/>
+        <c:axId val="-1369136992"/>
         <c:scaling>
           <c:orientation val="minMax"/>
           <c:min val="0.0"/>
@@ -1518,7 +1518,7 @@
             <a:endParaRPr lang="en-US"/>
           </a:p>
         </c:txPr>
-        <c:crossAx val="737264064"/>
+        <c:crossAx val="-1369144240"/>
         <c:crosses val="autoZero"/>
         <c:crossBetween val="midCat"/>
       </c:valAx>
@@ -2099,11 +2099,11 @@
           <c:showPercent val="0"/>
           <c:showBubbleSize val="0"/>
         </c:dLbls>
-        <c:axId val="737333632"/>
-        <c:axId val="737340864"/>
+        <c:axId val="-1358626080"/>
+        <c:axId val="-1358618832"/>
       </c:scatterChart>
       <c:valAx>
-        <c:axId val="737333632"/>
+        <c:axId val="-1358626080"/>
         <c:scaling>
           <c:orientation val="minMax"/>
         </c:scaling>
@@ -2149,12 +2149,12 @@
             <a:endParaRPr lang="en-US"/>
           </a:p>
         </c:txPr>
-        <c:crossAx val="737340864"/>
+        <c:crossAx val="-1358618832"/>
         <c:crosses val="autoZero"/>
         <c:crossBetween val="midCat"/>
       </c:valAx>
       <c:valAx>
-        <c:axId val="737340864"/>
+        <c:axId val="-1358618832"/>
         <c:scaling>
           <c:orientation val="minMax"/>
           <c:min val="0.0"/>
@@ -2200,7 +2200,7 @@
             <a:endParaRPr lang="en-US"/>
           </a:p>
         </c:txPr>
-        <c:crossAx val="737333632"/>
+        <c:crossAx val="-1358626080"/>
         <c:crosses val="autoZero"/>
         <c:crossBetween val="midCat"/>
       </c:valAx>
@@ -2279,7 +2279,360 @@
             </a:pPr>
             <a:r>
               <a:rPr lang="en-US" sz="2400"/>
-              <a:t>Body Cell Death With and Without Immune System</a:t>
+              <a:t>Number of Body Cells Dying With Bacteria </a:t>
+            </a:r>
+          </a:p>
+        </c:rich>
+      </c:tx>
+      <c:layout>
+        <c:manualLayout>
+          <c:xMode val="edge"/>
+          <c:yMode val="edge"/>
+          <c:x val="0.13794750656168"/>
+          <c:y val="0.0416666666666667"/>
+        </c:manualLayout>
+      </c:layout>
+      <c:overlay val="0"/>
+    </c:title>
+    <c:autoTitleDeleted val="0"/>
+    <c:plotArea>
+      <c:layout/>
+      <c:scatterChart>
+        <c:scatterStyle val="smoothMarker"/>
+        <c:varyColors val="0"/>
+        <c:ser>
+          <c:idx val="0"/>
+          <c:order val="0"/>
+          <c:tx>
+            <c:v>Body Cells Dying</c:v>
+          </c:tx>
+          <c:marker>
+            <c:symbol val="none"/>
+          </c:marker>
+          <c:xVal>
+            <c:numRef>
+              <c:f>Sheet1!$A$1:$A$29</c:f>
+              <c:numCache>
+                <c:formatCode>General</c:formatCode>
+                <c:ptCount val="29"/>
+                <c:pt idx="0">
+                  <c:v>1.0</c:v>
+                </c:pt>
+                <c:pt idx="1">
+                  <c:v>2.0</c:v>
+                </c:pt>
+                <c:pt idx="2">
+                  <c:v>3.0</c:v>
+                </c:pt>
+                <c:pt idx="3">
+                  <c:v>4.0</c:v>
+                </c:pt>
+                <c:pt idx="4">
+                  <c:v>5.0</c:v>
+                </c:pt>
+                <c:pt idx="5">
+                  <c:v>6.0</c:v>
+                </c:pt>
+                <c:pt idx="6">
+                  <c:v>7.0</c:v>
+                </c:pt>
+                <c:pt idx="7">
+                  <c:v>8.0</c:v>
+                </c:pt>
+                <c:pt idx="8">
+                  <c:v>9.0</c:v>
+                </c:pt>
+                <c:pt idx="9">
+                  <c:v>10.0</c:v>
+                </c:pt>
+                <c:pt idx="10">
+                  <c:v>11.0</c:v>
+                </c:pt>
+                <c:pt idx="11">
+                  <c:v>12.0</c:v>
+                </c:pt>
+                <c:pt idx="12">
+                  <c:v>13.0</c:v>
+                </c:pt>
+                <c:pt idx="13">
+                  <c:v>14.0</c:v>
+                </c:pt>
+                <c:pt idx="14">
+                  <c:v>15.0</c:v>
+                </c:pt>
+                <c:pt idx="15">
+                  <c:v>16.0</c:v>
+                </c:pt>
+                <c:pt idx="16">
+                  <c:v>17.0</c:v>
+                </c:pt>
+                <c:pt idx="17">
+                  <c:v>18.0</c:v>
+                </c:pt>
+                <c:pt idx="18">
+                  <c:v>19.0</c:v>
+                </c:pt>
+                <c:pt idx="19">
+                  <c:v>20.0</c:v>
+                </c:pt>
+                <c:pt idx="20">
+                  <c:v>21.0</c:v>
+                </c:pt>
+                <c:pt idx="21">
+                  <c:v>22.0</c:v>
+                </c:pt>
+                <c:pt idx="22">
+                  <c:v>23.0</c:v>
+                </c:pt>
+                <c:pt idx="23">
+                  <c:v>24.0</c:v>
+                </c:pt>
+                <c:pt idx="24">
+                  <c:v>25.0</c:v>
+                </c:pt>
+                <c:pt idx="25">
+                  <c:v>26.0</c:v>
+                </c:pt>
+                <c:pt idx="26">
+                  <c:v>27.0</c:v>
+                </c:pt>
+                <c:pt idx="27">
+                  <c:v>28.0</c:v>
+                </c:pt>
+                <c:pt idx="28">
+                  <c:v>29.0</c:v>
+                </c:pt>
+              </c:numCache>
+            </c:numRef>
+          </c:xVal>
+          <c:yVal>
+            <c:numRef>
+              <c:f>Sheet1!$B$1:$B$29</c:f>
+              <c:numCache>
+                <c:formatCode>General</c:formatCode>
+                <c:ptCount val="29"/>
+                <c:pt idx="0">
+                  <c:v>10.0</c:v>
+                </c:pt>
+                <c:pt idx="1">
+                  <c:v>10.0</c:v>
+                </c:pt>
+                <c:pt idx="2">
+                  <c:v>10.0</c:v>
+                </c:pt>
+                <c:pt idx="3">
+                  <c:v>10.0</c:v>
+                </c:pt>
+                <c:pt idx="4">
+                  <c:v>9.0</c:v>
+                </c:pt>
+                <c:pt idx="5">
+                  <c:v>9.0</c:v>
+                </c:pt>
+                <c:pt idx="6">
+                  <c:v>9.0</c:v>
+                </c:pt>
+                <c:pt idx="7">
+                  <c:v>9.0</c:v>
+                </c:pt>
+                <c:pt idx="8">
+                  <c:v>9.0</c:v>
+                </c:pt>
+                <c:pt idx="9">
+                  <c:v>9.0</c:v>
+                </c:pt>
+                <c:pt idx="10">
+                  <c:v>8.0</c:v>
+                </c:pt>
+                <c:pt idx="11">
+                  <c:v>8.0</c:v>
+                </c:pt>
+                <c:pt idx="12">
+                  <c:v>6.0</c:v>
+                </c:pt>
+                <c:pt idx="13">
+                  <c:v>5.0</c:v>
+                </c:pt>
+                <c:pt idx="14">
+                  <c:v>5.0</c:v>
+                </c:pt>
+                <c:pt idx="15">
+                  <c:v>4.0</c:v>
+                </c:pt>
+                <c:pt idx="16">
+                  <c:v>4.0</c:v>
+                </c:pt>
+                <c:pt idx="17">
+                  <c:v>2.0</c:v>
+                </c:pt>
+                <c:pt idx="18">
+                  <c:v>2.0</c:v>
+                </c:pt>
+                <c:pt idx="19">
+                  <c:v>2.0</c:v>
+                </c:pt>
+                <c:pt idx="20">
+                  <c:v>2.0</c:v>
+                </c:pt>
+                <c:pt idx="21">
+                  <c:v>2.0</c:v>
+                </c:pt>
+                <c:pt idx="22">
+                  <c:v>2.0</c:v>
+                </c:pt>
+                <c:pt idx="23">
+                  <c:v>1.0</c:v>
+                </c:pt>
+                <c:pt idx="24">
+                  <c:v>1.0</c:v>
+                </c:pt>
+                <c:pt idx="25">
+                  <c:v>1.0</c:v>
+                </c:pt>
+                <c:pt idx="26">
+                  <c:v>1.0</c:v>
+                </c:pt>
+                <c:pt idx="27">
+                  <c:v>1.0</c:v>
+                </c:pt>
+                <c:pt idx="28">
+                  <c:v>0.0</c:v>
+                </c:pt>
+              </c:numCache>
+            </c:numRef>
+          </c:yVal>
+          <c:smooth val="1"/>
+        </c:ser>
+        <c:dLbls>
+          <c:showLegendKey val="0"/>
+          <c:showVal val="0"/>
+          <c:showCatName val="0"/>
+          <c:showSerName val="0"/>
+          <c:showPercent val="0"/>
+          <c:showBubbleSize val="0"/>
+        </c:dLbls>
+        <c:axId val="-1358509424"/>
+        <c:axId val="-1358505376"/>
+      </c:scatterChart>
+      <c:valAx>
+        <c:axId val="-1358509424"/>
+        <c:scaling>
+          <c:orientation val="minMax"/>
+        </c:scaling>
+        <c:delete val="0"/>
+        <c:axPos val="b"/>
+        <c:numFmt formatCode="General" sourceLinked="1"/>
+        <c:majorTickMark val="out"/>
+        <c:minorTickMark val="none"/>
+        <c:tickLblPos val="nextTo"/>
+        <c:txPr>
+          <a:bodyPr rot="0" vert="horz"/>
+          <a:lstStyle/>
+          <a:p>
+            <a:pPr>
+              <a:defRPr sz="2000" b="0" i="0" u="none" strike="noStrike" baseline="0">
+                <a:solidFill>
+                  <a:srgbClr val="000000"/>
+                </a:solidFill>
+                <a:latin typeface="Calibri"/>
+                <a:ea typeface="Calibri"/>
+                <a:cs typeface="Calibri"/>
+              </a:defRPr>
+            </a:pPr>
+            <a:endParaRPr lang="en-US"/>
+          </a:p>
+        </c:txPr>
+        <c:crossAx val="-1358505376"/>
+        <c:crosses val="autoZero"/>
+        <c:crossBetween val="midCat"/>
+      </c:valAx>
+      <c:valAx>
+        <c:axId val="-1358505376"/>
+        <c:scaling>
+          <c:orientation val="minMax"/>
+        </c:scaling>
+        <c:delete val="0"/>
+        <c:axPos val="l"/>
+        <c:majorGridlines/>
+        <c:numFmt formatCode="General" sourceLinked="1"/>
+        <c:majorTickMark val="out"/>
+        <c:minorTickMark val="none"/>
+        <c:tickLblPos val="nextTo"/>
+        <c:txPr>
+          <a:bodyPr/>
+          <a:lstStyle/>
+          <a:p>
+            <a:pPr>
+              <a:defRPr sz="2000"/>
+            </a:pPr>
+            <a:endParaRPr lang="en-US"/>
+          </a:p>
+        </c:txPr>
+        <c:crossAx val="-1358509424"/>
+        <c:crosses val="autoZero"/>
+        <c:crossBetween val="midCat"/>
+      </c:valAx>
+    </c:plotArea>
+    <c:plotVisOnly val="1"/>
+    <c:dispBlanksAs val="gap"/>
+    <c:showDLblsOverMax val="0"/>
+  </c:chart>
+  <c:txPr>
+    <a:bodyPr/>
+    <a:lstStyle/>
+    <a:p>
+      <a:pPr>
+        <a:defRPr sz="1000" b="0" i="0" u="none" strike="noStrike" baseline="0">
+          <a:solidFill>
+            <a:srgbClr val="000000"/>
+          </a:solidFill>
+          <a:latin typeface="Calibri"/>
+          <a:ea typeface="Calibri"/>
+          <a:cs typeface="Calibri"/>
+        </a:defRPr>
+      </a:pPr>
+      <a:endParaRPr lang="en-US"/>
+    </a:p>
+  </c:txPr>
+  <c:externalData r:id="rId1">
+    <c:autoUpdate val="0"/>
+  </c:externalData>
+</c:chartSpace>
+</file>
+
+<file path=ppt/charts/chart6.xml><?xml version="1.0" encoding="utf-8"?>
+<c:chartSpace xmlns:c="http://schemas.openxmlformats.org/drawingml/2006/chart" xmlns:a="http://schemas.openxmlformats.org/drawingml/2006/main" xmlns:r="http://schemas.openxmlformats.org/officeDocument/2006/relationships">
+  <c:date1904 val="0"/>
+  <c:lang val="en-US"/>
+  <c:roundedCorners val="0"/>
+  <mc:AlternateContent xmlns:mc="http://schemas.openxmlformats.org/markup-compatibility/2006">
+    <mc:Choice xmlns:c14="http://schemas.microsoft.com/office/drawing/2007/8/2/chart" Requires="c14">
+      <c14:style val="118"/>
+    </mc:Choice>
+    <mc:Fallback>
+      <c:style val="18"/>
+    </mc:Fallback>
+  </mc:AlternateContent>
+  <c:chart>
+    <c:title>
+      <c:tx>
+        <c:rich>
+          <a:bodyPr/>
+          <a:lstStyle/>
+          <a:p>
+            <a:pPr algn="ctr" rtl="1">
+              <a:defRPr sz="2000" b="1" i="0" u="none" strike="noStrike" baseline="0">
+                <a:solidFill>
+                  <a:srgbClr val="000000"/>
+                </a:solidFill>
+                <a:latin typeface="Calibri"/>
+                <a:ea typeface="Calibri"/>
+                <a:cs typeface="Calibri"/>
+              </a:defRPr>
+            </a:pPr>
+            <a:r>
+              <a:rPr lang="en-US" sz="2000"/>
+              <a:t>Body Cell Death with Bacteria and Macrophages</a:t>
             </a:r>
           </a:p>
         </c:rich>
@@ -2297,17 +2650,17 @@
           <c:idx val="0"/>
           <c:order val="0"/>
           <c:tx>
-            <c:v>Without Immune System</c:v>
+            <c:v> Without Macrophages</c:v>
           </c:tx>
           <c:marker>
             <c:symbol val="none"/>
           </c:marker>
           <c:xVal>
             <c:numRef>
-              <c:f>'With Immune system'!$G$3:$G$36</c:f>
+              <c:f>Sheet1!$A$1:$A$29</c:f>
               <c:numCache>
                 <c:formatCode>General</c:formatCode>
-                <c:ptCount val="34"/>
+                <c:ptCount val="29"/>
                 <c:pt idx="0">
                   <c:v>1.0</c:v>
                 </c:pt>
@@ -2394,131 +2747,101 @@
                 </c:pt>
                 <c:pt idx="28">
                   <c:v>29.0</c:v>
-                </c:pt>
-                <c:pt idx="29">
-                  <c:v>30.0</c:v>
-                </c:pt>
-                <c:pt idx="30">
-                  <c:v>31.0</c:v>
-                </c:pt>
-                <c:pt idx="31">
-                  <c:v>32.0</c:v>
-                </c:pt>
-                <c:pt idx="32">
-                  <c:v>33.0</c:v>
-                </c:pt>
-                <c:pt idx="33">
-                  <c:v>34.0</c:v>
                 </c:pt>
               </c:numCache>
             </c:numRef>
           </c:xVal>
           <c:yVal>
             <c:numRef>
-              <c:f>'With Immune system'!$H$3:$H$36</c:f>
+              <c:f>Sheet1!$B$1:$B$29</c:f>
               <c:numCache>
-                <c:formatCode>0.00</c:formatCode>
-                <c:ptCount val="34"/>
+                <c:formatCode>General</c:formatCode>
+                <c:ptCount val="29"/>
                 <c:pt idx="0">
-                  <c:v>100.0</c:v>
+                  <c:v>10.0</c:v>
                 </c:pt>
                 <c:pt idx="1">
-                  <c:v>100.0</c:v>
+                  <c:v>10.0</c:v>
                 </c:pt>
                 <c:pt idx="2">
-                  <c:v>100.0</c:v>
+                  <c:v>10.0</c:v>
                 </c:pt>
                 <c:pt idx="3">
-                  <c:v>46.66666666666664</c:v>
+                  <c:v>10.0</c:v>
                 </c:pt>
                 <c:pt idx="4">
-                  <c:v>46.66666666666664</c:v>
+                  <c:v>9.0</c:v>
                 </c:pt>
                 <c:pt idx="5">
-                  <c:v>46.66666666666664</c:v>
+                  <c:v>9.0</c:v>
                 </c:pt>
                 <c:pt idx="6">
-                  <c:v>46.66666666666664</c:v>
+                  <c:v>9.0</c:v>
                 </c:pt>
                 <c:pt idx="7">
-                  <c:v>46.66666666666664</c:v>
+                  <c:v>9.0</c:v>
                 </c:pt>
                 <c:pt idx="8">
-                  <c:v>46.66666666666664</c:v>
+                  <c:v>9.0</c:v>
                 </c:pt>
                 <c:pt idx="9">
+                  <c:v>9.0</c:v>
+                </c:pt>
+                <c:pt idx="10">
+                  <c:v>8.0</c:v>
+                </c:pt>
+                <c:pt idx="11">
+                  <c:v>8.0</c:v>
+                </c:pt>
+                <c:pt idx="12">
+                  <c:v>6.0</c:v>
+                </c:pt>
+                <c:pt idx="13">
                   <c:v>5.0</c:v>
                 </c:pt>
-                <c:pt idx="10">
-                  <c:v>2.333333333333333</c:v>
-                </c:pt>
-                <c:pt idx="11">
+                <c:pt idx="14">
+                  <c:v>5.0</c:v>
+                </c:pt>
+                <c:pt idx="15">
+                  <c:v>4.0</c:v>
+                </c:pt>
+                <c:pt idx="16">
+                  <c:v>4.0</c:v>
+                </c:pt>
+                <c:pt idx="17">
                   <c:v>2.0</c:v>
                 </c:pt>
-                <c:pt idx="12">
+                <c:pt idx="18">
+                  <c:v>2.0</c:v>
+                </c:pt>
+                <c:pt idx="19">
+                  <c:v>2.0</c:v>
+                </c:pt>
+                <c:pt idx="20">
+                  <c:v>2.0</c:v>
+                </c:pt>
+                <c:pt idx="21">
+                  <c:v>2.0</c:v>
+                </c:pt>
+                <c:pt idx="22">
+                  <c:v>2.0</c:v>
+                </c:pt>
+                <c:pt idx="23">
                   <c:v>1.0</c:v>
                 </c:pt>
-                <c:pt idx="13">
-                  <c:v>0.666666666666667</c:v>
-                </c:pt>
-                <c:pt idx="14">
-                  <c:v>0.666666666666667</c:v>
-                </c:pt>
-                <c:pt idx="15">
-                  <c:v>0.0</c:v>
-                </c:pt>
-                <c:pt idx="16">
-                  <c:v>0.0</c:v>
-                </c:pt>
-                <c:pt idx="17">
-                  <c:v>0.0</c:v>
-                </c:pt>
-                <c:pt idx="18">
-                  <c:v>0.0</c:v>
-                </c:pt>
-                <c:pt idx="19">
-                  <c:v>0.0</c:v>
-                </c:pt>
-                <c:pt idx="20">
-                  <c:v>0.0</c:v>
-                </c:pt>
-                <c:pt idx="21">
-                  <c:v>0.0</c:v>
-                </c:pt>
-                <c:pt idx="22">
-                  <c:v>0.0</c:v>
-                </c:pt>
-                <c:pt idx="23">
-                  <c:v>0.0</c:v>
-                </c:pt>
                 <c:pt idx="24">
-                  <c:v>0.0</c:v>
+                  <c:v>1.0</c:v>
                 </c:pt>
                 <c:pt idx="25">
-                  <c:v>0.0</c:v>
+                  <c:v>1.0</c:v>
                 </c:pt>
                 <c:pt idx="26">
-                  <c:v>0.0</c:v>
+                  <c:v>1.0</c:v>
                 </c:pt>
                 <c:pt idx="27">
-                  <c:v>0.0</c:v>
+                  <c:v>1.0</c:v>
                 </c:pt>
                 <c:pt idx="28">
-                  <c:v>0.0</c:v>
-                </c:pt>
-                <c:pt idx="29">
-                  <c:v>0.0</c:v>
-                </c:pt>
-                <c:pt idx="30">
-                  <c:v>0.0</c:v>
-                </c:pt>
-                <c:pt idx="31">
-                  <c:v>0.0</c:v>
-                </c:pt>
-                <c:pt idx="32">
-                  <c:v>0.0</c:v>
-                </c:pt>
-                <c:pt idx="33">
                   <c:v>0.0</c:v>
                 </c:pt>
               </c:numCache>
@@ -2530,12 +2853,12 @@
           <c:idx val="1"/>
           <c:order val="1"/>
           <c:tx>
-            <c:v>With Immune System</c:v>
+            <c:v> With Macrophages</c:v>
           </c:tx>
           <c:spPr>
             <a:ln>
               <a:solidFill>
-                <a:srgbClr val="FFC000"/>
+                <a:srgbClr val="00E88F"/>
               </a:solidFill>
             </a:ln>
           </c:spPr>
@@ -2544,10 +2867,10 @@
           </c:marker>
           <c:xVal>
             <c:numRef>
-              <c:f>'With Immune system'!$G$3:$G$36</c:f>
+              <c:f>Sheet1!$A$1:$A$29</c:f>
               <c:numCache>
                 <c:formatCode>General</c:formatCode>
-                <c:ptCount val="34"/>
+                <c:ptCount val="29"/>
                 <c:pt idx="0">
                   <c:v>1.0</c:v>
                 </c:pt>
@@ -2634,132 +2957,102 @@
                 </c:pt>
                 <c:pt idx="28">
                   <c:v>29.0</c:v>
-                </c:pt>
-                <c:pt idx="29">
-                  <c:v>30.0</c:v>
-                </c:pt>
-                <c:pt idx="30">
-                  <c:v>31.0</c:v>
-                </c:pt>
-                <c:pt idx="31">
-                  <c:v>32.0</c:v>
-                </c:pt>
-                <c:pt idx="32">
-                  <c:v>33.0</c:v>
-                </c:pt>
-                <c:pt idx="33">
-                  <c:v>34.0</c:v>
                 </c:pt>
               </c:numCache>
             </c:numRef>
           </c:xVal>
           <c:yVal>
             <c:numRef>
-              <c:f>'With Immune system'!$I$3:$I$36</c:f>
+              <c:f>Sheet1!$C$1:$C$29</c:f>
               <c:numCache>
                 <c:formatCode>General</c:formatCode>
-                <c:ptCount val="34"/>
+                <c:ptCount val="29"/>
                 <c:pt idx="0">
-                  <c:v>100.0</c:v>
+                  <c:v>10.0</c:v>
                 </c:pt>
                 <c:pt idx="1">
-                  <c:v>100.0</c:v>
+                  <c:v>10.0</c:v>
                 </c:pt>
                 <c:pt idx="2">
-                  <c:v>99.0</c:v>
+                  <c:v>10.0</c:v>
                 </c:pt>
                 <c:pt idx="3">
-                  <c:v>98.0</c:v>
+                  <c:v>10.0</c:v>
                 </c:pt>
                 <c:pt idx="4">
-                  <c:v>96.0</c:v>
+                  <c:v>10.0</c:v>
                 </c:pt>
                 <c:pt idx="5">
-                  <c:v>95.0</c:v>
+                  <c:v>9.0</c:v>
                 </c:pt>
                 <c:pt idx="6">
-                  <c:v>92.0</c:v>
+                  <c:v>8.0</c:v>
                 </c:pt>
                 <c:pt idx="7">
-                  <c:v>90.0</c:v>
+                  <c:v>8.0</c:v>
                 </c:pt>
                 <c:pt idx="8">
-                  <c:v>87.0</c:v>
+                  <c:v>8.0</c:v>
                 </c:pt>
                 <c:pt idx="9">
-                  <c:v>85.0</c:v>
+                  <c:v>8.0</c:v>
                 </c:pt>
                 <c:pt idx="10">
-                  <c:v>82.0</c:v>
+                  <c:v>8.0</c:v>
                 </c:pt>
                 <c:pt idx="11">
-                  <c:v>80.0</c:v>
+                  <c:v>8.0</c:v>
                 </c:pt>
                 <c:pt idx="12">
-                  <c:v>74.0</c:v>
+                  <c:v>8.0</c:v>
                 </c:pt>
                 <c:pt idx="13">
-                  <c:v>73.0</c:v>
+                  <c:v>8.0</c:v>
                 </c:pt>
                 <c:pt idx="14">
-                  <c:v>61.0</c:v>
+                  <c:v>8.0</c:v>
                 </c:pt>
                 <c:pt idx="15">
-                  <c:v>59.0</c:v>
+                  <c:v>8.0</c:v>
                 </c:pt>
                 <c:pt idx="16">
-                  <c:v>54.0</c:v>
+                  <c:v>8.0</c:v>
                 </c:pt>
                 <c:pt idx="17">
-                  <c:v>43.0</c:v>
+                  <c:v>8.0</c:v>
                 </c:pt>
                 <c:pt idx="18">
-                  <c:v>29.0</c:v>
+                  <c:v>8.0</c:v>
                 </c:pt>
                 <c:pt idx="19">
-                  <c:v>22.0</c:v>
+                  <c:v>8.0</c:v>
                 </c:pt>
                 <c:pt idx="20">
-                  <c:v>18.0</c:v>
+                  <c:v>8.0</c:v>
                 </c:pt>
                 <c:pt idx="21">
-                  <c:v>16.0</c:v>
+                  <c:v>7.0</c:v>
                 </c:pt>
                 <c:pt idx="22">
-                  <c:v>8.0</c:v>
+                  <c:v>7.0</c:v>
                 </c:pt>
                 <c:pt idx="23">
                   <c:v>7.0</c:v>
                 </c:pt>
                 <c:pt idx="24">
-                  <c:v>4.0</c:v>
+                  <c:v>7.0</c:v>
                 </c:pt>
                 <c:pt idx="25">
-                  <c:v>4.0</c:v>
+                  <c:v>7.0</c:v>
                 </c:pt>
                 <c:pt idx="26">
-                  <c:v>3.0</c:v>
+                  <c:v>7.0</c:v>
                 </c:pt>
                 <c:pt idx="27">
-                  <c:v>3.0</c:v>
+                  <c:v>7.0</c:v>
                 </c:pt>
                 <c:pt idx="28">
-                  <c:v>2.0</c:v>
-                </c:pt>
-                <c:pt idx="29">
-                  <c:v>1.0</c:v>
-                </c:pt>
-                <c:pt idx="30">
-                  <c:v>1.0</c:v>
-                </c:pt>
-                <c:pt idx="31">
-                  <c:v>1.0</c:v>
-                </c:pt>
-                <c:pt idx="32">
-                  <c:v>1.0</c:v>
-                </c:pt>
-                <c:pt idx="33">
-                  <c:v>1.0</c:v>
+                  <c:v>7.0</c:v>
                 </c:pt>
               </c:numCache>
             </c:numRef>
@@ -2774,35 +3067,16 @@
           <c:showPercent val="0"/>
           <c:showBubbleSize val="0"/>
         </c:dLbls>
-        <c:axId val="737390736"/>
-        <c:axId val="737397968"/>
+        <c:axId val="-1358454320"/>
+        <c:axId val="-1358450288"/>
       </c:scatterChart>
       <c:valAx>
-        <c:axId val="737390736"/>
+        <c:axId val="-1358454320"/>
         <c:scaling>
           <c:orientation val="minMax"/>
         </c:scaling>
         <c:delete val="0"/>
         <c:axPos val="b"/>
-        <c:title>
-          <c:tx>
-            <c:rich>
-              <a:bodyPr/>
-              <a:lstStyle/>
-              <a:p>
-                <a:pPr>
-                  <a:defRPr sz="2000"/>
-                </a:pPr>
-                <a:r>
-                  <a:rPr lang="en-US" sz="2000"/>
-                  <a:t>Time(seconds)</a:t>
-                </a:r>
-              </a:p>
-            </c:rich>
-          </c:tx>
-          <c:layout/>
-          <c:overlay val="0"/>
-        </c:title>
         <c:numFmt formatCode="General" sourceLinked="1"/>
         <c:majorTickMark val="out"/>
         <c:minorTickMark val="none"/>
@@ -2824,44 +3098,19 @@
             <a:endParaRPr lang="en-US"/>
           </a:p>
         </c:txPr>
-        <c:crossAx val="737397968"/>
+        <c:crossAx val="-1358450288"/>
         <c:crosses val="autoZero"/>
         <c:crossBetween val="midCat"/>
       </c:valAx>
       <c:valAx>
-        <c:axId val="737397968"/>
+        <c:axId val="-1358450288"/>
         <c:scaling>
           <c:orientation val="minMax"/>
-          <c:min val="0.0"/>
         </c:scaling>
         <c:delete val="0"/>
         <c:axPos val="l"/>
         <c:majorGridlines/>
-        <c:title>
-          <c:tx>
-            <c:rich>
-              <a:bodyPr rot="-5400000" vert="horz"/>
-              <a:lstStyle/>
-              <a:p>
-                <a:pPr>
-                  <a:defRPr sz="2000"/>
-                </a:pPr>
-                <a:r>
-                  <a:rPr lang="en-US" sz="2000"/>
-                  <a:t>Number</a:t>
-                </a:r>
-                <a:r>
-                  <a:rPr lang="en-US" sz="2000" baseline="0"/>
-                  <a:t> of Viruses</a:t>
-                </a:r>
-                <a:endParaRPr lang="en-US" sz="2000"/>
-              </a:p>
-            </c:rich>
-          </c:tx>
-          <c:layout/>
-          <c:overlay val="0"/>
-        </c:title>
-        <c:numFmt formatCode="0.00" sourceLinked="1"/>
+        <c:numFmt formatCode="General" sourceLinked="1"/>
         <c:majorTickMark val="out"/>
         <c:minorTickMark val="none"/>
         <c:tickLblPos val="nextTo"/>
@@ -2875,7 +3124,7 @@
             <a:endParaRPr lang="en-US"/>
           </a:p>
         </c:txPr>
-        <c:crossAx val="737390736"/>
+        <c:crossAx val="-1358454320"/>
         <c:crosses val="autoZero"/>
         <c:crossBetween val="midCat"/>
       </c:valAx>
@@ -2922,359 +3171,6 @@
 </c:chartSpace>
 </file>
 
-<file path=ppt/charts/chart6.xml><?xml version="1.0" encoding="utf-8"?>
-<c:chartSpace xmlns:c="http://schemas.openxmlformats.org/drawingml/2006/chart" xmlns:a="http://schemas.openxmlformats.org/drawingml/2006/main" xmlns:r="http://schemas.openxmlformats.org/officeDocument/2006/relationships">
-  <c:date1904 val="0"/>
-  <c:lang val="en-US"/>
-  <c:roundedCorners val="0"/>
-  <mc:AlternateContent xmlns:mc="http://schemas.openxmlformats.org/markup-compatibility/2006">
-    <mc:Choice xmlns:c14="http://schemas.microsoft.com/office/drawing/2007/8/2/chart" Requires="c14">
-      <c14:style val="118"/>
-    </mc:Choice>
-    <mc:Fallback>
-      <c:style val="18"/>
-    </mc:Fallback>
-  </mc:AlternateContent>
-  <c:chart>
-    <c:title>
-      <c:tx>
-        <c:rich>
-          <a:bodyPr/>
-          <a:lstStyle/>
-          <a:p>
-            <a:pPr algn="ctr" rtl="1">
-              <a:defRPr sz="2400" b="1" i="0" u="none" strike="noStrike" baseline="0">
-                <a:solidFill>
-                  <a:srgbClr val="000000"/>
-                </a:solidFill>
-                <a:latin typeface="Calibri"/>
-                <a:ea typeface="Calibri"/>
-                <a:cs typeface="Calibri"/>
-              </a:defRPr>
-            </a:pPr>
-            <a:r>
-              <a:rPr lang="en-US" sz="2400"/>
-              <a:t>Number of Body Cells Dying With Bacteria </a:t>
-            </a:r>
-          </a:p>
-        </c:rich>
-      </c:tx>
-      <c:layout>
-        <c:manualLayout>
-          <c:xMode val="edge"/>
-          <c:yMode val="edge"/>
-          <c:x val="0.13794750656168"/>
-          <c:y val="0.0416666666666667"/>
-        </c:manualLayout>
-      </c:layout>
-      <c:overlay val="0"/>
-    </c:title>
-    <c:autoTitleDeleted val="0"/>
-    <c:plotArea>
-      <c:layout/>
-      <c:scatterChart>
-        <c:scatterStyle val="smoothMarker"/>
-        <c:varyColors val="0"/>
-        <c:ser>
-          <c:idx val="0"/>
-          <c:order val="0"/>
-          <c:tx>
-            <c:v>Body Cells Dying</c:v>
-          </c:tx>
-          <c:marker>
-            <c:symbol val="none"/>
-          </c:marker>
-          <c:xVal>
-            <c:numRef>
-              <c:f>Sheet1!$A$1:$A$29</c:f>
-              <c:numCache>
-                <c:formatCode>General</c:formatCode>
-                <c:ptCount val="29"/>
-                <c:pt idx="0">
-                  <c:v>1.0</c:v>
-                </c:pt>
-                <c:pt idx="1">
-                  <c:v>2.0</c:v>
-                </c:pt>
-                <c:pt idx="2">
-                  <c:v>3.0</c:v>
-                </c:pt>
-                <c:pt idx="3">
-                  <c:v>4.0</c:v>
-                </c:pt>
-                <c:pt idx="4">
-                  <c:v>5.0</c:v>
-                </c:pt>
-                <c:pt idx="5">
-                  <c:v>6.0</c:v>
-                </c:pt>
-                <c:pt idx="6">
-                  <c:v>7.0</c:v>
-                </c:pt>
-                <c:pt idx="7">
-                  <c:v>8.0</c:v>
-                </c:pt>
-                <c:pt idx="8">
-                  <c:v>9.0</c:v>
-                </c:pt>
-                <c:pt idx="9">
-                  <c:v>10.0</c:v>
-                </c:pt>
-                <c:pt idx="10">
-                  <c:v>11.0</c:v>
-                </c:pt>
-                <c:pt idx="11">
-                  <c:v>12.0</c:v>
-                </c:pt>
-                <c:pt idx="12">
-                  <c:v>13.0</c:v>
-                </c:pt>
-                <c:pt idx="13">
-                  <c:v>14.0</c:v>
-                </c:pt>
-                <c:pt idx="14">
-                  <c:v>15.0</c:v>
-                </c:pt>
-                <c:pt idx="15">
-                  <c:v>16.0</c:v>
-                </c:pt>
-                <c:pt idx="16">
-                  <c:v>17.0</c:v>
-                </c:pt>
-                <c:pt idx="17">
-                  <c:v>18.0</c:v>
-                </c:pt>
-                <c:pt idx="18">
-                  <c:v>19.0</c:v>
-                </c:pt>
-                <c:pt idx="19">
-                  <c:v>20.0</c:v>
-                </c:pt>
-                <c:pt idx="20">
-                  <c:v>21.0</c:v>
-                </c:pt>
-                <c:pt idx="21">
-                  <c:v>22.0</c:v>
-                </c:pt>
-                <c:pt idx="22">
-                  <c:v>23.0</c:v>
-                </c:pt>
-                <c:pt idx="23">
-                  <c:v>24.0</c:v>
-                </c:pt>
-                <c:pt idx="24">
-                  <c:v>25.0</c:v>
-                </c:pt>
-                <c:pt idx="25">
-                  <c:v>26.0</c:v>
-                </c:pt>
-                <c:pt idx="26">
-                  <c:v>27.0</c:v>
-                </c:pt>
-                <c:pt idx="27">
-                  <c:v>28.0</c:v>
-                </c:pt>
-                <c:pt idx="28">
-                  <c:v>29.0</c:v>
-                </c:pt>
-              </c:numCache>
-            </c:numRef>
-          </c:xVal>
-          <c:yVal>
-            <c:numRef>
-              <c:f>Sheet1!$B$1:$B$29</c:f>
-              <c:numCache>
-                <c:formatCode>General</c:formatCode>
-                <c:ptCount val="29"/>
-                <c:pt idx="0">
-                  <c:v>10.0</c:v>
-                </c:pt>
-                <c:pt idx="1">
-                  <c:v>10.0</c:v>
-                </c:pt>
-                <c:pt idx="2">
-                  <c:v>10.0</c:v>
-                </c:pt>
-                <c:pt idx="3">
-                  <c:v>10.0</c:v>
-                </c:pt>
-                <c:pt idx="4">
-                  <c:v>9.0</c:v>
-                </c:pt>
-                <c:pt idx="5">
-                  <c:v>9.0</c:v>
-                </c:pt>
-                <c:pt idx="6">
-                  <c:v>9.0</c:v>
-                </c:pt>
-                <c:pt idx="7">
-                  <c:v>9.0</c:v>
-                </c:pt>
-                <c:pt idx="8">
-                  <c:v>9.0</c:v>
-                </c:pt>
-                <c:pt idx="9">
-                  <c:v>9.0</c:v>
-                </c:pt>
-                <c:pt idx="10">
-                  <c:v>8.0</c:v>
-                </c:pt>
-                <c:pt idx="11">
-                  <c:v>8.0</c:v>
-                </c:pt>
-                <c:pt idx="12">
-                  <c:v>6.0</c:v>
-                </c:pt>
-                <c:pt idx="13">
-                  <c:v>5.0</c:v>
-                </c:pt>
-                <c:pt idx="14">
-                  <c:v>5.0</c:v>
-                </c:pt>
-                <c:pt idx="15">
-                  <c:v>4.0</c:v>
-                </c:pt>
-                <c:pt idx="16">
-                  <c:v>4.0</c:v>
-                </c:pt>
-                <c:pt idx="17">
-                  <c:v>2.0</c:v>
-                </c:pt>
-                <c:pt idx="18">
-                  <c:v>2.0</c:v>
-                </c:pt>
-                <c:pt idx="19">
-                  <c:v>2.0</c:v>
-                </c:pt>
-                <c:pt idx="20">
-                  <c:v>2.0</c:v>
-                </c:pt>
-                <c:pt idx="21">
-                  <c:v>2.0</c:v>
-                </c:pt>
-                <c:pt idx="22">
-                  <c:v>2.0</c:v>
-                </c:pt>
-                <c:pt idx="23">
-                  <c:v>1.0</c:v>
-                </c:pt>
-                <c:pt idx="24">
-                  <c:v>1.0</c:v>
-                </c:pt>
-                <c:pt idx="25">
-                  <c:v>1.0</c:v>
-                </c:pt>
-                <c:pt idx="26">
-                  <c:v>1.0</c:v>
-                </c:pt>
-                <c:pt idx="27">
-                  <c:v>1.0</c:v>
-                </c:pt>
-                <c:pt idx="28">
-                  <c:v>0.0</c:v>
-                </c:pt>
-              </c:numCache>
-            </c:numRef>
-          </c:yVal>
-          <c:smooth val="1"/>
-        </c:ser>
-        <c:dLbls>
-          <c:showLegendKey val="0"/>
-          <c:showVal val="0"/>
-          <c:showCatName val="0"/>
-          <c:showSerName val="0"/>
-          <c:showPercent val="0"/>
-          <c:showBubbleSize val="0"/>
-        </c:dLbls>
-        <c:axId val="737436976"/>
-        <c:axId val="737441024"/>
-      </c:scatterChart>
-      <c:valAx>
-        <c:axId val="737436976"/>
-        <c:scaling>
-          <c:orientation val="minMax"/>
-        </c:scaling>
-        <c:delete val="0"/>
-        <c:axPos val="b"/>
-        <c:numFmt formatCode="General" sourceLinked="1"/>
-        <c:majorTickMark val="out"/>
-        <c:minorTickMark val="none"/>
-        <c:tickLblPos val="nextTo"/>
-        <c:txPr>
-          <a:bodyPr rot="0" vert="horz"/>
-          <a:lstStyle/>
-          <a:p>
-            <a:pPr>
-              <a:defRPr sz="2000" b="0" i="0" u="none" strike="noStrike" baseline="0">
-                <a:solidFill>
-                  <a:srgbClr val="000000"/>
-                </a:solidFill>
-                <a:latin typeface="Calibri"/>
-                <a:ea typeface="Calibri"/>
-                <a:cs typeface="Calibri"/>
-              </a:defRPr>
-            </a:pPr>
-            <a:endParaRPr lang="en-US"/>
-          </a:p>
-        </c:txPr>
-        <c:crossAx val="737441024"/>
-        <c:crosses val="autoZero"/>
-        <c:crossBetween val="midCat"/>
-      </c:valAx>
-      <c:valAx>
-        <c:axId val="737441024"/>
-        <c:scaling>
-          <c:orientation val="minMax"/>
-        </c:scaling>
-        <c:delete val="0"/>
-        <c:axPos val="l"/>
-        <c:majorGridlines/>
-        <c:numFmt formatCode="General" sourceLinked="1"/>
-        <c:majorTickMark val="out"/>
-        <c:minorTickMark val="none"/>
-        <c:tickLblPos val="nextTo"/>
-        <c:txPr>
-          <a:bodyPr/>
-          <a:lstStyle/>
-          <a:p>
-            <a:pPr>
-              <a:defRPr sz="2000"/>
-            </a:pPr>
-            <a:endParaRPr lang="en-US"/>
-          </a:p>
-        </c:txPr>
-        <c:crossAx val="737436976"/>
-        <c:crosses val="autoZero"/>
-        <c:crossBetween val="midCat"/>
-      </c:valAx>
-    </c:plotArea>
-    <c:plotVisOnly val="1"/>
-    <c:dispBlanksAs val="gap"/>
-    <c:showDLblsOverMax val="0"/>
-  </c:chart>
-  <c:txPr>
-    <a:bodyPr/>
-    <a:lstStyle/>
-    <a:p>
-      <a:pPr>
-        <a:defRPr sz="1000" b="0" i="0" u="none" strike="noStrike" baseline="0">
-          <a:solidFill>
-            <a:srgbClr val="000000"/>
-          </a:solidFill>
-          <a:latin typeface="Calibri"/>
-          <a:ea typeface="Calibri"/>
-          <a:cs typeface="Calibri"/>
-        </a:defRPr>
-      </a:pPr>
-      <a:endParaRPr lang="en-US"/>
-    </a:p>
-  </c:txPr>
-  <c:externalData r:id="rId1">
-    <c:autoUpdate val="0"/>
-  </c:externalData>
-</c:chartSpace>
-</file>
-
 <file path=ppt/charts/chart7.xml><?xml version="1.0" encoding="utf-8"?>
 <c:chartSpace xmlns:c="http://schemas.openxmlformats.org/drawingml/2006/chart" xmlns:a="http://schemas.openxmlformats.org/drawingml/2006/main" xmlns:r="http://schemas.openxmlformats.org/officeDocument/2006/relationships">
   <c:date1904 val="0"/>
@@ -3296,7 +3192,7 @@
           <a:lstStyle/>
           <a:p>
             <a:pPr algn="ctr" rtl="1">
-              <a:defRPr sz="2000" b="1" i="0" u="none" strike="noStrike" baseline="0">
+              <a:defRPr sz="2400" b="1" i="0" u="none" strike="noStrike" baseline="0">
                 <a:solidFill>
                   <a:srgbClr val="000000"/>
                 </a:solidFill>
@@ -3306,8 +3202,8 @@
               </a:defRPr>
             </a:pPr>
             <a:r>
-              <a:rPr lang="en-US" sz="2000"/>
-              <a:t>Body Cell Death with Bacteria and Macrophages</a:t>
+              <a:rPr lang="en-US" sz="2400"/>
+              <a:t>Body Cell Death With and Without Immune System</a:t>
             </a:r>
           </a:p>
         </c:rich>
@@ -3325,17 +3221,17 @@
           <c:idx val="0"/>
           <c:order val="0"/>
           <c:tx>
-            <c:v> Without Macrophages</c:v>
+            <c:v>Without Immune System</c:v>
           </c:tx>
           <c:marker>
             <c:symbol val="none"/>
           </c:marker>
           <c:xVal>
             <c:numRef>
-              <c:f>Sheet1!$A$1:$A$29</c:f>
+              <c:f>'With Immune system'!$G$3:$G$36</c:f>
               <c:numCache>
                 <c:formatCode>General</c:formatCode>
-                <c:ptCount val="29"/>
+                <c:ptCount val="34"/>
                 <c:pt idx="0">
                   <c:v>1.0</c:v>
                 </c:pt>
@@ -3422,101 +3318,131 @@
                 </c:pt>
                 <c:pt idx="28">
                   <c:v>29.0</c:v>
+                </c:pt>
+                <c:pt idx="29">
+                  <c:v>30.0</c:v>
+                </c:pt>
+                <c:pt idx="30">
+                  <c:v>31.0</c:v>
+                </c:pt>
+                <c:pt idx="31">
+                  <c:v>32.0</c:v>
+                </c:pt>
+                <c:pt idx="32">
+                  <c:v>33.0</c:v>
+                </c:pt>
+                <c:pt idx="33">
+                  <c:v>34.0</c:v>
                 </c:pt>
               </c:numCache>
             </c:numRef>
           </c:xVal>
           <c:yVal>
             <c:numRef>
-              <c:f>Sheet1!$B$1:$B$29</c:f>
+              <c:f>'With Immune system'!$H$3:$H$36</c:f>
               <c:numCache>
-                <c:formatCode>General</c:formatCode>
-                <c:ptCount val="29"/>
+                <c:formatCode>0.00</c:formatCode>
+                <c:ptCount val="34"/>
                 <c:pt idx="0">
-                  <c:v>10.0</c:v>
+                  <c:v>100.0</c:v>
                 </c:pt>
                 <c:pt idx="1">
-                  <c:v>10.0</c:v>
+                  <c:v>100.0</c:v>
                 </c:pt>
                 <c:pt idx="2">
-                  <c:v>10.0</c:v>
+                  <c:v>100.0</c:v>
                 </c:pt>
                 <c:pt idx="3">
-                  <c:v>10.0</c:v>
+                  <c:v>46.66666666666666</c:v>
                 </c:pt>
                 <c:pt idx="4">
-                  <c:v>9.0</c:v>
+                  <c:v>46.66666666666666</c:v>
                 </c:pt>
                 <c:pt idx="5">
-                  <c:v>9.0</c:v>
+                  <c:v>46.66666666666666</c:v>
                 </c:pt>
                 <c:pt idx="6">
-                  <c:v>9.0</c:v>
+                  <c:v>46.66666666666666</c:v>
                 </c:pt>
                 <c:pt idx="7">
-                  <c:v>9.0</c:v>
+                  <c:v>46.66666666666666</c:v>
                 </c:pt>
                 <c:pt idx="8">
-                  <c:v>9.0</c:v>
+                  <c:v>46.66666666666666</c:v>
                 </c:pt>
                 <c:pt idx="9">
-                  <c:v>9.0</c:v>
+                  <c:v>5.0</c:v>
                 </c:pt>
                 <c:pt idx="10">
-                  <c:v>8.0</c:v>
+                  <c:v>2.333333333333333</c:v>
                 </c:pt>
                 <c:pt idx="11">
-                  <c:v>8.0</c:v>
+                  <c:v>2.0</c:v>
                 </c:pt>
                 <c:pt idx="12">
-                  <c:v>6.0</c:v>
+                  <c:v>1.0</c:v>
                 </c:pt>
                 <c:pt idx="13">
-                  <c:v>5.0</c:v>
+                  <c:v>0.666666666666667</c:v>
                 </c:pt>
                 <c:pt idx="14">
-                  <c:v>5.0</c:v>
+                  <c:v>0.666666666666667</c:v>
                 </c:pt>
                 <c:pt idx="15">
-                  <c:v>4.0</c:v>
+                  <c:v>0.0</c:v>
                 </c:pt>
                 <c:pt idx="16">
-                  <c:v>4.0</c:v>
+                  <c:v>0.0</c:v>
                 </c:pt>
                 <c:pt idx="17">
-                  <c:v>2.0</c:v>
+                  <c:v>0.0</c:v>
                 </c:pt>
                 <c:pt idx="18">
-                  <c:v>2.0</c:v>
+                  <c:v>0.0</c:v>
                 </c:pt>
                 <c:pt idx="19">
-                  <c:v>2.0</c:v>
+                  <c:v>0.0</c:v>
                 </c:pt>
                 <c:pt idx="20">
-                  <c:v>2.0</c:v>
+                  <c:v>0.0</c:v>
                 </c:pt>
                 <c:pt idx="21">
-                  <c:v>2.0</c:v>
+                  <c:v>0.0</c:v>
                 </c:pt>
                 <c:pt idx="22">
-                  <c:v>2.0</c:v>
+                  <c:v>0.0</c:v>
                 </c:pt>
                 <c:pt idx="23">
-                  <c:v>1.0</c:v>
+                  <c:v>0.0</c:v>
                 </c:pt>
                 <c:pt idx="24">
-                  <c:v>1.0</c:v>
+                  <c:v>0.0</c:v>
                 </c:pt>
                 <c:pt idx="25">
-                  <c:v>1.0</c:v>
+                  <c:v>0.0</c:v>
                 </c:pt>
                 <c:pt idx="26">
-                  <c:v>1.0</c:v>
+                  <c:v>0.0</c:v>
                 </c:pt>
                 <c:pt idx="27">
-                  <c:v>1.0</c:v>
+                  <c:v>0.0</c:v>
                 </c:pt>
                 <c:pt idx="28">
+                  <c:v>0.0</c:v>
+                </c:pt>
+                <c:pt idx="29">
+                  <c:v>0.0</c:v>
+                </c:pt>
+                <c:pt idx="30">
+                  <c:v>0.0</c:v>
+                </c:pt>
+                <c:pt idx="31">
+                  <c:v>0.0</c:v>
+                </c:pt>
+                <c:pt idx="32">
+                  <c:v>0.0</c:v>
+                </c:pt>
+                <c:pt idx="33">
                   <c:v>0.0</c:v>
                 </c:pt>
               </c:numCache>
@@ -3528,12 +3454,12 @@
           <c:idx val="1"/>
           <c:order val="1"/>
           <c:tx>
-            <c:v> With Macrophages</c:v>
+            <c:v>With Immune System</c:v>
           </c:tx>
           <c:spPr>
             <a:ln>
               <a:solidFill>
-                <a:srgbClr val="00E88F"/>
+                <a:srgbClr val="FFC000"/>
               </a:solidFill>
             </a:ln>
           </c:spPr>
@@ -3542,10 +3468,10 @@
           </c:marker>
           <c:xVal>
             <c:numRef>
-              <c:f>Sheet1!$A$1:$A$29</c:f>
+              <c:f>'With Immune system'!$G$3:$G$36</c:f>
               <c:numCache>
                 <c:formatCode>General</c:formatCode>
-                <c:ptCount val="29"/>
+                <c:ptCount val="34"/>
                 <c:pt idx="0">
                   <c:v>1.0</c:v>
                 </c:pt>
@@ -3632,102 +3558,132 @@
                 </c:pt>
                 <c:pt idx="28">
                   <c:v>29.0</c:v>
+                </c:pt>
+                <c:pt idx="29">
+                  <c:v>30.0</c:v>
+                </c:pt>
+                <c:pt idx="30">
+                  <c:v>31.0</c:v>
+                </c:pt>
+                <c:pt idx="31">
+                  <c:v>32.0</c:v>
+                </c:pt>
+                <c:pt idx="32">
+                  <c:v>33.0</c:v>
+                </c:pt>
+                <c:pt idx="33">
+                  <c:v>34.0</c:v>
                 </c:pt>
               </c:numCache>
             </c:numRef>
           </c:xVal>
           <c:yVal>
             <c:numRef>
-              <c:f>Sheet1!$C$1:$C$29</c:f>
+              <c:f>'With Immune system'!$I$3:$I$36</c:f>
               <c:numCache>
                 <c:formatCode>General</c:formatCode>
-                <c:ptCount val="29"/>
+                <c:ptCount val="34"/>
                 <c:pt idx="0">
-                  <c:v>10.0</c:v>
+                  <c:v>100.0</c:v>
                 </c:pt>
                 <c:pt idx="1">
-                  <c:v>10.0</c:v>
+                  <c:v>100.0</c:v>
                 </c:pt>
                 <c:pt idx="2">
-                  <c:v>10.0</c:v>
+                  <c:v>99.0</c:v>
                 </c:pt>
                 <c:pt idx="3">
-                  <c:v>10.0</c:v>
+                  <c:v>98.0</c:v>
                 </c:pt>
                 <c:pt idx="4">
-                  <c:v>10.0</c:v>
+                  <c:v>96.0</c:v>
                 </c:pt>
                 <c:pt idx="5">
-                  <c:v>9.0</c:v>
+                  <c:v>95.0</c:v>
                 </c:pt>
                 <c:pt idx="6">
+                  <c:v>92.0</c:v>
+                </c:pt>
+                <c:pt idx="7">
+                  <c:v>90.0</c:v>
+                </c:pt>
+                <c:pt idx="8">
+                  <c:v>87.0</c:v>
+                </c:pt>
+                <c:pt idx="9">
+                  <c:v>85.0</c:v>
+                </c:pt>
+                <c:pt idx="10">
+                  <c:v>82.0</c:v>
+                </c:pt>
+                <c:pt idx="11">
+                  <c:v>80.0</c:v>
+                </c:pt>
+                <c:pt idx="12">
+                  <c:v>74.0</c:v>
+                </c:pt>
+                <c:pt idx="13">
+                  <c:v>73.0</c:v>
+                </c:pt>
+                <c:pt idx="14">
+                  <c:v>61.0</c:v>
+                </c:pt>
+                <c:pt idx="15">
+                  <c:v>59.0</c:v>
+                </c:pt>
+                <c:pt idx="16">
+                  <c:v>54.0</c:v>
+                </c:pt>
+                <c:pt idx="17">
+                  <c:v>43.0</c:v>
+                </c:pt>
+                <c:pt idx="18">
+                  <c:v>29.0</c:v>
+                </c:pt>
+                <c:pt idx="19">
+                  <c:v>22.0</c:v>
+                </c:pt>
+                <c:pt idx="20">
+                  <c:v>18.0</c:v>
+                </c:pt>
+                <c:pt idx="21">
+                  <c:v>16.0</c:v>
+                </c:pt>
+                <c:pt idx="22">
                   <c:v>8.0</c:v>
-                </c:pt>
-                <c:pt idx="7">
-                  <c:v>8.0</c:v>
-                </c:pt>
-                <c:pt idx="8">
-                  <c:v>8.0</c:v>
-                </c:pt>
-                <c:pt idx="9">
-                  <c:v>8.0</c:v>
-                </c:pt>
-                <c:pt idx="10">
-                  <c:v>8.0</c:v>
-                </c:pt>
-                <c:pt idx="11">
-                  <c:v>8.0</c:v>
-                </c:pt>
-                <c:pt idx="12">
-                  <c:v>8.0</c:v>
-                </c:pt>
-                <c:pt idx="13">
-                  <c:v>8.0</c:v>
-                </c:pt>
-                <c:pt idx="14">
-                  <c:v>8.0</c:v>
-                </c:pt>
-                <c:pt idx="15">
-                  <c:v>8.0</c:v>
-                </c:pt>
-                <c:pt idx="16">
-                  <c:v>8.0</c:v>
-                </c:pt>
-                <c:pt idx="17">
-                  <c:v>8.0</c:v>
-                </c:pt>
-                <c:pt idx="18">
-                  <c:v>8.0</c:v>
-                </c:pt>
-                <c:pt idx="19">
-                  <c:v>8.0</c:v>
-                </c:pt>
-                <c:pt idx="20">
-                  <c:v>8.0</c:v>
-                </c:pt>
-                <c:pt idx="21">
-                  <c:v>7.0</c:v>
-                </c:pt>
-                <c:pt idx="22">
-                  <c:v>7.0</c:v>
                 </c:pt>
                 <c:pt idx="23">
                   <c:v>7.0</c:v>
                 </c:pt>
                 <c:pt idx="24">
-                  <c:v>7.0</c:v>
+                  <c:v>4.0</c:v>
                 </c:pt>
                 <c:pt idx="25">
-                  <c:v>7.0</c:v>
+                  <c:v>4.0</c:v>
                 </c:pt>
                 <c:pt idx="26">
-                  <c:v>7.0</c:v>
+                  <c:v>3.0</c:v>
                 </c:pt>
                 <c:pt idx="27">
-                  <c:v>7.0</c:v>
+                  <c:v>3.0</c:v>
                 </c:pt>
                 <c:pt idx="28">
-                  <c:v>7.0</c:v>
+                  <c:v>2.0</c:v>
+                </c:pt>
+                <c:pt idx="29">
+                  <c:v>1.0</c:v>
+                </c:pt>
+                <c:pt idx="30">
+                  <c:v>1.0</c:v>
+                </c:pt>
+                <c:pt idx="31">
+                  <c:v>1.0</c:v>
+                </c:pt>
+                <c:pt idx="32">
+                  <c:v>1.0</c:v>
+                </c:pt>
+                <c:pt idx="33">
+                  <c:v>1.0</c:v>
                 </c:pt>
               </c:numCache>
             </c:numRef>
@@ -3742,16 +3698,35 @@
           <c:showPercent val="0"/>
           <c:showBubbleSize val="0"/>
         </c:dLbls>
-        <c:axId val="737492576"/>
-        <c:axId val="679252128"/>
+        <c:axId val="-1329044544"/>
+        <c:axId val="-1329305808"/>
       </c:scatterChart>
       <c:valAx>
-        <c:axId val="737492576"/>
+        <c:axId val="-1329044544"/>
         <c:scaling>
           <c:orientation val="minMax"/>
         </c:scaling>
         <c:delete val="0"/>
         <c:axPos val="b"/>
+        <c:title>
+          <c:tx>
+            <c:rich>
+              <a:bodyPr/>
+              <a:lstStyle/>
+              <a:p>
+                <a:pPr>
+                  <a:defRPr sz="2000"/>
+                </a:pPr>
+                <a:r>
+                  <a:rPr lang="en-US" sz="2000"/>
+                  <a:t>Time(seconds)</a:t>
+                </a:r>
+              </a:p>
+            </c:rich>
+          </c:tx>
+          <c:layout/>
+          <c:overlay val="0"/>
+        </c:title>
         <c:numFmt formatCode="General" sourceLinked="1"/>
         <c:majorTickMark val="out"/>
         <c:minorTickMark val="none"/>
@@ -3773,19 +3748,44 @@
             <a:endParaRPr lang="en-US"/>
           </a:p>
         </c:txPr>
-        <c:crossAx val="679252128"/>
+        <c:crossAx val="-1329305808"/>
         <c:crosses val="autoZero"/>
         <c:crossBetween val="midCat"/>
       </c:valAx>
       <c:valAx>
-        <c:axId val="679252128"/>
+        <c:axId val="-1329305808"/>
         <c:scaling>
           <c:orientation val="minMax"/>
+          <c:min val="0.0"/>
         </c:scaling>
         <c:delete val="0"/>
         <c:axPos val="l"/>
         <c:majorGridlines/>
-        <c:numFmt formatCode="General" sourceLinked="1"/>
+        <c:title>
+          <c:tx>
+            <c:rich>
+              <a:bodyPr rot="-5400000" vert="horz"/>
+              <a:lstStyle/>
+              <a:p>
+                <a:pPr>
+                  <a:defRPr sz="2000"/>
+                </a:pPr>
+                <a:r>
+                  <a:rPr lang="en-US" sz="2000"/>
+                  <a:t>Number</a:t>
+                </a:r>
+                <a:r>
+                  <a:rPr lang="en-US" sz="2000" baseline="0"/>
+                  <a:t> of Cells</a:t>
+                </a:r>
+                <a:endParaRPr lang="en-US" sz="2000"/>
+              </a:p>
+            </c:rich>
+          </c:tx>
+          <c:layout/>
+          <c:overlay val="0"/>
+        </c:title>
+        <c:numFmt formatCode="0.00" sourceLinked="1"/>
         <c:majorTickMark val="out"/>
         <c:minorTickMark val="none"/>
         <c:tickLblPos val="nextTo"/>
@@ -3799,7 +3799,7 @@
             <a:endParaRPr lang="en-US"/>
           </a:p>
         </c:txPr>
-        <c:crossAx val="737492576"/>
+        <c:crossAx val="-1329044544"/>
         <c:crosses val="autoZero"/>
         <c:crossBetween val="midCat"/>
       </c:valAx>
@@ -3928,7 +3928,7 @@
           <a:p>
             <a:fld id="{C774A270-9CA5-4E17-9448-1389142F63AE}" type="datetimeFigureOut">
               <a:rPr lang="en-US" smtClean="0"/>
-              <a:t>1/15/17</a:t>
+              <a:t>1/23/17</a:t>
             </a:fld>
             <a:endParaRPr lang="en-US"/>
           </a:p>
@@ -4718,7 +4718,7 @@
           <a:p>
             <a:fld id="{48A87A34-81AB-432B-8DAE-1953F412C126}" type="datetimeFigureOut">
               <a:rPr lang="en-US" smtClean="0"/>
-              <a:t>1/15/17</a:t>
+              <a:t>1/23/17</a:t>
             </a:fld>
             <a:endParaRPr lang="en-US" dirty="0"/>
           </a:p>
@@ -4933,7 +4933,7 @@
             <a:fld id="{48A87A34-81AB-432B-8DAE-1953F412C126}" type="datetimeFigureOut">
               <a:rPr lang="en-US" smtClean="0"/>
               <a:pPr/>
-              <a:t>1/15/17</a:t>
+              <a:t>1/23/17</a:t>
             </a:fld>
             <a:endParaRPr lang="en-US" dirty="0"/>
           </a:p>
@@ -6389,13 +6389,7 @@
                 <a:rPr lang="en-US" sz="2400" b="1" dirty="0" smtClean="0">
                   <a:cs typeface="Century Gothic"/>
                 </a:rPr>
-                <a:t>Our </a:t>
-              </a:r>
-              <a:r>
-                <a:rPr lang="en-US" sz="2400" b="1" dirty="0" smtClean="0">
-                  <a:cs typeface="Century Gothic"/>
-                </a:rPr>
-                <a:t>immune system. </a:t>
+                <a:t>Our immune system. </a:t>
               </a:r>
             </a:p>
             <a:p>
@@ -6569,19 +6563,7 @@
                 <a:rPr lang="en-US" sz="2400" dirty="0" smtClean="0">
                   <a:cs typeface="Century Gothic"/>
                 </a:rPr>
-                <a:t>To </a:t>
-              </a:r>
-              <a:r>
-                <a:rPr lang="en-US" sz="2400" dirty="0" smtClean="0">
-                  <a:cs typeface="Century Gothic"/>
-                </a:rPr>
-                <a:t>simulate </a:t>
-              </a:r>
-              <a:r>
-                <a:rPr lang="en-US" sz="2400" dirty="0" smtClean="0">
-                  <a:cs typeface="Century Gothic"/>
-                </a:rPr>
-                <a:t>the immune system and different pathogenic infections so we can better understand how our immune system works</a:t>
+                <a:t>To simulate the immune system and different pathogenic infections so we can better understand how our immune system works</a:t>
               </a:r>
               <a:r>
                 <a:rPr lang="en-US" sz="2000" dirty="0" smtClean="0">
@@ -6615,9 +6597,6 @@
                 </a:rPr>
                 <a:t>The simulation reflected aspects of the immune system effectively, based on known behaviors of the immune system.</a:t>
               </a:r>
-              <a:endParaRPr lang="en-US" sz="2400" dirty="0" smtClean="0">
-                <a:cs typeface="Century Gothic"/>
-              </a:endParaRPr>
             </a:p>
             <a:p>
               <a:pPr>
@@ -8284,13 +8263,7 @@
                 <a:rPr lang="en-US" sz="2400" dirty="0" smtClean="0">
                   <a:cs typeface="Century Gothic"/>
                 </a:rPr>
-                <a:t>Infecting 100 body cells with the entire immune system for </a:t>
-              </a:r>
-              <a:r>
-                <a:rPr lang="en-US" sz="2400" dirty="0" smtClean="0">
-                  <a:cs typeface="Century Gothic"/>
-                </a:rPr>
-                <a:t>protection</a:t>
+                <a:t>Infecting 100 body cells with the entire immune system for protection</a:t>
               </a:r>
               <a:endParaRPr lang="en-US" sz="2400" dirty="0">
                 <a:cs typeface="Century Gothic"/>
@@ -8319,30 +8292,6 @@
           <a:graphic>
             <a:graphicData uri="http://schemas.openxmlformats.org/drawingml/2006/chart">
               <c:chart xmlns:c="http://schemas.openxmlformats.org/drawingml/2006/chart" xmlns:r="http://schemas.openxmlformats.org/officeDocument/2006/relationships" r:id="rId10"/>
-            </a:graphicData>
-          </a:graphic>
-        </p:graphicFrame>
-        <p:graphicFrame>
-          <p:nvGraphicFramePr>
-            <p:cNvPr id="48" name="Chart 47"/>
-            <p:cNvGraphicFramePr>
-              <a:graphicFrameLocks/>
-            </p:cNvGraphicFramePr>
-            <p:nvPr>
-              <p:extLst>
-                <p:ext uri="{D42A27DB-BD31-4B8C-83A1-F6EECF244321}">
-                  <p14:modId xmlns:p14="http://schemas.microsoft.com/office/powerpoint/2010/main" val="522732648"/>
-                </p:ext>
-              </p:extLst>
-            </p:nvPr>
-          </p:nvGraphicFramePr>
-          <p:xfrm>
-            <a:off x="18727105" y="11722574"/>
-            <a:ext cx="6507133" cy="5689600"/>
-          </p:xfrm>
-          <a:graphic>
-            <a:graphicData uri="http://schemas.openxmlformats.org/drawingml/2006/chart">
-              <c:chart xmlns:c="http://schemas.openxmlformats.org/drawingml/2006/chart" xmlns:r="http://schemas.openxmlformats.org/officeDocument/2006/relationships" r:id="rId11"/>
             </a:graphicData>
           </a:graphic>
         </p:graphicFrame>
@@ -8467,14 +8416,7 @@
                   <a:ea typeface="Century Gothic" charset="0"/>
                   <a:cs typeface="Century Gothic" charset="0"/>
                 </a:rPr>
-                <a:t> Killing 10 body cells with </a:t>
-              </a:r>
-              <a:r>
-                <a:rPr lang="en-US" sz="2400" dirty="0" smtClean="0">
-                  <a:ea typeface="Century Gothic" charset="0"/>
-                  <a:cs typeface="Century Gothic" charset="0"/>
-                </a:rPr>
-                <a:t>bacteria</a:t>
+                <a:t> Killing 10 body cells with bacteria</a:t>
               </a:r>
               <a:endParaRPr lang="en-US" sz="2400" dirty="0">
                 <a:ea typeface="Century Gothic" charset="0"/>
@@ -8517,14 +8459,7 @@
                   <a:ea typeface="Century Gothic" charset="0"/>
                   <a:cs typeface="Century Gothic" charset="0"/>
                 </a:rPr>
-                <a:t>Killing 10 body cells with 10 macrophages for </a:t>
-              </a:r>
-              <a:r>
-                <a:rPr lang="en-US" sz="2400" dirty="0" smtClean="0">
-                  <a:ea typeface="Century Gothic" charset="0"/>
-                  <a:cs typeface="Century Gothic" charset="0"/>
-                </a:rPr>
-                <a:t>protection </a:t>
+                <a:t>Killing 10 body cells with 10 macrophages for protection </a:t>
               </a:r>
               <a:endParaRPr lang="en-US" sz="2400" dirty="0">
                 <a:ea typeface="Century Gothic" charset="0"/>
@@ -8553,7 +8488,7 @@
           </p:xfrm>
           <a:graphic>
             <a:graphicData uri="http://schemas.openxmlformats.org/drawingml/2006/chart">
-              <c:chart xmlns:c="http://schemas.openxmlformats.org/drawingml/2006/chart" xmlns:r="http://schemas.openxmlformats.org/officeDocument/2006/relationships" r:id="rId12"/>
+              <c:chart xmlns:c="http://schemas.openxmlformats.org/drawingml/2006/chart" xmlns:r="http://schemas.openxmlformats.org/officeDocument/2006/relationships" r:id="rId11"/>
             </a:graphicData>
           </a:graphic>
         </p:graphicFrame>
@@ -8577,7 +8512,7 @@
           </p:xfrm>
           <a:graphic>
             <a:graphicData uri="http://schemas.openxmlformats.org/drawingml/2006/chart">
-              <c:chart xmlns:c="http://schemas.openxmlformats.org/drawingml/2006/chart" xmlns:r="http://schemas.openxmlformats.org/officeDocument/2006/relationships" r:id="rId13"/>
+              <c:chart xmlns:c="http://schemas.openxmlformats.org/drawingml/2006/chart" xmlns:r="http://schemas.openxmlformats.org/officeDocument/2006/relationships" r:id="rId12"/>
             </a:graphicData>
           </a:graphic>
         </p:graphicFrame>
@@ -8715,6 +8650,30 @@
           </a:p>
         </p:txBody>
       </p:sp>
+      <p:graphicFrame>
+        <p:nvGraphicFramePr>
+          <p:cNvPr id="44" name="Chart 43"/>
+          <p:cNvGraphicFramePr>
+            <a:graphicFrameLocks/>
+          </p:cNvGraphicFramePr>
+          <p:nvPr>
+            <p:extLst>
+              <p:ext uri="{D42A27DB-BD31-4B8C-83A1-F6EECF244321}">
+                <p14:modId xmlns:p14="http://schemas.microsoft.com/office/powerpoint/2010/main" val="433915682"/>
+              </p:ext>
+            </p:extLst>
+          </p:nvPr>
+        </p:nvGraphicFramePr>
+        <p:xfrm>
+          <a:off x="18851663" y="15547665"/>
+          <a:ext cx="6567701" cy="5608153"/>
+        </p:xfrm>
+        <a:graphic>
+          <a:graphicData uri="http://schemas.openxmlformats.org/drawingml/2006/chart">
+            <c:chart xmlns:c="http://schemas.openxmlformats.org/drawingml/2006/chart" xmlns:r="http://schemas.openxmlformats.org/officeDocument/2006/relationships" r:id="rId13"/>
+          </a:graphicData>
+        </a:graphic>
+      </p:graphicFrame>
     </p:spTree>
     <p:extLst>
       <p:ext uri="{BB962C8B-B14F-4D97-AF65-F5344CB8AC3E}">
